--- a/9.3_Management_Review/ISO27001 - Management Review Template 202405.pptx
+++ b/9.3_Management_Review/ISO27001 - Management Review Template 202405.pptx
@@ -5,10 +5,10 @@
     <p:sldMasterId id="2147483648" r:id="rId1"/>
   </p:sldMasterIdLst>
   <p:notesMasterIdLst>
-    <p:notesMasterId r:id="rId30"/>
+    <p:notesMasterId r:id="rId31"/>
   </p:notesMasterIdLst>
   <p:handoutMasterIdLst>
-    <p:handoutMasterId r:id="rId31"/>
+    <p:handoutMasterId r:id="rId32"/>
   </p:handoutMasterIdLst>
   <p:sldIdLst>
     <p:sldId id="258" r:id="rId2"/>
@@ -18,27 +18,28 @@
     <p:sldId id="259" r:id="rId6"/>
     <p:sldId id="260" r:id="rId7"/>
     <p:sldId id="261" r:id="rId8"/>
-    <p:sldId id="264" r:id="rId9"/>
-    <p:sldId id="3773" r:id="rId10"/>
-    <p:sldId id="3775" r:id="rId11"/>
-    <p:sldId id="3756" r:id="rId12"/>
-    <p:sldId id="3765" r:id="rId13"/>
-    <p:sldId id="3791" r:id="rId14"/>
-    <p:sldId id="3776" r:id="rId15"/>
-    <p:sldId id="3777" r:id="rId16"/>
-    <p:sldId id="3768" r:id="rId17"/>
-    <p:sldId id="3767" r:id="rId18"/>
-    <p:sldId id="3769" r:id="rId19"/>
-    <p:sldId id="3786" r:id="rId20"/>
-    <p:sldId id="3778" r:id="rId21"/>
-    <p:sldId id="3779" r:id="rId22"/>
-    <p:sldId id="3783" r:id="rId23"/>
-    <p:sldId id="3784" r:id="rId24"/>
-    <p:sldId id="3780" r:id="rId25"/>
-    <p:sldId id="3781" r:id="rId26"/>
-    <p:sldId id="3792" r:id="rId27"/>
-    <p:sldId id="3741" r:id="rId28"/>
-    <p:sldId id="3787" r:id="rId29"/>
+    <p:sldId id="3793" r:id="rId9"/>
+    <p:sldId id="264" r:id="rId10"/>
+    <p:sldId id="3773" r:id="rId11"/>
+    <p:sldId id="3775" r:id="rId12"/>
+    <p:sldId id="3756" r:id="rId13"/>
+    <p:sldId id="3765" r:id="rId14"/>
+    <p:sldId id="3791" r:id="rId15"/>
+    <p:sldId id="3776" r:id="rId16"/>
+    <p:sldId id="3777" r:id="rId17"/>
+    <p:sldId id="3768" r:id="rId18"/>
+    <p:sldId id="3767" r:id="rId19"/>
+    <p:sldId id="3769" r:id="rId20"/>
+    <p:sldId id="3786" r:id="rId21"/>
+    <p:sldId id="3778" r:id="rId22"/>
+    <p:sldId id="3779" r:id="rId23"/>
+    <p:sldId id="3783" r:id="rId24"/>
+    <p:sldId id="3784" r:id="rId25"/>
+    <p:sldId id="3780" r:id="rId26"/>
+    <p:sldId id="3781" r:id="rId27"/>
+    <p:sldId id="3792" r:id="rId28"/>
+    <p:sldId id="3741" r:id="rId29"/>
+    <p:sldId id="3787" r:id="rId30"/>
   </p:sldIdLst>
   <p:sldSz cx="12192000" cy="6858000"/>
   <p:notesSz cx="6858000" cy="9144000"/>
@@ -146,6 +147,167 @@
     </p:ext>
   </p:extLst>
 </p:presentation>
+</file>
+
+<file path=ppt/revisionInfo.xml><?xml version="1.0" encoding="utf-8"?>
+<p1510:revInfo xmlns:a="http://schemas.openxmlformats.org/drawingml/2006/main" xmlns:r="http://schemas.openxmlformats.org/officeDocument/2006/relationships" xmlns:p1510="http://schemas.microsoft.com/office/powerpoint/2015/10/main">
+  <p1510:revLst>
+    <p1510:client id="{921CA88F-07BE-4E21-8D5E-A4DB066462B8}" v="1" dt="2024-05-24T14:31:48.836"/>
+  </p1510:revLst>
+</p1510:revInfo>
+</file>
+
+<file path=ppt/changesInfos/changesInfo1.xml><?xml version="1.0" encoding="utf-8"?>
+<pc:chgInfo xmlns:a="http://schemas.openxmlformats.org/drawingml/2006/main" xmlns:r="http://schemas.openxmlformats.org/officeDocument/2006/relationships" xmlns:ac="http://schemas.microsoft.com/office/drawing/2013/main/command" xmlns:pc="http://schemas.microsoft.com/office/powerpoint/2013/main/command">
+  <pc:docChgLst>
+    <pc:chgData name="Peter Geelen (Quest For Security)" userId="eb323b04-b7a4-41e4-a507-3152ca9a1546" providerId="ADAL" clId="{921CA88F-07BE-4E21-8D5E-A4DB066462B8}"/>
+    <pc:docChg chg="undo custSel addSld modSld">
+      <pc:chgData name="Peter Geelen (Quest For Security)" userId="eb323b04-b7a4-41e4-a507-3152ca9a1546" providerId="ADAL" clId="{921CA88F-07BE-4E21-8D5E-A4DB066462B8}" dt="2024-05-24T14:57:54.600" v="125"/>
+      <pc:docMkLst>
+        <pc:docMk/>
+      </pc:docMkLst>
+      <pc:sldChg chg="addSp delSp mod modNotesTx">
+        <pc:chgData name="Peter Geelen (Quest For Security)" userId="eb323b04-b7a4-41e4-a507-3152ca9a1546" providerId="ADAL" clId="{921CA88F-07BE-4E21-8D5E-A4DB066462B8}" dt="2024-05-24T14:55:31.716" v="107"/>
+        <pc:sldMkLst>
+          <pc:docMk/>
+          <pc:sldMk cId="1415311549" sldId="259"/>
+        </pc:sldMkLst>
+        <pc:spChg chg="add del">
+          <ac:chgData name="Peter Geelen (Quest For Security)" userId="eb323b04-b7a4-41e4-a507-3152ca9a1546" providerId="ADAL" clId="{921CA88F-07BE-4E21-8D5E-A4DB066462B8}" dt="2024-05-24T14:55:30.991" v="106" actId="22"/>
+          <ac:spMkLst>
+            <pc:docMk/>
+            <pc:sldMk cId="1415311549" sldId="259"/>
+            <ac:spMk id="8" creationId="{31B7D18D-3E8C-C006-FF51-E072478DEFF2}"/>
+          </ac:spMkLst>
+        </pc:spChg>
+      </pc:sldChg>
+      <pc:sldChg chg="addSp delSp mod modNotesTx">
+        <pc:chgData name="Peter Geelen (Quest For Security)" userId="eb323b04-b7a4-41e4-a507-3152ca9a1546" providerId="ADAL" clId="{921CA88F-07BE-4E21-8D5E-A4DB066462B8}" dt="2024-05-24T14:55:42.659" v="110"/>
+        <pc:sldMkLst>
+          <pc:docMk/>
+          <pc:sldMk cId="3348698265" sldId="260"/>
+        </pc:sldMkLst>
+        <pc:spChg chg="add del">
+          <ac:chgData name="Peter Geelen (Quest For Security)" userId="eb323b04-b7a4-41e4-a507-3152ca9a1546" providerId="ADAL" clId="{921CA88F-07BE-4E21-8D5E-A4DB066462B8}" dt="2024-05-24T14:55:41.886" v="109" actId="22"/>
+          <ac:spMkLst>
+            <pc:docMk/>
+            <pc:sldMk cId="3348698265" sldId="260"/>
+            <ac:spMk id="8" creationId="{3F0A696E-2822-D864-E6C9-FEAFB237A539}"/>
+          </ac:spMkLst>
+        </pc:spChg>
+      </pc:sldChg>
+      <pc:sldChg chg="modNotesTx">
+        <pc:chgData name="Peter Geelen (Quest For Security)" userId="eb323b04-b7a4-41e4-a507-3152ca9a1546" providerId="ADAL" clId="{921CA88F-07BE-4E21-8D5E-A4DB066462B8}" dt="2024-05-24T14:55:46.530" v="111"/>
+        <pc:sldMkLst>
+          <pc:docMk/>
+          <pc:sldMk cId="766945570" sldId="261"/>
+        </pc:sldMkLst>
+      </pc:sldChg>
+      <pc:sldChg chg="modNotesTx">
+        <pc:chgData name="Peter Geelen (Quest For Security)" userId="eb323b04-b7a4-41e4-a507-3152ca9a1546" providerId="ADAL" clId="{921CA88F-07BE-4E21-8D5E-A4DB066462B8}" dt="2024-05-24T14:56:08.156" v="115"/>
+        <pc:sldMkLst>
+          <pc:docMk/>
+          <pc:sldMk cId="542498975" sldId="264"/>
+        </pc:sldMkLst>
+      </pc:sldChg>
+      <pc:sldChg chg="modNotesTx">
+        <pc:chgData name="Peter Geelen (Quest For Security)" userId="eb323b04-b7a4-41e4-a507-3152ca9a1546" providerId="ADAL" clId="{921CA88F-07BE-4E21-8D5E-A4DB066462B8}" dt="2024-05-24T14:56:43.733" v="118"/>
+        <pc:sldMkLst>
+          <pc:docMk/>
+          <pc:sldMk cId="1722658136" sldId="3756"/>
+        </pc:sldMkLst>
+      </pc:sldChg>
+      <pc:sldChg chg="modSp mod modNotesTx">
+        <pc:chgData name="Peter Geelen (Quest For Security)" userId="eb323b04-b7a4-41e4-a507-3152ca9a1546" providerId="ADAL" clId="{921CA88F-07BE-4E21-8D5E-A4DB066462B8}" dt="2024-05-24T14:56:15.649" v="116"/>
+        <pc:sldMkLst>
+          <pc:docMk/>
+          <pc:sldMk cId="890866697" sldId="3773"/>
+        </pc:sldMkLst>
+        <pc:spChg chg="mod">
+          <ac:chgData name="Peter Geelen (Quest For Security)" userId="eb323b04-b7a4-41e4-a507-3152ca9a1546" providerId="ADAL" clId="{921CA88F-07BE-4E21-8D5E-A4DB066462B8}" dt="2024-05-24T14:38:14.248" v="104" actId="20577"/>
+          <ac:spMkLst>
+            <pc:docMk/>
+            <pc:sldMk cId="890866697" sldId="3773"/>
+            <ac:spMk id="5" creationId="{67D3D307-9137-4497-83E4-A5BAE3594CA8}"/>
+          </ac:spMkLst>
+        </pc:spChg>
+      </pc:sldChg>
+      <pc:sldChg chg="modNotesTx">
+        <pc:chgData name="Peter Geelen (Quest For Security)" userId="eb323b04-b7a4-41e4-a507-3152ca9a1546" providerId="ADAL" clId="{921CA88F-07BE-4E21-8D5E-A4DB066462B8}" dt="2024-05-24T14:56:24.105" v="117"/>
+        <pc:sldMkLst>
+          <pc:docMk/>
+          <pc:sldMk cId="163809421" sldId="3775"/>
+        </pc:sldMkLst>
+      </pc:sldChg>
+      <pc:sldChg chg="modNotesTx">
+        <pc:chgData name="Peter Geelen (Quest For Security)" userId="eb323b04-b7a4-41e4-a507-3152ca9a1546" providerId="ADAL" clId="{921CA88F-07BE-4E21-8D5E-A4DB066462B8}" dt="2024-05-24T14:57:13.164" v="121" actId="20577"/>
+        <pc:sldMkLst>
+          <pc:docMk/>
+          <pc:sldMk cId="3591148897" sldId="3778"/>
+        </pc:sldMkLst>
+      </pc:sldChg>
+      <pc:sldChg chg="modNotesTx">
+        <pc:chgData name="Peter Geelen (Quest For Security)" userId="eb323b04-b7a4-41e4-a507-3152ca9a1546" providerId="ADAL" clId="{921CA88F-07BE-4E21-8D5E-A4DB066462B8}" dt="2024-05-24T14:57:23.247" v="122"/>
+        <pc:sldMkLst>
+          <pc:docMk/>
+          <pc:sldMk cId="2630103240" sldId="3779"/>
+        </pc:sldMkLst>
+      </pc:sldChg>
+      <pc:sldChg chg="modNotesTx">
+        <pc:chgData name="Peter Geelen (Quest For Security)" userId="eb323b04-b7a4-41e4-a507-3152ca9a1546" providerId="ADAL" clId="{921CA88F-07BE-4E21-8D5E-A4DB066462B8}" dt="2024-05-24T14:57:43.556" v="124"/>
+        <pc:sldMkLst>
+          <pc:docMk/>
+          <pc:sldMk cId="335147267" sldId="3780"/>
+        </pc:sldMkLst>
+      </pc:sldChg>
+      <pc:sldChg chg="modNotesTx">
+        <pc:chgData name="Peter Geelen (Quest For Security)" userId="eb323b04-b7a4-41e4-a507-3152ca9a1546" providerId="ADAL" clId="{921CA88F-07BE-4E21-8D5E-A4DB066462B8}" dt="2024-05-24T14:57:54.600" v="125"/>
+        <pc:sldMkLst>
+          <pc:docMk/>
+          <pc:sldMk cId="3138061669" sldId="3781"/>
+        </pc:sldMkLst>
+      </pc:sldChg>
+      <pc:sldChg chg="modNotesTx">
+        <pc:chgData name="Peter Geelen (Quest For Security)" userId="eb323b04-b7a4-41e4-a507-3152ca9a1546" providerId="ADAL" clId="{921CA88F-07BE-4E21-8D5E-A4DB066462B8}" dt="2024-05-24T14:57:34.560" v="123"/>
+        <pc:sldMkLst>
+          <pc:docMk/>
+          <pc:sldMk cId="3750360004" sldId="3784"/>
+        </pc:sldMkLst>
+      </pc:sldChg>
+      <pc:sldChg chg="addSp delSp modSp add mod modNotesTx">
+        <pc:chgData name="Peter Geelen (Quest For Security)" userId="eb323b04-b7a4-41e4-a507-3152ca9a1546" providerId="ADAL" clId="{921CA88F-07BE-4E21-8D5E-A4DB066462B8}" dt="2024-05-24T14:55:55.012" v="114"/>
+        <pc:sldMkLst>
+          <pc:docMk/>
+          <pc:sldMk cId="240238004" sldId="3793"/>
+        </pc:sldMkLst>
+        <pc:spChg chg="add del">
+          <ac:chgData name="Peter Geelen (Quest For Security)" userId="eb323b04-b7a4-41e4-a507-3152ca9a1546" providerId="ADAL" clId="{921CA88F-07BE-4E21-8D5E-A4DB066462B8}" dt="2024-05-24T14:55:54.351" v="113" actId="22"/>
+          <ac:spMkLst>
+            <pc:docMk/>
+            <pc:sldMk cId="240238004" sldId="3793"/>
+            <ac:spMk id="3" creationId="{F5217157-20FB-53F4-B04B-FFE4A8AAD982}"/>
+          </ac:spMkLst>
+        </pc:spChg>
+        <pc:spChg chg="mod">
+          <ac:chgData name="Peter Geelen (Quest For Security)" userId="eb323b04-b7a4-41e4-a507-3152ca9a1546" providerId="ADAL" clId="{921CA88F-07BE-4E21-8D5E-A4DB066462B8}" dt="2024-05-24T14:32:04.865" v="33" actId="20577"/>
+          <ac:spMkLst>
+            <pc:docMk/>
+            <pc:sldMk cId="240238004" sldId="3793"/>
+            <ac:spMk id="4" creationId="{390B2C54-4DEE-4ADC-99B0-309418E10131}"/>
+          </ac:spMkLst>
+        </pc:spChg>
+        <pc:spChg chg="mod">
+          <ac:chgData name="Peter Geelen (Quest For Security)" userId="eb323b04-b7a4-41e4-a507-3152ca9a1546" providerId="ADAL" clId="{921CA88F-07BE-4E21-8D5E-A4DB066462B8}" dt="2024-05-24T14:32:16.672" v="72" actId="20577"/>
+          <ac:spMkLst>
+            <pc:docMk/>
+            <pc:sldMk cId="240238004" sldId="3793"/>
+            <ac:spMk id="5" creationId="{67D3D307-9137-4497-83E4-A5BAE3594CA8}"/>
+          </ac:spMkLst>
+        </pc:spChg>
+      </pc:sldChg>
+    </pc:docChg>
+  </pc:docChgLst>
+</pc:chgInfo>
 </file>
 
 <file path=ppt/handoutMasters/handoutMaster1.xml><?xml version="1.0" encoding="utf-8"?>
@@ -778,6 +940,1098 @@
 </p:notes>
 </file>
 
+<file path=ppt/notesSlides/notesSlide10.xml><?xml version="1.0" encoding="utf-8"?>
+<p:notes xmlns:a="http://schemas.openxmlformats.org/drawingml/2006/main" xmlns:r="http://schemas.openxmlformats.org/officeDocument/2006/relationships" xmlns:p="http://schemas.openxmlformats.org/presentationml/2006/main">
+  <p:cSld>
+    <p:spTree>
+      <p:nvGrpSpPr>
+        <p:cNvPr id="1" name=""/>
+        <p:cNvGrpSpPr/>
+        <p:nvPr/>
+      </p:nvGrpSpPr>
+      <p:grpSpPr>
+        <a:xfrm>
+          <a:off x="0" y="0"/>
+          <a:ext cx="0" cy="0"/>
+          <a:chOff x="0" y="0"/>
+          <a:chExt cx="0" cy="0"/>
+        </a:xfrm>
+      </p:grpSpPr>
+      <p:sp>
+        <p:nvSpPr>
+          <p:cNvPr id="2" name="Slide Image Placeholder 1"/>
+          <p:cNvSpPr>
+            <a:spLocks noGrp="1" noRot="1" noChangeAspect="1"/>
+          </p:cNvSpPr>
+          <p:nvPr>
+            <p:ph type="sldImg"/>
+          </p:nvPr>
+        </p:nvSpPr>
+        <p:spPr/>
+      </p:sp>
+      <p:sp>
+        <p:nvSpPr>
+          <p:cNvPr id="3" name="Notes Placeholder 2"/>
+          <p:cNvSpPr>
+            <a:spLocks noGrp="1"/>
+          </p:cNvSpPr>
+          <p:nvPr>
+            <p:ph type="body" idx="1"/>
+          </p:nvPr>
+        </p:nvSpPr>
+        <p:spPr/>
+        <p:txBody>
+          <a:bodyPr/>
+          <a:lstStyle/>
+          <a:p>
+            <a:pPr marL="0" marR="0" lvl="0" indent="0" algn="l" defTabSz="914400" rtl="0" eaLnBrk="1" fontAlgn="auto" latinLnBrk="0" hangingPunct="1">
+              <a:lnSpc>
+                <a:spcPct val="100000"/>
+              </a:lnSpc>
+              <a:spcBef>
+                <a:spcPts val="0"/>
+              </a:spcBef>
+              <a:spcAft>
+                <a:spcPts val="0"/>
+              </a:spcAft>
+              <a:buClrTx/>
+              <a:buSzTx/>
+              <a:buFontTx/>
+              <a:buNone/>
+              <a:tabLst/>
+              <a:defRPr/>
+            </a:pPr>
+            <a:r>
+              <a:rPr lang="en-US" sz="1800" b="1" kern="100" dirty="0">
+                <a:effectLst/>
+                <a:latin typeface="Calibri" panose="020F0502020204030204" pitchFamily="34" charset="0"/>
+                <a:ea typeface="Calibri" panose="020F0502020204030204" pitchFamily="34" charset="0"/>
+                <a:cs typeface="Times New Roman" panose="02020603050405020304" pitchFamily="18" charset="0"/>
+              </a:rPr>
+              <a:t>[Reference: ISO27001 Clause 9.3.2 b) 4)]</a:t>
+            </a:r>
+            <a:endParaRPr lang="en-US" sz="1800" kern="100" dirty="0">
+              <a:effectLst/>
+              <a:latin typeface="Calibri" panose="020F0502020204030204" pitchFamily="34" charset="0"/>
+              <a:ea typeface="Calibri" panose="020F0502020204030204" pitchFamily="34" charset="0"/>
+              <a:cs typeface="Times New Roman" panose="02020603050405020304" pitchFamily="18" charset="0"/>
+            </a:endParaRPr>
+          </a:p>
+          <a:p>
+            <a:pPr marL="0" marR="0" lvl="0" indent="0" algn="l" defTabSz="914400" rtl="0" eaLnBrk="1" fontAlgn="auto" latinLnBrk="0" hangingPunct="1">
+              <a:lnSpc>
+                <a:spcPct val="100000"/>
+              </a:lnSpc>
+              <a:spcBef>
+                <a:spcPts val="0"/>
+              </a:spcBef>
+              <a:spcAft>
+                <a:spcPts val="0"/>
+              </a:spcAft>
+              <a:buClrTx/>
+              <a:buSzTx/>
+              <a:buFontTx/>
+              <a:buNone/>
+              <a:tabLst/>
+              <a:defRPr/>
+            </a:pPr>
+            <a:endParaRPr lang="nl-BE" dirty="0">
+              <a:solidFill>
+                <a:srgbClr val="000000"/>
+              </a:solidFill>
+              <a:latin typeface="Calibri" panose="020F0502020204030204" pitchFamily="34" charset="0"/>
+              <a:ea typeface="Times New Roman" panose="02020603050405020304" pitchFamily="18" charset="0"/>
+              <a:cs typeface="Symbol" panose="05050102010706020507" pitchFamily="18" charset="2"/>
+            </a:endParaRPr>
+          </a:p>
+          <a:p>
+            <a:pPr marL="0" marR="0" lvl="0" indent="0" algn="l" defTabSz="914400" rtl="0" eaLnBrk="1" fontAlgn="auto" latinLnBrk="0" hangingPunct="1">
+              <a:lnSpc>
+                <a:spcPct val="100000"/>
+              </a:lnSpc>
+              <a:spcBef>
+                <a:spcPts val="0"/>
+              </a:spcBef>
+              <a:spcAft>
+                <a:spcPts val="0"/>
+              </a:spcAft>
+              <a:buClrTx/>
+              <a:buSzTx/>
+              <a:buFontTx/>
+              <a:buNone/>
+              <a:tabLst/>
+              <a:defRPr/>
+            </a:pPr>
+            <a:endParaRPr lang="nl-BE" dirty="0">
+              <a:solidFill>
+                <a:srgbClr val="000000"/>
+              </a:solidFill>
+              <a:latin typeface="Calibri" panose="020F0502020204030204" pitchFamily="34" charset="0"/>
+              <a:ea typeface="Times New Roman" panose="02020603050405020304" pitchFamily="18" charset="0"/>
+              <a:cs typeface="Symbol" panose="05050102010706020507" pitchFamily="18" charset="2"/>
+            </a:endParaRPr>
+          </a:p>
+          <a:p>
+            <a:pPr marL="0" marR="0" lvl="0" indent="0" algn="l" defTabSz="914400" rtl="0" eaLnBrk="1" fontAlgn="auto" latinLnBrk="0" hangingPunct="1">
+              <a:lnSpc>
+                <a:spcPct val="100000"/>
+              </a:lnSpc>
+              <a:spcBef>
+                <a:spcPts val="0"/>
+              </a:spcBef>
+              <a:spcAft>
+                <a:spcPts val="0"/>
+              </a:spcAft>
+              <a:buClrTx/>
+              <a:buSzTx/>
+              <a:buFontTx/>
+              <a:buNone/>
+              <a:tabLst/>
+              <a:defRPr/>
+            </a:pPr>
+            <a:r>
+              <a:rPr lang="nl-BE" dirty="0">
+                <a:solidFill>
+                  <a:srgbClr val="000000"/>
+                </a:solidFill>
+                <a:latin typeface="Calibri" panose="020F0502020204030204" pitchFamily="34" charset="0"/>
+                <a:ea typeface="Times New Roman" panose="02020603050405020304" pitchFamily="18" charset="0"/>
+                <a:cs typeface="Symbol" panose="05050102010706020507" pitchFamily="18" charset="2"/>
+              </a:rPr>
+              <a:t>Trend (- or = or +)</a:t>
+            </a:r>
+          </a:p>
+          <a:p>
+            <a:pPr marL="171450" indent="-171450">
+              <a:buFontTx/>
+              <a:buChar char="-"/>
+            </a:pPr>
+            <a:r>
+              <a:rPr lang="nl-BE" dirty="0" err="1"/>
+              <a:t>Decreasing</a:t>
+            </a:r>
+            <a:r>
+              <a:rPr lang="nl-BE" dirty="0"/>
+              <a:t> (bad)</a:t>
+            </a:r>
+          </a:p>
+          <a:p>
+            <a:pPr marL="171450" indent="-171450">
+              <a:buFontTx/>
+              <a:buChar char="-"/>
+            </a:pPr>
+            <a:r>
+              <a:rPr lang="nl-BE" dirty="0" err="1"/>
+              <a:t>Stable</a:t>
+            </a:r>
+            <a:r>
+              <a:rPr lang="nl-BE" dirty="0"/>
+              <a:t> (=), status quo</a:t>
+            </a:r>
+          </a:p>
+          <a:p>
+            <a:pPr marL="171450" indent="-171450">
+              <a:buFontTx/>
+              <a:buChar char="-"/>
+            </a:pPr>
+            <a:r>
+              <a:rPr lang="nl-BE" dirty="0" err="1"/>
+              <a:t>Increasing</a:t>
+            </a:r>
+            <a:r>
+              <a:rPr lang="nl-BE" dirty="0"/>
+              <a:t> (</a:t>
+            </a:r>
+            <a:r>
+              <a:rPr lang="nl-BE" dirty="0" err="1"/>
+              <a:t>good</a:t>
+            </a:r>
+            <a:r>
+              <a:rPr lang="nl-BE" dirty="0"/>
+              <a:t>) </a:t>
+            </a:r>
+          </a:p>
+        </p:txBody>
+      </p:sp>
+      <p:sp>
+        <p:nvSpPr>
+          <p:cNvPr id="4" name="Slide Number Placeholder 3"/>
+          <p:cNvSpPr>
+            <a:spLocks noGrp="1"/>
+          </p:cNvSpPr>
+          <p:nvPr>
+            <p:ph type="sldNum" sz="quarter" idx="5"/>
+          </p:nvPr>
+        </p:nvSpPr>
+        <p:spPr/>
+        <p:txBody>
+          <a:bodyPr/>
+          <a:lstStyle/>
+          <a:p>
+            <a:fld id="{27067836-F567-C04A-AF80-269884025F76}" type="slidenum">
+              <a:rPr lang="en-US" smtClean="0"/>
+              <a:t>21</a:t>
+            </a:fld>
+            <a:endParaRPr lang="en-US"/>
+          </a:p>
+        </p:txBody>
+      </p:sp>
+    </p:spTree>
+    <p:extLst>
+      <p:ext uri="{BB962C8B-B14F-4D97-AF65-F5344CB8AC3E}">
+        <p14:creationId xmlns:p14="http://schemas.microsoft.com/office/powerpoint/2010/main" val="1522759628"/>
+      </p:ext>
+    </p:extLst>
+  </p:cSld>
+  <p:clrMapOvr>
+    <a:masterClrMapping/>
+  </p:clrMapOvr>
+</p:notes>
+</file>
+
+<file path=ppt/notesSlides/notesSlide11.xml><?xml version="1.0" encoding="utf-8"?>
+<p:notes xmlns:a="http://schemas.openxmlformats.org/drawingml/2006/main" xmlns:r="http://schemas.openxmlformats.org/officeDocument/2006/relationships" xmlns:p="http://schemas.openxmlformats.org/presentationml/2006/main">
+  <p:cSld>
+    <p:spTree>
+      <p:nvGrpSpPr>
+        <p:cNvPr id="1" name=""/>
+        <p:cNvGrpSpPr/>
+        <p:nvPr/>
+      </p:nvGrpSpPr>
+      <p:grpSpPr>
+        <a:xfrm>
+          <a:off x="0" y="0"/>
+          <a:ext cx="0" cy="0"/>
+          <a:chOff x="0" y="0"/>
+          <a:chExt cx="0" cy="0"/>
+        </a:xfrm>
+      </p:grpSpPr>
+      <p:sp>
+        <p:nvSpPr>
+          <p:cNvPr id="2" name="Slide Image Placeholder 1"/>
+          <p:cNvSpPr>
+            <a:spLocks noGrp="1" noRot="1" noChangeAspect="1"/>
+          </p:cNvSpPr>
+          <p:nvPr>
+            <p:ph type="sldImg"/>
+          </p:nvPr>
+        </p:nvSpPr>
+        <p:spPr/>
+      </p:sp>
+      <p:sp>
+        <p:nvSpPr>
+          <p:cNvPr id="3" name="Notes Placeholder 2"/>
+          <p:cNvSpPr>
+            <a:spLocks noGrp="1"/>
+          </p:cNvSpPr>
+          <p:nvPr>
+            <p:ph type="body" idx="1"/>
+          </p:nvPr>
+        </p:nvSpPr>
+        <p:spPr/>
+        <p:txBody>
+          <a:bodyPr/>
+          <a:lstStyle/>
+          <a:p>
+            <a:pPr marL="0" marR="0" lvl="0" indent="0" algn="l" defTabSz="914400" rtl="0" eaLnBrk="1" fontAlgn="auto" latinLnBrk="0" hangingPunct="1">
+              <a:lnSpc>
+                <a:spcPct val="100000"/>
+              </a:lnSpc>
+              <a:spcBef>
+                <a:spcPts val="0"/>
+              </a:spcBef>
+              <a:spcAft>
+                <a:spcPts val="0"/>
+              </a:spcAft>
+              <a:buClrTx/>
+              <a:buSzTx/>
+              <a:buFontTx/>
+              <a:buNone/>
+              <a:tabLst/>
+              <a:defRPr/>
+            </a:pPr>
+            <a:r>
+              <a:rPr lang="en-US" sz="1800" b="1" kern="100" dirty="0">
+                <a:effectLst/>
+                <a:latin typeface="Calibri" panose="020F0502020204030204" pitchFamily="34" charset="0"/>
+                <a:ea typeface="Calibri" panose="020F0502020204030204" pitchFamily="34" charset="0"/>
+                <a:cs typeface="Times New Roman" panose="02020603050405020304" pitchFamily="18" charset="0"/>
+              </a:rPr>
+              <a:t>[Reference: ISO27001 Clause 9.3.2 e)]</a:t>
+            </a:r>
+            <a:endParaRPr lang="en-US" sz="1800" kern="100" dirty="0">
+              <a:effectLst/>
+              <a:latin typeface="Calibri" panose="020F0502020204030204" pitchFamily="34" charset="0"/>
+              <a:ea typeface="Calibri" panose="020F0502020204030204" pitchFamily="34" charset="0"/>
+              <a:cs typeface="Times New Roman" panose="02020603050405020304" pitchFamily="18" charset="0"/>
+            </a:endParaRPr>
+          </a:p>
+          <a:p>
+            <a:pPr marL="0" marR="0" lvl="0" indent="0" algn="l" defTabSz="914400" rtl="0" eaLnBrk="1" fontAlgn="auto" latinLnBrk="0" hangingPunct="1">
+              <a:lnSpc>
+                <a:spcPct val="100000"/>
+              </a:lnSpc>
+              <a:spcBef>
+                <a:spcPts val="0"/>
+              </a:spcBef>
+              <a:spcAft>
+                <a:spcPts val="0"/>
+              </a:spcAft>
+              <a:buClrTx/>
+              <a:buSzTx/>
+              <a:buFontTx/>
+              <a:buNone/>
+              <a:tabLst/>
+              <a:defRPr/>
+            </a:pPr>
+            <a:endParaRPr lang="nl-BE" dirty="0"/>
+          </a:p>
+        </p:txBody>
+      </p:sp>
+      <p:sp>
+        <p:nvSpPr>
+          <p:cNvPr id="4" name="Slide Number Placeholder 3"/>
+          <p:cNvSpPr>
+            <a:spLocks noGrp="1"/>
+          </p:cNvSpPr>
+          <p:nvPr>
+            <p:ph type="sldNum" sz="quarter" idx="5"/>
+          </p:nvPr>
+        </p:nvSpPr>
+        <p:spPr/>
+        <p:txBody>
+          <a:bodyPr/>
+          <a:lstStyle/>
+          <a:p>
+            <a:fld id="{27067836-F567-C04A-AF80-269884025F76}" type="slidenum">
+              <a:rPr lang="en-US" smtClean="0"/>
+              <a:t>22</a:t>
+            </a:fld>
+            <a:endParaRPr lang="en-US"/>
+          </a:p>
+        </p:txBody>
+      </p:sp>
+    </p:spTree>
+    <p:extLst>
+      <p:ext uri="{BB962C8B-B14F-4D97-AF65-F5344CB8AC3E}">
+        <p14:creationId xmlns:p14="http://schemas.microsoft.com/office/powerpoint/2010/main" val="507502217"/>
+      </p:ext>
+    </p:extLst>
+  </p:cSld>
+  <p:clrMapOvr>
+    <a:masterClrMapping/>
+  </p:clrMapOvr>
+</p:notes>
+</file>
+
+<file path=ppt/notesSlides/notesSlide12.xml><?xml version="1.0" encoding="utf-8"?>
+<p:notes xmlns:a="http://schemas.openxmlformats.org/drawingml/2006/main" xmlns:r="http://schemas.openxmlformats.org/officeDocument/2006/relationships" xmlns:p="http://schemas.openxmlformats.org/presentationml/2006/main">
+  <p:cSld>
+    <p:spTree>
+      <p:nvGrpSpPr>
+        <p:cNvPr id="1" name=""/>
+        <p:cNvGrpSpPr/>
+        <p:nvPr/>
+      </p:nvGrpSpPr>
+      <p:grpSpPr>
+        <a:xfrm>
+          <a:off x="0" y="0"/>
+          <a:ext cx="0" cy="0"/>
+          <a:chOff x="0" y="0"/>
+          <a:chExt cx="0" cy="0"/>
+        </a:xfrm>
+      </p:grpSpPr>
+      <p:sp>
+        <p:nvSpPr>
+          <p:cNvPr id="2" name="Slide Image Placeholder 1"/>
+          <p:cNvSpPr>
+            <a:spLocks noGrp="1" noRot="1" noChangeAspect="1"/>
+          </p:cNvSpPr>
+          <p:nvPr>
+            <p:ph type="sldImg"/>
+          </p:nvPr>
+        </p:nvSpPr>
+        <p:spPr/>
+      </p:sp>
+      <p:sp>
+        <p:nvSpPr>
+          <p:cNvPr id="3" name="Notes Placeholder 2"/>
+          <p:cNvSpPr>
+            <a:spLocks noGrp="1"/>
+          </p:cNvSpPr>
+          <p:nvPr>
+            <p:ph type="body" idx="1"/>
+          </p:nvPr>
+        </p:nvSpPr>
+        <p:spPr/>
+        <p:txBody>
+          <a:bodyPr/>
+          <a:lstStyle/>
+          <a:p>
+            <a:pPr marL="0" marR="0" lvl="0" indent="0" algn="l" defTabSz="914400" rtl="0" eaLnBrk="1" fontAlgn="auto" latinLnBrk="0" hangingPunct="1">
+              <a:lnSpc>
+                <a:spcPct val="100000"/>
+              </a:lnSpc>
+              <a:spcBef>
+                <a:spcPts val="0"/>
+              </a:spcBef>
+              <a:spcAft>
+                <a:spcPts val="0"/>
+              </a:spcAft>
+              <a:buClrTx/>
+              <a:buSzTx/>
+              <a:buFontTx/>
+              <a:buNone/>
+              <a:tabLst/>
+              <a:defRPr/>
+            </a:pPr>
+            <a:endParaRPr lang="nl-BE" dirty="0"/>
+          </a:p>
+        </p:txBody>
+      </p:sp>
+      <p:sp>
+        <p:nvSpPr>
+          <p:cNvPr id="4" name="Slide Number Placeholder 3"/>
+          <p:cNvSpPr>
+            <a:spLocks noGrp="1"/>
+          </p:cNvSpPr>
+          <p:nvPr>
+            <p:ph type="sldNum" sz="quarter" idx="5"/>
+          </p:nvPr>
+        </p:nvSpPr>
+        <p:spPr/>
+        <p:txBody>
+          <a:bodyPr/>
+          <a:lstStyle/>
+          <a:p>
+            <a:fld id="{27067836-F567-C04A-AF80-269884025F76}" type="slidenum">
+              <a:rPr lang="en-US" smtClean="0"/>
+              <a:t>23</a:t>
+            </a:fld>
+            <a:endParaRPr lang="en-US"/>
+          </a:p>
+        </p:txBody>
+      </p:sp>
+    </p:spTree>
+    <p:extLst>
+      <p:ext uri="{BB962C8B-B14F-4D97-AF65-F5344CB8AC3E}">
+        <p14:creationId xmlns:p14="http://schemas.microsoft.com/office/powerpoint/2010/main" val="792973442"/>
+      </p:ext>
+    </p:extLst>
+  </p:cSld>
+  <p:clrMapOvr>
+    <a:masterClrMapping/>
+  </p:clrMapOvr>
+</p:notes>
+</file>
+
+<file path=ppt/notesSlides/notesSlide13.xml><?xml version="1.0" encoding="utf-8"?>
+<p:notes xmlns:a="http://schemas.openxmlformats.org/drawingml/2006/main" xmlns:r="http://schemas.openxmlformats.org/officeDocument/2006/relationships" xmlns:p="http://schemas.openxmlformats.org/presentationml/2006/main">
+  <p:cSld>
+    <p:spTree>
+      <p:nvGrpSpPr>
+        <p:cNvPr id="1" name=""/>
+        <p:cNvGrpSpPr/>
+        <p:nvPr/>
+      </p:nvGrpSpPr>
+      <p:grpSpPr>
+        <a:xfrm>
+          <a:off x="0" y="0"/>
+          <a:ext cx="0" cy="0"/>
+          <a:chOff x="0" y="0"/>
+          <a:chExt cx="0" cy="0"/>
+        </a:xfrm>
+      </p:grpSpPr>
+      <p:sp>
+        <p:nvSpPr>
+          <p:cNvPr id="2" name="Slide Image Placeholder 1"/>
+          <p:cNvSpPr>
+            <a:spLocks noGrp="1" noRot="1" noChangeAspect="1"/>
+          </p:cNvSpPr>
+          <p:nvPr>
+            <p:ph type="sldImg"/>
+          </p:nvPr>
+        </p:nvSpPr>
+        <p:spPr/>
+      </p:sp>
+      <p:sp>
+        <p:nvSpPr>
+          <p:cNvPr id="3" name="Notes Placeholder 2"/>
+          <p:cNvSpPr>
+            <a:spLocks noGrp="1"/>
+          </p:cNvSpPr>
+          <p:nvPr>
+            <p:ph type="body" idx="1"/>
+          </p:nvPr>
+        </p:nvSpPr>
+        <p:spPr/>
+        <p:txBody>
+          <a:bodyPr/>
+          <a:lstStyle/>
+          <a:p>
+            <a:pPr marL="0" marR="0" lvl="0" indent="0" algn="l" defTabSz="914400" rtl="0" eaLnBrk="1" fontAlgn="auto" latinLnBrk="0" hangingPunct="1">
+              <a:lnSpc>
+                <a:spcPct val="100000"/>
+              </a:lnSpc>
+              <a:spcBef>
+                <a:spcPts val="0"/>
+              </a:spcBef>
+              <a:spcAft>
+                <a:spcPts val="0"/>
+              </a:spcAft>
+              <a:buClrTx/>
+              <a:buSzTx/>
+              <a:buFontTx/>
+              <a:buNone/>
+              <a:tabLst/>
+              <a:defRPr/>
+            </a:pPr>
+            <a:r>
+              <a:rPr lang="en-US" sz="1800" b="1" kern="100" dirty="0">
+                <a:effectLst/>
+                <a:latin typeface="Calibri" panose="020F0502020204030204" pitchFamily="34" charset="0"/>
+                <a:ea typeface="Calibri" panose="020F0502020204030204" pitchFamily="34" charset="0"/>
+                <a:cs typeface="Times New Roman" panose="02020603050405020304" pitchFamily="18" charset="0"/>
+              </a:rPr>
+              <a:t>[Reference: ISO27001 Clause 9.3.2 f)]</a:t>
+            </a:r>
+            <a:endParaRPr lang="en-US" sz="1800" kern="100" dirty="0">
+              <a:effectLst/>
+              <a:latin typeface="Calibri" panose="020F0502020204030204" pitchFamily="34" charset="0"/>
+              <a:ea typeface="Calibri" panose="020F0502020204030204" pitchFamily="34" charset="0"/>
+              <a:cs typeface="Times New Roman" panose="02020603050405020304" pitchFamily="18" charset="0"/>
+            </a:endParaRPr>
+          </a:p>
+          <a:p>
+            <a:pPr marL="0" marR="0" lvl="0" indent="0" algn="l" defTabSz="914400" rtl="0" eaLnBrk="1" fontAlgn="auto" latinLnBrk="0" hangingPunct="1">
+              <a:lnSpc>
+                <a:spcPct val="100000"/>
+              </a:lnSpc>
+              <a:spcBef>
+                <a:spcPts val="0"/>
+              </a:spcBef>
+              <a:spcAft>
+                <a:spcPts val="0"/>
+              </a:spcAft>
+              <a:buClrTx/>
+              <a:buSzTx/>
+              <a:buFontTx/>
+              <a:buNone/>
+              <a:tabLst/>
+              <a:defRPr/>
+            </a:pPr>
+            <a:endParaRPr lang="nl-BE" dirty="0"/>
+          </a:p>
+        </p:txBody>
+      </p:sp>
+      <p:sp>
+        <p:nvSpPr>
+          <p:cNvPr id="4" name="Slide Number Placeholder 3"/>
+          <p:cNvSpPr>
+            <a:spLocks noGrp="1"/>
+          </p:cNvSpPr>
+          <p:nvPr>
+            <p:ph type="sldNum" sz="quarter" idx="5"/>
+          </p:nvPr>
+        </p:nvSpPr>
+        <p:spPr/>
+        <p:txBody>
+          <a:bodyPr/>
+          <a:lstStyle/>
+          <a:p>
+            <a:fld id="{27067836-F567-C04A-AF80-269884025F76}" type="slidenum">
+              <a:rPr lang="en-US" smtClean="0"/>
+              <a:t>24</a:t>
+            </a:fld>
+            <a:endParaRPr lang="en-US"/>
+          </a:p>
+        </p:txBody>
+      </p:sp>
+    </p:spTree>
+    <p:extLst>
+      <p:ext uri="{BB962C8B-B14F-4D97-AF65-F5344CB8AC3E}">
+        <p14:creationId xmlns:p14="http://schemas.microsoft.com/office/powerpoint/2010/main" val="2614269172"/>
+      </p:ext>
+    </p:extLst>
+  </p:cSld>
+  <p:clrMapOvr>
+    <a:masterClrMapping/>
+  </p:clrMapOvr>
+</p:notes>
+</file>
+
+<file path=ppt/notesSlides/notesSlide14.xml><?xml version="1.0" encoding="utf-8"?>
+<p:notes xmlns:a="http://schemas.openxmlformats.org/drawingml/2006/main" xmlns:r="http://schemas.openxmlformats.org/officeDocument/2006/relationships" xmlns:p="http://schemas.openxmlformats.org/presentationml/2006/main">
+  <p:cSld>
+    <p:spTree>
+      <p:nvGrpSpPr>
+        <p:cNvPr id="1" name=""/>
+        <p:cNvGrpSpPr/>
+        <p:nvPr/>
+      </p:nvGrpSpPr>
+      <p:grpSpPr>
+        <a:xfrm>
+          <a:off x="0" y="0"/>
+          <a:ext cx="0" cy="0"/>
+          <a:chOff x="0" y="0"/>
+          <a:chExt cx="0" cy="0"/>
+        </a:xfrm>
+      </p:grpSpPr>
+      <p:sp>
+        <p:nvSpPr>
+          <p:cNvPr id="2" name="Slide Image Placeholder 1"/>
+          <p:cNvSpPr>
+            <a:spLocks noGrp="1" noRot="1" noChangeAspect="1"/>
+          </p:cNvSpPr>
+          <p:nvPr>
+            <p:ph type="sldImg"/>
+          </p:nvPr>
+        </p:nvSpPr>
+        <p:spPr/>
+      </p:sp>
+      <p:sp>
+        <p:nvSpPr>
+          <p:cNvPr id="3" name="Notes Placeholder 2"/>
+          <p:cNvSpPr>
+            <a:spLocks noGrp="1"/>
+          </p:cNvSpPr>
+          <p:nvPr>
+            <p:ph type="body" idx="1"/>
+          </p:nvPr>
+        </p:nvSpPr>
+        <p:spPr/>
+        <p:txBody>
+          <a:bodyPr/>
+          <a:lstStyle/>
+          <a:p>
+            <a:pPr marL="0" marR="0" lvl="0" indent="0" algn="l" defTabSz="914400" rtl="0" eaLnBrk="1" fontAlgn="auto" latinLnBrk="0" hangingPunct="1">
+              <a:lnSpc>
+                <a:spcPct val="100000"/>
+              </a:lnSpc>
+              <a:spcBef>
+                <a:spcPts val="0"/>
+              </a:spcBef>
+              <a:spcAft>
+                <a:spcPts val="0"/>
+              </a:spcAft>
+              <a:buClrTx/>
+              <a:buSzTx/>
+              <a:buFontTx/>
+              <a:buNone/>
+              <a:tabLst/>
+              <a:defRPr/>
+            </a:pPr>
+            <a:r>
+              <a:rPr lang="en-US" sz="1800" b="1" kern="100" dirty="0">
+                <a:effectLst/>
+                <a:latin typeface="Calibri" panose="020F0502020204030204" pitchFamily="34" charset="0"/>
+                <a:ea typeface="Calibri" panose="020F0502020204030204" pitchFamily="34" charset="0"/>
+                <a:cs typeface="Times New Roman" panose="02020603050405020304" pitchFamily="18" charset="0"/>
+              </a:rPr>
+              <a:t>[Reference: ISO27001 Clause 9.3.2 g) 1)]</a:t>
+            </a:r>
+            <a:endParaRPr lang="en-US" sz="1800" kern="100" dirty="0">
+              <a:effectLst/>
+              <a:latin typeface="Calibri" panose="020F0502020204030204" pitchFamily="34" charset="0"/>
+              <a:ea typeface="Calibri" panose="020F0502020204030204" pitchFamily="34" charset="0"/>
+              <a:cs typeface="Times New Roman" panose="02020603050405020304" pitchFamily="18" charset="0"/>
+            </a:endParaRPr>
+          </a:p>
+          <a:p>
+            <a:pPr marL="0" marR="0" lvl="0" indent="0" algn="l" defTabSz="914400" rtl="0" eaLnBrk="1" fontAlgn="auto" latinLnBrk="0" hangingPunct="1">
+              <a:lnSpc>
+                <a:spcPct val="100000"/>
+              </a:lnSpc>
+              <a:spcBef>
+                <a:spcPts val="0"/>
+              </a:spcBef>
+              <a:spcAft>
+                <a:spcPts val="0"/>
+              </a:spcAft>
+              <a:buClrTx/>
+              <a:buSzTx/>
+              <a:buFontTx/>
+              <a:buNone/>
+              <a:tabLst/>
+              <a:defRPr/>
+            </a:pPr>
+            <a:endParaRPr lang="nl-BE" dirty="0"/>
+          </a:p>
+        </p:txBody>
+      </p:sp>
+      <p:sp>
+        <p:nvSpPr>
+          <p:cNvPr id="4" name="Slide Number Placeholder 3"/>
+          <p:cNvSpPr>
+            <a:spLocks noGrp="1"/>
+          </p:cNvSpPr>
+          <p:nvPr>
+            <p:ph type="sldNum" sz="quarter" idx="5"/>
+          </p:nvPr>
+        </p:nvSpPr>
+        <p:spPr/>
+        <p:txBody>
+          <a:bodyPr/>
+          <a:lstStyle/>
+          <a:p>
+            <a:fld id="{27067836-F567-C04A-AF80-269884025F76}" type="slidenum">
+              <a:rPr lang="en-US" smtClean="0"/>
+              <a:t>25</a:t>
+            </a:fld>
+            <a:endParaRPr lang="en-US"/>
+          </a:p>
+        </p:txBody>
+      </p:sp>
+    </p:spTree>
+    <p:extLst>
+      <p:ext uri="{BB962C8B-B14F-4D97-AF65-F5344CB8AC3E}">
+        <p14:creationId xmlns:p14="http://schemas.microsoft.com/office/powerpoint/2010/main" val="3651394751"/>
+      </p:ext>
+    </p:extLst>
+  </p:cSld>
+  <p:clrMapOvr>
+    <a:masterClrMapping/>
+  </p:clrMapOvr>
+</p:notes>
+</file>
+
+<file path=ppt/notesSlides/notesSlide15.xml><?xml version="1.0" encoding="utf-8"?>
+<p:notes xmlns:a="http://schemas.openxmlformats.org/drawingml/2006/main" xmlns:r="http://schemas.openxmlformats.org/officeDocument/2006/relationships" xmlns:p="http://schemas.openxmlformats.org/presentationml/2006/main">
+  <p:cSld>
+    <p:spTree>
+      <p:nvGrpSpPr>
+        <p:cNvPr id="1" name=""/>
+        <p:cNvGrpSpPr/>
+        <p:nvPr/>
+      </p:nvGrpSpPr>
+      <p:grpSpPr>
+        <a:xfrm>
+          <a:off x="0" y="0"/>
+          <a:ext cx="0" cy="0"/>
+          <a:chOff x="0" y="0"/>
+          <a:chExt cx="0" cy="0"/>
+        </a:xfrm>
+      </p:grpSpPr>
+      <p:sp>
+        <p:nvSpPr>
+          <p:cNvPr id="2" name="Slide Image Placeholder 1"/>
+          <p:cNvSpPr>
+            <a:spLocks noGrp="1" noRot="1" noChangeAspect="1"/>
+          </p:cNvSpPr>
+          <p:nvPr>
+            <p:ph type="sldImg"/>
+          </p:nvPr>
+        </p:nvSpPr>
+        <p:spPr/>
+      </p:sp>
+      <p:sp>
+        <p:nvSpPr>
+          <p:cNvPr id="3" name="Notes Placeholder 2"/>
+          <p:cNvSpPr>
+            <a:spLocks noGrp="1"/>
+          </p:cNvSpPr>
+          <p:nvPr>
+            <p:ph type="body" idx="1"/>
+          </p:nvPr>
+        </p:nvSpPr>
+        <p:spPr/>
+        <p:txBody>
+          <a:bodyPr/>
+          <a:lstStyle/>
+          <a:p>
+            <a:pPr marL="0" marR="0" lvl="0" indent="0" algn="l" defTabSz="914400" rtl="0" eaLnBrk="1" fontAlgn="auto" latinLnBrk="0" hangingPunct="1">
+              <a:lnSpc>
+                <a:spcPct val="100000"/>
+              </a:lnSpc>
+              <a:spcBef>
+                <a:spcPts val="0"/>
+              </a:spcBef>
+              <a:spcAft>
+                <a:spcPts val="0"/>
+              </a:spcAft>
+              <a:buClrTx/>
+              <a:buSzTx/>
+              <a:buFontTx/>
+              <a:buNone/>
+              <a:tabLst/>
+              <a:defRPr/>
+            </a:pPr>
+            <a:r>
+              <a:rPr lang="en-US" sz="1800" b="1" kern="100" dirty="0">
+                <a:effectLst/>
+                <a:latin typeface="Calibri" panose="020F0502020204030204" pitchFamily="34" charset="0"/>
+                <a:ea typeface="Calibri" panose="020F0502020204030204" pitchFamily="34" charset="0"/>
+                <a:cs typeface="Times New Roman" panose="02020603050405020304" pitchFamily="18" charset="0"/>
+              </a:rPr>
+              <a:t>[Reference: ISO27001 Clause 9.3.3 ]</a:t>
+            </a:r>
+            <a:endParaRPr lang="en-US" sz="1800" kern="100" dirty="0">
+              <a:effectLst/>
+              <a:latin typeface="Calibri" panose="020F0502020204030204" pitchFamily="34" charset="0"/>
+              <a:ea typeface="Calibri" panose="020F0502020204030204" pitchFamily="34" charset="0"/>
+              <a:cs typeface="Times New Roman" panose="02020603050405020304" pitchFamily="18" charset="0"/>
+            </a:endParaRPr>
+          </a:p>
+          <a:p>
+            <a:pPr marL="0" marR="0" lvl="0" indent="0" algn="l" defTabSz="914400" rtl="0" eaLnBrk="1" fontAlgn="auto" latinLnBrk="0" hangingPunct="1">
+              <a:lnSpc>
+                <a:spcPct val="100000"/>
+              </a:lnSpc>
+              <a:spcBef>
+                <a:spcPts val="0"/>
+              </a:spcBef>
+              <a:spcAft>
+                <a:spcPts val="0"/>
+              </a:spcAft>
+              <a:buClrTx/>
+              <a:buSzTx/>
+              <a:buFontTx/>
+              <a:buNone/>
+              <a:tabLst/>
+              <a:defRPr/>
+            </a:pPr>
+            <a:endParaRPr lang="nl-BE" dirty="0"/>
+          </a:p>
+        </p:txBody>
+      </p:sp>
+      <p:sp>
+        <p:nvSpPr>
+          <p:cNvPr id="4" name="Slide Number Placeholder 3"/>
+          <p:cNvSpPr>
+            <a:spLocks noGrp="1"/>
+          </p:cNvSpPr>
+          <p:nvPr>
+            <p:ph type="sldNum" sz="quarter" idx="5"/>
+          </p:nvPr>
+        </p:nvSpPr>
+        <p:spPr/>
+        <p:txBody>
+          <a:bodyPr/>
+          <a:lstStyle/>
+          <a:p>
+            <a:fld id="{27067836-F567-C04A-AF80-269884025F76}" type="slidenum">
+              <a:rPr lang="en-US" smtClean="0"/>
+              <a:t>26</a:t>
+            </a:fld>
+            <a:endParaRPr lang="en-US"/>
+          </a:p>
+        </p:txBody>
+      </p:sp>
+    </p:spTree>
+    <p:extLst>
+      <p:ext uri="{BB962C8B-B14F-4D97-AF65-F5344CB8AC3E}">
+        <p14:creationId xmlns:p14="http://schemas.microsoft.com/office/powerpoint/2010/main" val="2508433268"/>
+      </p:ext>
+    </p:extLst>
+  </p:cSld>
+  <p:clrMapOvr>
+    <a:masterClrMapping/>
+  </p:clrMapOvr>
+</p:notes>
+</file>
+
+<file path=ppt/notesSlides/notesSlide16.xml><?xml version="1.0" encoding="utf-8"?>
+<p:notes xmlns:a="http://schemas.openxmlformats.org/drawingml/2006/main" xmlns:r="http://schemas.openxmlformats.org/officeDocument/2006/relationships" xmlns:p="http://schemas.openxmlformats.org/presentationml/2006/main">
+  <p:cSld>
+    <p:spTree>
+      <p:nvGrpSpPr>
+        <p:cNvPr id="1" name=""/>
+        <p:cNvGrpSpPr/>
+        <p:nvPr/>
+      </p:nvGrpSpPr>
+      <p:grpSpPr>
+        <a:xfrm>
+          <a:off x="0" y="0"/>
+          <a:ext cx="0" cy="0"/>
+          <a:chOff x="0" y="0"/>
+          <a:chExt cx="0" cy="0"/>
+        </a:xfrm>
+      </p:grpSpPr>
+      <p:sp>
+        <p:nvSpPr>
+          <p:cNvPr id="2" name="Slide Image Placeholder 1"/>
+          <p:cNvSpPr>
+            <a:spLocks noGrp="1" noRot="1" noChangeAspect="1"/>
+          </p:cNvSpPr>
+          <p:nvPr>
+            <p:ph type="sldImg"/>
+          </p:nvPr>
+        </p:nvSpPr>
+        <p:spPr/>
+      </p:sp>
+      <p:sp>
+        <p:nvSpPr>
+          <p:cNvPr id="3" name="Notes Placeholder 2"/>
+          <p:cNvSpPr>
+            <a:spLocks noGrp="1"/>
+          </p:cNvSpPr>
+          <p:nvPr>
+            <p:ph type="body" idx="1"/>
+          </p:nvPr>
+        </p:nvSpPr>
+        <p:spPr/>
+        <p:txBody>
+          <a:bodyPr/>
+          <a:lstStyle/>
+          <a:p>
+            <a:pPr marL="0" marR="0" lvl="0" indent="0" algn="l" defTabSz="914400" rtl="0" eaLnBrk="1" fontAlgn="auto" latinLnBrk="0" hangingPunct="1">
+              <a:lnSpc>
+                <a:spcPct val="100000"/>
+              </a:lnSpc>
+              <a:spcBef>
+                <a:spcPts val="0"/>
+              </a:spcBef>
+              <a:spcAft>
+                <a:spcPts val="0"/>
+              </a:spcAft>
+              <a:buClrTx/>
+              <a:buSzTx/>
+              <a:buFontTx/>
+              <a:buNone/>
+              <a:tabLst/>
+              <a:defRPr/>
+            </a:pPr>
+            <a:endParaRPr lang="nl-BE" dirty="0"/>
+          </a:p>
+        </p:txBody>
+      </p:sp>
+      <p:sp>
+        <p:nvSpPr>
+          <p:cNvPr id="4" name="Slide Number Placeholder 3"/>
+          <p:cNvSpPr>
+            <a:spLocks noGrp="1"/>
+          </p:cNvSpPr>
+          <p:nvPr>
+            <p:ph type="sldNum" sz="quarter" idx="5"/>
+          </p:nvPr>
+        </p:nvSpPr>
+        <p:spPr/>
+        <p:txBody>
+          <a:bodyPr/>
+          <a:lstStyle/>
+          <a:p>
+            <a:fld id="{27067836-F567-C04A-AF80-269884025F76}" type="slidenum">
+              <a:rPr lang="en-US" smtClean="0"/>
+              <a:t>27</a:t>
+            </a:fld>
+            <a:endParaRPr lang="en-US"/>
+          </a:p>
+        </p:txBody>
+      </p:sp>
+    </p:spTree>
+    <p:extLst>
+      <p:ext uri="{BB962C8B-B14F-4D97-AF65-F5344CB8AC3E}">
+        <p14:creationId xmlns:p14="http://schemas.microsoft.com/office/powerpoint/2010/main" val="1367122070"/>
+      </p:ext>
+    </p:extLst>
+  </p:cSld>
+  <p:clrMapOvr>
+    <a:masterClrMapping/>
+  </p:clrMapOvr>
+</p:notes>
+</file>
+
+<file path=ppt/notesSlides/notesSlide17.xml><?xml version="1.0" encoding="utf-8"?>
+<p:notes xmlns:a="http://schemas.openxmlformats.org/drawingml/2006/main" xmlns:r="http://schemas.openxmlformats.org/officeDocument/2006/relationships" xmlns:p="http://schemas.openxmlformats.org/presentationml/2006/main">
+  <p:cSld>
+    <p:spTree>
+      <p:nvGrpSpPr>
+        <p:cNvPr id="1" name=""/>
+        <p:cNvGrpSpPr/>
+        <p:nvPr/>
+      </p:nvGrpSpPr>
+      <p:grpSpPr>
+        <a:xfrm>
+          <a:off x="0" y="0"/>
+          <a:ext cx="0" cy="0"/>
+          <a:chOff x="0" y="0"/>
+          <a:chExt cx="0" cy="0"/>
+        </a:xfrm>
+      </p:grpSpPr>
+      <p:sp>
+        <p:nvSpPr>
+          <p:cNvPr id="2" name="Slide Image Placeholder 1"/>
+          <p:cNvSpPr>
+            <a:spLocks noGrp="1" noRot="1" noChangeAspect="1"/>
+          </p:cNvSpPr>
+          <p:nvPr>
+            <p:ph type="sldImg"/>
+          </p:nvPr>
+        </p:nvSpPr>
+        <p:spPr/>
+      </p:sp>
+      <p:sp>
+        <p:nvSpPr>
+          <p:cNvPr id="3" name="Notes Placeholder 2"/>
+          <p:cNvSpPr>
+            <a:spLocks noGrp="1"/>
+          </p:cNvSpPr>
+          <p:nvPr>
+            <p:ph type="body" idx="1"/>
+          </p:nvPr>
+        </p:nvSpPr>
+        <p:spPr/>
+        <p:txBody>
+          <a:bodyPr/>
+          <a:lstStyle/>
+          <a:p>
+            <a:pPr marL="0" marR="0" lvl="0" indent="0" algn="l" defTabSz="914400" rtl="0" eaLnBrk="1" fontAlgn="auto" latinLnBrk="0" hangingPunct="1">
+              <a:lnSpc>
+                <a:spcPct val="100000"/>
+              </a:lnSpc>
+              <a:spcBef>
+                <a:spcPts val="0"/>
+              </a:spcBef>
+              <a:spcAft>
+                <a:spcPts val="0"/>
+              </a:spcAft>
+              <a:buClrTx/>
+              <a:buSzTx/>
+              <a:buFontTx/>
+              <a:buNone/>
+              <a:tabLst/>
+              <a:defRPr/>
+            </a:pPr>
+            <a:endParaRPr lang="nl-BE" dirty="0"/>
+          </a:p>
+        </p:txBody>
+      </p:sp>
+      <p:sp>
+        <p:nvSpPr>
+          <p:cNvPr id="4" name="Slide Number Placeholder 3"/>
+          <p:cNvSpPr>
+            <a:spLocks noGrp="1"/>
+          </p:cNvSpPr>
+          <p:nvPr>
+            <p:ph type="sldNum" sz="quarter" idx="5"/>
+          </p:nvPr>
+        </p:nvSpPr>
+        <p:spPr/>
+        <p:txBody>
+          <a:bodyPr/>
+          <a:lstStyle/>
+          <a:p>
+            <a:fld id="{27067836-F567-C04A-AF80-269884025F76}" type="slidenum">
+              <a:rPr lang="en-US" smtClean="0"/>
+              <a:t>29</a:t>
+            </a:fld>
+            <a:endParaRPr lang="en-US"/>
+          </a:p>
+        </p:txBody>
+      </p:sp>
+    </p:spTree>
+    <p:extLst>
+      <p:ext uri="{BB962C8B-B14F-4D97-AF65-F5344CB8AC3E}">
+        <p14:creationId xmlns:p14="http://schemas.microsoft.com/office/powerpoint/2010/main" val="2776461704"/>
+      </p:ext>
+    </p:extLst>
+  </p:cSld>
+  <p:clrMapOvr>
+    <a:masterClrMapping/>
+  </p:clrMapOvr>
+</p:notes>
+</file>
+
 <file path=ppt/notesSlides/notesSlide2.xml><?xml version="1.0" encoding="utf-8"?>
 <p:notes xmlns:a="http://schemas.openxmlformats.org/drawingml/2006/main" xmlns:r="http://schemas.openxmlformats.org/officeDocument/2006/relationships" xmlns:p="http://schemas.openxmlformats.org/presentationml/2006/main">
   <p:cSld>
@@ -840,66 +2094,23 @@
               <a:defRPr/>
             </a:pPr>
             <a:r>
-              <a:rPr lang="nl-BE" dirty="0">
-                <a:solidFill>
-                  <a:srgbClr val="000000"/>
-                </a:solidFill>
-                <a:latin typeface="Calibri" panose="020F0502020204030204" pitchFamily="34" charset="0"/>
-                <a:ea typeface="Times New Roman" panose="02020603050405020304" pitchFamily="18" charset="0"/>
-                <a:cs typeface="Symbol" panose="05050102010706020507" pitchFamily="18" charset="2"/>
-              </a:rPr>
-              <a:t>Trend (- or = or +)</a:t>
-            </a:r>
-          </a:p>
-          <a:p>
-            <a:pPr marL="171450" indent="-171450">
-              <a:buFontTx/>
-              <a:buChar char="-"/>
-            </a:pPr>
-            <a:r>
-              <a:rPr lang="nl-BE" dirty="0" err="1"/>
-              <a:t>Decreasing</a:t>
-            </a:r>
-            <a:r>
-              <a:rPr lang="nl-BE" dirty="0"/>
-              <a:t> (bad)</a:t>
-            </a:r>
-          </a:p>
-          <a:p>
-            <a:pPr marL="171450" indent="-171450">
-              <a:buFontTx/>
-              <a:buChar char="-"/>
-            </a:pPr>
-            <a:r>
-              <a:rPr lang="nl-BE" dirty="0" err="1"/>
-              <a:t>Stable</a:t>
-            </a:r>
-            <a:r>
-              <a:rPr lang="nl-BE" dirty="0"/>
-              <a:t> (=), status quo</a:t>
-            </a:r>
-          </a:p>
-          <a:p>
-            <a:pPr marL="171450" indent="-171450">
-              <a:buFontTx/>
-              <a:buChar char="-"/>
-            </a:pPr>
-            <a:r>
-              <a:rPr lang="nl-BE" dirty="0" err="1"/>
-              <a:t>Increasing</a:t>
-            </a:r>
-            <a:r>
-              <a:rPr lang="nl-BE" dirty="0"/>
-              <a:t> (</a:t>
-            </a:r>
-            <a:r>
-              <a:rPr lang="nl-BE" dirty="0" err="1"/>
-              <a:t>good</a:t>
-            </a:r>
-            <a:r>
-              <a:rPr lang="nl-BE" dirty="0"/>
-              <a:t>) </a:t>
-            </a:r>
+              <a:rPr lang="en-US" sz="1800" b="1" kern="100" dirty="0">
+                <a:effectLst/>
+                <a:latin typeface="Calibri" panose="020F0502020204030204" pitchFamily="34" charset="0"/>
+                <a:ea typeface="Calibri" panose="020F0502020204030204" pitchFamily="34" charset="0"/>
+                <a:cs typeface="Times New Roman" panose="02020603050405020304" pitchFamily="18" charset="0"/>
+              </a:rPr>
+              <a:t>[Reference: ISO27001 Clause 9.3.2 a)]</a:t>
+            </a:r>
+            <a:endParaRPr lang="en-US" sz="1800" kern="100" dirty="0">
+              <a:effectLst/>
+              <a:latin typeface="Calibri" panose="020F0502020204030204" pitchFamily="34" charset="0"/>
+              <a:ea typeface="Calibri" panose="020F0502020204030204" pitchFamily="34" charset="0"/>
+              <a:cs typeface="Times New Roman" panose="02020603050405020304" pitchFamily="18" charset="0"/>
+            </a:endParaRPr>
+          </a:p>
+          <a:p>
+            <a:endParaRPr lang="en-US" dirty="0"/>
           </a:p>
         </p:txBody>
       </p:sp>
@@ -918,18 +2129,18 @@
           <a:bodyPr/>
           <a:lstStyle/>
           <a:p>
-            <a:fld id="{27067836-F567-C04A-AF80-269884025F76}" type="slidenum">
-              <a:rPr lang="en-US" smtClean="0"/>
-              <a:t>20</a:t>
+            <a:fld id="{79506C31-B88E-404E-8B3D-840BD3814927}" type="slidenum">
+              <a:rPr lang="nl-BE" smtClean="0"/>
+              <a:t>5</a:t>
             </a:fld>
-            <a:endParaRPr lang="en-US"/>
+            <a:endParaRPr lang="nl-BE"/>
           </a:p>
         </p:txBody>
       </p:sp>
     </p:spTree>
     <p:extLst>
       <p:ext uri="{BB962C8B-B14F-4D97-AF65-F5344CB8AC3E}">
-        <p14:creationId xmlns:p14="http://schemas.microsoft.com/office/powerpoint/2010/main" val="1522759628"/>
+        <p14:creationId xmlns:p14="http://schemas.microsoft.com/office/powerpoint/2010/main" val="3052617525"/>
       </p:ext>
     </p:extLst>
   </p:cSld>
@@ -1000,7 +2211,24 @@
               <a:tabLst/>
               <a:defRPr/>
             </a:pPr>
-            <a:endParaRPr lang="nl-BE" dirty="0"/>
+            <a:r>
+              <a:rPr lang="en-US" sz="1800" b="1" kern="100" dirty="0">
+                <a:effectLst/>
+                <a:latin typeface="Calibri" panose="020F0502020204030204" pitchFamily="34" charset="0"/>
+                <a:ea typeface="Calibri" panose="020F0502020204030204" pitchFamily="34" charset="0"/>
+                <a:cs typeface="Times New Roman" panose="02020603050405020304" pitchFamily="18" charset="0"/>
+              </a:rPr>
+              <a:t>[Reference: ISO27001 Clause 9.3.2 b)]</a:t>
+            </a:r>
+            <a:endParaRPr lang="en-US" sz="1800" kern="100" dirty="0">
+              <a:effectLst/>
+              <a:latin typeface="Calibri" panose="020F0502020204030204" pitchFamily="34" charset="0"/>
+              <a:ea typeface="Calibri" panose="020F0502020204030204" pitchFamily="34" charset="0"/>
+              <a:cs typeface="Times New Roman" panose="02020603050405020304" pitchFamily="18" charset="0"/>
+            </a:endParaRPr>
+          </a:p>
+          <a:p>
+            <a:endParaRPr lang="en-US" dirty="0"/>
           </a:p>
         </p:txBody>
       </p:sp>
@@ -1019,18 +2247,18 @@
           <a:bodyPr/>
           <a:lstStyle/>
           <a:p>
-            <a:fld id="{27067836-F567-C04A-AF80-269884025F76}" type="slidenum">
-              <a:rPr lang="en-US" smtClean="0"/>
-              <a:t>21</a:t>
+            <a:fld id="{79506C31-B88E-404E-8B3D-840BD3814927}" type="slidenum">
+              <a:rPr lang="nl-BE" smtClean="0"/>
+              <a:t>6</a:t>
             </a:fld>
-            <a:endParaRPr lang="en-US"/>
+            <a:endParaRPr lang="nl-BE"/>
           </a:p>
         </p:txBody>
       </p:sp>
     </p:spTree>
     <p:extLst>
       <p:ext uri="{BB962C8B-B14F-4D97-AF65-F5344CB8AC3E}">
-        <p14:creationId xmlns:p14="http://schemas.microsoft.com/office/powerpoint/2010/main" val="507502217"/>
+        <p14:creationId xmlns:p14="http://schemas.microsoft.com/office/powerpoint/2010/main" val="116901424"/>
       </p:ext>
     </p:extLst>
   </p:cSld>
@@ -1101,7 +2329,24 @@
               <a:tabLst/>
               <a:defRPr/>
             </a:pPr>
-            <a:endParaRPr lang="nl-BE" dirty="0"/>
+            <a:r>
+              <a:rPr lang="en-US" sz="1800" b="1" kern="100" dirty="0">
+                <a:effectLst/>
+                <a:latin typeface="Calibri" panose="020F0502020204030204" pitchFamily="34" charset="0"/>
+                <a:ea typeface="Calibri" panose="020F0502020204030204" pitchFamily="34" charset="0"/>
+                <a:cs typeface="Times New Roman" panose="02020603050405020304" pitchFamily="18" charset="0"/>
+              </a:rPr>
+              <a:t>[Reference: ISO27001 Clause 9.3.2 b)]</a:t>
+            </a:r>
+            <a:endParaRPr lang="en-US" sz="1800" kern="100" dirty="0">
+              <a:effectLst/>
+              <a:latin typeface="Calibri" panose="020F0502020204030204" pitchFamily="34" charset="0"/>
+              <a:ea typeface="Calibri" panose="020F0502020204030204" pitchFamily="34" charset="0"/>
+              <a:cs typeface="Times New Roman" panose="02020603050405020304" pitchFamily="18" charset="0"/>
+            </a:endParaRPr>
+          </a:p>
+          <a:p>
+            <a:endParaRPr lang="en-US" dirty="0"/>
           </a:p>
         </p:txBody>
       </p:sp>
@@ -1120,18 +2365,18 @@
           <a:bodyPr/>
           <a:lstStyle/>
           <a:p>
-            <a:fld id="{27067836-F567-C04A-AF80-269884025F76}" type="slidenum">
-              <a:rPr lang="en-US" smtClean="0"/>
-              <a:t>22</a:t>
+            <a:fld id="{79506C31-B88E-404E-8B3D-840BD3814927}" type="slidenum">
+              <a:rPr lang="nl-BE" smtClean="0"/>
+              <a:t>7</a:t>
             </a:fld>
-            <a:endParaRPr lang="en-US"/>
+            <a:endParaRPr lang="nl-BE"/>
           </a:p>
         </p:txBody>
       </p:sp>
     </p:spTree>
     <p:extLst>
       <p:ext uri="{BB962C8B-B14F-4D97-AF65-F5344CB8AC3E}">
-        <p14:creationId xmlns:p14="http://schemas.microsoft.com/office/powerpoint/2010/main" val="792973442"/>
+        <p14:creationId xmlns:p14="http://schemas.microsoft.com/office/powerpoint/2010/main" val="3234015931"/>
       </p:ext>
     </p:extLst>
   </p:cSld>
@@ -1202,6 +2447,40 @@
               <a:tabLst/>
               <a:defRPr/>
             </a:pPr>
+            <a:r>
+              <a:rPr lang="en-US" sz="1800" b="1" kern="100" dirty="0">
+                <a:effectLst/>
+                <a:latin typeface="Calibri" panose="020F0502020204030204" pitchFamily="34" charset="0"/>
+                <a:ea typeface="Calibri" panose="020F0502020204030204" pitchFamily="34" charset="0"/>
+                <a:cs typeface="Times New Roman" panose="02020603050405020304" pitchFamily="18" charset="0"/>
+              </a:rPr>
+              <a:t>[Reference: ISO27001 Clause 9.3.2 c)]</a:t>
+            </a:r>
+            <a:endParaRPr lang="en-US" sz="1800" kern="100" dirty="0">
+              <a:effectLst/>
+              <a:latin typeface="Calibri" panose="020F0502020204030204" pitchFamily="34" charset="0"/>
+              <a:ea typeface="Calibri" panose="020F0502020204030204" pitchFamily="34" charset="0"/>
+              <a:cs typeface="Times New Roman" panose="02020603050405020304" pitchFamily="18" charset="0"/>
+            </a:endParaRPr>
+          </a:p>
+          <a:p>
+            <a:pPr marL="0" marR="0" lvl="0" indent="0" algn="l" defTabSz="914400" rtl="0" eaLnBrk="1" fontAlgn="auto" latinLnBrk="0" hangingPunct="1">
+              <a:lnSpc>
+                <a:spcPct val="100000"/>
+              </a:lnSpc>
+              <a:spcBef>
+                <a:spcPts val="0"/>
+              </a:spcBef>
+              <a:spcAft>
+                <a:spcPts val="0"/>
+              </a:spcAft>
+              <a:buClrTx/>
+              <a:buSzTx/>
+              <a:buFontTx/>
+              <a:buNone/>
+              <a:tabLst/>
+              <a:defRPr/>
+            </a:pPr>
             <a:endParaRPr lang="nl-BE" dirty="0"/>
           </a:p>
         </p:txBody>
@@ -1223,7 +2502,7 @@
           <a:p>
             <a:fld id="{27067836-F567-C04A-AF80-269884025F76}" type="slidenum">
               <a:rPr lang="en-US" smtClean="0"/>
-              <a:t>23</a:t>
+              <a:t>8</a:t>
             </a:fld>
             <a:endParaRPr lang="en-US"/>
           </a:p>
@@ -1232,7 +2511,7 @@
     </p:spTree>
     <p:extLst>
       <p:ext uri="{BB962C8B-B14F-4D97-AF65-F5344CB8AC3E}">
-        <p14:creationId xmlns:p14="http://schemas.microsoft.com/office/powerpoint/2010/main" val="2614269172"/>
+        <p14:creationId xmlns:p14="http://schemas.microsoft.com/office/powerpoint/2010/main" val="1198828030"/>
       </p:ext>
     </p:extLst>
   </p:cSld>
@@ -1303,7 +2582,24 @@
               <a:tabLst/>
               <a:defRPr/>
             </a:pPr>
-            <a:endParaRPr lang="nl-BE" dirty="0"/>
+            <a:r>
+              <a:rPr lang="en-US" sz="1800" b="1" kern="100" dirty="0">
+                <a:effectLst/>
+                <a:latin typeface="Calibri" panose="020F0502020204030204" pitchFamily="34" charset="0"/>
+                <a:ea typeface="Calibri" panose="020F0502020204030204" pitchFamily="34" charset="0"/>
+                <a:cs typeface="Times New Roman" panose="02020603050405020304" pitchFamily="18" charset="0"/>
+              </a:rPr>
+              <a:t>[Reference: ISO27001 Clause 9.3.2 d)]</a:t>
+            </a:r>
+            <a:endParaRPr lang="en-US" sz="1800" kern="100" dirty="0">
+              <a:effectLst/>
+              <a:latin typeface="Calibri" panose="020F0502020204030204" pitchFamily="34" charset="0"/>
+              <a:ea typeface="Calibri" panose="020F0502020204030204" pitchFamily="34" charset="0"/>
+              <a:cs typeface="Times New Roman" panose="02020603050405020304" pitchFamily="18" charset="0"/>
+            </a:endParaRPr>
+          </a:p>
+          <a:p>
+            <a:endParaRPr lang="en-US" dirty="0"/>
           </a:p>
         </p:txBody>
       </p:sp>
@@ -1322,18 +2618,18 @@
           <a:bodyPr/>
           <a:lstStyle/>
           <a:p>
-            <a:fld id="{27067836-F567-C04A-AF80-269884025F76}" type="slidenum">
-              <a:rPr lang="en-US" smtClean="0"/>
-              <a:t>24</a:t>
+            <a:fld id="{79506C31-B88E-404E-8B3D-840BD3814927}" type="slidenum">
+              <a:rPr lang="nl-BE" smtClean="0"/>
+              <a:t>9</a:t>
             </a:fld>
-            <a:endParaRPr lang="en-US"/>
+            <a:endParaRPr lang="nl-BE"/>
           </a:p>
         </p:txBody>
       </p:sp>
     </p:spTree>
     <p:extLst>
       <p:ext uri="{BB962C8B-B14F-4D97-AF65-F5344CB8AC3E}">
-        <p14:creationId xmlns:p14="http://schemas.microsoft.com/office/powerpoint/2010/main" val="3651394751"/>
+        <p14:creationId xmlns:p14="http://schemas.microsoft.com/office/powerpoint/2010/main" val="3789738138"/>
       </p:ext>
     </p:extLst>
   </p:cSld>
@@ -1404,7 +2700,24 @@
               <a:tabLst/>
               <a:defRPr/>
             </a:pPr>
-            <a:endParaRPr lang="nl-BE" dirty="0"/>
+            <a:r>
+              <a:rPr lang="en-US" sz="1800" b="1" kern="100" dirty="0">
+                <a:effectLst/>
+                <a:latin typeface="Calibri" panose="020F0502020204030204" pitchFamily="34" charset="0"/>
+                <a:ea typeface="Calibri" panose="020F0502020204030204" pitchFamily="34" charset="0"/>
+                <a:cs typeface="Times New Roman" panose="02020603050405020304" pitchFamily="18" charset="0"/>
+              </a:rPr>
+              <a:t>[Reference: ISO27001 Clause 9.3.2 b) 1)]</a:t>
+            </a:r>
+            <a:endParaRPr lang="en-US" sz="1800" kern="100" dirty="0">
+              <a:effectLst/>
+              <a:latin typeface="Calibri" panose="020F0502020204030204" pitchFamily="34" charset="0"/>
+              <a:ea typeface="Calibri" panose="020F0502020204030204" pitchFamily="34" charset="0"/>
+              <a:cs typeface="Times New Roman" panose="02020603050405020304" pitchFamily="18" charset="0"/>
+            </a:endParaRPr>
+          </a:p>
+          <a:p>
+            <a:endParaRPr lang="en-US" dirty="0"/>
           </a:p>
         </p:txBody>
       </p:sp>
@@ -1423,18 +2736,18 @@
           <a:bodyPr/>
           <a:lstStyle/>
           <a:p>
-            <a:fld id="{27067836-F567-C04A-AF80-269884025F76}" type="slidenum">
-              <a:rPr lang="en-US" smtClean="0"/>
-              <a:t>25</a:t>
+            <a:fld id="{79506C31-B88E-404E-8B3D-840BD3814927}" type="slidenum">
+              <a:rPr lang="nl-BE" smtClean="0"/>
+              <a:t>10</a:t>
             </a:fld>
-            <a:endParaRPr lang="en-US"/>
+            <a:endParaRPr lang="nl-BE"/>
           </a:p>
         </p:txBody>
       </p:sp>
     </p:spTree>
     <p:extLst>
       <p:ext uri="{BB962C8B-B14F-4D97-AF65-F5344CB8AC3E}">
-        <p14:creationId xmlns:p14="http://schemas.microsoft.com/office/powerpoint/2010/main" val="2508433268"/>
+        <p14:creationId xmlns:p14="http://schemas.microsoft.com/office/powerpoint/2010/main" val="287143200"/>
       </p:ext>
     </p:extLst>
   </p:cSld>
@@ -1505,7 +2818,24 @@
               <a:tabLst/>
               <a:defRPr/>
             </a:pPr>
-            <a:endParaRPr lang="nl-BE" dirty="0"/>
+            <a:r>
+              <a:rPr lang="en-US" sz="1800" b="1" kern="100" dirty="0">
+                <a:effectLst/>
+                <a:latin typeface="Calibri" panose="020F0502020204030204" pitchFamily="34" charset="0"/>
+                <a:ea typeface="Calibri" panose="020F0502020204030204" pitchFamily="34" charset="0"/>
+                <a:cs typeface="Times New Roman" panose="02020603050405020304" pitchFamily="18" charset="0"/>
+              </a:rPr>
+              <a:t>[Reference: ISO27001 Clause 9.3.2 b) 2)]</a:t>
+            </a:r>
+            <a:endParaRPr lang="en-US" sz="1800" kern="100" dirty="0">
+              <a:effectLst/>
+              <a:latin typeface="Calibri" panose="020F0502020204030204" pitchFamily="34" charset="0"/>
+              <a:ea typeface="Calibri" panose="020F0502020204030204" pitchFamily="34" charset="0"/>
+              <a:cs typeface="Times New Roman" panose="02020603050405020304" pitchFamily="18" charset="0"/>
+            </a:endParaRPr>
+          </a:p>
+          <a:p>
+            <a:endParaRPr lang="en-US" dirty="0"/>
           </a:p>
         </p:txBody>
       </p:sp>
@@ -1524,18 +2854,18 @@
           <a:bodyPr/>
           <a:lstStyle/>
           <a:p>
-            <a:fld id="{27067836-F567-C04A-AF80-269884025F76}" type="slidenum">
-              <a:rPr lang="en-US" smtClean="0"/>
-              <a:t>26</a:t>
+            <a:fld id="{79506C31-B88E-404E-8B3D-840BD3814927}" type="slidenum">
+              <a:rPr lang="nl-BE" smtClean="0"/>
+              <a:t>11</a:t>
             </a:fld>
-            <a:endParaRPr lang="en-US"/>
+            <a:endParaRPr lang="nl-BE"/>
           </a:p>
         </p:txBody>
       </p:sp>
     </p:spTree>
     <p:extLst>
       <p:ext uri="{BB962C8B-B14F-4D97-AF65-F5344CB8AC3E}">
-        <p14:creationId xmlns:p14="http://schemas.microsoft.com/office/powerpoint/2010/main" val="1367122070"/>
+        <p14:creationId xmlns:p14="http://schemas.microsoft.com/office/powerpoint/2010/main" val="2047973694"/>
       </p:ext>
     </p:extLst>
   </p:cSld>
@@ -1606,7 +2936,24 @@
               <a:tabLst/>
               <a:defRPr/>
             </a:pPr>
-            <a:endParaRPr lang="nl-BE" dirty="0"/>
+            <a:r>
+              <a:rPr lang="en-US" sz="1800" b="1" kern="100" dirty="0">
+                <a:effectLst/>
+                <a:latin typeface="Calibri" panose="020F0502020204030204" pitchFamily="34" charset="0"/>
+                <a:ea typeface="Calibri" panose="020F0502020204030204" pitchFamily="34" charset="0"/>
+                <a:cs typeface="Times New Roman" panose="02020603050405020304" pitchFamily="18" charset="0"/>
+              </a:rPr>
+              <a:t>[Reference: ISO27001 Clause 9.3.2 b) 3)]</a:t>
+            </a:r>
+            <a:endParaRPr lang="en-US" sz="1800" kern="100" dirty="0">
+              <a:effectLst/>
+              <a:latin typeface="Calibri" panose="020F0502020204030204" pitchFamily="34" charset="0"/>
+              <a:ea typeface="Calibri" panose="020F0502020204030204" pitchFamily="34" charset="0"/>
+              <a:cs typeface="Times New Roman" panose="02020603050405020304" pitchFamily="18" charset="0"/>
+            </a:endParaRPr>
+          </a:p>
+          <a:p>
+            <a:endParaRPr lang="en-US" dirty="0"/>
           </a:p>
         </p:txBody>
       </p:sp>
@@ -1625,18 +2972,18 @@
           <a:bodyPr/>
           <a:lstStyle/>
           <a:p>
-            <a:fld id="{27067836-F567-C04A-AF80-269884025F76}" type="slidenum">
-              <a:rPr lang="en-US" smtClean="0"/>
-              <a:t>28</a:t>
+            <a:fld id="{79506C31-B88E-404E-8B3D-840BD3814927}" type="slidenum">
+              <a:rPr lang="nl-BE" smtClean="0"/>
+              <a:t>12</a:t>
             </a:fld>
-            <a:endParaRPr lang="en-US"/>
+            <a:endParaRPr lang="nl-BE"/>
           </a:p>
         </p:txBody>
       </p:sp>
     </p:spTree>
     <p:extLst>
       <p:ext uri="{BB962C8B-B14F-4D97-AF65-F5344CB8AC3E}">
-        <p14:creationId xmlns:p14="http://schemas.microsoft.com/office/powerpoint/2010/main" val="2776461704"/>
+        <p14:creationId xmlns:p14="http://schemas.microsoft.com/office/powerpoint/2010/main" val="741859116"/>
       </p:ext>
     </p:extLst>
   </p:cSld>
@@ -5180,8 +6527,50 @@
           <a:bodyPr/>
           <a:lstStyle/>
           <a:p>
+            <a:pPr marL="0" indent="0">
+              <a:buNone/>
+            </a:pPr>
+            <a:r>
+              <a:rPr lang="nl-BE" dirty="0">
+                <a:solidFill>
+                  <a:srgbClr val="000000"/>
+                </a:solidFill>
+                <a:latin typeface="Calibri" panose="020F0502020204030204" pitchFamily="34" charset="0"/>
+                <a:ea typeface="Times New Roman" panose="02020603050405020304" pitchFamily="18" charset="0"/>
+                <a:cs typeface="Symbol" panose="05050102010706020507" pitchFamily="18" charset="2"/>
+              </a:rPr>
+              <a:t>List </a:t>
+            </a:r>
             <a:r>
               <a:rPr lang="nl-BE" dirty="0" err="1">
+                <a:solidFill>
+                  <a:srgbClr val="000000"/>
+                </a:solidFill>
+                <a:latin typeface="Calibri" panose="020F0502020204030204" pitchFamily="34" charset="0"/>
+                <a:ea typeface="Times New Roman" panose="02020603050405020304" pitchFamily="18" charset="0"/>
+                <a:cs typeface="Symbol" panose="05050102010706020507" pitchFamily="18" charset="2"/>
+              </a:rPr>
+              <a:t>NCs</a:t>
+            </a:r>
+            <a:endParaRPr lang="nl-BE" dirty="0">
+              <a:solidFill>
+                <a:srgbClr val="000000"/>
+              </a:solidFill>
+              <a:latin typeface="Calibri" panose="020F0502020204030204" pitchFamily="34" charset="0"/>
+              <a:ea typeface="Times New Roman" panose="02020603050405020304" pitchFamily="18" charset="0"/>
+              <a:cs typeface="Symbol" panose="05050102010706020507" pitchFamily="18" charset="2"/>
+            </a:endParaRPr>
+          </a:p>
+          <a:p>
+            <a:pPr marL="800100" lvl="1" indent="-342900">
+              <a:buFont typeface="Symbol" panose="05050102010706020507" pitchFamily="18" charset="2"/>
+              <a:buChar char=""/>
+            </a:pPr>
+            <a:r>
+              <a:rPr lang="nl-BE" sz="2400" dirty="0">
+                <a:solidFill>
+                  <a:srgbClr val="000000"/>
+                </a:solidFill>
                 <a:highlight>
                   <a:srgbClr val="00FFFF"/>
                 </a:highlight>
@@ -5189,10 +6578,19 @@
                 <a:ea typeface="Times New Roman" panose="02020603050405020304" pitchFamily="18" charset="0"/>
                 <a:cs typeface="Symbol" panose="05050102010706020507" pitchFamily="18" charset="2"/>
               </a:rPr>
-              <a:t>Metric</a:t>
-            </a:r>
+              <a:t>#Major NC</a:t>
+            </a:r>
+          </a:p>
+          <a:p>
+            <a:pPr marL="800100" lvl="1" indent="-342900">
+              <a:buFont typeface="Symbol" panose="05050102010706020507" pitchFamily="18" charset="2"/>
+              <a:buChar char=""/>
+            </a:pPr>
             <a:r>
               <a:rPr lang="nl-BE" dirty="0">
+                <a:solidFill>
+                  <a:srgbClr val="000000"/>
+                </a:solidFill>
                 <a:highlight>
                   <a:srgbClr val="00FFFF"/>
                 </a:highlight>
@@ -5200,12 +6598,53 @@
                 <a:ea typeface="Times New Roman" panose="02020603050405020304" pitchFamily="18" charset="0"/>
                 <a:cs typeface="Symbol" panose="05050102010706020507" pitchFamily="18" charset="2"/>
               </a:rPr>
-              <a:t> 1</a:t>
-            </a:r>
-          </a:p>
-          <a:p>
+              <a:t>#Minor NC</a:t>
+            </a:r>
+          </a:p>
+          <a:p>
+            <a:pPr marL="800100" lvl="1" indent="-342900">
+              <a:buFont typeface="Symbol" panose="05050102010706020507" pitchFamily="18" charset="2"/>
+              <a:buChar char=""/>
+            </a:pPr>
+            <a:r>
+              <a:rPr lang="nl-BE" sz="2400" dirty="0">
+                <a:solidFill>
+                  <a:srgbClr val="000000"/>
+                </a:solidFill>
+                <a:highlight>
+                  <a:srgbClr val="00FFFF"/>
+                </a:highlight>
+                <a:latin typeface="Calibri" panose="020F0502020204030204" pitchFamily="34" charset="0"/>
+                <a:ea typeface="Times New Roman" panose="02020603050405020304" pitchFamily="18" charset="0"/>
+                <a:cs typeface="Symbol" panose="05050102010706020507" pitchFamily="18" charset="2"/>
+              </a:rPr>
+              <a:t>OFI</a:t>
+            </a:r>
+          </a:p>
+          <a:p>
+            <a:pPr marL="800100" lvl="1" indent="-342900">
+              <a:buFont typeface="Symbol" panose="05050102010706020507" pitchFamily="18" charset="2"/>
+              <a:buChar char=""/>
+            </a:pPr>
+            <a:r>
+              <a:rPr lang="nl-BE" dirty="0">
+                <a:solidFill>
+                  <a:srgbClr val="000000"/>
+                </a:solidFill>
+                <a:highlight>
+                  <a:srgbClr val="00FFFF"/>
+                </a:highlight>
+                <a:latin typeface="Calibri" panose="020F0502020204030204" pitchFamily="34" charset="0"/>
+                <a:ea typeface="Times New Roman" panose="02020603050405020304" pitchFamily="18" charset="0"/>
+                <a:cs typeface="Symbol" panose="05050102010706020507" pitchFamily="18" charset="2"/>
+              </a:rPr>
+              <a:t>(</a:t>
+            </a:r>
             <a:r>
               <a:rPr lang="nl-BE" dirty="0" err="1">
+                <a:solidFill>
+                  <a:srgbClr val="000000"/>
+                </a:solidFill>
                 <a:highlight>
                   <a:srgbClr val="00FFFF"/>
                 </a:highlight>
@@ -5213,10 +6652,13 @@
                 <a:ea typeface="Times New Roman" panose="02020603050405020304" pitchFamily="18" charset="0"/>
                 <a:cs typeface="Symbol" panose="05050102010706020507" pitchFamily="18" charset="2"/>
               </a:rPr>
-              <a:t>Metric</a:t>
+              <a:t>optional</a:t>
             </a:r>
             <a:r>
               <a:rPr lang="nl-BE" dirty="0">
+                <a:solidFill>
+                  <a:srgbClr val="000000"/>
+                </a:solidFill>
                 <a:highlight>
                   <a:srgbClr val="00FFFF"/>
                 </a:highlight>
@@ -5224,7 +6666,121 @@
                 <a:ea typeface="Times New Roman" panose="02020603050405020304" pitchFamily="18" charset="0"/>
                 <a:cs typeface="Symbol" panose="05050102010706020507" pitchFamily="18" charset="2"/>
               </a:rPr>
-              <a:t> 2</a:t>
+              <a:t>) </a:t>
+            </a:r>
+            <a:r>
+              <a:rPr lang="nl-BE" dirty="0" err="1">
+                <a:solidFill>
+                  <a:srgbClr val="000000"/>
+                </a:solidFill>
+                <a:highlight>
+                  <a:srgbClr val="00FFFF"/>
+                </a:highlight>
+                <a:latin typeface="Calibri" panose="020F0502020204030204" pitchFamily="34" charset="0"/>
+                <a:ea typeface="Times New Roman" panose="02020603050405020304" pitchFamily="18" charset="0"/>
+                <a:cs typeface="Symbol" panose="05050102010706020507" pitchFamily="18" charset="2"/>
+              </a:rPr>
+              <a:t>also</a:t>
+            </a:r>
+            <a:r>
+              <a:rPr lang="nl-BE" dirty="0">
+                <a:solidFill>
+                  <a:srgbClr val="000000"/>
+                </a:solidFill>
+                <a:highlight>
+                  <a:srgbClr val="00FFFF"/>
+                </a:highlight>
+                <a:latin typeface="Calibri" panose="020F0502020204030204" pitchFamily="34" charset="0"/>
+                <a:ea typeface="Times New Roman" panose="02020603050405020304" pitchFamily="18" charset="0"/>
+                <a:cs typeface="Symbol" panose="05050102010706020507" pitchFamily="18" charset="2"/>
+              </a:rPr>
+              <a:t> : </a:t>
+            </a:r>
+            <a:r>
+              <a:rPr lang="nl-BE" dirty="0" err="1">
+                <a:solidFill>
+                  <a:srgbClr val="000000"/>
+                </a:solidFill>
+                <a:highlight>
+                  <a:srgbClr val="00FFFF"/>
+                </a:highlight>
+                <a:latin typeface="Calibri" panose="020F0502020204030204" pitchFamily="34" charset="0"/>
+                <a:ea typeface="Times New Roman" panose="02020603050405020304" pitchFamily="18" charset="0"/>
+                <a:cs typeface="Symbol" panose="05050102010706020507" pitchFamily="18" charset="2"/>
+              </a:rPr>
+              <a:t>i</a:t>
+            </a:r>
+            <a:r>
+              <a:rPr lang="nl-BE" sz="2400" dirty="0" err="1">
+                <a:solidFill>
+                  <a:srgbClr val="000000"/>
+                </a:solidFill>
+                <a:highlight>
+                  <a:srgbClr val="00FFFF"/>
+                </a:highlight>
+                <a:latin typeface="Calibri" panose="020F0502020204030204" pitchFamily="34" charset="0"/>
+                <a:ea typeface="Times New Roman" panose="02020603050405020304" pitchFamily="18" charset="0"/>
+                <a:cs typeface="Symbol" panose="05050102010706020507" pitchFamily="18" charset="2"/>
+              </a:rPr>
+              <a:t>ncidents</a:t>
+            </a:r>
+            <a:endParaRPr lang="nl-BE" dirty="0">
+              <a:solidFill>
+                <a:srgbClr val="000000"/>
+              </a:solidFill>
+              <a:highlight>
+                <a:srgbClr val="00FFFF"/>
+              </a:highlight>
+              <a:latin typeface="Calibri" panose="020F0502020204030204" pitchFamily="34" charset="0"/>
+              <a:ea typeface="Times New Roman" panose="02020603050405020304" pitchFamily="18" charset="0"/>
+              <a:cs typeface="Symbol" panose="05050102010706020507" pitchFamily="18" charset="2"/>
+            </a:endParaRPr>
+          </a:p>
+          <a:p>
+            <a:pPr marL="0" indent="0">
+              <a:buNone/>
+            </a:pPr>
+            <a:r>
+              <a:rPr lang="nl-BE" dirty="0" err="1">
+                <a:solidFill>
+                  <a:srgbClr val="000000"/>
+                </a:solidFill>
+                <a:latin typeface="Calibri" panose="020F0502020204030204" pitchFamily="34" charset="0"/>
+                <a:ea typeface="Times New Roman" panose="02020603050405020304" pitchFamily="18" charset="0"/>
+                <a:cs typeface="Symbol" panose="05050102010706020507" pitchFamily="18" charset="2"/>
+              </a:rPr>
+              <a:t>Corrective</a:t>
+            </a:r>
+            <a:r>
+              <a:rPr lang="nl-BE" dirty="0">
+                <a:solidFill>
+                  <a:srgbClr val="000000"/>
+                </a:solidFill>
+                <a:latin typeface="Calibri" panose="020F0502020204030204" pitchFamily="34" charset="0"/>
+                <a:ea typeface="Times New Roman" panose="02020603050405020304" pitchFamily="18" charset="0"/>
+                <a:cs typeface="Symbol" panose="05050102010706020507" pitchFamily="18" charset="2"/>
+              </a:rPr>
+              <a:t> actions</a:t>
+            </a:r>
+          </a:p>
+          <a:p>
+            <a:pPr marL="800013" lvl="1" indent="-342900">
+              <a:buFont typeface="Symbol" panose="05050102010706020507" pitchFamily="18" charset="2"/>
+              <a:buChar char=""/>
+            </a:pPr>
+            <a:r>
+              <a:rPr lang="nl-BE" dirty="0">
+                <a:solidFill>
+                  <a:srgbClr val="000000"/>
+                </a:solidFill>
+                <a:highlight>
+                  <a:srgbClr val="00FFFF"/>
+                </a:highlight>
+                <a:latin typeface="Calibri" panose="020F0502020204030204" pitchFamily="34" charset="0"/>
+                <a:ea typeface="Times New Roman" panose="02020603050405020304" pitchFamily="18" charset="0"/>
+                <a:cs typeface="Symbol" panose="05050102010706020507" pitchFamily="18" charset="2"/>
+              </a:rPr>
+              <a:t>…</a:t>
             </a:r>
           </a:p>
         </p:txBody>
@@ -5274,7 +6830,7 @@
               </a:rPr>
             </a:br>
             <a:r>
-              <a:rPr lang="nl-BE" sz="3200" u="sng" dirty="0">
+              <a:rPr lang="nl-BE" sz="3200" u="sng" dirty="0" err="1">
                 <a:solidFill>
                   <a:srgbClr val="000000"/>
                 </a:solidFill>
@@ -5282,10 +6838,10 @@
                 <a:ea typeface="Calibri Light" panose="020F0302020204030204" pitchFamily="34" charset="0"/>
                 <a:cs typeface="Calibri Light" panose="020F0302020204030204" pitchFamily="34" charset="0"/>
               </a:rPr>
-              <a:t>Monitoring/</a:t>
-            </a:r>
-            <a:r>
-              <a:rPr lang="nl-BE" sz="3200" u="sng" dirty="0" err="1">
+              <a:t>NCs</a:t>
+            </a:r>
+            <a:r>
+              <a:rPr lang="nl-BE" sz="3200" u="sng" dirty="0">
                 <a:solidFill>
                   <a:srgbClr val="000000"/>
                 </a:solidFill>
@@ -5293,10 +6849,10 @@
                 <a:ea typeface="Calibri Light" panose="020F0302020204030204" pitchFamily="34" charset="0"/>
                 <a:cs typeface="Calibri Light" panose="020F0302020204030204" pitchFamily="34" charset="0"/>
               </a:rPr>
-              <a:t>Measurement</a:t>
-            </a:r>
-            <a:r>
-              <a:rPr lang="nl-BE" sz="3200" u="sng" dirty="0">
+              <a:t> and </a:t>
+            </a:r>
+            <a:r>
+              <a:rPr lang="nl-BE" sz="3200" u="sng" dirty="0" err="1">
                 <a:solidFill>
                   <a:srgbClr val="000000"/>
                 </a:solidFill>
@@ -5304,10 +6860,10 @@
                 <a:ea typeface="Calibri Light" panose="020F0302020204030204" pitchFamily="34" charset="0"/>
                 <a:cs typeface="Calibri Light" panose="020F0302020204030204" pitchFamily="34" charset="0"/>
               </a:rPr>
-              <a:t> </a:t>
-            </a:r>
-            <a:r>
-              <a:rPr lang="nl-BE" sz="3200" u="sng" dirty="0" err="1">
+              <a:t>corrective</a:t>
+            </a:r>
+            <a:r>
+              <a:rPr lang="nl-BE" sz="3200" u="sng" dirty="0">
                 <a:solidFill>
                   <a:srgbClr val="000000"/>
                 </a:solidFill>
@@ -5315,16 +6871,8 @@
                 <a:ea typeface="Calibri Light" panose="020F0302020204030204" pitchFamily="34" charset="0"/>
                 <a:cs typeface="Calibri Light" panose="020F0302020204030204" pitchFamily="34" charset="0"/>
               </a:rPr>
-              <a:t>results</a:t>
-            </a:r>
-            <a:endParaRPr lang="nl-BE" sz="3200" u="sng" dirty="0">
-              <a:solidFill>
-                <a:srgbClr val="000000"/>
-              </a:solidFill>
-              <a:latin typeface="Calibri Light" panose="020F0302020204030204" pitchFamily="34" charset="0"/>
-              <a:ea typeface="Calibri Light" panose="020F0302020204030204" pitchFamily="34" charset="0"/>
-              <a:cs typeface="Calibri Light" panose="020F0302020204030204" pitchFamily="34" charset="0"/>
-            </a:endParaRPr>
+              <a:t> actions</a:t>
+            </a:r>
           </a:p>
         </p:txBody>
       </p:sp>
@@ -5333,7 +6881,7 @@
           <p:cNvPr id="2" name="Date Placeholder 3">
             <a:extLst>
               <a:ext uri="{FF2B5EF4-FFF2-40B4-BE49-F238E27FC236}">
-                <a16:creationId xmlns:a16="http://schemas.microsoft.com/office/drawing/2014/main" id="{20195849-998E-918A-0448-8DA6BCB2060B}"/>
+                <a16:creationId xmlns:a16="http://schemas.microsoft.com/office/drawing/2014/main" id="{48BD7097-2806-5A08-6DC9-ADF0D4454522}"/>
               </a:ext>
             </a:extLst>
           </p:cNvPr>
@@ -5367,7 +6915,7 @@
           <p:cNvPr id="3" name="Footer Placeholder 4">
             <a:extLst>
               <a:ext uri="{FF2B5EF4-FFF2-40B4-BE49-F238E27FC236}">
-                <a16:creationId xmlns:a16="http://schemas.microsoft.com/office/drawing/2014/main" id="{2C170FF3-D85F-908D-14AF-1AFCE1A4631D}"/>
+                <a16:creationId xmlns:a16="http://schemas.microsoft.com/office/drawing/2014/main" id="{21313A82-A27C-5285-E6C1-1587131657C7}"/>
               </a:ext>
             </a:extLst>
           </p:cNvPr>
@@ -5400,7 +6948,7 @@
           <p:cNvPr id="6" name="Slide Number Placeholder 5">
             <a:extLst>
               <a:ext uri="{FF2B5EF4-FFF2-40B4-BE49-F238E27FC236}">
-                <a16:creationId xmlns:a16="http://schemas.microsoft.com/office/drawing/2014/main" id="{FB937F9F-BFD7-7986-C226-CE44AE43EA88}"/>
+                <a16:creationId xmlns:a16="http://schemas.microsoft.com/office/drawing/2014/main" id="{22E3F05E-DCA8-A90E-0AE0-8B98980437A1}"/>
               </a:ext>
             </a:extLst>
           </p:cNvPr>
@@ -5432,7 +6980,7 @@
     </p:spTree>
     <p:extLst>
       <p:ext uri="{BB962C8B-B14F-4D97-AF65-F5344CB8AC3E}">
-        <p14:creationId xmlns:p14="http://schemas.microsoft.com/office/powerpoint/2010/main" val="163809421"/>
+        <p14:creationId xmlns:p14="http://schemas.microsoft.com/office/powerpoint/2010/main" val="890866697"/>
       </p:ext>
     </p:extLst>
   </p:cSld>
@@ -5477,130 +7025,154 @@
         </p:nvSpPr>
         <p:spPr/>
         <p:txBody>
+          <a:bodyPr/>
+          <a:lstStyle/>
+          <a:p>
+            <a:r>
+              <a:rPr lang="nl-BE" dirty="0" err="1">
+                <a:highlight>
+                  <a:srgbClr val="00FFFF"/>
+                </a:highlight>
+                <a:latin typeface="Calibri" panose="020F0502020204030204" pitchFamily="34" charset="0"/>
+                <a:ea typeface="Times New Roman" panose="02020603050405020304" pitchFamily="18" charset="0"/>
+                <a:cs typeface="Symbol" panose="05050102010706020507" pitchFamily="18" charset="2"/>
+              </a:rPr>
+              <a:t>Metric</a:t>
+            </a:r>
+            <a:r>
+              <a:rPr lang="nl-BE" dirty="0">
+                <a:highlight>
+                  <a:srgbClr val="00FFFF"/>
+                </a:highlight>
+                <a:latin typeface="Calibri" panose="020F0502020204030204" pitchFamily="34" charset="0"/>
+                <a:ea typeface="Times New Roman" panose="02020603050405020304" pitchFamily="18" charset="0"/>
+                <a:cs typeface="Symbol" panose="05050102010706020507" pitchFamily="18" charset="2"/>
+              </a:rPr>
+              <a:t> 1</a:t>
+            </a:r>
+          </a:p>
+          <a:p>
+            <a:r>
+              <a:rPr lang="nl-BE" dirty="0" err="1">
+                <a:highlight>
+                  <a:srgbClr val="00FFFF"/>
+                </a:highlight>
+                <a:latin typeface="Calibri" panose="020F0502020204030204" pitchFamily="34" charset="0"/>
+                <a:ea typeface="Times New Roman" panose="02020603050405020304" pitchFamily="18" charset="0"/>
+                <a:cs typeface="Symbol" panose="05050102010706020507" pitchFamily="18" charset="2"/>
+              </a:rPr>
+              <a:t>Metric</a:t>
+            </a:r>
+            <a:r>
+              <a:rPr lang="nl-BE" dirty="0">
+                <a:highlight>
+                  <a:srgbClr val="00FFFF"/>
+                </a:highlight>
+                <a:latin typeface="Calibri" panose="020F0502020204030204" pitchFamily="34" charset="0"/>
+                <a:ea typeface="Times New Roman" panose="02020603050405020304" pitchFamily="18" charset="0"/>
+                <a:cs typeface="Symbol" panose="05050102010706020507" pitchFamily="18" charset="2"/>
+              </a:rPr>
+              <a:t> 2</a:t>
+            </a:r>
+          </a:p>
+        </p:txBody>
+      </p:sp>
+      <p:sp>
+        <p:nvSpPr>
+          <p:cNvPr id="4" name="Title 3">
+            <a:extLst>
+              <a:ext uri="{FF2B5EF4-FFF2-40B4-BE49-F238E27FC236}">
+                <a16:creationId xmlns:a16="http://schemas.microsoft.com/office/drawing/2014/main" id="{390B2C54-4DEE-4ADC-99B0-309418E10131}"/>
+              </a:ext>
+            </a:extLst>
+          </p:cNvPr>
+          <p:cNvSpPr>
+            <a:spLocks noGrp="1"/>
+          </p:cNvSpPr>
+          <p:nvPr>
+            <p:ph type="title"/>
+          </p:nvPr>
+        </p:nvSpPr>
+        <p:spPr/>
+        <p:txBody>
           <a:bodyPr>
             <a:normAutofit/>
           </a:bodyPr>
           <a:lstStyle/>
           <a:p>
             <a:r>
-              <a:rPr lang="en-US" dirty="0">
-                <a:highlight>
-                  <a:srgbClr val="00FF00"/>
-                </a:highlight>
-              </a:rPr>
-              <a:t>STR = strength</a:t>
-            </a:r>
-          </a:p>
-          <a:p>
-            <a:r>
-              <a:rPr lang="en-US" dirty="0">
-                <a:highlight>
-                  <a:srgbClr val="FFFF00"/>
-                </a:highlight>
-              </a:rPr>
-              <a:t>OFI = opportunity for improvement</a:t>
-            </a:r>
-          </a:p>
-          <a:p>
-            <a:pPr lvl="1"/>
-            <a:r>
-              <a:rPr lang="en-US" dirty="0"/>
-              <a:t>Risk to </a:t>
-            </a:r>
-            <a:r>
-              <a:rPr lang="en-US" dirty="0" err="1"/>
-              <a:t>nc</a:t>
-            </a:r>
-            <a:endParaRPr lang="en-US" dirty="0"/>
-          </a:p>
-          <a:p>
-            <a:pPr lvl="1"/>
-            <a:r>
-              <a:rPr lang="en-US" dirty="0"/>
-              <a:t>Evaluation by company for action, or not</a:t>
-            </a:r>
-          </a:p>
-          <a:p>
-            <a:r>
-              <a:rPr lang="en-US" dirty="0">
-                <a:highlight>
-                  <a:srgbClr val="FF0000"/>
-                </a:highlight>
-              </a:rPr>
-              <a:t>-</a:t>
-            </a:r>
-            <a:r>
-              <a:rPr lang="en-US" dirty="0" err="1">
-                <a:highlight>
-                  <a:srgbClr val="FF0000"/>
-                </a:highlight>
-              </a:rPr>
-              <a:t>nc</a:t>
-            </a:r>
-            <a:r>
-              <a:rPr lang="en-US" dirty="0">
-                <a:highlight>
-                  <a:srgbClr val="FF0000"/>
-                </a:highlight>
-              </a:rPr>
-              <a:t> = minor nonconformity</a:t>
-            </a:r>
-          </a:p>
-          <a:p>
-            <a:pPr lvl="1"/>
-            <a:r>
-              <a:rPr lang="en-US" dirty="0"/>
-              <a:t>Action plan required</a:t>
-            </a:r>
-          </a:p>
-          <a:p>
-            <a:r>
-              <a:rPr lang="en-US" dirty="0">
-                <a:solidFill>
-                  <a:schemeClr val="bg1"/>
-                </a:solidFill>
-                <a:highlight>
-                  <a:srgbClr val="000000"/>
-                </a:highlight>
-              </a:rPr>
-              <a:t>+NC = major nonconformity </a:t>
-            </a:r>
-          </a:p>
-          <a:p>
-            <a:pPr lvl="1"/>
-            <a:r>
-              <a:rPr lang="en-US" dirty="0"/>
-              <a:t>Immediate Action (plan) required</a:t>
-            </a:r>
-          </a:p>
-        </p:txBody>
-      </p:sp>
-      <p:sp>
-        <p:nvSpPr>
-          <p:cNvPr id="4" name="Title 3">
-            <a:extLst>
-              <a:ext uri="{FF2B5EF4-FFF2-40B4-BE49-F238E27FC236}">
-                <a16:creationId xmlns:a16="http://schemas.microsoft.com/office/drawing/2014/main" id="{390B2C54-4DEE-4ADC-99B0-309418E10131}"/>
-              </a:ext>
-            </a:extLst>
-          </p:cNvPr>
-          <p:cNvSpPr>
-            <a:spLocks noGrp="1"/>
-          </p:cNvSpPr>
-          <p:nvPr>
-            <p:ph type="title"/>
-          </p:nvPr>
-        </p:nvSpPr>
-        <p:spPr/>
-        <p:txBody>
-          <a:bodyPr/>
-          <a:lstStyle/>
-          <a:p>
-            <a:r>
-              <a:rPr lang="en-US" dirty="0"/>
-              <a:t>External/Internal Audit: legend</a:t>
-            </a:r>
-            <a:endParaRPr lang="LID4096" dirty="0"/>
+              <a:rPr lang="nl-BE" sz="3200" b="1" dirty="0">
+                <a:solidFill>
+                  <a:srgbClr val="000000"/>
+                </a:solidFill>
+                <a:latin typeface="Calibri Light" panose="020F0302020204030204" pitchFamily="34" charset="0"/>
+                <a:ea typeface="Calibri Light" panose="020F0302020204030204" pitchFamily="34" charset="0"/>
+                <a:cs typeface="Calibri Light" panose="020F0302020204030204" pitchFamily="34" charset="0"/>
+              </a:rPr>
+              <a:t>Feedback on security performance</a:t>
+            </a:r>
+            <a:br>
+              <a:rPr lang="nl-BE" sz="3200" b="1" dirty="0">
+                <a:solidFill>
+                  <a:srgbClr val="000000"/>
+                </a:solidFill>
+                <a:latin typeface="Calibri Light" panose="020F0302020204030204" pitchFamily="34" charset="0"/>
+                <a:ea typeface="Calibri Light" panose="020F0302020204030204" pitchFamily="34" charset="0"/>
+                <a:cs typeface="Calibri Light" panose="020F0302020204030204" pitchFamily="34" charset="0"/>
+              </a:rPr>
+            </a:br>
+            <a:r>
+              <a:rPr lang="nl-BE" sz="3200" u="sng" dirty="0">
+                <a:solidFill>
+                  <a:srgbClr val="000000"/>
+                </a:solidFill>
+                <a:latin typeface="Calibri Light" panose="020F0302020204030204" pitchFamily="34" charset="0"/>
+                <a:ea typeface="Calibri Light" panose="020F0302020204030204" pitchFamily="34" charset="0"/>
+                <a:cs typeface="Calibri Light" panose="020F0302020204030204" pitchFamily="34" charset="0"/>
+              </a:rPr>
+              <a:t>Monitoring/</a:t>
+            </a:r>
+            <a:r>
+              <a:rPr lang="nl-BE" sz="3200" u="sng" dirty="0" err="1">
+                <a:solidFill>
+                  <a:srgbClr val="000000"/>
+                </a:solidFill>
+                <a:latin typeface="Calibri Light" panose="020F0302020204030204" pitchFamily="34" charset="0"/>
+                <a:ea typeface="Calibri Light" panose="020F0302020204030204" pitchFamily="34" charset="0"/>
+                <a:cs typeface="Calibri Light" panose="020F0302020204030204" pitchFamily="34" charset="0"/>
+              </a:rPr>
+              <a:t>Measurement</a:t>
+            </a:r>
+            <a:r>
+              <a:rPr lang="nl-BE" sz="3200" u="sng" dirty="0">
+                <a:solidFill>
+                  <a:srgbClr val="000000"/>
+                </a:solidFill>
+                <a:latin typeface="Calibri Light" panose="020F0302020204030204" pitchFamily="34" charset="0"/>
+                <a:ea typeface="Calibri Light" panose="020F0302020204030204" pitchFamily="34" charset="0"/>
+                <a:cs typeface="Calibri Light" panose="020F0302020204030204" pitchFamily="34" charset="0"/>
+              </a:rPr>
+              <a:t> </a:t>
+            </a:r>
+            <a:r>
+              <a:rPr lang="nl-BE" sz="3200" u="sng" dirty="0" err="1">
+                <a:solidFill>
+                  <a:srgbClr val="000000"/>
+                </a:solidFill>
+                <a:latin typeface="Calibri Light" panose="020F0302020204030204" pitchFamily="34" charset="0"/>
+                <a:ea typeface="Calibri Light" panose="020F0302020204030204" pitchFamily="34" charset="0"/>
+                <a:cs typeface="Calibri Light" panose="020F0302020204030204" pitchFamily="34" charset="0"/>
+              </a:rPr>
+              <a:t>results</a:t>
+            </a:r>
+            <a:endParaRPr lang="nl-BE" sz="3200" u="sng" dirty="0">
+              <a:solidFill>
+                <a:srgbClr val="000000"/>
+              </a:solidFill>
+              <a:latin typeface="Calibri Light" panose="020F0302020204030204" pitchFamily="34" charset="0"/>
+              <a:ea typeface="Calibri Light" panose="020F0302020204030204" pitchFamily="34" charset="0"/>
+              <a:cs typeface="Calibri Light" panose="020F0302020204030204" pitchFamily="34" charset="0"/>
+            </a:endParaRPr>
           </a:p>
         </p:txBody>
       </p:sp>
@@ -5609,7 +7181,7 @@
           <p:cNvPr id="2" name="Date Placeholder 3">
             <a:extLst>
               <a:ext uri="{FF2B5EF4-FFF2-40B4-BE49-F238E27FC236}">
-                <a16:creationId xmlns:a16="http://schemas.microsoft.com/office/drawing/2014/main" id="{D5CA2927-9B19-045A-BCB0-D54B57FF4D64}"/>
+                <a16:creationId xmlns:a16="http://schemas.microsoft.com/office/drawing/2014/main" id="{20195849-998E-918A-0448-8DA6BCB2060B}"/>
               </a:ext>
             </a:extLst>
           </p:cNvPr>
@@ -5643,7 +7215,7 @@
           <p:cNvPr id="3" name="Footer Placeholder 4">
             <a:extLst>
               <a:ext uri="{FF2B5EF4-FFF2-40B4-BE49-F238E27FC236}">
-                <a16:creationId xmlns:a16="http://schemas.microsoft.com/office/drawing/2014/main" id="{B3D60491-FEA8-8375-27F4-52BBA597D208}"/>
+                <a16:creationId xmlns:a16="http://schemas.microsoft.com/office/drawing/2014/main" id="{2C170FF3-D85F-908D-14AF-1AFCE1A4631D}"/>
               </a:ext>
             </a:extLst>
           </p:cNvPr>
@@ -5676,7 +7248,7 @@
           <p:cNvPr id="6" name="Slide Number Placeholder 5">
             <a:extLst>
               <a:ext uri="{FF2B5EF4-FFF2-40B4-BE49-F238E27FC236}">
-                <a16:creationId xmlns:a16="http://schemas.microsoft.com/office/drawing/2014/main" id="{C08B254C-D392-7D9D-7045-1C50591FB635}"/>
+                <a16:creationId xmlns:a16="http://schemas.microsoft.com/office/drawing/2014/main" id="{FB937F9F-BFD7-7986-C226-CE44AE43EA88}"/>
               </a:ext>
             </a:extLst>
           </p:cNvPr>
@@ -5708,7 +7280,7 @@
     </p:spTree>
     <p:extLst>
       <p:ext uri="{BB962C8B-B14F-4D97-AF65-F5344CB8AC3E}">
-        <p14:creationId xmlns:p14="http://schemas.microsoft.com/office/powerpoint/2010/main" val="1722658136"/>
+        <p14:creationId xmlns:p14="http://schemas.microsoft.com/office/powerpoint/2010/main" val="163809421"/>
       </p:ext>
     </p:extLst>
   </p:cSld>
@@ -5761,94 +7333,92 @@
             <a:r>
               <a:rPr lang="en-US" dirty="0">
                 <a:highlight>
-                  <a:srgbClr val="00FFFF"/>
-                </a:highlight>
-              </a:rPr>
-              <a:t>#</a:t>
-            </a:r>
+                  <a:srgbClr val="00FF00"/>
+                </a:highlight>
+              </a:rPr>
+              <a:t>STR = strength</a:t>
+            </a:r>
+          </a:p>
+          <a:p>
             <a:r>
               <a:rPr lang="en-US" dirty="0">
                 <a:highlight>
-                  <a:srgbClr val="00FF00"/>
-                </a:highlight>
-              </a:rPr>
-              <a:t> STR (strength)</a:t>
+                  <a:srgbClr val="FFFF00"/>
+                </a:highlight>
+              </a:rPr>
+              <a:t>OFI = opportunity for improvement</a:t>
+            </a:r>
+          </a:p>
+          <a:p>
+            <a:pPr lvl="1"/>
+            <a:r>
+              <a:rPr lang="en-US" dirty="0"/>
+              <a:t>Risk to </a:t>
+            </a:r>
+            <a:r>
+              <a:rPr lang="en-US" dirty="0" err="1"/>
+              <a:t>nc</a:t>
+            </a:r>
+            <a:endParaRPr lang="en-US" dirty="0"/>
+          </a:p>
+          <a:p>
+            <a:pPr lvl="1"/>
+            <a:r>
+              <a:rPr lang="en-US" dirty="0"/>
+              <a:t>Evaluation by company for action, or not</a:t>
             </a:r>
           </a:p>
           <a:p>
             <a:r>
               <a:rPr lang="en-US" dirty="0">
                 <a:highlight>
-                  <a:srgbClr val="00FFFF"/>
-                </a:highlight>
-              </a:rPr>
-              <a:t>#</a:t>
+                  <a:srgbClr val="FF0000"/>
+                </a:highlight>
+              </a:rPr>
+              <a:t>-</a:t>
+            </a:r>
+            <a:r>
+              <a:rPr lang="en-US" dirty="0" err="1">
+                <a:highlight>
+                  <a:srgbClr val="FF0000"/>
+                </a:highlight>
+              </a:rPr>
+              <a:t>nc</a:t>
             </a:r>
             <a:r>
               <a:rPr lang="en-US" dirty="0">
                 <a:highlight>
-                  <a:srgbClr val="FFFF00"/>
-                </a:highlight>
-              </a:rPr>
-              <a:t> OFI (opportunity for improvement)</a:t>
+                  <a:srgbClr val="FF0000"/>
+                </a:highlight>
+              </a:rPr>
+              <a:t> = minor nonconformity</a:t>
+            </a:r>
+          </a:p>
+          <a:p>
+            <a:pPr lvl="1"/>
+            <a:r>
+              <a:rPr lang="en-US" dirty="0"/>
+              <a:t>Action plan required</a:t>
             </a:r>
           </a:p>
           <a:p>
             <a:r>
               <a:rPr lang="en-US" dirty="0">
-                <a:highlight>
-                  <a:srgbClr val="00FFFF"/>
-                </a:highlight>
-              </a:rPr>
-              <a:t>#</a:t>
-            </a:r>
-            <a:r>
-              <a:rPr lang="en-US" dirty="0">
-                <a:highlight>
-                  <a:srgbClr val="FF0000"/>
-                </a:highlight>
-              </a:rPr>
-              <a:t> -</a:t>
-            </a:r>
-            <a:r>
-              <a:rPr lang="en-US" dirty="0" err="1">
-                <a:highlight>
-                  <a:srgbClr val="FF0000"/>
-                </a:highlight>
-              </a:rPr>
-              <a:t>nc</a:t>
-            </a:r>
-            <a:r>
-              <a:rPr lang="en-US" dirty="0">
-                <a:highlight>
-                  <a:srgbClr val="FF0000"/>
-                </a:highlight>
-              </a:rPr>
-              <a:t> = minor conformity</a:t>
-            </a:r>
-          </a:p>
-          <a:p>
-            <a:r>
-              <a:rPr lang="en-US" dirty="0">
-                <a:solidFill>
-                  <a:srgbClr val="FF0000"/>
-                </a:solidFill>
-                <a:highlight>
-                  <a:srgbClr val="00FFFF"/>
-                </a:highlight>
-              </a:rPr>
-              <a:t>#</a:t>
-            </a:r>
-            <a:r>
-              <a:rPr lang="en-US" dirty="0">
-                <a:solidFill>
-                  <a:srgbClr val="FF0000"/>
-                </a:solidFill>
-                <a:highlight>
-                  <a:srgbClr val="000000"/>
-                </a:highlight>
-              </a:rPr>
-              <a:t> +NC = major nonconformity </a:t>
+                <a:solidFill>
+                  <a:schemeClr val="bg1"/>
+                </a:solidFill>
+                <a:highlight>
+                  <a:srgbClr val="000000"/>
+                </a:highlight>
+              </a:rPr>
+              <a:t>+NC = major nonconformity </a:t>
+            </a:r>
+          </a:p>
+          <a:p>
+            <a:pPr lvl="1"/>
+            <a:r>
+              <a:rPr lang="en-US" dirty="0"/>
+              <a:t>Immediate Action (plan) required</a:t>
             </a:r>
           </a:p>
         </p:txBody>
@@ -5876,7 +7446,7 @@
           <a:p>
             <a:r>
               <a:rPr lang="en-US" dirty="0"/>
-              <a:t>External Audit: Results overview</a:t>
+              <a:t>External/Internal Audit: legend</a:t>
             </a:r>
             <a:endParaRPr lang="LID4096" dirty="0"/>
           </a:p>
@@ -5887,7 +7457,7 @@
           <p:cNvPr id="2" name="Date Placeholder 3">
             <a:extLst>
               <a:ext uri="{FF2B5EF4-FFF2-40B4-BE49-F238E27FC236}">
-                <a16:creationId xmlns:a16="http://schemas.microsoft.com/office/drawing/2014/main" id="{8EE48510-9A1A-E560-2E63-795A4CB2BFBF}"/>
+                <a16:creationId xmlns:a16="http://schemas.microsoft.com/office/drawing/2014/main" id="{D5CA2927-9B19-045A-BCB0-D54B57FF4D64}"/>
               </a:ext>
             </a:extLst>
           </p:cNvPr>
@@ -5921,7 +7491,7 @@
           <p:cNvPr id="3" name="Footer Placeholder 4">
             <a:extLst>
               <a:ext uri="{FF2B5EF4-FFF2-40B4-BE49-F238E27FC236}">
-                <a16:creationId xmlns:a16="http://schemas.microsoft.com/office/drawing/2014/main" id="{A3E9A487-80F5-C925-A872-C50778D79449}"/>
+                <a16:creationId xmlns:a16="http://schemas.microsoft.com/office/drawing/2014/main" id="{B3D60491-FEA8-8375-27F4-52BBA597D208}"/>
               </a:ext>
             </a:extLst>
           </p:cNvPr>
@@ -5954,7 +7524,7 @@
           <p:cNvPr id="6" name="Slide Number Placeholder 5">
             <a:extLst>
               <a:ext uri="{FF2B5EF4-FFF2-40B4-BE49-F238E27FC236}">
-                <a16:creationId xmlns:a16="http://schemas.microsoft.com/office/drawing/2014/main" id="{ECD195A4-B188-2789-3D3B-D86819BD8647}"/>
+                <a16:creationId xmlns:a16="http://schemas.microsoft.com/office/drawing/2014/main" id="{C08B254C-D392-7D9D-7045-1C50591FB635}"/>
               </a:ext>
             </a:extLst>
           </p:cNvPr>
@@ -5986,7 +7556,7 @@
     </p:spTree>
     <p:extLst>
       <p:ext uri="{BB962C8B-B14F-4D97-AF65-F5344CB8AC3E}">
-        <p14:creationId xmlns:p14="http://schemas.microsoft.com/office/powerpoint/2010/main" val="3730300813"/>
+        <p14:creationId xmlns:p14="http://schemas.microsoft.com/office/powerpoint/2010/main" val="1722658136"/>
       </p:ext>
     </p:extLst>
   </p:cSld>
@@ -6154,7 +7724,7 @@
           <a:p>
             <a:r>
               <a:rPr lang="en-US" dirty="0"/>
-              <a:t>Internal Audit: Results overview</a:t>
+              <a:t>External Audit: Results overview</a:t>
             </a:r>
             <a:endParaRPr lang="LID4096" dirty="0"/>
           </a:p>
@@ -6264,7 +7834,7 @@
     </p:spTree>
     <p:extLst>
       <p:ext uri="{BB962C8B-B14F-4D97-AF65-F5344CB8AC3E}">
-        <p14:creationId xmlns:p14="http://schemas.microsoft.com/office/powerpoint/2010/main" val="3829359118"/>
+        <p14:creationId xmlns:p14="http://schemas.microsoft.com/office/powerpoint/2010/main" val="3730300813"/>
       </p:ext>
     </p:extLst>
   </p:cSld>
@@ -6309,315 +7879,132 @@
         </p:nvSpPr>
         <p:spPr/>
         <p:txBody>
-          <a:bodyPr/>
-          <a:lstStyle/>
-          <a:p>
-            <a:pPr marL="0" indent="0">
-              <a:buNone/>
-            </a:pPr>
-            <a:r>
-              <a:rPr lang="nl-BE" sz="2400" dirty="0">
-                <a:solidFill>
-                  <a:srgbClr val="000000"/>
-                </a:solidFill>
-                <a:latin typeface="Calibri" panose="020F0502020204030204" pitchFamily="34" charset="0"/>
-                <a:ea typeface="Times New Roman" panose="02020603050405020304" pitchFamily="18" charset="0"/>
-                <a:cs typeface="Symbol" panose="05050102010706020507" pitchFamily="18" charset="2"/>
-              </a:rPr>
-              <a:t>(&lt;</a:t>
-            </a:r>
-            <a:r>
-              <a:rPr lang="nl-BE" sz="2400" dirty="0">
-                <a:solidFill>
-                  <a:srgbClr val="000000"/>
-                </a:solidFill>
-                <a:highlight>
-                  <a:srgbClr val="00FFFF"/>
-                </a:highlight>
-                <a:latin typeface="Calibri" panose="020F0502020204030204" pitchFamily="34" charset="0"/>
-                <a:ea typeface="Times New Roman" panose="02020603050405020304" pitchFamily="18" charset="0"/>
-                <a:cs typeface="Symbol" panose="05050102010706020507" pitchFamily="18" charset="2"/>
-              </a:rPr>
-              <a:t>date </a:t>
-            </a:r>
-            <a:r>
-              <a:rPr lang="nl-BE" sz="2400" dirty="0" err="1">
-                <a:solidFill>
-                  <a:srgbClr val="000000"/>
-                </a:solidFill>
-                <a:highlight>
-                  <a:srgbClr val="00FFFF"/>
-                </a:highlight>
-                <a:latin typeface="Calibri" panose="020F0502020204030204" pitchFamily="34" charset="0"/>
-                <a:ea typeface="Times New Roman" panose="02020603050405020304" pitchFamily="18" charset="0"/>
-                <a:cs typeface="Symbol" panose="05050102010706020507" pitchFamily="18" charset="2"/>
-              </a:rPr>
-              <a:t>previous</a:t>
-            </a:r>
-            <a:r>
-              <a:rPr lang="nl-BE" sz="2400" dirty="0">
-                <a:solidFill>
-                  <a:srgbClr val="000000"/>
-                </a:solidFill>
-                <a:highlight>
-                  <a:srgbClr val="00FFFF"/>
-                </a:highlight>
-                <a:latin typeface="Calibri" panose="020F0502020204030204" pitchFamily="34" charset="0"/>
-                <a:ea typeface="Times New Roman" panose="02020603050405020304" pitchFamily="18" charset="0"/>
-                <a:cs typeface="Symbol" panose="05050102010706020507" pitchFamily="18" charset="2"/>
-              </a:rPr>
-              <a:t> audit&gt;)</a:t>
-            </a:r>
-          </a:p>
-          <a:p>
-            <a:pPr marL="800100" lvl="1" indent="-342900">
-              <a:buFont typeface="Symbol" panose="05050102010706020507" pitchFamily="18" charset="2"/>
-              <a:buChar char=""/>
-            </a:pPr>
-            <a:r>
-              <a:rPr lang="nl-BE" sz="2400" dirty="0">
-                <a:solidFill>
-                  <a:srgbClr val="000000"/>
-                </a:solidFill>
-                <a:highlight>
-                  <a:srgbClr val="00FFFF"/>
-                </a:highlight>
-                <a:latin typeface="Calibri" panose="020F0502020204030204" pitchFamily="34" charset="0"/>
-                <a:ea typeface="Times New Roman" panose="02020603050405020304" pitchFamily="18" charset="0"/>
-                <a:cs typeface="Symbol" panose="05050102010706020507" pitchFamily="18" charset="2"/>
-              </a:rPr>
-              <a:t>STR</a:t>
-            </a:r>
-          </a:p>
-          <a:p>
-            <a:pPr marL="800100" lvl="1" indent="-342900">
-              <a:buFont typeface="Symbol" panose="05050102010706020507" pitchFamily="18" charset="2"/>
-              <a:buChar char=""/>
-            </a:pPr>
-            <a:r>
-              <a:rPr lang="nl-BE" sz="2400" dirty="0">
-                <a:solidFill>
-                  <a:srgbClr val="000000"/>
-                </a:solidFill>
-                <a:highlight>
-                  <a:srgbClr val="00FFFF"/>
-                </a:highlight>
-                <a:latin typeface="Calibri" panose="020F0502020204030204" pitchFamily="34" charset="0"/>
-                <a:ea typeface="Times New Roman" panose="02020603050405020304" pitchFamily="18" charset="0"/>
-                <a:cs typeface="Symbol" panose="05050102010706020507" pitchFamily="18" charset="2"/>
-              </a:rPr>
-              <a:t>NC+</a:t>
-            </a:r>
-          </a:p>
-          <a:p>
-            <a:pPr marL="800100" lvl="1" indent="-342900">
-              <a:buFont typeface="Symbol" panose="05050102010706020507" pitchFamily="18" charset="2"/>
-              <a:buChar char=""/>
-            </a:pPr>
-            <a:r>
-              <a:rPr lang="nl-BE" dirty="0" err="1">
-                <a:solidFill>
-                  <a:srgbClr val="000000"/>
-                </a:solidFill>
-                <a:highlight>
-                  <a:srgbClr val="00FFFF"/>
-                </a:highlight>
-                <a:latin typeface="Calibri" panose="020F0502020204030204" pitchFamily="34" charset="0"/>
-                <a:ea typeface="Times New Roman" panose="02020603050405020304" pitchFamily="18" charset="0"/>
-                <a:cs typeface="Symbol" panose="05050102010706020507" pitchFamily="18" charset="2"/>
-              </a:rPr>
-              <a:t>Nc</a:t>
-            </a:r>
-            <a:r>
-              <a:rPr lang="nl-BE" dirty="0">
-                <a:solidFill>
-                  <a:srgbClr val="000000"/>
-                </a:solidFill>
-                <a:highlight>
-                  <a:srgbClr val="00FFFF"/>
-                </a:highlight>
-                <a:latin typeface="Calibri" panose="020F0502020204030204" pitchFamily="34" charset="0"/>
-                <a:ea typeface="Times New Roman" panose="02020603050405020304" pitchFamily="18" charset="0"/>
-                <a:cs typeface="Symbol" panose="05050102010706020507" pitchFamily="18" charset="2"/>
-              </a:rPr>
-              <a:t>-</a:t>
-            </a:r>
-          </a:p>
-          <a:p>
-            <a:pPr marL="800100" lvl="1" indent="-342900">
-              <a:buFont typeface="Symbol" panose="05050102010706020507" pitchFamily="18" charset="2"/>
-              <a:buChar char=""/>
-            </a:pPr>
-            <a:r>
-              <a:rPr lang="nl-BE" sz="2400" dirty="0">
-                <a:solidFill>
-                  <a:srgbClr val="000000"/>
-                </a:solidFill>
-                <a:highlight>
-                  <a:srgbClr val="00FFFF"/>
-                </a:highlight>
-                <a:latin typeface="Calibri" panose="020F0502020204030204" pitchFamily="34" charset="0"/>
-                <a:ea typeface="Times New Roman" panose="02020603050405020304" pitchFamily="18" charset="0"/>
-                <a:cs typeface="Symbol" panose="05050102010706020507" pitchFamily="18" charset="2"/>
-              </a:rPr>
-              <a:t>OFI</a:t>
-            </a:r>
-          </a:p>
-          <a:p>
-            <a:pPr marL="800100" lvl="1" indent="-342900">
-              <a:buFont typeface="Symbol" panose="05050102010706020507" pitchFamily="18" charset="2"/>
-              <a:buChar char=""/>
-            </a:pPr>
-            <a:r>
-              <a:rPr lang="nl-BE" dirty="0" err="1">
-                <a:solidFill>
-                  <a:srgbClr val="000000"/>
-                </a:solidFill>
-                <a:highlight>
-                  <a:srgbClr val="00FFFF"/>
-                </a:highlight>
-                <a:latin typeface="Calibri" panose="020F0502020204030204" pitchFamily="34" charset="0"/>
-                <a:ea typeface="Times New Roman" panose="02020603050405020304" pitchFamily="18" charset="0"/>
-                <a:cs typeface="Symbol" panose="05050102010706020507" pitchFamily="18" charset="2"/>
-              </a:rPr>
-              <a:t>Other</a:t>
-            </a:r>
-            <a:r>
-              <a:rPr lang="nl-BE" dirty="0">
-                <a:solidFill>
-                  <a:srgbClr val="000000"/>
-                </a:solidFill>
-                <a:highlight>
-                  <a:srgbClr val="00FFFF"/>
-                </a:highlight>
-                <a:latin typeface="Calibri" panose="020F0502020204030204" pitchFamily="34" charset="0"/>
-                <a:ea typeface="Times New Roman" panose="02020603050405020304" pitchFamily="18" charset="0"/>
-                <a:cs typeface="Symbol" panose="05050102010706020507" pitchFamily="18" charset="2"/>
-              </a:rPr>
-              <a:t> feedback</a:t>
-            </a:r>
-          </a:p>
-          <a:p>
-            <a:pPr marL="800100" lvl="1" indent="-342900">
-              <a:buFont typeface="Symbol" panose="05050102010706020507" pitchFamily="18" charset="2"/>
-              <a:buChar char=""/>
-            </a:pPr>
-            <a:r>
-              <a:rPr lang="nl-BE" dirty="0">
-                <a:solidFill>
-                  <a:srgbClr val="000000"/>
-                </a:solidFill>
-                <a:highlight>
-                  <a:srgbClr val="00FFFF"/>
-                </a:highlight>
-                <a:latin typeface="Calibri" panose="020F0502020204030204" pitchFamily="34" charset="0"/>
-                <a:ea typeface="Times New Roman" panose="02020603050405020304" pitchFamily="18" charset="0"/>
-                <a:cs typeface="Symbol" panose="05050102010706020507" pitchFamily="18" charset="2"/>
-              </a:rPr>
-              <a:t>…</a:t>
-            </a:r>
-          </a:p>
-        </p:txBody>
-      </p:sp>
-      <p:sp>
-        <p:nvSpPr>
-          <p:cNvPr id="4" name="Title 3">
-            <a:extLst>
-              <a:ext uri="{FF2B5EF4-FFF2-40B4-BE49-F238E27FC236}">
-                <a16:creationId xmlns:a16="http://schemas.microsoft.com/office/drawing/2014/main" id="{390B2C54-4DEE-4ADC-99B0-309418E10131}"/>
-              </a:ext>
-            </a:extLst>
-          </p:cNvPr>
-          <p:cNvSpPr>
-            <a:spLocks noGrp="1"/>
-          </p:cNvSpPr>
-          <p:nvPr>
-            <p:ph type="title"/>
-          </p:nvPr>
-        </p:nvSpPr>
-        <p:spPr/>
-        <p:txBody>
           <a:bodyPr>
             <a:normAutofit/>
           </a:bodyPr>
           <a:lstStyle/>
           <a:p>
             <a:r>
-              <a:rPr lang="nl-BE" sz="3200" b="1" dirty="0">
-                <a:solidFill>
-                  <a:srgbClr val="000000"/>
-                </a:solidFill>
-                <a:latin typeface="Calibri Light" panose="020F0302020204030204" pitchFamily="34" charset="0"/>
-                <a:ea typeface="Calibri Light" panose="020F0302020204030204" pitchFamily="34" charset="0"/>
-                <a:cs typeface="Calibri Light" panose="020F0302020204030204" pitchFamily="34" charset="0"/>
-              </a:rPr>
-              <a:t>Feedback on security performance </a:t>
-            </a:r>
-            <a:br>
-              <a:rPr lang="nl-BE" sz="3200" b="1" dirty="0">
-                <a:solidFill>
-                  <a:srgbClr val="000000"/>
-                </a:solidFill>
-                <a:latin typeface="Calibri Light" panose="020F0302020204030204" pitchFamily="34" charset="0"/>
-                <a:ea typeface="Calibri Light" panose="020F0302020204030204" pitchFamily="34" charset="0"/>
-                <a:cs typeface="Calibri Light" panose="020F0302020204030204" pitchFamily="34" charset="0"/>
-              </a:rPr>
-            </a:br>
-            <a:r>
-              <a:rPr lang="nl-BE" sz="3200" u="sng" dirty="0">
-                <a:solidFill>
-                  <a:srgbClr val="000000"/>
-                </a:solidFill>
-                <a:latin typeface="Calibri Light" panose="020F0302020204030204" pitchFamily="34" charset="0"/>
-                <a:ea typeface="Calibri Light" panose="020F0302020204030204" pitchFamily="34" charset="0"/>
-                <a:cs typeface="Calibri Light" panose="020F0302020204030204" pitchFamily="34" charset="0"/>
-              </a:rPr>
-              <a:t>Audit </a:t>
-            </a:r>
-            <a:r>
-              <a:rPr lang="nl-BE" sz="3200" u="sng" dirty="0" err="1">
-                <a:solidFill>
-                  <a:srgbClr val="000000"/>
-                </a:solidFill>
-                <a:latin typeface="Calibri Light" panose="020F0302020204030204" pitchFamily="34" charset="0"/>
-                <a:ea typeface="Calibri Light" panose="020F0302020204030204" pitchFamily="34" charset="0"/>
-                <a:cs typeface="Calibri Light" panose="020F0302020204030204" pitchFamily="34" charset="0"/>
-              </a:rPr>
-              <a:t>results</a:t>
-            </a:r>
-            <a:r>
-              <a:rPr lang="nl-BE" sz="3200" u="sng" dirty="0">
-                <a:solidFill>
-                  <a:srgbClr val="000000"/>
-                </a:solidFill>
-                <a:latin typeface="Calibri Light" panose="020F0302020204030204" pitchFamily="34" charset="0"/>
-                <a:ea typeface="Calibri Light" panose="020F0302020204030204" pitchFamily="34" charset="0"/>
-                <a:cs typeface="Calibri Light" panose="020F0302020204030204" pitchFamily="34" charset="0"/>
-              </a:rPr>
-              <a:t> - </a:t>
-            </a:r>
-            <a:r>
-              <a:rPr lang="nl-BE" sz="3200" u="sng" dirty="0" err="1">
-                <a:solidFill>
-                  <a:srgbClr val="000000"/>
-                </a:solidFill>
-                <a:latin typeface="Calibri Light" panose="020F0302020204030204" pitchFamily="34" charset="0"/>
-                <a:ea typeface="Calibri Light" panose="020F0302020204030204" pitchFamily="34" charset="0"/>
-                <a:cs typeface="Calibri Light" panose="020F0302020204030204" pitchFamily="34" charset="0"/>
-              </a:rPr>
-              <a:t>External</a:t>
-            </a:r>
-            <a:r>
-              <a:rPr lang="nl-BE" sz="3200" u="sng" dirty="0">
-                <a:solidFill>
-                  <a:srgbClr val="000000"/>
-                </a:solidFill>
-                <a:latin typeface="Calibri Light" panose="020F0302020204030204" pitchFamily="34" charset="0"/>
-                <a:ea typeface="Calibri Light" panose="020F0302020204030204" pitchFamily="34" charset="0"/>
-                <a:cs typeface="Calibri Light" panose="020F0302020204030204" pitchFamily="34" charset="0"/>
-              </a:rPr>
-              <a:t> audit</a:t>
-            </a:r>
+              <a:rPr lang="en-US" dirty="0">
+                <a:highlight>
+                  <a:srgbClr val="00FFFF"/>
+                </a:highlight>
+              </a:rPr>
+              <a:t>#</a:t>
+            </a:r>
+            <a:r>
+              <a:rPr lang="en-US" dirty="0">
+                <a:highlight>
+                  <a:srgbClr val="00FF00"/>
+                </a:highlight>
+              </a:rPr>
+              <a:t> STR (strength)</a:t>
+            </a:r>
+          </a:p>
+          <a:p>
+            <a:r>
+              <a:rPr lang="en-US" dirty="0">
+                <a:highlight>
+                  <a:srgbClr val="00FFFF"/>
+                </a:highlight>
+              </a:rPr>
+              <a:t>#</a:t>
+            </a:r>
+            <a:r>
+              <a:rPr lang="en-US" dirty="0">
+                <a:highlight>
+                  <a:srgbClr val="FFFF00"/>
+                </a:highlight>
+              </a:rPr>
+              <a:t> OFI (opportunity for improvement)</a:t>
+            </a:r>
+          </a:p>
+          <a:p>
+            <a:r>
+              <a:rPr lang="en-US" dirty="0">
+                <a:highlight>
+                  <a:srgbClr val="00FFFF"/>
+                </a:highlight>
+              </a:rPr>
+              <a:t>#</a:t>
+            </a:r>
+            <a:r>
+              <a:rPr lang="en-US" dirty="0">
+                <a:highlight>
+                  <a:srgbClr val="FF0000"/>
+                </a:highlight>
+              </a:rPr>
+              <a:t> -</a:t>
+            </a:r>
+            <a:r>
+              <a:rPr lang="en-US" dirty="0" err="1">
+                <a:highlight>
+                  <a:srgbClr val="FF0000"/>
+                </a:highlight>
+              </a:rPr>
+              <a:t>nc</a:t>
+            </a:r>
+            <a:r>
+              <a:rPr lang="en-US" dirty="0">
+                <a:highlight>
+                  <a:srgbClr val="FF0000"/>
+                </a:highlight>
+              </a:rPr>
+              <a:t> = minor conformity</a:t>
+            </a:r>
+          </a:p>
+          <a:p>
+            <a:r>
+              <a:rPr lang="en-US" dirty="0">
+                <a:solidFill>
+                  <a:srgbClr val="FF0000"/>
+                </a:solidFill>
+                <a:highlight>
+                  <a:srgbClr val="00FFFF"/>
+                </a:highlight>
+              </a:rPr>
+              <a:t>#</a:t>
+            </a:r>
+            <a:r>
+              <a:rPr lang="en-US" dirty="0">
+                <a:solidFill>
+                  <a:srgbClr val="FF0000"/>
+                </a:solidFill>
+                <a:highlight>
+                  <a:srgbClr val="000000"/>
+                </a:highlight>
+              </a:rPr>
+              <a:t> +NC = major nonconformity </a:t>
+            </a:r>
+          </a:p>
+        </p:txBody>
+      </p:sp>
+      <p:sp>
+        <p:nvSpPr>
+          <p:cNvPr id="4" name="Title 3">
+            <a:extLst>
+              <a:ext uri="{FF2B5EF4-FFF2-40B4-BE49-F238E27FC236}">
+                <a16:creationId xmlns:a16="http://schemas.microsoft.com/office/drawing/2014/main" id="{390B2C54-4DEE-4ADC-99B0-309418E10131}"/>
+              </a:ext>
+            </a:extLst>
+          </p:cNvPr>
+          <p:cNvSpPr>
+            <a:spLocks noGrp="1"/>
+          </p:cNvSpPr>
+          <p:nvPr>
+            <p:ph type="title"/>
+          </p:nvPr>
+        </p:nvSpPr>
+        <p:spPr/>
+        <p:txBody>
+          <a:bodyPr/>
+          <a:lstStyle/>
+          <a:p>
+            <a:r>
+              <a:rPr lang="en-US" dirty="0"/>
+              <a:t>Internal Audit: Results overview</a:t>
+            </a:r>
+            <a:endParaRPr lang="LID4096" dirty="0"/>
           </a:p>
         </p:txBody>
       </p:sp>
@@ -6626,7 +8013,7 @@
           <p:cNvPr id="2" name="Date Placeholder 3">
             <a:extLst>
               <a:ext uri="{FF2B5EF4-FFF2-40B4-BE49-F238E27FC236}">
-                <a16:creationId xmlns:a16="http://schemas.microsoft.com/office/drawing/2014/main" id="{05E6C87E-5955-994C-E7D4-6EFF3757279E}"/>
+                <a16:creationId xmlns:a16="http://schemas.microsoft.com/office/drawing/2014/main" id="{8EE48510-9A1A-E560-2E63-795A4CB2BFBF}"/>
               </a:ext>
             </a:extLst>
           </p:cNvPr>
@@ -6660,7 +8047,7 @@
           <p:cNvPr id="3" name="Footer Placeholder 4">
             <a:extLst>
               <a:ext uri="{FF2B5EF4-FFF2-40B4-BE49-F238E27FC236}">
-                <a16:creationId xmlns:a16="http://schemas.microsoft.com/office/drawing/2014/main" id="{A99AF3C6-3384-330D-B069-7EEB076BFBC6}"/>
+                <a16:creationId xmlns:a16="http://schemas.microsoft.com/office/drawing/2014/main" id="{A3E9A487-80F5-C925-A872-C50778D79449}"/>
               </a:ext>
             </a:extLst>
           </p:cNvPr>
@@ -6693,7 +8080,7 @@
           <p:cNvPr id="6" name="Slide Number Placeholder 5">
             <a:extLst>
               <a:ext uri="{FF2B5EF4-FFF2-40B4-BE49-F238E27FC236}">
-                <a16:creationId xmlns:a16="http://schemas.microsoft.com/office/drawing/2014/main" id="{A77BD4F5-420A-5ED6-5972-B9022F20394D}"/>
+                <a16:creationId xmlns:a16="http://schemas.microsoft.com/office/drawing/2014/main" id="{ECD195A4-B188-2789-3D3B-D86819BD8647}"/>
               </a:ext>
             </a:extLst>
           </p:cNvPr>
@@ -6725,7 +8112,7 @@
     </p:spTree>
     <p:extLst>
       <p:ext uri="{BB962C8B-B14F-4D97-AF65-F5344CB8AC3E}">
-        <p14:creationId xmlns:p14="http://schemas.microsoft.com/office/powerpoint/2010/main" val="4046593526"/>
+        <p14:creationId xmlns:p14="http://schemas.microsoft.com/office/powerpoint/2010/main" val="3829359118"/>
       </p:ext>
     </p:extLst>
   </p:cSld>
@@ -6785,7 +8172,7 @@
                 <a:ea typeface="Times New Roman" panose="02020603050405020304" pitchFamily="18" charset="0"/>
                 <a:cs typeface="Symbol" panose="05050102010706020507" pitchFamily="18" charset="2"/>
               </a:rPr>
-              <a:t>&lt;</a:t>
+              <a:t>(&lt;</a:t>
             </a:r>
             <a:r>
               <a:rPr lang="nl-BE" sz="2400" dirty="0">
@@ -6827,18 +8214,7 @@
                 <a:ea typeface="Times New Roman" panose="02020603050405020304" pitchFamily="18" charset="0"/>
                 <a:cs typeface="Symbol" panose="05050102010706020507" pitchFamily="18" charset="2"/>
               </a:rPr>
-              <a:t> audit</a:t>
-            </a:r>
-            <a:r>
-              <a:rPr lang="nl-BE" sz="2400" dirty="0">
-                <a:solidFill>
-                  <a:srgbClr val="000000"/>
-                </a:solidFill>
-                <a:latin typeface="Calibri" panose="020F0502020204030204" pitchFamily="34" charset="0"/>
-                <a:ea typeface="Times New Roman" panose="02020603050405020304" pitchFamily="18" charset="0"/>
-                <a:cs typeface="Symbol" panose="05050102010706020507" pitchFamily="18" charset="2"/>
-              </a:rPr>
-              <a:t>&gt;</a:t>
+              <a:t> audit&gt;)</a:t>
             </a:r>
           </a:p>
           <a:p>
@@ -7019,8 +8395,9 @@
                 <a:solidFill>
                   <a:srgbClr val="000000"/>
                 </a:solidFill>
-                <a:ea typeface="Times New Roman" panose="02020603050405020304" pitchFamily="18" charset="0"/>
-                <a:cs typeface="Symbol" panose="05050102010706020507" pitchFamily="18" charset="2"/>
+                <a:latin typeface="Calibri Light" panose="020F0302020204030204" pitchFamily="34" charset="0"/>
+                <a:ea typeface="Calibri Light" panose="020F0302020204030204" pitchFamily="34" charset="0"/>
+                <a:cs typeface="Calibri Light" panose="020F0302020204030204" pitchFamily="34" charset="0"/>
               </a:rPr>
               <a:t>Feedback on security performance </a:t>
             </a:r>
@@ -7029,8 +8406,9 @@
                 <a:solidFill>
                   <a:srgbClr val="000000"/>
                 </a:solidFill>
-                <a:ea typeface="Times New Roman" panose="02020603050405020304" pitchFamily="18" charset="0"/>
-                <a:cs typeface="Symbol" panose="05050102010706020507" pitchFamily="18" charset="2"/>
+                <a:latin typeface="Calibri Light" panose="020F0302020204030204" pitchFamily="34" charset="0"/>
+                <a:ea typeface="Calibri Light" panose="020F0302020204030204" pitchFamily="34" charset="0"/>
+                <a:cs typeface="Calibri Light" panose="020F0302020204030204" pitchFamily="34" charset="0"/>
               </a:rPr>
             </a:br>
             <a:r>
@@ -7038,8 +8416,9 @@
                 <a:solidFill>
                   <a:srgbClr val="000000"/>
                 </a:solidFill>
-                <a:ea typeface="Times New Roman" panose="02020603050405020304" pitchFamily="18" charset="0"/>
-                <a:cs typeface="Symbol" panose="05050102010706020507" pitchFamily="18" charset="2"/>
+                <a:latin typeface="Calibri Light" panose="020F0302020204030204" pitchFamily="34" charset="0"/>
+                <a:ea typeface="Calibri Light" panose="020F0302020204030204" pitchFamily="34" charset="0"/>
+                <a:cs typeface="Calibri Light" panose="020F0302020204030204" pitchFamily="34" charset="0"/>
               </a:rPr>
               <a:t>Audit </a:t>
             </a:r>
@@ -7048,8 +8427,9 @@
                 <a:solidFill>
                   <a:srgbClr val="000000"/>
                 </a:solidFill>
-                <a:ea typeface="Times New Roman" panose="02020603050405020304" pitchFamily="18" charset="0"/>
-                <a:cs typeface="Symbol" panose="05050102010706020507" pitchFamily="18" charset="2"/>
+                <a:latin typeface="Calibri Light" panose="020F0302020204030204" pitchFamily="34" charset="0"/>
+                <a:ea typeface="Calibri Light" panose="020F0302020204030204" pitchFamily="34" charset="0"/>
+                <a:cs typeface="Calibri Light" panose="020F0302020204030204" pitchFamily="34" charset="0"/>
               </a:rPr>
               <a:t>results</a:t>
             </a:r>
@@ -7058,18 +8438,34 @@
                 <a:solidFill>
                   <a:srgbClr val="000000"/>
                 </a:solidFill>
-                <a:ea typeface="Times New Roman" panose="02020603050405020304" pitchFamily="18" charset="0"/>
-                <a:cs typeface="Symbol" panose="05050102010706020507" pitchFamily="18" charset="2"/>
-              </a:rPr>
-              <a:t> - Internal audit</a:t>
-            </a:r>
-            <a:endParaRPr lang="nl-BE" sz="3200" dirty="0">
-              <a:solidFill>
-                <a:srgbClr val="000000"/>
-              </a:solidFill>
-              <a:ea typeface="Times New Roman" panose="02020603050405020304" pitchFamily="18" charset="0"/>
-              <a:cs typeface="Symbol" panose="05050102010706020507" pitchFamily="18" charset="2"/>
-            </a:endParaRPr>
+                <a:latin typeface="Calibri Light" panose="020F0302020204030204" pitchFamily="34" charset="0"/>
+                <a:ea typeface="Calibri Light" panose="020F0302020204030204" pitchFamily="34" charset="0"/>
+                <a:cs typeface="Calibri Light" panose="020F0302020204030204" pitchFamily="34" charset="0"/>
+              </a:rPr>
+              <a:t> - </a:t>
+            </a:r>
+            <a:r>
+              <a:rPr lang="nl-BE" sz="3200" u="sng" dirty="0" err="1">
+                <a:solidFill>
+                  <a:srgbClr val="000000"/>
+                </a:solidFill>
+                <a:latin typeface="Calibri Light" panose="020F0302020204030204" pitchFamily="34" charset="0"/>
+                <a:ea typeface="Calibri Light" panose="020F0302020204030204" pitchFamily="34" charset="0"/>
+                <a:cs typeface="Calibri Light" panose="020F0302020204030204" pitchFamily="34" charset="0"/>
+              </a:rPr>
+              <a:t>External</a:t>
+            </a:r>
+            <a:r>
+              <a:rPr lang="nl-BE" sz="3200" u="sng" dirty="0">
+                <a:solidFill>
+                  <a:srgbClr val="000000"/>
+                </a:solidFill>
+                <a:latin typeface="Calibri Light" panose="020F0302020204030204" pitchFamily="34" charset="0"/>
+                <a:ea typeface="Calibri Light" panose="020F0302020204030204" pitchFamily="34" charset="0"/>
+                <a:cs typeface="Calibri Light" panose="020F0302020204030204" pitchFamily="34" charset="0"/>
+              </a:rPr>
+              <a:t> audit</a:t>
+            </a:r>
           </a:p>
         </p:txBody>
       </p:sp>
@@ -7078,7 +8474,7 @@
           <p:cNvPr id="2" name="Date Placeholder 3">
             <a:extLst>
               <a:ext uri="{FF2B5EF4-FFF2-40B4-BE49-F238E27FC236}">
-                <a16:creationId xmlns:a16="http://schemas.microsoft.com/office/drawing/2014/main" id="{C74AE756-BB47-5B3A-7CB9-F31EC8F488BF}"/>
+                <a16:creationId xmlns:a16="http://schemas.microsoft.com/office/drawing/2014/main" id="{05E6C87E-5955-994C-E7D4-6EFF3757279E}"/>
               </a:ext>
             </a:extLst>
           </p:cNvPr>
@@ -7112,7 +8508,7 @@
           <p:cNvPr id="3" name="Footer Placeholder 4">
             <a:extLst>
               <a:ext uri="{FF2B5EF4-FFF2-40B4-BE49-F238E27FC236}">
-                <a16:creationId xmlns:a16="http://schemas.microsoft.com/office/drawing/2014/main" id="{47A595C1-6E9C-DEB2-3A38-53082DFFAC88}"/>
+                <a16:creationId xmlns:a16="http://schemas.microsoft.com/office/drawing/2014/main" id="{A99AF3C6-3384-330D-B069-7EEB076BFBC6}"/>
               </a:ext>
             </a:extLst>
           </p:cNvPr>
@@ -7145,7 +8541,7 @@
           <p:cNvPr id="6" name="Slide Number Placeholder 5">
             <a:extLst>
               <a:ext uri="{FF2B5EF4-FFF2-40B4-BE49-F238E27FC236}">
-                <a16:creationId xmlns:a16="http://schemas.microsoft.com/office/drawing/2014/main" id="{2F3C2713-9F93-5353-457F-8B1F2585F0DC}"/>
+                <a16:creationId xmlns:a16="http://schemas.microsoft.com/office/drawing/2014/main" id="{A77BD4F5-420A-5ED6-5972-B9022F20394D}"/>
               </a:ext>
             </a:extLst>
           </p:cNvPr>
@@ -7177,7 +8573,7 @@
     </p:spTree>
     <p:extLst>
       <p:ext uri="{BB962C8B-B14F-4D97-AF65-F5344CB8AC3E}">
-        <p14:creationId xmlns:p14="http://schemas.microsoft.com/office/powerpoint/2010/main" val="4011797840"/>
+        <p14:creationId xmlns:p14="http://schemas.microsoft.com/office/powerpoint/2010/main" val="4046593526"/>
       </p:ext>
     </p:extLst>
   </p:cSld>
@@ -7222,179 +8618,414 @@
         </p:nvSpPr>
         <p:spPr/>
         <p:txBody>
+          <a:bodyPr/>
+          <a:lstStyle/>
+          <a:p>
+            <a:pPr marL="0" indent="0">
+              <a:buNone/>
+            </a:pPr>
+            <a:r>
+              <a:rPr lang="nl-BE" sz="2400" dirty="0">
+                <a:solidFill>
+                  <a:srgbClr val="000000"/>
+                </a:solidFill>
+                <a:latin typeface="Calibri" panose="020F0502020204030204" pitchFamily="34" charset="0"/>
+                <a:ea typeface="Times New Roman" panose="02020603050405020304" pitchFamily="18" charset="0"/>
+                <a:cs typeface="Symbol" panose="05050102010706020507" pitchFamily="18" charset="2"/>
+              </a:rPr>
+              <a:t>&lt;</a:t>
+            </a:r>
+            <a:r>
+              <a:rPr lang="nl-BE" sz="2400" dirty="0">
+                <a:solidFill>
+                  <a:srgbClr val="000000"/>
+                </a:solidFill>
+                <a:highlight>
+                  <a:srgbClr val="00FFFF"/>
+                </a:highlight>
+                <a:latin typeface="Calibri" panose="020F0502020204030204" pitchFamily="34" charset="0"/>
+                <a:ea typeface="Times New Roman" panose="02020603050405020304" pitchFamily="18" charset="0"/>
+                <a:cs typeface="Symbol" panose="05050102010706020507" pitchFamily="18" charset="2"/>
+              </a:rPr>
+              <a:t>date </a:t>
+            </a:r>
+            <a:r>
+              <a:rPr lang="nl-BE" sz="2400" dirty="0" err="1">
+                <a:solidFill>
+                  <a:srgbClr val="000000"/>
+                </a:solidFill>
+                <a:highlight>
+                  <a:srgbClr val="00FFFF"/>
+                </a:highlight>
+                <a:latin typeface="Calibri" panose="020F0502020204030204" pitchFamily="34" charset="0"/>
+                <a:ea typeface="Times New Roman" panose="02020603050405020304" pitchFamily="18" charset="0"/>
+                <a:cs typeface="Symbol" panose="05050102010706020507" pitchFamily="18" charset="2"/>
+              </a:rPr>
+              <a:t>previous</a:t>
+            </a:r>
+            <a:r>
+              <a:rPr lang="nl-BE" sz="2400" dirty="0">
+                <a:solidFill>
+                  <a:srgbClr val="000000"/>
+                </a:solidFill>
+                <a:highlight>
+                  <a:srgbClr val="00FFFF"/>
+                </a:highlight>
+                <a:latin typeface="Calibri" panose="020F0502020204030204" pitchFamily="34" charset="0"/>
+                <a:ea typeface="Times New Roman" panose="02020603050405020304" pitchFamily="18" charset="0"/>
+                <a:cs typeface="Symbol" panose="05050102010706020507" pitchFamily="18" charset="2"/>
+              </a:rPr>
+              <a:t> audit</a:t>
+            </a:r>
+            <a:r>
+              <a:rPr lang="nl-BE" sz="2400" dirty="0">
+                <a:solidFill>
+                  <a:srgbClr val="000000"/>
+                </a:solidFill>
+                <a:latin typeface="Calibri" panose="020F0502020204030204" pitchFamily="34" charset="0"/>
+                <a:ea typeface="Times New Roman" panose="02020603050405020304" pitchFamily="18" charset="0"/>
+                <a:cs typeface="Symbol" panose="05050102010706020507" pitchFamily="18" charset="2"/>
+              </a:rPr>
+              <a:t>&gt;</a:t>
+            </a:r>
+          </a:p>
+          <a:p>
+            <a:pPr marL="800100" lvl="1" indent="-342900">
+              <a:buFont typeface="Symbol" panose="05050102010706020507" pitchFamily="18" charset="2"/>
+              <a:buChar char=""/>
+            </a:pPr>
+            <a:r>
+              <a:rPr lang="nl-BE" sz="2400" dirty="0">
+                <a:solidFill>
+                  <a:srgbClr val="000000"/>
+                </a:solidFill>
+                <a:highlight>
+                  <a:srgbClr val="00FFFF"/>
+                </a:highlight>
+                <a:latin typeface="Calibri" panose="020F0502020204030204" pitchFamily="34" charset="0"/>
+                <a:ea typeface="Times New Roman" panose="02020603050405020304" pitchFamily="18" charset="0"/>
+                <a:cs typeface="Symbol" panose="05050102010706020507" pitchFamily="18" charset="2"/>
+              </a:rPr>
+              <a:t>STR</a:t>
+            </a:r>
+          </a:p>
+          <a:p>
+            <a:pPr marL="800100" lvl="1" indent="-342900">
+              <a:buFont typeface="Symbol" panose="05050102010706020507" pitchFamily="18" charset="2"/>
+              <a:buChar char=""/>
+            </a:pPr>
+            <a:r>
+              <a:rPr lang="nl-BE" sz="2400" dirty="0">
+                <a:solidFill>
+                  <a:srgbClr val="000000"/>
+                </a:solidFill>
+                <a:highlight>
+                  <a:srgbClr val="00FFFF"/>
+                </a:highlight>
+                <a:latin typeface="Calibri" panose="020F0502020204030204" pitchFamily="34" charset="0"/>
+                <a:ea typeface="Times New Roman" panose="02020603050405020304" pitchFamily="18" charset="0"/>
+                <a:cs typeface="Symbol" panose="05050102010706020507" pitchFamily="18" charset="2"/>
+              </a:rPr>
+              <a:t>NC+</a:t>
+            </a:r>
+          </a:p>
+          <a:p>
+            <a:pPr marL="800100" lvl="1" indent="-342900">
+              <a:buFont typeface="Symbol" panose="05050102010706020507" pitchFamily="18" charset="2"/>
+              <a:buChar char=""/>
+            </a:pPr>
+            <a:r>
+              <a:rPr lang="nl-BE" dirty="0" err="1">
+                <a:solidFill>
+                  <a:srgbClr val="000000"/>
+                </a:solidFill>
+                <a:highlight>
+                  <a:srgbClr val="00FFFF"/>
+                </a:highlight>
+                <a:latin typeface="Calibri" panose="020F0502020204030204" pitchFamily="34" charset="0"/>
+                <a:ea typeface="Times New Roman" panose="02020603050405020304" pitchFamily="18" charset="0"/>
+                <a:cs typeface="Symbol" panose="05050102010706020507" pitchFamily="18" charset="2"/>
+              </a:rPr>
+              <a:t>Nc</a:t>
+            </a:r>
+            <a:r>
+              <a:rPr lang="nl-BE" dirty="0">
+                <a:solidFill>
+                  <a:srgbClr val="000000"/>
+                </a:solidFill>
+                <a:highlight>
+                  <a:srgbClr val="00FFFF"/>
+                </a:highlight>
+                <a:latin typeface="Calibri" panose="020F0502020204030204" pitchFamily="34" charset="0"/>
+                <a:ea typeface="Times New Roman" panose="02020603050405020304" pitchFamily="18" charset="0"/>
+                <a:cs typeface="Symbol" panose="05050102010706020507" pitchFamily="18" charset="2"/>
+              </a:rPr>
+              <a:t>-</a:t>
+            </a:r>
+          </a:p>
+          <a:p>
+            <a:pPr marL="800100" lvl="1" indent="-342900">
+              <a:buFont typeface="Symbol" panose="05050102010706020507" pitchFamily="18" charset="2"/>
+              <a:buChar char=""/>
+            </a:pPr>
+            <a:r>
+              <a:rPr lang="nl-BE" sz="2400" dirty="0">
+                <a:solidFill>
+                  <a:srgbClr val="000000"/>
+                </a:solidFill>
+                <a:highlight>
+                  <a:srgbClr val="00FFFF"/>
+                </a:highlight>
+                <a:latin typeface="Calibri" panose="020F0502020204030204" pitchFamily="34" charset="0"/>
+                <a:ea typeface="Times New Roman" panose="02020603050405020304" pitchFamily="18" charset="0"/>
+                <a:cs typeface="Symbol" panose="05050102010706020507" pitchFamily="18" charset="2"/>
+              </a:rPr>
+              <a:t>OFI</a:t>
+            </a:r>
+          </a:p>
+          <a:p>
+            <a:pPr marL="800100" lvl="1" indent="-342900">
+              <a:buFont typeface="Symbol" panose="05050102010706020507" pitchFamily="18" charset="2"/>
+              <a:buChar char=""/>
+            </a:pPr>
+            <a:r>
+              <a:rPr lang="nl-BE" dirty="0" err="1">
+                <a:solidFill>
+                  <a:srgbClr val="000000"/>
+                </a:solidFill>
+                <a:highlight>
+                  <a:srgbClr val="00FFFF"/>
+                </a:highlight>
+                <a:latin typeface="Calibri" panose="020F0502020204030204" pitchFamily="34" charset="0"/>
+                <a:ea typeface="Times New Roman" panose="02020603050405020304" pitchFamily="18" charset="0"/>
+                <a:cs typeface="Symbol" panose="05050102010706020507" pitchFamily="18" charset="2"/>
+              </a:rPr>
+              <a:t>Other</a:t>
+            </a:r>
+            <a:r>
+              <a:rPr lang="nl-BE" dirty="0">
+                <a:solidFill>
+                  <a:srgbClr val="000000"/>
+                </a:solidFill>
+                <a:highlight>
+                  <a:srgbClr val="00FFFF"/>
+                </a:highlight>
+                <a:latin typeface="Calibri" panose="020F0502020204030204" pitchFamily="34" charset="0"/>
+                <a:ea typeface="Times New Roman" panose="02020603050405020304" pitchFamily="18" charset="0"/>
+                <a:cs typeface="Symbol" panose="05050102010706020507" pitchFamily="18" charset="2"/>
+              </a:rPr>
+              <a:t> feedback</a:t>
+            </a:r>
+          </a:p>
+          <a:p>
+            <a:pPr marL="800100" lvl="1" indent="-342900">
+              <a:buFont typeface="Symbol" panose="05050102010706020507" pitchFamily="18" charset="2"/>
+              <a:buChar char=""/>
+            </a:pPr>
+            <a:r>
+              <a:rPr lang="nl-BE" dirty="0">
+                <a:solidFill>
+                  <a:srgbClr val="000000"/>
+                </a:solidFill>
+                <a:highlight>
+                  <a:srgbClr val="00FFFF"/>
+                </a:highlight>
+                <a:latin typeface="Calibri" panose="020F0502020204030204" pitchFamily="34" charset="0"/>
+                <a:ea typeface="Times New Roman" panose="02020603050405020304" pitchFamily="18" charset="0"/>
+                <a:cs typeface="Symbol" panose="05050102010706020507" pitchFamily="18" charset="2"/>
+              </a:rPr>
+              <a:t>…</a:t>
+            </a:r>
+          </a:p>
+        </p:txBody>
+      </p:sp>
+      <p:sp>
+        <p:nvSpPr>
+          <p:cNvPr id="4" name="Title 3">
+            <a:extLst>
+              <a:ext uri="{FF2B5EF4-FFF2-40B4-BE49-F238E27FC236}">
+                <a16:creationId xmlns:a16="http://schemas.microsoft.com/office/drawing/2014/main" id="{390B2C54-4DEE-4ADC-99B0-309418E10131}"/>
+              </a:ext>
+            </a:extLst>
+          </p:cNvPr>
+          <p:cNvSpPr>
+            <a:spLocks noGrp="1"/>
+          </p:cNvSpPr>
+          <p:nvPr>
+            <p:ph type="title"/>
+          </p:nvPr>
+        </p:nvSpPr>
+        <p:spPr/>
+        <p:txBody>
           <a:bodyPr>
             <a:normAutofit/>
           </a:bodyPr>
           <a:lstStyle/>
           <a:p>
-            <a:pPr marL="0" indent="0">
-              <a:buNone/>
-            </a:pPr>
-            <a:r>
-              <a:rPr lang="en-US" dirty="0">
-                <a:highlight>
-                  <a:srgbClr val="00FFFF"/>
-                </a:highlight>
-              </a:rPr>
-              <a:t>#</a:t>
-            </a:r>
-            <a:r>
-              <a:rPr lang="en-US" dirty="0">
-                <a:highlight>
-                  <a:srgbClr val="00FF00"/>
-                </a:highlight>
-              </a:rPr>
-              <a:t> STR</a:t>
-            </a:r>
-          </a:p>
-          <a:p>
-            <a:pPr>
-              <a:lnSpc>
-                <a:spcPct val="107000"/>
-              </a:lnSpc>
-              <a:spcAft>
-                <a:spcPts val="800"/>
-              </a:spcAft>
-            </a:pPr>
-            <a:r>
-              <a:rPr lang="en-US" sz="2400" dirty="0">
-                <a:effectLst/>
-                <a:highlight>
-                  <a:srgbClr val="00FFFF"/>
-                </a:highlight>
-                <a:latin typeface="Calibri" panose="020F0502020204030204" pitchFamily="34" charset="0"/>
-                <a:ea typeface="Calibri" panose="020F0502020204030204" pitchFamily="34" charset="0"/>
-                <a:cs typeface="Arial" panose="020B0604020202020204" pitchFamily="34" charset="0"/>
-              </a:rPr>
-              <a:t>STR1= &lt;explication&gt;</a:t>
-            </a:r>
-            <a:endParaRPr lang="fr-BE" sz="2400" dirty="0">
-              <a:effectLst/>
-              <a:highlight>
-                <a:srgbClr val="00FFFF"/>
-              </a:highlight>
-              <a:latin typeface="Calibri" panose="020F0502020204030204" pitchFamily="34" charset="0"/>
-              <a:ea typeface="Calibri" panose="020F0502020204030204" pitchFamily="34" charset="0"/>
-              <a:cs typeface="Arial" panose="020B0604020202020204" pitchFamily="34" charset="0"/>
+            <a:r>
+              <a:rPr lang="nl-BE" sz="3200" b="1" dirty="0">
+                <a:solidFill>
+                  <a:srgbClr val="000000"/>
+                </a:solidFill>
+                <a:ea typeface="Times New Roman" panose="02020603050405020304" pitchFamily="18" charset="0"/>
+                <a:cs typeface="Symbol" panose="05050102010706020507" pitchFamily="18" charset="2"/>
+              </a:rPr>
+              <a:t>Feedback on security performance </a:t>
+            </a:r>
+            <a:br>
+              <a:rPr lang="nl-BE" sz="3200" b="1" dirty="0">
+                <a:solidFill>
+                  <a:srgbClr val="000000"/>
+                </a:solidFill>
+                <a:ea typeface="Times New Roman" panose="02020603050405020304" pitchFamily="18" charset="0"/>
+                <a:cs typeface="Symbol" panose="05050102010706020507" pitchFamily="18" charset="2"/>
+              </a:rPr>
+            </a:br>
+            <a:r>
+              <a:rPr lang="nl-BE" sz="3200" u="sng" dirty="0">
+                <a:solidFill>
+                  <a:srgbClr val="000000"/>
+                </a:solidFill>
+                <a:ea typeface="Times New Roman" panose="02020603050405020304" pitchFamily="18" charset="0"/>
+                <a:cs typeface="Symbol" panose="05050102010706020507" pitchFamily="18" charset="2"/>
+              </a:rPr>
+              <a:t>Audit </a:t>
+            </a:r>
+            <a:r>
+              <a:rPr lang="nl-BE" sz="3200" u="sng" dirty="0" err="1">
+                <a:solidFill>
+                  <a:srgbClr val="000000"/>
+                </a:solidFill>
+                <a:ea typeface="Times New Roman" panose="02020603050405020304" pitchFamily="18" charset="0"/>
+                <a:cs typeface="Symbol" panose="05050102010706020507" pitchFamily="18" charset="2"/>
+              </a:rPr>
+              <a:t>results</a:t>
+            </a:r>
+            <a:r>
+              <a:rPr lang="nl-BE" sz="3200" u="sng" dirty="0">
+                <a:solidFill>
+                  <a:srgbClr val="000000"/>
+                </a:solidFill>
+                <a:ea typeface="Times New Roman" panose="02020603050405020304" pitchFamily="18" charset="0"/>
+                <a:cs typeface="Symbol" panose="05050102010706020507" pitchFamily="18" charset="2"/>
+              </a:rPr>
+              <a:t> - Internal audit</a:t>
+            </a:r>
+            <a:endParaRPr lang="nl-BE" sz="3200" dirty="0">
+              <a:solidFill>
+                <a:srgbClr val="000000"/>
+              </a:solidFill>
+              <a:ea typeface="Times New Roman" panose="02020603050405020304" pitchFamily="18" charset="0"/>
+              <a:cs typeface="Symbol" panose="05050102010706020507" pitchFamily="18" charset="2"/>
             </a:endParaRPr>
           </a:p>
-          <a:p>
-            <a:pPr>
-              <a:lnSpc>
-                <a:spcPct val="107000"/>
-              </a:lnSpc>
-              <a:spcAft>
-                <a:spcPts val="800"/>
-              </a:spcAft>
-            </a:pPr>
-            <a:r>
-              <a:rPr lang="en-US" sz="2400" dirty="0">
-                <a:effectLst/>
-                <a:highlight>
-                  <a:srgbClr val="00FFFF"/>
-                </a:highlight>
-                <a:latin typeface="Calibri" panose="020F0502020204030204" pitchFamily="34" charset="0"/>
-                <a:ea typeface="Calibri" panose="020F0502020204030204" pitchFamily="34" charset="0"/>
-                <a:cs typeface="Arial" panose="020B0604020202020204" pitchFamily="34" charset="0"/>
-              </a:rPr>
-              <a:t>STR2= &lt;explication&gt;</a:t>
-            </a:r>
-          </a:p>
-          <a:p>
-            <a:pPr>
-              <a:lnSpc>
-                <a:spcPct val="107000"/>
-              </a:lnSpc>
-              <a:spcAft>
-                <a:spcPts val="800"/>
-              </a:spcAft>
-            </a:pPr>
-            <a:r>
-              <a:rPr lang="en-US" sz="2400" dirty="0">
-                <a:highlight>
-                  <a:srgbClr val="00FFFF"/>
-                </a:highlight>
-                <a:latin typeface="Calibri" panose="020F0502020204030204" pitchFamily="34" charset="0"/>
-                <a:ea typeface="Calibri" panose="020F0502020204030204" pitchFamily="34" charset="0"/>
-                <a:cs typeface="Arial" panose="020B0604020202020204" pitchFamily="34" charset="0"/>
-              </a:rPr>
-              <a:t>…</a:t>
-            </a:r>
-            <a:endParaRPr lang="fr-BE" sz="2400" dirty="0">
-              <a:effectLst/>
-              <a:highlight>
-                <a:srgbClr val="00FFFF"/>
-              </a:highlight>
-              <a:latin typeface="Calibri" panose="020F0502020204030204" pitchFamily="34" charset="0"/>
-              <a:ea typeface="Calibri" panose="020F0502020204030204" pitchFamily="34" charset="0"/>
-              <a:cs typeface="Arial" panose="020B0604020202020204" pitchFamily="34" charset="0"/>
-            </a:endParaRPr>
-          </a:p>
-          <a:p>
-            <a:pPr>
-              <a:lnSpc>
-                <a:spcPct val="107000"/>
-              </a:lnSpc>
-              <a:spcAft>
-                <a:spcPts val="800"/>
-              </a:spcAft>
-            </a:pPr>
-            <a:endParaRPr lang="fr-BE" sz="1800" dirty="0">
-              <a:effectLst/>
-              <a:latin typeface="Calibri" panose="020F0502020204030204" pitchFamily="34" charset="0"/>
-              <a:ea typeface="Calibri" panose="020F0502020204030204" pitchFamily="34" charset="0"/>
-              <a:cs typeface="Arial" panose="020B0604020202020204" pitchFamily="34" charset="0"/>
-            </a:endParaRPr>
-          </a:p>
-          <a:p>
-            <a:endParaRPr lang="en-US" dirty="0">
-              <a:highlight>
-                <a:srgbClr val="00FF00"/>
-              </a:highlight>
-            </a:endParaRPr>
-          </a:p>
-        </p:txBody>
-      </p:sp>
-      <p:sp>
-        <p:nvSpPr>
-          <p:cNvPr id="4" name="Title 3">
-            <a:extLst>
-              <a:ext uri="{FF2B5EF4-FFF2-40B4-BE49-F238E27FC236}">
-                <a16:creationId xmlns:a16="http://schemas.microsoft.com/office/drawing/2014/main" id="{390B2C54-4DEE-4ADC-99B0-309418E10131}"/>
-              </a:ext>
-            </a:extLst>
-          </p:cNvPr>
-          <p:cNvSpPr>
-            <a:spLocks noGrp="1"/>
-          </p:cNvSpPr>
-          <p:nvPr>
-            <p:ph type="title"/>
-          </p:nvPr>
-        </p:nvSpPr>
-        <p:spPr/>
+        </p:txBody>
+      </p:sp>
+      <p:sp>
+        <p:nvSpPr>
+          <p:cNvPr id="2" name="Date Placeholder 3">
+            <a:extLst>
+              <a:ext uri="{FF2B5EF4-FFF2-40B4-BE49-F238E27FC236}">
+                <a16:creationId xmlns:a16="http://schemas.microsoft.com/office/drawing/2014/main" id="{C74AE756-BB47-5B3A-7CB9-F31EC8F488BF}"/>
+              </a:ext>
+            </a:extLst>
+          </p:cNvPr>
+          <p:cNvSpPr>
+            <a:spLocks noGrp="1"/>
+          </p:cNvSpPr>
+          <p:nvPr>
+            <p:ph type="dt" sz="half" idx="10"/>
+          </p:nvPr>
+        </p:nvSpPr>
+        <p:spPr>
+          <a:xfrm>
+            <a:off x="838200" y="6356350"/>
+            <a:ext cx="2743200" cy="365125"/>
+          </a:xfrm>
+        </p:spPr>
         <p:txBody>
           <a:bodyPr/>
           <a:lstStyle/>
           <a:p>
-            <a:r>
-              <a:rPr lang="en-US" b="1" dirty="0"/>
-              <a:t>Internal Audit - Results info</a:t>
-            </a:r>
-            <a:br>
-              <a:rPr lang="en-US" dirty="0"/>
-            </a:br>
-            <a:r>
-              <a:rPr lang="en-US" dirty="0"/>
-              <a:t>STR = Strengths</a:t>
-            </a:r>
-            <a:endParaRPr lang="LID4096" dirty="0"/>
+            <a:fld id="{6CEFC4AD-5F05-4255-A79A-5D84DB5091EF}" type="datetimeFigureOut">
+              <a:rPr lang="nl-BE" smtClean="0"/>
+              <a:t>24/05/2024</a:t>
+            </a:fld>
+            <a:endParaRPr lang="nl-BE"/>
+          </a:p>
+        </p:txBody>
+      </p:sp>
+      <p:sp>
+        <p:nvSpPr>
+          <p:cNvPr id="3" name="Footer Placeholder 4">
+            <a:extLst>
+              <a:ext uri="{FF2B5EF4-FFF2-40B4-BE49-F238E27FC236}">
+                <a16:creationId xmlns:a16="http://schemas.microsoft.com/office/drawing/2014/main" id="{47A595C1-6E9C-DEB2-3A38-53082DFFAC88}"/>
+              </a:ext>
+            </a:extLst>
+          </p:cNvPr>
+          <p:cNvSpPr>
+            <a:spLocks noGrp="1"/>
+          </p:cNvSpPr>
+          <p:nvPr>
+            <p:ph type="ftr" sz="quarter" idx="11"/>
+          </p:nvPr>
+        </p:nvSpPr>
+        <p:spPr>
+          <a:xfrm>
+            <a:off x="4038600" y="6356350"/>
+            <a:ext cx="4114800" cy="365125"/>
+          </a:xfrm>
+        </p:spPr>
+        <p:txBody>
+          <a:bodyPr/>
+          <a:lstStyle/>
+          <a:p>
+            <a:r>
+              <a:rPr lang="nl-BE" dirty="0"/>
+              <a:t>&lt;ISMS CLASSIFICATION / CONFIDENTIAL&gt;</a:t>
+            </a:r>
+          </a:p>
+        </p:txBody>
+      </p:sp>
+      <p:sp>
+        <p:nvSpPr>
+          <p:cNvPr id="6" name="Slide Number Placeholder 5">
+            <a:extLst>
+              <a:ext uri="{FF2B5EF4-FFF2-40B4-BE49-F238E27FC236}">
+                <a16:creationId xmlns:a16="http://schemas.microsoft.com/office/drawing/2014/main" id="{2F3C2713-9F93-5353-457F-8B1F2585F0DC}"/>
+              </a:ext>
+            </a:extLst>
+          </p:cNvPr>
+          <p:cNvSpPr>
+            <a:spLocks noGrp="1"/>
+          </p:cNvSpPr>
+          <p:nvPr>
+            <p:ph type="sldNum" sz="quarter" idx="12"/>
+          </p:nvPr>
+        </p:nvSpPr>
+        <p:spPr>
+          <a:xfrm>
+            <a:off x="8610600" y="6356350"/>
+            <a:ext cx="2743200" cy="365125"/>
+          </a:xfrm>
+        </p:spPr>
+        <p:txBody>
+          <a:bodyPr/>
+          <a:lstStyle/>
+          <a:p>
+            <a:fld id="{820D5191-B09E-4233-8694-102B4779B314}" type="slidenum">
+              <a:rPr lang="nl-BE" smtClean="0"/>
+              <a:t>16</a:t>
+            </a:fld>
+            <a:endParaRPr lang="nl-BE"/>
           </a:p>
         </p:txBody>
       </p:sp>
     </p:spTree>
     <p:extLst>
       <p:ext uri="{BB962C8B-B14F-4D97-AF65-F5344CB8AC3E}">
-        <p14:creationId xmlns:p14="http://schemas.microsoft.com/office/powerpoint/2010/main" val="1647271106"/>
+        <p14:creationId xmlns:p14="http://schemas.microsoft.com/office/powerpoint/2010/main" val="4011797840"/>
       </p:ext>
     </p:extLst>
   </p:cSld>
@@ -7437,12 +9068,7 @@
             <p:ph idx="1"/>
           </p:nvPr>
         </p:nvSpPr>
-        <p:spPr>
-          <a:xfrm>
-            <a:off x="828472" y="1825625"/>
-            <a:ext cx="10515600" cy="4351338"/>
-          </a:xfrm>
-        </p:spPr>
+        <p:spPr/>
         <p:txBody>
           <a:bodyPr>
             <a:normAutofit/>
@@ -7463,10 +9089,10 @@
             <a:r>
               <a:rPr lang="en-US" dirty="0">
                 <a:highlight>
-                  <a:srgbClr val="FFFF00"/>
-                </a:highlight>
-              </a:rPr>
-              <a:t> OFI</a:t>
+                  <a:srgbClr val="00FF00"/>
+                </a:highlight>
+              </a:rPr>
+              <a:t> STR</a:t>
             </a:r>
           </a:p>
           <a:p>
@@ -7479,7 +9105,7 @@
               </a:spcAft>
             </a:pPr>
             <a:r>
-              <a:rPr lang="en-US" sz="2400" u="sng" dirty="0">
+              <a:rPr lang="en-US" sz="2400" dirty="0">
                 <a:effectLst/>
                 <a:highlight>
                   <a:srgbClr val="00FFFF"/>
@@ -7489,58 +9115,6 @@
                 <a:cs typeface="Arial" panose="020B0604020202020204" pitchFamily="34" charset="0"/>
               </a:rPr>
               <a:t>STR1= &lt;explication&gt;</a:t>
-            </a:r>
-            <a:endParaRPr lang="fr-BE" sz="2400" u="sng" dirty="0">
-              <a:effectLst/>
-              <a:highlight>
-                <a:srgbClr val="00FFFF"/>
-              </a:highlight>
-              <a:latin typeface="Calibri" panose="020F0502020204030204" pitchFamily="34" charset="0"/>
-              <a:ea typeface="Calibri" panose="020F0502020204030204" pitchFamily="34" charset="0"/>
-              <a:cs typeface="Arial" panose="020B0604020202020204" pitchFamily="34" charset="0"/>
-            </a:endParaRPr>
-          </a:p>
-          <a:p>
-            <a:pPr>
-              <a:lnSpc>
-                <a:spcPct val="107000"/>
-              </a:lnSpc>
-              <a:spcAft>
-                <a:spcPts val="800"/>
-              </a:spcAft>
-            </a:pPr>
-            <a:r>
-              <a:rPr lang="en-US" sz="2400" dirty="0">
-                <a:effectLst/>
-                <a:highlight>
-                  <a:srgbClr val="00FFFF"/>
-                </a:highlight>
-                <a:latin typeface="Calibri" panose="020F0502020204030204" pitchFamily="34" charset="0"/>
-                <a:ea typeface="Calibri" panose="020F0502020204030204" pitchFamily="34" charset="0"/>
-                <a:cs typeface="Arial" panose="020B0604020202020204" pitchFamily="34" charset="0"/>
-              </a:rPr>
-              <a:t>STR2= &lt;explication&gt;</a:t>
-            </a:r>
-          </a:p>
-          <a:p>
-            <a:pPr>
-              <a:lnSpc>
-                <a:spcPct val="107000"/>
-              </a:lnSpc>
-              <a:spcAft>
-                <a:spcPts val="800"/>
-              </a:spcAft>
-            </a:pPr>
-            <a:r>
-              <a:rPr lang="en-US" sz="2400" dirty="0">
-                <a:highlight>
-                  <a:srgbClr val="00FFFF"/>
-                </a:highlight>
-                <a:latin typeface="Calibri" panose="020F0502020204030204" pitchFamily="34" charset="0"/>
-                <a:ea typeface="Calibri" panose="020F0502020204030204" pitchFamily="34" charset="0"/>
-                <a:cs typeface="Arial" panose="020B0604020202020204" pitchFamily="34" charset="0"/>
-              </a:rPr>
-              <a:t>…</a:t>
             </a:r>
             <a:endParaRPr lang="fr-BE" sz="2400" dirty="0">
               <a:effectLst/>
@@ -7552,6 +9126,81 @@
               <a:cs typeface="Arial" panose="020B0604020202020204" pitchFamily="34" charset="0"/>
             </a:endParaRPr>
           </a:p>
+          <a:p>
+            <a:pPr>
+              <a:lnSpc>
+                <a:spcPct val="107000"/>
+              </a:lnSpc>
+              <a:spcAft>
+                <a:spcPts val="800"/>
+              </a:spcAft>
+            </a:pPr>
+            <a:r>
+              <a:rPr lang="en-US" sz="2400" dirty="0">
+                <a:effectLst/>
+                <a:highlight>
+                  <a:srgbClr val="00FFFF"/>
+                </a:highlight>
+                <a:latin typeface="Calibri" panose="020F0502020204030204" pitchFamily="34" charset="0"/>
+                <a:ea typeface="Calibri" panose="020F0502020204030204" pitchFamily="34" charset="0"/>
+                <a:cs typeface="Arial" panose="020B0604020202020204" pitchFamily="34" charset="0"/>
+              </a:rPr>
+              <a:t>STR2= &lt;explication&gt;</a:t>
+            </a:r>
+          </a:p>
+          <a:p>
+            <a:pPr>
+              <a:lnSpc>
+                <a:spcPct val="107000"/>
+              </a:lnSpc>
+              <a:spcAft>
+                <a:spcPts val="800"/>
+              </a:spcAft>
+            </a:pPr>
+            <a:r>
+              <a:rPr lang="en-US" sz="2400" dirty="0">
+                <a:highlight>
+                  <a:srgbClr val="00FFFF"/>
+                </a:highlight>
+                <a:latin typeface="Calibri" panose="020F0502020204030204" pitchFamily="34" charset="0"/>
+                <a:ea typeface="Calibri" panose="020F0502020204030204" pitchFamily="34" charset="0"/>
+                <a:cs typeface="Arial" panose="020B0604020202020204" pitchFamily="34" charset="0"/>
+              </a:rPr>
+              <a:t>…</a:t>
+            </a:r>
+            <a:endParaRPr lang="fr-BE" sz="2400" dirty="0">
+              <a:effectLst/>
+              <a:highlight>
+                <a:srgbClr val="00FFFF"/>
+              </a:highlight>
+              <a:latin typeface="Calibri" panose="020F0502020204030204" pitchFamily="34" charset="0"/>
+              <a:ea typeface="Calibri" panose="020F0502020204030204" pitchFamily="34" charset="0"/>
+              <a:cs typeface="Arial" panose="020B0604020202020204" pitchFamily="34" charset="0"/>
+            </a:endParaRPr>
+          </a:p>
+          <a:p>
+            <a:pPr>
+              <a:lnSpc>
+                <a:spcPct val="107000"/>
+              </a:lnSpc>
+              <a:spcAft>
+                <a:spcPts val="800"/>
+              </a:spcAft>
+            </a:pPr>
+            <a:endParaRPr lang="fr-BE" sz="1800" dirty="0">
+              <a:effectLst/>
+              <a:latin typeface="Calibri" panose="020F0502020204030204" pitchFamily="34" charset="0"/>
+              <a:ea typeface="Calibri" panose="020F0502020204030204" pitchFamily="34" charset="0"/>
+              <a:cs typeface="Arial" panose="020B0604020202020204" pitchFamily="34" charset="0"/>
+            </a:endParaRPr>
+          </a:p>
+          <a:p>
+            <a:endParaRPr lang="en-US" dirty="0">
+              <a:highlight>
+                <a:srgbClr val="00FF00"/>
+              </a:highlight>
+            </a:endParaRPr>
+          </a:p>
         </p:txBody>
       </p:sp>
       <p:sp>
@@ -7577,14 +9226,14 @@
           <a:p>
             <a:r>
               <a:rPr lang="en-US" b="1" dirty="0"/>
-              <a:t>Internal Audit: Results info</a:t>
+              <a:t>Internal Audit - Results info</a:t>
             </a:r>
             <a:br>
               <a:rPr lang="en-US" dirty="0"/>
             </a:br>
             <a:r>
               <a:rPr lang="en-US" dirty="0"/>
-              <a:t>OFI = opportunity for improvement</a:t>
+              <a:t>STR = Strengths</a:t>
             </a:r>
             <a:endParaRPr lang="LID4096" dirty="0"/>
           </a:p>
@@ -7593,7 +9242,7 @@
     </p:spTree>
     <p:extLst>
       <p:ext uri="{BB962C8B-B14F-4D97-AF65-F5344CB8AC3E}">
-        <p14:creationId xmlns:p14="http://schemas.microsoft.com/office/powerpoint/2010/main" val="231611997"/>
+        <p14:creationId xmlns:p14="http://schemas.microsoft.com/office/powerpoint/2010/main" val="1647271106"/>
       </p:ext>
     </p:extLst>
   </p:cSld>
@@ -7636,7 +9285,12 @@
             <p:ph idx="1"/>
           </p:nvPr>
         </p:nvSpPr>
-        <p:spPr/>
+        <p:spPr>
+          <a:xfrm>
+            <a:off x="828472" y="1825625"/>
+            <a:ext cx="10515600" cy="4351338"/>
+          </a:xfrm>
+        </p:spPr>
         <p:txBody>
           <a:bodyPr>
             <a:normAutofit/>
@@ -7657,26 +9311,10 @@
             <a:r>
               <a:rPr lang="en-US" dirty="0">
                 <a:highlight>
-                  <a:srgbClr val="FF0000"/>
-                </a:highlight>
-              </a:rPr>
-              <a:t> -</a:t>
-            </a:r>
-            <a:r>
-              <a:rPr lang="en-US" dirty="0" err="1">
-                <a:highlight>
-                  <a:srgbClr val="FF0000"/>
-                </a:highlight>
-              </a:rPr>
-              <a:t>nc</a:t>
-            </a:r>
-            <a:r>
-              <a:rPr lang="en-US" dirty="0">
-                <a:highlight>
-                  <a:srgbClr val="FF0000"/>
-                </a:highlight>
-              </a:rPr>
-              <a:t> (minor conformity)</a:t>
+                  <a:srgbClr val="FFFF00"/>
+                </a:highlight>
+              </a:rPr>
+              <a:t> OFI</a:t>
             </a:r>
           </a:p>
           <a:p>
@@ -7689,7 +9327,8 @@
               </a:spcAft>
             </a:pPr>
             <a:r>
-              <a:rPr lang="en-US" sz="2400" dirty="0">
+              <a:rPr lang="en-US" sz="2400" u="sng" dirty="0">
+                <a:effectLst/>
                 <a:highlight>
                   <a:srgbClr val="00FFFF"/>
                 </a:highlight>
@@ -7697,8 +9336,17 @@
                 <a:ea typeface="Calibri" panose="020F0502020204030204" pitchFamily="34" charset="0"/>
                 <a:cs typeface="Arial" panose="020B0604020202020204" pitchFamily="34" charset="0"/>
               </a:rPr>
-              <a:t>-nc1 = &lt;explanation&gt;</a:t>
-            </a:r>
+              <a:t>STR1= &lt;explication&gt;</a:t>
+            </a:r>
+            <a:endParaRPr lang="fr-BE" sz="2400" u="sng" dirty="0">
+              <a:effectLst/>
+              <a:highlight>
+                <a:srgbClr val="00FFFF"/>
+              </a:highlight>
+              <a:latin typeface="Calibri" panose="020F0502020204030204" pitchFamily="34" charset="0"/>
+              <a:ea typeface="Calibri" panose="020F0502020204030204" pitchFamily="34" charset="0"/>
+              <a:cs typeface="Arial" panose="020B0604020202020204" pitchFamily="34" charset="0"/>
+            </a:endParaRPr>
           </a:p>
           <a:p>
             <a:pPr>
@@ -7711,6 +9359,7 @@
             </a:pPr>
             <a:r>
               <a:rPr lang="en-US" sz="2400" dirty="0">
+                <a:effectLst/>
                 <a:highlight>
                   <a:srgbClr val="00FFFF"/>
                 </a:highlight>
@@ -7718,7 +9367,7 @@
                 <a:ea typeface="Calibri" panose="020F0502020204030204" pitchFamily="34" charset="0"/>
                 <a:cs typeface="Arial" panose="020B0604020202020204" pitchFamily="34" charset="0"/>
               </a:rPr>
-              <a:t>-nc2 = &lt;explanation&gt;</a:t>
+              <a:t>STR2= &lt;explication&gt;</a:t>
             </a:r>
           </a:p>
           <a:p>
@@ -7739,17 +9388,16 @@
                 <a:ea typeface="Calibri" panose="020F0502020204030204" pitchFamily="34" charset="0"/>
                 <a:cs typeface="Arial" panose="020B0604020202020204" pitchFamily="34" charset="0"/>
               </a:rPr>
-              <a:t>-nc3 = &lt;explanation&gt;</a:t>
-            </a:r>
-          </a:p>
-          <a:p>
-            <a:pPr marL="0" indent="0">
-              <a:buNone/>
-            </a:pPr>
-            <a:endParaRPr lang="en-US" dirty="0">
+              <a:t>…</a:t>
+            </a:r>
+            <a:endParaRPr lang="fr-BE" sz="2400" dirty="0">
+              <a:effectLst/>
               <a:highlight>
-                <a:srgbClr val="FF0000"/>
+                <a:srgbClr val="00FFFF"/>
               </a:highlight>
+              <a:latin typeface="Calibri" panose="020F0502020204030204" pitchFamily="34" charset="0"/>
+              <a:ea typeface="Calibri" panose="020F0502020204030204" pitchFamily="34" charset="0"/>
+              <a:cs typeface="Arial" panose="020B0604020202020204" pitchFamily="34" charset="0"/>
             </a:endParaRPr>
           </a:p>
         </p:txBody>
@@ -7777,18 +9425,14 @@
           <a:p>
             <a:r>
               <a:rPr lang="en-US" b="1" dirty="0"/>
-              <a:t>Internal Audit Results info</a:t>
+              <a:t>Internal Audit: Results info</a:t>
             </a:r>
             <a:br>
-              <a:rPr lang="en-US" b="1" dirty="0"/>
+              <a:rPr lang="en-US" dirty="0"/>
             </a:br>
             <a:r>
               <a:rPr lang="en-US" dirty="0"/>
-              <a:t>minor </a:t>
-            </a:r>
-            <a:r>
-              <a:rPr lang="en-US" dirty="0" err="1"/>
-              <a:t>nc</a:t>
+              <a:t>OFI = opportunity for improvement</a:t>
             </a:r>
             <a:endParaRPr lang="LID4096" dirty="0"/>
           </a:p>
@@ -7797,7 +9441,7 @@
     </p:spTree>
     <p:extLst>
       <p:ext uri="{BB962C8B-B14F-4D97-AF65-F5344CB8AC3E}">
-        <p14:creationId xmlns:p14="http://schemas.microsoft.com/office/powerpoint/2010/main" val="2010633544"/>
+        <p14:creationId xmlns:p14="http://schemas.microsoft.com/office/powerpoint/2010/main" val="231611997"/>
       </p:ext>
     </p:extLst>
   </p:cSld>
@@ -7852,9 +9496,6 @@
             </a:pPr>
             <a:r>
               <a:rPr lang="en-US" dirty="0">
-                <a:solidFill>
-                  <a:schemeClr val="bg1"/>
-                </a:solidFill>
                 <a:highlight>
                   <a:srgbClr val="00FFFF"/>
                 </a:highlight>
@@ -7863,14 +9504,27 @@
             </a:r>
             <a:r>
               <a:rPr lang="en-US" dirty="0">
-                <a:solidFill>
-                  <a:schemeClr val="bg1"/>
-                </a:solidFill>
-                <a:highlight>
-                  <a:srgbClr val="000000"/>
-                </a:highlight>
-              </a:rPr>
-              <a:t> +NC (major conformity)</a:t>
+                <a:highlight>
+                  <a:srgbClr val="FF0000"/>
+                </a:highlight>
+              </a:rPr>
+              <a:t> -</a:t>
+            </a:r>
+            <a:r>
+              <a:rPr lang="en-US" dirty="0" err="1">
+                <a:highlight>
+                  <a:srgbClr val="FF0000"/>
+                </a:highlight>
+              </a:rPr>
+              <a:t>nc</a:t>
+            </a:r>
+            <a:r>
+              <a:rPr lang="en-US" dirty="0">
+                <a:highlight>
+                  <a:srgbClr val="FF0000"/>
+                </a:highlight>
+              </a:rPr>
+              <a:t> (minor conformity)</a:t>
             </a:r>
           </a:p>
           <a:p>
@@ -7891,7 +9545,7 @@
                 <a:ea typeface="Calibri" panose="020F0502020204030204" pitchFamily="34" charset="0"/>
                 <a:cs typeface="Arial" panose="020B0604020202020204" pitchFamily="34" charset="0"/>
               </a:rPr>
-              <a:t>NC1 = &lt;explanation&gt;</a:t>
+              <a:t>-nc1 = &lt;explanation&gt;</a:t>
             </a:r>
           </a:p>
           <a:p>
@@ -7912,7 +9566,7 @@
                 <a:ea typeface="Calibri" panose="020F0502020204030204" pitchFamily="34" charset="0"/>
                 <a:cs typeface="Arial" panose="020B0604020202020204" pitchFamily="34" charset="0"/>
               </a:rPr>
-              <a:t>NC2 = &lt;explanation&gt;</a:t>
+              <a:t>-nc2 = &lt;explanation&gt;</a:t>
             </a:r>
           </a:p>
           <a:p>
@@ -7933,7 +9587,7 @@
                 <a:ea typeface="Calibri" panose="020F0502020204030204" pitchFamily="34" charset="0"/>
                 <a:cs typeface="Arial" panose="020B0604020202020204" pitchFamily="34" charset="0"/>
               </a:rPr>
-              <a:t>NC3 = &lt;explanation&gt;</a:t>
+              <a:t>-nc3 = &lt;explanation&gt;</a:t>
             </a:r>
           </a:p>
           <a:p>
@@ -7971,14 +9625,18 @@
           <a:p>
             <a:r>
               <a:rPr lang="en-US" b="1" dirty="0"/>
-              <a:t>Internal Audit Results</a:t>
+              <a:t>Internal Audit Results info</a:t>
             </a:r>
             <a:br>
               <a:rPr lang="en-US" b="1" dirty="0"/>
             </a:br>
             <a:r>
               <a:rPr lang="en-US" dirty="0"/>
-              <a:t>major NC</a:t>
+              <a:t>minor </a:t>
+            </a:r>
+            <a:r>
+              <a:rPr lang="en-US" dirty="0" err="1"/>
+              <a:t>nc</a:t>
             </a:r>
             <a:endParaRPr lang="LID4096" dirty="0"/>
           </a:p>
@@ -7987,7 +9645,7 @@
     </p:spTree>
     <p:extLst>
       <p:ext uri="{BB962C8B-B14F-4D97-AF65-F5344CB8AC3E}">
-        <p14:creationId xmlns:p14="http://schemas.microsoft.com/office/powerpoint/2010/main" val="2749315866"/>
+        <p14:creationId xmlns:p14="http://schemas.microsoft.com/office/powerpoint/2010/main" val="2010633544"/>
       </p:ext>
     </p:extLst>
   </p:cSld>
@@ -8243,407 +9901,110 @@
         </p:nvSpPr>
         <p:spPr/>
         <p:txBody>
-          <a:bodyPr/>
+          <a:bodyPr>
+            <a:normAutofit/>
+          </a:bodyPr>
           <a:lstStyle/>
           <a:p>
             <a:pPr marL="0" indent="0">
               <a:buNone/>
             </a:pPr>
             <a:r>
-              <a:rPr lang="nl-BE" sz="2400" dirty="0" err="1">
-                <a:solidFill>
-                  <a:srgbClr val="000000"/>
-                </a:solidFill>
-                <a:latin typeface="Calibri" panose="020F0502020204030204" pitchFamily="34" charset="0"/>
-                <a:ea typeface="Times New Roman" panose="02020603050405020304" pitchFamily="18" charset="0"/>
-                <a:cs typeface="Symbol" panose="05050102010706020507" pitchFamily="18" charset="2"/>
-              </a:rPr>
-              <a:t>Objectives</a:t>
-            </a:r>
-            <a:r>
-              <a:rPr lang="nl-BE" sz="2400" dirty="0">
-                <a:solidFill>
-                  <a:srgbClr val="000000"/>
-                </a:solidFill>
-                <a:latin typeface="Calibri" panose="020F0502020204030204" pitchFamily="34" charset="0"/>
-                <a:ea typeface="Times New Roman" panose="02020603050405020304" pitchFamily="18" charset="0"/>
-                <a:cs typeface="Symbol" panose="05050102010706020507" pitchFamily="18" charset="2"/>
-              </a:rPr>
-              <a:t> (as </a:t>
-            </a:r>
-            <a:r>
-              <a:rPr lang="nl-BE" sz="2400" dirty="0" err="1">
-                <a:solidFill>
-                  <a:srgbClr val="000000"/>
-                </a:solidFill>
-                <a:latin typeface="Calibri" panose="020F0502020204030204" pitchFamily="34" charset="0"/>
-                <a:ea typeface="Times New Roman" panose="02020603050405020304" pitchFamily="18" charset="0"/>
-                <a:cs typeface="Symbol" panose="05050102010706020507" pitchFamily="18" charset="2"/>
-              </a:rPr>
-              <a:t>defined</a:t>
-            </a:r>
-            <a:r>
-              <a:rPr lang="nl-BE" sz="2400" dirty="0">
-                <a:solidFill>
-                  <a:srgbClr val="000000"/>
-                </a:solidFill>
-                <a:latin typeface="Calibri" panose="020F0502020204030204" pitchFamily="34" charset="0"/>
-                <a:ea typeface="Times New Roman" panose="02020603050405020304" pitchFamily="18" charset="0"/>
-                <a:cs typeface="Symbol" panose="05050102010706020507" pitchFamily="18" charset="2"/>
-              </a:rPr>
-              <a:t> in ISMS)</a:t>
-            </a:r>
-          </a:p>
-          <a:p>
-            <a:pPr marL="800100" lvl="1" indent="-342900">
-              <a:buFont typeface="Symbol" panose="05050102010706020507" pitchFamily="18" charset="2"/>
-              <a:buChar char=""/>
+              <a:rPr lang="en-US" dirty="0">
+                <a:solidFill>
+                  <a:schemeClr val="bg1"/>
+                </a:solidFill>
+                <a:highlight>
+                  <a:srgbClr val="00FFFF"/>
+                </a:highlight>
+              </a:rPr>
+              <a:t>#</a:t>
+            </a:r>
+            <a:r>
+              <a:rPr lang="en-US" dirty="0">
+                <a:solidFill>
+                  <a:schemeClr val="bg1"/>
+                </a:solidFill>
+                <a:highlight>
+                  <a:srgbClr val="000000"/>
+                </a:highlight>
+              </a:rPr>
+              <a:t> +NC (major conformity)</a:t>
+            </a:r>
+          </a:p>
+          <a:p>
+            <a:pPr>
+              <a:lnSpc>
+                <a:spcPct val="107000"/>
+              </a:lnSpc>
+              <a:spcAft>
+                <a:spcPts val="800"/>
+              </a:spcAft>
             </a:pPr>
             <a:r>
-              <a:rPr lang="nl-BE" sz="2400" dirty="0" err="1">
-                <a:solidFill>
-                  <a:srgbClr val="000000"/>
-                </a:solidFill>
-                <a:latin typeface="Calibri" panose="020F0502020204030204" pitchFamily="34" charset="0"/>
-                <a:ea typeface="Times New Roman" panose="02020603050405020304" pitchFamily="18" charset="0"/>
-                <a:cs typeface="Symbol" panose="05050102010706020507" pitchFamily="18" charset="2"/>
-              </a:rPr>
-              <a:t>Objective</a:t>
-            </a:r>
-            <a:r>
-              <a:rPr lang="nl-BE" sz="2400" dirty="0">
-                <a:solidFill>
-                  <a:srgbClr val="000000"/>
-                </a:solidFill>
-                <a:latin typeface="Calibri" panose="020F0502020204030204" pitchFamily="34" charset="0"/>
-                <a:ea typeface="Times New Roman" panose="02020603050405020304" pitchFamily="18" charset="0"/>
-                <a:cs typeface="Symbol" panose="05050102010706020507" pitchFamily="18" charset="2"/>
-              </a:rPr>
-              <a:t> 1</a:t>
-            </a:r>
-          </a:p>
-          <a:p>
-            <a:pPr marL="1257213" lvl="2" indent="-342900">
-              <a:buFont typeface="Symbol" panose="05050102010706020507" pitchFamily="18" charset="2"/>
-              <a:buChar char=""/>
+              <a:rPr lang="en-US" sz="2400" dirty="0">
+                <a:highlight>
+                  <a:srgbClr val="00FFFF"/>
+                </a:highlight>
+                <a:latin typeface="Calibri" panose="020F0502020204030204" pitchFamily="34" charset="0"/>
+                <a:ea typeface="Calibri" panose="020F0502020204030204" pitchFamily="34" charset="0"/>
+                <a:cs typeface="Arial" panose="020B0604020202020204" pitchFamily="34" charset="0"/>
+              </a:rPr>
+              <a:t>NC1 = &lt;explanation&gt;</a:t>
+            </a:r>
+          </a:p>
+          <a:p>
+            <a:pPr>
+              <a:lnSpc>
+                <a:spcPct val="107000"/>
+              </a:lnSpc>
+              <a:spcAft>
+                <a:spcPts val="800"/>
+              </a:spcAft>
             </a:pPr>
             <a:r>
-              <a:rPr lang="nl-BE" dirty="0">
-                <a:solidFill>
-                  <a:srgbClr val="000000"/>
-                </a:solidFill>
-                <a:latin typeface="Calibri" panose="020F0502020204030204" pitchFamily="34" charset="0"/>
-                <a:ea typeface="Times New Roman" panose="02020603050405020304" pitchFamily="18" charset="0"/>
-                <a:cs typeface="Symbol" panose="05050102010706020507" pitchFamily="18" charset="2"/>
-              </a:rPr>
-              <a:t>Status (OK/NOT OK)</a:t>
-            </a:r>
-          </a:p>
-          <a:p>
-            <a:pPr marL="1714325" lvl="3" indent="-342900">
-              <a:buFont typeface="Symbol" panose="05050102010706020507" pitchFamily="18" charset="2"/>
-              <a:buChar char=""/>
+              <a:rPr lang="en-US" sz="2400" dirty="0">
+                <a:highlight>
+                  <a:srgbClr val="00FFFF"/>
+                </a:highlight>
+                <a:latin typeface="Calibri" panose="020F0502020204030204" pitchFamily="34" charset="0"/>
+                <a:ea typeface="Calibri" panose="020F0502020204030204" pitchFamily="34" charset="0"/>
+                <a:cs typeface="Arial" panose="020B0604020202020204" pitchFamily="34" charset="0"/>
+              </a:rPr>
+              <a:t>NC2 = &lt;explanation&gt;</a:t>
+            </a:r>
+          </a:p>
+          <a:p>
+            <a:pPr>
+              <a:lnSpc>
+                <a:spcPct val="107000"/>
+              </a:lnSpc>
+              <a:spcAft>
+                <a:spcPts val="800"/>
+              </a:spcAft>
             </a:pPr>
             <a:r>
-              <a:rPr lang="nl-BE" dirty="0" err="1">
-                <a:solidFill>
-                  <a:srgbClr val="000000"/>
-                </a:solidFill>
-                <a:latin typeface="Calibri" panose="020F0502020204030204" pitchFamily="34" charset="0"/>
-                <a:ea typeface="Times New Roman" panose="02020603050405020304" pitchFamily="18" charset="0"/>
-                <a:cs typeface="Symbol" panose="05050102010706020507" pitchFamily="18" charset="2"/>
-              </a:rPr>
-              <a:t>Objectives</a:t>
-            </a:r>
-            <a:r>
-              <a:rPr lang="nl-BE" dirty="0">
-                <a:solidFill>
-                  <a:srgbClr val="000000"/>
-                </a:solidFill>
-                <a:latin typeface="Calibri" panose="020F0502020204030204" pitchFamily="34" charset="0"/>
-                <a:ea typeface="Times New Roman" panose="02020603050405020304" pitchFamily="18" charset="0"/>
-                <a:cs typeface="Symbol" panose="05050102010706020507" pitchFamily="18" charset="2"/>
-              </a:rPr>
-              <a:t> </a:t>
-            </a:r>
-            <a:r>
-              <a:rPr lang="nl-BE" dirty="0" err="1">
-                <a:solidFill>
-                  <a:srgbClr val="000000"/>
-                </a:solidFill>
-                <a:latin typeface="Calibri" panose="020F0502020204030204" pitchFamily="34" charset="0"/>
-                <a:ea typeface="Times New Roman" panose="02020603050405020304" pitchFamily="18" charset="0"/>
-                <a:cs typeface="Symbol" panose="05050102010706020507" pitchFamily="18" charset="2"/>
-              </a:rPr>
-              <a:t>achieved</a:t>
-            </a:r>
-            <a:r>
-              <a:rPr lang="nl-BE" dirty="0">
-                <a:solidFill>
-                  <a:srgbClr val="000000"/>
-                </a:solidFill>
-                <a:latin typeface="Calibri" panose="020F0502020204030204" pitchFamily="34" charset="0"/>
-                <a:ea typeface="Times New Roman" panose="02020603050405020304" pitchFamily="18" charset="0"/>
-                <a:cs typeface="Symbol" panose="05050102010706020507" pitchFamily="18" charset="2"/>
-              </a:rPr>
-              <a:t> or </a:t>
-            </a:r>
-            <a:r>
-              <a:rPr lang="nl-BE" dirty="0" err="1">
-                <a:solidFill>
-                  <a:srgbClr val="000000"/>
-                </a:solidFill>
-                <a:latin typeface="Calibri" panose="020F0502020204030204" pitchFamily="34" charset="0"/>
-                <a:ea typeface="Times New Roman" panose="02020603050405020304" pitchFamily="18" charset="0"/>
-                <a:cs typeface="Symbol" panose="05050102010706020507" pitchFamily="18" charset="2"/>
-              </a:rPr>
-              <a:t>not</a:t>
-            </a:r>
-            <a:endParaRPr lang="nl-BE" dirty="0">
-              <a:solidFill>
-                <a:srgbClr val="000000"/>
-              </a:solidFill>
-              <a:latin typeface="Calibri" panose="020F0502020204030204" pitchFamily="34" charset="0"/>
-              <a:ea typeface="Times New Roman" panose="02020603050405020304" pitchFamily="18" charset="0"/>
-              <a:cs typeface="Symbol" panose="05050102010706020507" pitchFamily="18" charset="2"/>
+              <a:rPr lang="en-US" sz="2400" dirty="0">
+                <a:highlight>
+                  <a:srgbClr val="00FFFF"/>
+                </a:highlight>
+                <a:latin typeface="Calibri" panose="020F0502020204030204" pitchFamily="34" charset="0"/>
+                <a:ea typeface="Calibri" panose="020F0502020204030204" pitchFamily="34" charset="0"/>
+                <a:cs typeface="Arial" panose="020B0604020202020204" pitchFamily="34" charset="0"/>
+              </a:rPr>
+              <a:t>NC3 = &lt;explanation&gt;</a:t>
+            </a:r>
+          </a:p>
+          <a:p>
+            <a:pPr marL="0" indent="0">
+              <a:buNone/>
+            </a:pPr>
+            <a:endParaRPr lang="en-US" dirty="0">
+              <a:highlight>
+                <a:srgbClr val="FF0000"/>
+              </a:highlight>
             </a:endParaRPr>
           </a:p>
-          <a:p>
-            <a:pPr marL="1257213" lvl="2" indent="-342900">
-              <a:buFont typeface="Symbol" panose="05050102010706020507" pitchFamily="18" charset="2"/>
-              <a:buChar char=""/>
-            </a:pPr>
-            <a:r>
-              <a:rPr lang="nl-BE" dirty="0">
-                <a:solidFill>
-                  <a:srgbClr val="000000"/>
-                </a:solidFill>
-                <a:latin typeface="Calibri" panose="020F0502020204030204" pitchFamily="34" charset="0"/>
-                <a:ea typeface="Times New Roman" panose="02020603050405020304" pitchFamily="18" charset="0"/>
-                <a:cs typeface="Symbol" panose="05050102010706020507" pitchFamily="18" charset="2"/>
-              </a:rPr>
-              <a:t>Must </a:t>
-            </a:r>
-            <a:r>
-              <a:rPr lang="nl-BE" dirty="0" err="1">
-                <a:solidFill>
-                  <a:srgbClr val="000000"/>
-                </a:solidFill>
-                <a:latin typeface="Calibri" panose="020F0502020204030204" pitchFamily="34" charset="0"/>
-                <a:ea typeface="Times New Roman" panose="02020603050405020304" pitchFamily="18" charset="0"/>
-                <a:cs typeface="Symbol" panose="05050102010706020507" pitchFamily="18" charset="2"/>
-              </a:rPr>
-              <a:t>include</a:t>
-            </a:r>
-            <a:r>
-              <a:rPr lang="nl-BE" dirty="0">
-                <a:solidFill>
-                  <a:srgbClr val="000000"/>
-                </a:solidFill>
-                <a:latin typeface="Calibri" panose="020F0502020204030204" pitchFamily="34" charset="0"/>
-                <a:ea typeface="Times New Roman" panose="02020603050405020304" pitchFamily="18" charset="0"/>
-                <a:cs typeface="Symbol" panose="05050102010706020507" pitchFamily="18" charset="2"/>
-              </a:rPr>
-              <a:t> trend </a:t>
-            </a:r>
-          </a:p>
-          <a:p>
-            <a:pPr marL="1714413" lvl="3" indent="-342900">
-              <a:buFont typeface="Symbol" panose="05050102010706020507" pitchFamily="18" charset="2"/>
-              <a:buChar char=""/>
-            </a:pPr>
-            <a:r>
-              <a:rPr lang="nl-BE" dirty="0" err="1">
-                <a:solidFill>
-                  <a:srgbClr val="000000"/>
-                </a:solidFill>
-                <a:highlight>
-                  <a:srgbClr val="FF0000"/>
-                </a:highlight>
-                <a:latin typeface="Calibri" panose="020F0502020204030204" pitchFamily="34" charset="0"/>
-                <a:ea typeface="Times New Roman" panose="02020603050405020304" pitchFamily="18" charset="0"/>
-                <a:cs typeface="Symbol" panose="05050102010706020507" pitchFamily="18" charset="2"/>
-              </a:rPr>
-              <a:t>Decreasing</a:t>
-            </a:r>
-            <a:r>
-              <a:rPr lang="nl-BE" dirty="0">
-                <a:solidFill>
-                  <a:srgbClr val="000000"/>
-                </a:solidFill>
-                <a:highlight>
-                  <a:srgbClr val="FF0000"/>
-                </a:highlight>
-                <a:latin typeface="Calibri" panose="020F0502020204030204" pitchFamily="34" charset="0"/>
-                <a:ea typeface="Times New Roman" panose="02020603050405020304" pitchFamily="18" charset="0"/>
-                <a:cs typeface="Symbol" panose="05050102010706020507" pitchFamily="18" charset="2"/>
-              </a:rPr>
-              <a:t> -</a:t>
-            </a:r>
-            <a:r>
-              <a:rPr lang="nl-BE" dirty="0">
-                <a:solidFill>
-                  <a:srgbClr val="000000"/>
-                </a:solidFill>
-                <a:latin typeface="Calibri" panose="020F0502020204030204" pitchFamily="34" charset="0"/>
-                <a:ea typeface="Times New Roman" panose="02020603050405020304" pitchFamily="18" charset="0"/>
-                <a:cs typeface="Symbol" panose="05050102010706020507" pitchFamily="18" charset="2"/>
-              </a:rPr>
-              <a:t> or </a:t>
-            </a:r>
-          </a:p>
-          <a:p>
-            <a:pPr marL="1714413" lvl="3" indent="-342900">
-              <a:buFont typeface="Symbol" panose="05050102010706020507" pitchFamily="18" charset="2"/>
-              <a:buChar char=""/>
-            </a:pPr>
-            <a:r>
-              <a:rPr lang="nl-BE" dirty="0" err="1">
-                <a:solidFill>
-                  <a:srgbClr val="000000"/>
-                </a:solidFill>
-                <a:highlight>
-                  <a:srgbClr val="FFFF00"/>
-                </a:highlight>
-                <a:latin typeface="Calibri" panose="020F0502020204030204" pitchFamily="34" charset="0"/>
-                <a:ea typeface="Times New Roman" panose="02020603050405020304" pitchFamily="18" charset="0"/>
-                <a:cs typeface="Symbol" panose="05050102010706020507" pitchFamily="18" charset="2"/>
-              </a:rPr>
-              <a:t>Stable</a:t>
-            </a:r>
-            <a:r>
-              <a:rPr lang="nl-BE" dirty="0">
-                <a:solidFill>
-                  <a:srgbClr val="000000"/>
-                </a:solidFill>
-                <a:highlight>
-                  <a:srgbClr val="FFFF00"/>
-                </a:highlight>
-                <a:latin typeface="Calibri" panose="020F0502020204030204" pitchFamily="34" charset="0"/>
-                <a:ea typeface="Times New Roman" panose="02020603050405020304" pitchFamily="18" charset="0"/>
-                <a:cs typeface="Symbol" panose="05050102010706020507" pitchFamily="18" charset="2"/>
-              </a:rPr>
-              <a:t> = </a:t>
-            </a:r>
-            <a:r>
-              <a:rPr lang="nl-BE" dirty="0">
-                <a:solidFill>
-                  <a:srgbClr val="000000"/>
-                </a:solidFill>
-                <a:latin typeface="Calibri" panose="020F0502020204030204" pitchFamily="34" charset="0"/>
-                <a:ea typeface="Times New Roman" panose="02020603050405020304" pitchFamily="18" charset="0"/>
-                <a:cs typeface="Symbol" panose="05050102010706020507" pitchFamily="18" charset="2"/>
-              </a:rPr>
-              <a:t>or</a:t>
-            </a:r>
-          </a:p>
-          <a:p>
-            <a:pPr marL="1714413" lvl="3" indent="-342900">
-              <a:buFont typeface="Symbol" panose="05050102010706020507" pitchFamily="18" charset="2"/>
-              <a:buChar char=""/>
-            </a:pPr>
-            <a:r>
-              <a:rPr lang="nl-BE" dirty="0" err="1">
-                <a:solidFill>
-                  <a:srgbClr val="000000"/>
-                </a:solidFill>
-                <a:highlight>
-                  <a:srgbClr val="00FF00"/>
-                </a:highlight>
-                <a:latin typeface="Calibri" panose="020F0502020204030204" pitchFamily="34" charset="0"/>
-                <a:ea typeface="Times New Roman" panose="02020603050405020304" pitchFamily="18" charset="0"/>
-                <a:cs typeface="Symbol" panose="05050102010706020507" pitchFamily="18" charset="2"/>
-              </a:rPr>
-              <a:t>Improving</a:t>
-            </a:r>
-            <a:r>
-              <a:rPr lang="nl-BE" dirty="0">
-                <a:solidFill>
-                  <a:srgbClr val="000000"/>
-                </a:solidFill>
-                <a:highlight>
-                  <a:srgbClr val="00FF00"/>
-                </a:highlight>
-                <a:latin typeface="Calibri" panose="020F0502020204030204" pitchFamily="34" charset="0"/>
-                <a:ea typeface="Times New Roman" panose="02020603050405020304" pitchFamily="18" charset="0"/>
-                <a:cs typeface="Symbol" panose="05050102010706020507" pitchFamily="18" charset="2"/>
-              </a:rPr>
-              <a:t>/</a:t>
-            </a:r>
-            <a:r>
-              <a:rPr lang="nl-BE" dirty="0" err="1">
-                <a:solidFill>
-                  <a:srgbClr val="000000"/>
-                </a:solidFill>
-                <a:highlight>
-                  <a:srgbClr val="00FF00"/>
-                </a:highlight>
-                <a:latin typeface="Calibri" panose="020F0502020204030204" pitchFamily="34" charset="0"/>
-                <a:ea typeface="Times New Roman" panose="02020603050405020304" pitchFamily="18" charset="0"/>
-                <a:cs typeface="Symbol" panose="05050102010706020507" pitchFamily="18" charset="2"/>
-              </a:rPr>
-              <a:t>increasing</a:t>
-            </a:r>
-            <a:r>
-              <a:rPr lang="nl-BE" dirty="0">
-                <a:solidFill>
-                  <a:srgbClr val="000000"/>
-                </a:solidFill>
-                <a:highlight>
-                  <a:srgbClr val="00FF00"/>
-                </a:highlight>
-                <a:latin typeface="Calibri" panose="020F0502020204030204" pitchFamily="34" charset="0"/>
-                <a:ea typeface="Times New Roman" panose="02020603050405020304" pitchFamily="18" charset="0"/>
-                <a:cs typeface="Symbol" panose="05050102010706020507" pitchFamily="18" charset="2"/>
-              </a:rPr>
-              <a:t> +</a:t>
-            </a:r>
-          </a:p>
-          <a:p>
-            <a:pPr marL="800100" lvl="1" indent="-342900">
-              <a:buFont typeface="Symbol" panose="05050102010706020507" pitchFamily="18" charset="2"/>
-              <a:buChar char=""/>
-            </a:pPr>
-            <a:r>
-              <a:rPr lang="nl-BE" dirty="0" err="1">
-                <a:solidFill>
-                  <a:srgbClr val="000000"/>
-                </a:solidFill>
-                <a:latin typeface="Calibri" panose="020F0502020204030204" pitchFamily="34" charset="0"/>
-                <a:ea typeface="Times New Roman" panose="02020603050405020304" pitchFamily="18" charset="0"/>
-                <a:cs typeface="Symbol" panose="05050102010706020507" pitchFamily="18" charset="2"/>
-              </a:rPr>
-              <a:t>Objective</a:t>
-            </a:r>
-            <a:r>
-              <a:rPr lang="nl-BE" dirty="0">
-                <a:solidFill>
-                  <a:srgbClr val="000000"/>
-                </a:solidFill>
-                <a:latin typeface="Calibri" panose="020F0502020204030204" pitchFamily="34" charset="0"/>
-                <a:ea typeface="Times New Roman" panose="02020603050405020304" pitchFamily="18" charset="0"/>
-                <a:cs typeface="Symbol" panose="05050102010706020507" pitchFamily="18" charset="2"/>
-              </a:rPr>
-              <a:t> 2</a:t>
-            </a:r>
-          </a:p>
-          <a:p>
-            <a:pPr marL="1257300" lvl="2" indent="-342900">
-              <a:buFont typeface="Symbol" panose="05050102010706020507" pitchFamily="18" charset="2"/>
-              <a:buChar char=""/>
-            </a:pPr>
-            <a:r>
-              <a:rPr lang="nl-BE" dirty="0">
-                <a:solidFill>
-                  <a:srgbClr val="000000"/>
-                </a:solidFill>
-                <a:latin typeface="Calibri" panose="020F0502020204030204" pitchFamily="34" charset="0"/>
-                <a:ea typeface="Times New Roman" panose="02020603050405020304" pitchFamily="18" charset="0"/>
-                <a:cs typeface="Symbol" panose="05050102010706020507" pitchFamily="18" charset="2"/>
-              </a:rPr>
-              <a:t>…</a:t>
-            </a:r>
-          </a:p>
         </p:txBody>
       </p:sp>
       <p:sp>
@@ -8664,80 +10025,28 @@
         </p:nvSpPr>
         <p:spPr/>
         <p:txBody>
-          <a:bodyPr>
-            <a:normAutofit/>
-          </a:bodyPr>
-          <a:lstStyle/>
-          <a:p>
-            <a:r>
-              <a:rPr lang="nl-BE" sz="3200" b="1" dirty="0">
-                <a:solidFill>
-                  <a:srgbClr val="000000"/>
-                </a:solidFill>
-                <a:latin typeface="Calibri Light" panose="020F0302020204030204" pitchFamily="34" charset="0"/>
-                <a:ea typeface="Calibri Light" panose="020F0302020204030204" pitchFamily="34" charset="0"/>
-                <a:cs typeface="Calibri Light" panose="020F0302020204030204" pitchFamily="34" charset="0"/>
-              </a:rPr>
-              <a:t>Feedback on security performance</a:t>
+          <a:bodyPr/>
+          <a:lstStyle/>
+          <a:p>
+            <a:r>
+              <a:rPr lang="en-US" b="1" dirty="0"/>
+              <a:t>Internal Audit Results</a:t>
             </a:r>
             <a:br>
-              <a:rPr lang="nl-BE" sz="3200" dirty="0">
-                <a:solidFill>
-                  <a:srgbClr val="000000"/>
-                </a:solidFill>
-                <a:latin typeface="Calibri Light" panose="020F0302020204030204" pitchFamily="34" charset="0"/>
-                <a:ea typeface="Calibri Light" panose="020F0302020204030204" pitchFamily="34" charset="0"/>
-                <a:cs typeface="Calibri Light" panose="020F0302020204030204" pitchFamily="34" charset="0"/>
-              </a:rPr>
+              <a:rPr lang="en-US" b="1" dirty="0"/>
             </a:br>
             <a:r>
-              <a:rPr lang="nl-BE" sz="3200" dirty="0" err="1">
-                <a:solidFill>
-                  <a:srgbClr val="000000"/>
-                </a:solidFill>
-                <a:latin typeface="Calibri Light" panose="020F0302020204030204" pitchFamily="34" charset="0"/>
-                <a:ea typeface="Calibri Light" panose="020F0302020204030204" pitchFamily="34" charset="0"/>
-                <a:cs typeface="Calibri Light" panose="020F0302020204030204" pitchFamily="34" charset="0"/>
-              </a:rPr>
-              <a:t>Fullfilment</a:t>
-            </a:r>
-            <a:r>
-              <a:rPr lang="nl-BE" sz="3200" dirty="0">
-                <a:solidFill>
-                  <a:srgbClr val="000000"/>
-                </a:solidFill>
-                <a:latin typeface="Calibri Light" panose="020F0302020204030204" pitchFamily="34" charset="0"/>
-                <a:ea typeface="Calibri Light" panose="020F0302020204030204" pitchFamily="34" charset="0"/>
-                <a:cs typeface="Calibri Light" panose="020F0302020204030204" pitchFamily="34" charset="0"/>
-              </a:rPr>
-              <a:t> of ISMS </a:t>
-            </a:r>
-            <a:r>
-              <a:rPr lang="nl-BE" sz="3200" dirty="0" err="1">
-                <a:solidFill>
-                  <a:srgbClr val="000000"/>
-                </a:solidFill>
-                <a:latin typeface="Calibri Light" panose="020F0302020204030204" pitchFamily="34" charset="0"/>
-                <a:ea typeface="Calibri Light" panose="020F0302020204030204" pitchFamily="34" charset="0"/>
-                <a:cs typeface="Calibri Light" panose="020F0302020204030204" pitchFamily="34" charset="0"/>
-              </a:rPr>
-              <a:t>objectives</a:t>
-            </a:r>
-            <a:endParaRPr lang="nl-BE" sz="3200" dirty="0">
-              <a:solidFill>
-                <a:srgbClr val="000000"/>
-              </a:solidFill>
-              <a:latin typeface="Calibri Light" panose="020F0302020204030204" pitchFamily="34" charset="0"/>
-              <a:ea typeface="Calibri Light" panose="020F0302020204030204" pitchFamily="34" charset="0"/>
-              <a:cs typeface="Calibri Light" panose="020F0302020204030204" pitchFamily="34" charset="0"/>
-            </a:endParaRPr>
+              <a:rPr lang="en-US" dirty="0"/>
+              <a:t>major NC</a:t>
+            </a:r>
+            <a:endParaRPr lang="LID4096" dirty="0"/>
           </a:p>
         </p:txBody>
       </p:sp>
     </p:spTree>
     <p:extLst>
       <p:ext uri="{BB962C8B-B14F-4D97-AF65-F5344CB8AC3E}">
-        <p14:creationId xmlns:p14="http://schemas.microsoft.com/office/powerpoint/2010/main" val="3591148897"/>
+        <p14:creationId xmlns:p14="http://schemas.microsoft.com/office/powerpoint/2010/main" val="2749315866"/>
       </p:ext>
     </p:extLst>
   </p:cSld>
@@ -8789,6 +10098,17 @@
               <a:buNone/>
             </a:pPr>
             <a:r>
+              <a:rPr lang="nl-BE" sz="2400" dirty="0" err="1">
+                <a:solidFill>
+                  <a:srgbClr val="000000"/>
+                </a:solidFill>
+                <a:latin typeface="Calibri" panose="020F0502020204030204" pitchFamily="34" charset="0"/>
+                <a:ea typeface="Times New Roman" panose="02020603050405020304" pitchFamily="18" charset="0"/>
+                <a:cs typeface="Symbol" panose="05050102010706020507" pitchFamily="18" charset="2"/>
+              </a:rPr>
+              <a:t>Objectives</a:t>
+            </a:r>
+            <a:r>
               <a:rPr lang="nl-BE" sz="2400" dirty="0">
                 <a:solidFill>
                   <a:srgbClr val="000000"/>
@@ -8797,7 +10117,7 @@
                 <a:ea typeface="Times New Roman" panose="02020603050405020304" pitchFamily="18" charset="0"/>
                 <a:cs typeface="Symbol" panose="05050102010706020507" pitchFamily="18" charset="2"/>
               </a:rPr>
-              <a:t>Feedback from </a:t>
+              <a:t> (as </a:t>
             </a:r>
             <a:r>
               <a:rPr lang="nl-BE" sz="2400" dirty="0" err="1">
@@ -8808,7 +10128,7 @@
                 <a:ea typeface="Times New Roman" panose="02020603050405020304" pitchFamily="18" charset="0"/>
                 <a:cs typeface="Symbol" panose="05050102010706020507" pitchFamily="18" charset="2"/>
               </a:rPr>
-              <a:t>internal</a:t>
+              <a:t>defined</a:t>
             </a:r>
             <a:r>
               <a:rPr lang="nl-BE" sz="2400" dirty="0">
@@ -8819,8 +10139,14 @@
                 <a:ea typeface="Times New Roman" panose="02020603050405020304" pitchFamily="18" charset="0"/>
                 <a:cs typeface="Symbol" panose="05050102010706020507" pitchFamily="18" charset="2"/>
               </a:rPr>
-              <a:t> &amp; </a:t>
-            </a:r>
+              <a:t> in ISMS)</a:t>
+            </a:r>
+          </a:p>
+          <a:p>
+            <a:pPr marL="800100" lvl="1" indent="-342900">
+              <a:buFont typeface="Symbol" panose="05050102010706020507" pitchFamily="18" charset="2"/>
+              <a:buChar char=""/>
+            </a:pPr>
             <a:r>
               <a:rPr lang="nl-BE" sz="2400" dirty="0" err="1">
                 <a:solidFill>
@@ -8830,7 +10156,7 @@
                 <a:ea typeface="Times New Roman" panose="02020603050405020304" pitchFamily="18" charset="0"/>
                 <a:cs typeface="Symbol" panose="05050102010706020507" pitchFamily="18" charset="2"/>
               </a:rPr>
-              <a:t>external</a:t>
+              <a:t>Objective</a:t>
             </a:r>
             <a:r>
               <a:rPr lang="nl-BE" sz="2400" dirty="0">
@@ -8841,42 +10167,87 @@
                 <a:ea typeface="Times New Roman" panose="02020603050405020304" pitchFamily="18" charset="0"/>
                 <a:cs typeface="Symbol" panose="05050102010706020507" pitchFamily="18" charset="2"/>
               </a:rPr>
+              <a:t> 1</a:t>
+            </a:r>
+          </a:p>
+          <a:p>
+            <a:pPr marL="1257213" lvl="2" indent="-342900">
+              <a:buFont typeface="Symbol" panose="05050102010706020507" pitchFamily="18" charset="2"/>
+              <a:buChar char=""/>
+            </a:pPr>
+            <a:r>
+              <a:rPr lang="nl-BE" dirty="0">
+                <a:solidFill>
+                  <a:srgbClr val="000000"/>
+                </a:solidFill>
+                <a:latin typeface="Calibri" panose="020F0502020204030204" pitchFamily="34" charset="0"/>
+                <a:ea typeface="Times New Roman" panose="02020603050405020304" pitchFamily="18" charset="0"/>
+                <a:cs typeface="Symbol" panose="05050102010706020507" pitchFamily="18" charset="2"/>
+              </a:rPr>
+              <a:t>Status (OK/NOT OK)</a:t>
+            </a:r>
+          </a:p>
+          <a:p>
+            <a:pPr marL="1714325" lvl="3" indent="-342900">
+              <a:buFont typeface="Symbol" panose="05050102010706020507" pitchFamily="18" charset="2"/>
+              <a:buChar char=""/>
+            </a:pPr>
+            <a:r>
+              <a:rPr lang="nl-BE" dirty="0" err="1">
+                <a:solidFill>
+                  <a:srgbClr val="000000"/>
+                </a:solidFill>
+                <a:latin typeface="Calibri" panose="020F0502020204030204" pitchFamily="34" charset="0"/>
+                <a:ea typeface="Times New Roman" panose="02020603050405020304" pitchFamily="18" charset="0"/>
+                <a:cs typeface="Symbol" panose="05050102010706020507" pitchFamily="18" charset="2"/>
+              </a:rPr>
+              <a:t>Objectives</a:t>
+            </a:r>
+            <a:r>
+              <a:rPr lang="nl-BE" dirty="0">
+                <a:solidFill>
+                  <a:srgbClr val="000000"/>
+                </a:solidFill>
+                <a:latin typeface="Calibri" panose="020F0502020204030204" pitchFamily="34" charset="0"/>
+                <a:ea typeface="Times New Roman" panose="02020603050405020304" pitchFamily="18" charset="0"/>
+                <a:cs typeface="Symbol" panose="05050102010706020507" pitchFamily="18" charset="2"/>
+              </a:rPr>
               <a:t> </a:t>
             </a:r>
             <a:r>
-              <a:rPr lang="nl-BE" sz="2400" dirty="0" err="1">
-                <a:solidFill>
-                  <a:srgbClr val="000000"/>
-                </a:solidFill>
-                <a:latin typeface="Calibri" panose="020F0502020204030204" pitchFamily="34" charset="0"/>
-                <a:ea typeface="Times New Roman" panose="02020603050405020304" pitchFamily="18" charset="0"/>
-                <a:cs typeface="Symbol" panose="05050102010706020507" pitchFamily="18" charset="2"/>
-              </a:rPr>
-              <a:t>interested</a:t>
-            </a:r>
-            <a:r>
-              <a:rPr lang="nl-BE" sz="2400" dirty="0">
-                <a:solidFill>
-                  <a:srgbClr val="000000"/>
-                </a:solidFill>
-                <a:latin typeface="Calibri" panose="020F0502020204030204" pitchFamily="34" charset="0"/>
-                <a:ea typeface="Times New Roman" panose="02020603050405020304" pitchFamily="18" charset="0"/>
-                <a:cs typeface="Symbol" panose="05050102010706020507" pitchFamily="18" charset="2"/>
-              </a:rPr>
-              <a:t> </a:t>
-            </a:r>
-            <a:r>
-              <a:rPr lang="nl-BE" sz="2400" dirty="0" err="1">
-                <a:solidFill>
-                  <a:srgbClr val="000000"/>
-                </a:solidFill>
-                <a:latin typeface="Calibri" panose="020F0502020204030204" pitchFamily="34" charset="0"/>
-                <a:ea typeface="Times New Roman" panose="02020603050405020304" pitchFamily="18" charset="0"/>
-                <a:cs typeface="Symbol" panose="05050102010706020507" pitchFamily="18" charset="2"/>
-              </a:rPr>
-              <a:t>parties</a:t>
-            </a:r>
-            <a:endParaRPr lang="nl-BE" sz="2400" dirty="0">
+              <a:rPr lang="nl-BE" dirty="0" err="1">
+                <a:solidFill>
+                  <a:srgbClr val="000000"/>
+                </a:solidFill>
+                <a:latin typeface="Calibri" panose="020F0502020204030204" pitchFamily="34" charset="0"/>
+                <a:ea typeface="Times New Roman" panose="02020603050405020304" pitchFamily="18" charset="0"/>
+                <a:cs typeface="Symbol" panose="05050102010706020507" pitchFamily="18" charset="2"/>
+              </a:rPr>
+              <a:t>achieved</a:t>
+            </a:r>
+            <a:r>
+              <a:rPr lang="nl-BE" dirty="0">
+                <a:solidFill>
+                  <a:srgbClr val="000000"/>
+                </a:solidFill>
+                <a:latin typeface="Calibri" panose="020F0502020204030204" pitchFamily="34" charset="0"/>
+                <a:ea typeface="Times New Roman" panose="02020603050405020304" pitchFamily="18" charset="0"/>
+                <a:cs typeface="Symbol" panose="05050102010706020507" pitchFamily="18" charset="2"/>
+              </a:rPr>
+              <a:t> or </a:t>
+            </a:r>
+            <a:r>
+              <a:rPr lang="nl-BE" dirty="0" err="1">
+                <a:solidFill>
+                  <a:srgbClr val="000000"/>
+                </a:solidFill>
+                <a:latin typeface="Calibri" panose="020F0502020204030204" pitchFamily="34" charset="0"/>
+                <a:ea typeface="Times New Roman" panose="02020603050405020304" pitchFamily="18" charset="0"/>
+                <a:cs typeface="Symbol" panose="05050102010706020507" pitchFamily="18" charset="2"/>
+              </a:rPr>
+              <a:t>not</a:t>
+            </a:r>
+            <a:endParaRPr lang="nl-BE" dirty="0">
               <a:solidFill>
                 <a:srgbClr val="000000"/>
               </a:solidFill>
@@ -8886,38 +10257,226 @@
             </a:endParaRPr>
           </a:p>
           <a:p>
+            <a:pPr marL="1257213" lvl="2" indent="-342900">
+              <a:buFont typeface="Symbol" panose="05050102010706020507" pitchFamily="18" charset="2"/>
+              <a:buChar char=""/>
+            </a:pPr>
+            <a:r>
+              <a:rPr lang="nl-BE" dirty="0">
+                <a:solidFill>
+                  <a:srgbClr val="000000"/>
+                </a:solidFill>
+                <a:latin typeface="Calibri" panose="020F0502020204030204" pitchFamily="34" charset="0"/>
+                <a:ea typeface="Times New Roman" panose="02020603050405020304" pitchFamily="18" charset="0"/>
+                <a:cs typeface="Symbol" panose="05050102010706020507" pitchFamily="18" charset="2"/>
+              </a:rPr>
+              <a:t>Must </a:t>
+            </a:r>
+            <a:r>
+              <a:rPr lang="nl-BE" dirty="0" err="1">
+                <a:solidFill>
+                  <a:srgbClr val="000000"/>
+                </a:solidFill>
+                <a:latin typeface="Calibri" panose="020F0502020204030204" pitchFamily="34" charset="0"/>
+                <a:ea typeface="Times New Roman" panose="02020603050405020304" pitchFamily="18" charset="0"/>
+                <a:cs typeface="Symbol" panose="05050102010706020507" pitchFamily="18" charset="2"/>
+              </a:rPr>
+              <a:t>include</a:t>
+            </a:r>
+            <a:r>
+              <a:rPr lang="nl-BE" dirty="0">
+                <a:solidFill>
+                  <a:srgbClr val="000000"/>
+                </a:solidFill>
+                <a:latin typeface="Calibri" panose="020F0502020204030204" pitchFamily="34" charset="0"/>
+                <a:ea typeface="Times New Roman" panose="02020603050405020304" pitchFamily="18" charset="0"/>
+                <a:cs typeface="Symbol" panose="05050102010706020507" pitchFamily="18" charset="2"/>
+              </a:rPr>
+              <a:t> trend </a:t>
+            </a:r>
+          </a:p>
+          <a:p>
+            <a:pPr marL="1714413" lvl="3" indent="-342900">
+              <a:buFont typeface="Symbol" panose="05050102010706020507" pitchFamily="18" charset="2"/>
+              <a:buChar char=""/>
+            </a:pPr>
+            <a:r>
+              <a:rPr lang="nl-BE" dirty="0" err="1">
+                <a:solidFill>
+                  <a:srgbClr val="000000"/>
+                </a:solidFill>
+                <a:highlight>
+                  <a:srgbClr val="FF0000"/>
+                </a:highlight>
+                <a:latin typeface="Calibri" panose="020F0502020204030204" pitchFamily="34" charset="0"/>
+                <a:ea typeface="Times New Roman" panose="02020603050405020304" pitchFamily="18" charset="0"/>
+                <a:cs typeface="Symbol" panose="05050102010706020507" pitchFamily="18" charset="2"/>
+              </a:rPr>
+              <a:t>Decreasing</a:t>
+            </a:r>
+            <a:r>
+              <a:rPr lang="nl-BE" dirty="0">
+                <a:solidFill>
+                  <a:srgbClr val="000000"/>
+                </a:solidFill>
+                <a:highlight>
+                  <a:srgbClr val="FF0000"/>
+                </a:highlight>
+                <a:latin typeface="Calibri" panose="020F0502020204030204" pitchFamily="34" charset="0"/>
+                <a:ea typeface="Times New Roman" panose="02020603050405020304" pitchFamily="18" charset="0"/>
+                <a:cs typeface="Symbol" panose="05050102010706020507" pitchFamily="18" charset="2"/>
+              </a:rPr>
+              <a:t> -</a:t>
+            </a:r>
+            <a:r>
+              <a:rPr lang="nl-BE" dirty="0">
+                <a:solidFill>
+                  <a:srgbClr val="000000"/>
+                </a:solidFill>
+                <a:latin typeface="Calibri" panose="020F0502020204030204" pitchFamily="34" charset="0"/>
+                <a:ea typeface="Times New Roman" panose="02020603050405020304" pitchFamily="18" charset="0"/>
+                <a:cs typeface="Symbol" panose="05050102010706020507" pitchFamily="18" charset="2"/>
+              </a:rPr>
+              <a:t> or </a:t>
+            </a:r>
+          </a:p>
+          <a:p>
+            <a:pPr marL="1714413" lvl="3" indent="-342900">
+              <a:buFont typeface="Symbol" panose="05050102010706020507" pitchFamily="18" charset="2"/>
+              <a:buChar char=""/>
+            </a:pPr>
+            <a:r>
+              <a:rPr lang="nl-BE" dirty="0" err="1">
+                <a:solidFill>
+                  <a:srgbClr val="000000"/>
+                </a:solidFill>
+                <a:highlight>
+                  <a:srgbClr val="FFFF00"/>
+                </a:highlight>
+                <a:latin typeface="Calibri" panose="020F0502020204030204" pitchFamily="34" charset="0"/>
+                <a:ea typeface="Times New Roman" panose="02020603050405020304" pitchFamily="18" charset="0"/>
+                <a:cs typeface="Symbol" panose="05050102010706020507" pitchFamily="18" charset="2"/>
+              </a:rPr>
+              <a:t>Stable</a:t>
+            </a:r>
+            <a:r>
+              <a:rPr lang="nl-BE" dirty="0">
+                <a:solidFill>
+                  <a:srgbClr val="000000"/>
+                </a:solidFill>
+                <a:highlight>
+                  <a:srgbClr val="FFFF00"/>
+                </a:highlight>
+                <a:latin typeface="Calibri" panose="020F0502020204030204" pitchFamily="34" charset="0"/>
+                <a:ea typeface="Times New Roman" panose="02020603050405020304" pitchFamily="18" charset="0"/>
+                <a:cs typeface="Symbol" panose="05050102010706020507" pitchFamily="18" charset="2"/>
+              </a:rPr>
+              <a:t> = </a:t>
+            </a:r>
+            <a:r>
+              <a:rPr lang="nl-BE" dirty="0">
+                <a:solidFill>
+                  <a:srgbClr val="000000"/>
+                </a:solidFill>
+                <a:latin typeface="Calibri" panose="020F0502020204030204" pitchFamily="34" charset="0"/>
+                <a:ea typeface="Times New Roman" panose="02020603050405020304" pitchFamily="18" charset="0"/>
+                <a:cs typeface="Symbol" panose="05050102010706020507" pitchFamily="18" charset="2"/>
+              </a:rPr>
+              <a:t>or</a:t>
+            </a:r>
+          </a:p>
+          <a:p>
+            <a:pPr marL="1714413" lvl="3" indent="-342900">
+              <a:buFont typeface="Symbol" panose="05050102010706020507" pitchFamily="18" charset="2"/>
+              <a:buChar char=""/>
+            </a:pPr>
+            <a:r>
+              <a:rPr lang="nl-BE" dirty="0" err="1">
+                <a:solidFill>
+                  <a:srgbClr val="000000"/>
+                </a:solidFill>
+                <a:highlight>
+                  <a:srgbClr val="00FF00"/>
+                </a:highlight>
+                <a:latin typeface="Calibri" panose="020F0502020204030204" pitchFamily="34" charset="0"/>
+                <a:ea typeface="Times New Roman" panose="02020603050405020304" pitchFamily="18" charset="0"/>
+                <a:cs typeface="Symbol" panose="05050102010706020507" pitchFamily="18" charset="2"/>
+              </a:rPr>
+              <a:t>Improving</a:t>
+            </a:r>
+            <a:r>
+              <a:rPr lang="nl-BE" dirty="0">
+                <a:solidFill>
+                  <a:srgbClr val="000000"/>
+                </a:solidFill>
+                <a:highlight>
+                  <a:srgbClr val="00FF00"/>
+                </a:highlight>
+                <a:latin typeface="Calibri" panose="020F0502020204030204" pitchFamily="34" charset="0"/>
+                <a:ea typeface="Times New Roman" panose="02020603050405020304" pitchFamily="18" charset="0"/>
+                <a:cs typeface="Symbol" panose="05050102010706020507" pitchFamily="18" charset="2"/>
+              </a:rPr>
+              <a:t>/</a:t>
+            </a:r>
+            <a:r>
+              <a:rPr lang="nl-BE" dirty="0" err="1">
+                <a:solidFill>
+                  <a:srgbClr val="000000"/>
+                </a:solidFill>
+                <a:highlight>
+                  <a:srgbClr val="00FF00"/>
+                </a:highlight>
+                <a:latin typeface="Calibri" panose="020F0502020204030204" pitchFamily="34" charset="0"/>
+                <a:ea typeface="Times New Roman" panose="02020603050405020304" pitchFamily="18" charset="0"/>
+                <a:cs typeface="Symbol" panose="05050102010706020507" pitchFamily="18" charset="2"/>
+              </a:rPr>
+              <a:t>increasing</a:t>
+            </a:r>
+            <a:r>
+              <a:rPr lang="nl-BE" dirty="0">
+                <a:solidFill>
+                  <a:srgbClr val="000000"/>
+                </a:solidFill>
+                <a:highlight>
+                  <a:srgbClr val="00FF00"/>
+                </a:highlight>
+                <a:latin typeface="Calibri" panose="020F0502020204030204" pitchFamily="34" charset="0"/>
+                <a:ea typeface="Times New Roman" panose="02020603050405020304" pitchFamily="18" charset="0"/>
+                <a:cs typeface="Symbol" panose="05050102010706020507" pitchFamily="18" charset="2"/>
+              </a:rPr>
+              <a:t> +</a:t>
+            </a:r>
+          </a:p>
+          <a:p>
             <a:pPr marL="800100" lvl="1" indent="-342900">
               <a:buFont typeface="Symbol" panose="05050102010706020507" pitchFamily="18" charset="2"/>
               <a:buChar char=""/>
             </a:pPr>
             <a:r>
-              <a:rPr lang="nl-BE" sz="2400" dirty="0" err="1">
-                <a:solidFill>
-                  <a:srgbClr val="000000"/>
-                </a:solidFill>
-                <a:highlight>
-                  <a:srgbClr val="00FFFF"/>
-                </a:highlight>
-                <a:latin typeface="Calibri" panose="020F0502020204030204" pitchFamily="34" charset="0"/>
-                <a:ea typeface="Times New Roman" panose="02020603050405020304" pitchFamily="18" charset="0"/>
-                <a:cs typeface="Symbol" panose="05050102010706020507" pitchFamily="18" charset="2"/>
-              </a:rPr>
-              <a:t>Customers</a:t>
-            </a:r>
-            <a:endParaRPr lang="nl-BE" sz="2400" dirty="0">
-              <a:solidFill>
-                <a:srgbClr val="000000"/>
-              </a:solidFill>
-              <a:highlight>
-                <a:srgbClr val="00FFFF"/>
-              </a:highlight>
-              <a:latin typeface="Calibri" panose="020F0502020204030204" pitchFamily="34" charset="0"/>
-              <a:ea typeface="Times New Roman" panose="02020603050405020304" pitchFamily="18" charset="0"/>
-              <a:cs typeface="Symbol" panose="05050102010706020507" pitchFamily="18" charset="2"/>
-            </a:endParaRPr>
-          </a:p>
-          <a:p>
-            <a:pPr marL="800100" lvl="1" indent="-342900">
+              <a:rPr lang="nl-BE" dirty="0" err="1">
+                <a:solidFill>
+                  <a:srgbClr val="000000"/>
+                </a:solidFill>
+                <a:latin typeface="Calibri" panose="020F0502020204030204" pitchFamily="34" charset="0"/>
+                <a:ea typeface="Times New Roman" panose="02020603050405020304" pitchFamily="18" charset="0"/>
+                <a:cs typeface="Symbol" panose="05050102010706020507" pitchFamily="18" charset="2"/>
+              </a:rPr>
+              <a:t>Objective</a:t>
+            </a:r>
+            <a:r>
+              <a:rPr lang="nl-BE" dirty="0">
+                <a:solidFill>
+                  <a:srgbClr val="000000"/>
+                </a:solidFill>
+                <a:latin typeface="Calibri" panose="020F0502020204030204" pitchFamily="34" charset="0"/>
+                <a:ea typeface="Times New Roman" panose="02020603050405020304" pitchFamily="18" charset="0"/>
+                <a:cs typeface="Symbol" panose="05050102010706020507" pitchFamily="18" charset="2"/>
+              </a:rPr>
+              <a:t> 2</a:t>
+            </a:r>
+          </a:p>
+          <a:p>
+            <a:pPr marL="1257300" lvl="2" indent="-342900">
               <a:buFont typeface="Symbol" panose="05050102010706020507" pitchFamily="18" charset="2"/>
               <a:buChar char=""/>
             </a:pPr>
@@ -8926,182 +10485,6 @@
                 <a:solidFill>
                   <a:srgbClr val="000000"/>
                 </a:solidFill>
-                <a:highlight>
-                  <a:srgbClr val="00FFFF"/>
-                </a:highlight>
-                <a:latin typeface="Calibri" panose="020F0502020204030204" pitchFamily="34" charset="0"/>
-                <a:ea typeface="Times New Roman" panose="02020603050405020304" pitchFamily="18" charset="0"/>
-                <a:cs typeface="Symbol" panose="05050102010706020507" pitchFamily="18" charset="2"/>
-              </a:rPr>
-              <a:t>Partners</a:t>
-            </a:r>
-          </a:p>
-          <a:p>
-            <a:pPr marL="800100" lvl="1" indent="-342900">
-              <a:buFont typeface="Symbol" panose="05050102010706020507" pitchFamily="18" charset="2"/>
-              <a:buChar char=""/>
-            </a:pPr>
-            <a:r>
-              <a:rPr lang="nl-BE" dirty="0" err="1">
-                <a:solidFill>
-                  <a:srgbClr val="000000"/>
-                </a:solidFill>
-                <a:highlight>
-                  <a:srgbClr val="00FFFF"/>
-                </a:highlight>
-                <a:latin typeface="Calibri" panose="020F0502020204030204" pitchFamily="34" charset="0"/>
-                <a:ea typeface="Times New Roman" panose="02020603050405020304" pitchFamily="18" charset="0"/>
-                <a:cs typeface="Symbol" panose="05050102010706020507" pitchFamily="18" charset="2"/>
-              </a:rPr>
-              <a:t>Visitors</a:t>
-            </a:r>
-            <a:endParaRPr lang="nl-BE" dirty="0">
-              <a:solidFill>
-                <a:srgbClr val="000000"/>
-              </a:solidFill>
-              <a:highlight>
-                <a:srgbClr val="00FFFF"/>
-              </a:highlight>
-              <a:latin typeface="Calibri" panose="020F0502020204030204" pitchFamily="34" charset="0"/>
-              <a:ea typeface="Times New Roman" panose="02020603050405020304" pitchFamily="18" charset="0"/>
-              <a:cs typeface="Symbol" panose="05050102010706020507" pitchFamily="18" charset="2"/>
-            </a:endParaRPr>
-          </a:p>
-          <a:p>
-            <a:pPr marL="800100" lvl="1" indent="-342900">
-              <a:buFont typeface="Symbol" panose="05050102010706020507" pitchFamily="18" charset="2"/>
-              <a:buChar char=""/>
-            </a:pPr>
-            <a:r>
-              <a:rPr lang="nl-BE" dirty="0">
-                <a:solidFill>
-                  <a:srgbClr val="000000"/>
-                </a:solidFill>
-                <a:highlight>
-                  <a:srgbClr val="00FFFF"/>
-                </a:highlight>
-                <a:latin typeface="Calibri" panose="020F0502020204030204" pitchFamily="34" charset="0"/>
-                <a:ea typeface="Times New Roman" panose="02020603050405020304" pitchFamily="18" charset="0"/>
-                <a:cs typeface="Symbol" panose="05050102010706020507" pitchFamily="18" charset="2"/>
-              </a:rPr>
-              <a:t>Management</a:t>
-            </a:r>
-          </a:p>
-          <a:p>
-            <a:pPr marL="800100" lvl="1" indent="-342900">
-              <a:buFont typeface="Symbol" panose="05050102010706020507" pitchFamily="18" charset="2"/>
-              <a:buChar char=""/>
-            </a:pPr>
-            <a:r>
-              <a:rPr lang="nl-BE" dirty="0">
-                <a:solidFill>
-                  <a:srgbClr val="000000"/>
-                </a:solidFill>
-                <a:highlight>
-                  <a:srgbClr val="00FFFF"/>
-                </a:highlight>
-                <a:latin typeface="Calibri" panose="020F0502020204030204" pitchFamily="34" charset="0"/>
-                <a:ea typeface="Times New Roman" panose="02020603050405020304" pitchFamily="18" charset="0"/>
-                <a:cs typeface="Symbol" panose="05050102010706020507" pitchFamily="18" charset="2"/>
-              </a:rPr>
-              <a:t>Employees</a:t>
-            </a:r>
-          </a:p>
-          <a:p>
-            <a:pPr marL="800100" lvl="1" indent="-342900">
-              <a:buFont typeface="Symbol" panose="05050102010706020507" pitchFamily="18" charset="2"/>
-              <a:buChar char=""/>
-            </a:pPr>
-            <a:r>
-              <a:rPr lang="nl-BE" dirty="0" err="1">
-                <a:solidFill>
-                  <a:srgbClr val="000000"/>
-                </a:solidFill>
-                <a:highlight>
-                  <a:srgbClr val="00FFFF"/>
-                </a:highlight>
-                <a:latin typeface="Calibri" panose="020F0502020204030204" pitchFamily="34" charset="0"/>
-                <a:ea typeface="Times New Roman" panose="02020603050405020304" pitchFamily="18" charset="0"/>
-                <a:cs typeface="Symbol" panose="05050102010706020507" pitchFamily="18" charset="2"/>
-              </a:rPr>
-              <a:t>Staff</a:t>
-            </a:r>
-            <a:endParaRPr lang="nl-BE" dirty="0">
-              <a:solidFill>
-                <a:srgbClr val="000000"/>
-              </a:solidFill>
-              <a:highlight>
-                <a:srgbClr val="00FFFF"/>
-              </a:highlight>
-              <a:latin typeface="Calibri" panose="020F0502020204030204" pitchFamily="34" charset="0"/>
-              <a:ea typeface="Times New Roman" panose="02020603050405020304" pitchFamily="18" charset="0"/>
-              <a:cs typeface="Symbol" panose="05050102010706020507" pitchFamily="18" charset="2"/>
-            </a:endParaRPr>
-          </a:p>
-          <a:p>
-            <a:pPr marL="800100" lvl="1" indent="-342900">
-              <a:buFont typeface="Symbol" panose="05050102010706020507" pitchFamily="18" charset="2"/>
-              <a:buChar char=""/>
-            </a:pPr>
-            <a:r>
-              <a:rPr lang="nl-BE" dirty="0" err="1">
-                <a:solidFill>
-                  <a:srgbClr val="000000"/>
-                </a:solidFill>
-                <a:highlight>
-                  <a:srgbClr val="00FFFF"/>
-                </a:highlight>
-                <a:latin typeface="Calibri" panose="020F0502020204030204" pitchFamily="34" charset="0"/>
-                <a:ea typeface="Times New Roman" panose="02020603050405020304" pitchFamily="18" charset="0"/>
-                <a:cs typeface="Symbol" panose="05050102010706020507" pitchFamily="18" charset="2"/>
-              </a:rPr>
-              <a:t>Contractors</a:t>
-            </a:r>
-            <a:endParaRPr lang="nl-BE" dirty="0">
-              <a:solidFill>
-                <a:srgbClr val="000000"/>
-              </a:solidFill>
-              <a:highlight>
-                <a:srgbClr val="00FFFF"/>
-              </a:highlight>
-              <a:latin typeface="Calibri" panose="020F0502020204030204" pitchFamily="34" charset="0"/>
-              <a:ea typeface="Times New Roman" panose="02020603050405020304" pitchFamily="18" charset="0"/>
-              <a:cs typeface="Symbol" panose="05050102010706020507" pitchFamily="18" charset="2"/>
-            </a:endParaRPr>
-          </a:p>
-          <a:p>
-            <a:pPr marL="800100" lvl="1" indent="-342900">
-              <a:buFont typeface="Symbol" panose="05050102010706020507" pitchFamily="18" charset="2"/>
-              <a:buChar char=""/>
-            </a:pPr>
-            <a:r>
-              <a:rPr lang="nl-BE" dirty="0">
-                <a:solidFill>
-                  <a:srgbClr val="000000"/>
-                </a:solidFill>
-                <a:highlight>
-                  <a:srgbClr val="00FFFF"/>
-                </a:highlight>
-                <a:latin typeface="Calibri" panose="020F0502020204030204" pitchFamily="34" charset="0"/>
-                <a:ea typeface="Times New Roman" panose="02020603050405020304" pitchFamily="18" charset="0"/>
-                <a:cs typeface="Symbol" panose="05050102010706020507" pitchFamily="18" charset="2"/>
-              </a:rPr>
-              <a:t>Suppliers</a:t>
-            </a:r>
-          </a:p>
-          <a:p>
-            <a:pPr marL="800100" lvl="1" indent="-342900">
-              <a:buFont typeface="Symbol" panose="05050102010706020507" pitchFamily="18" charset="2"/>
-              <a:buChar char=""/>
-            </a:pPr>
-            <a:r>
-              <a:rPr lang="nl-BE" dirty="0">
-                <a:solidFill>
-                  <a:srgbClr val="000000"/>
-                </a:solidFill>
-                <a:highlight>
-                  <a:srgbClr val="00FFFF"/>
-                </a:highlight>
                 <a:latin typeface="Calibri" panose="020F0502020204030204" pitchFamily="34" charset="0"/>
                 <a:ea typeface="Times New Roman" panose="02020603050405020304" pitchFamily="18" charset="0"/>
                 <a:cs typeface="Symbol" panose="05050102010706020507" pitchFamily="18" charset="2"/>
@@ -9135,51 +10518,66 @@
           <a:lstStyle/>
           <a:p>
             <a:r>
+              <a:rPr lang="nl-BE" sz="3200" b="1" dirty="0">
+                <a:solidFill>
+                  <a:srgbClr val="000000"/>
+                </a:solidFill>
+                <a:latin typeface="Calibri Light" panose="020F0302020204030204" pitchFamily="34" charset="0"/>
+                <a:ea typeface="Calibri Light" panose="020F0302020204030204" pitchFamily="34" charset="0"/>
+                <a:cs typeface="Calibri Light" panose="020F0302020204030204" pitchFamily="34" charset="0"/>
+              </a:rPr>
+              <a:t>Feedback on security performance</a:t>
+            </a:r>
+            <a:br>
               <a:rPr lang="nl-BE" sz="3200" dirty="0">
                 <a:solidFill>
                   <a:srgbClr val="000000"/>
                 </a:solidFill>
-                <a:ea typeface="Times New Roman" panose="02020603050405020304" pitchFamily="18" charset="0"/>
-                <a:cs typeface="Symbol" panose="05050102010706020507" pitchFamily="18" charset="2"/>
-              </a:rPr>
-              <a:t>Feedback from </a:t>
-            </a:r>
+                <a:latin typeface="Calibri Light" panose="020F0302020204030204" pitchFamily="34" charset="0"/>
+                <a:ea typeface="Calibri Light" panose="020F0302020204030204" pitchFamily="34" charset="0"/>
+                <a:cs typeface="Calibri Light" panose="020F0302020204030204" pitchFamily="34" charset="0"/>
+              </a:rPr>
+            </a:br>
             <a:r>
               <a:rPr lang="nl-BE" sz="3200" dirty="0" err="1">
                 <a:solidFill>
                   <a:srgbClr val="000000"/>
                 </a:solidFill>
-                <a:ea typeface="Times New Roman" panose="02020603050405020304" pitchFamily="18" charset="0"/>
-                <a:cs typeface="Symbol" panose="05050102010706020507" pitchFamily="18" charset="2"/>
-              </a:rPr>
-              <a:t>interested</a:t>
+                <a:latin typeface="Calibri Light" panose="020F0302020204030204" pitchFamily="34" charset="0"/>
+                <a:ea typeface="Calibri Light" panose="020F0302020204030204" pitchFamily="34" charset="0"/>
+                <a:cs typeface="Calibri Light" panose="020F0302020204030204" pitchFamily="34" charset="0"/>
+              </a:rPr>
+              <a:t>Fullfilment</a:t>
             </a:r>
             <a:r>
               <a:rPr lang="nl-BE" sz="3200" dirty="0">
                 <a:solidFill>
                   <a:srgbClr val="000000"/>
                 </a:solidFill>
-                <a:ea typeface="Times New Roman" panose="02020603050405020304" pitchFamily="18" charset="0"/>
-                <a:cs typeface="Symbol" panose="05050102010706020507" pitchFamily="18" charset="2"/>
-              </a:rPr>
-              <a:t> </a:t>
+                <a:latin typeface="Calibri Light" panose="020F0302020204030204" pitchFamily="34" charset="0"/>
+                <a:ea typeface="Calibri Light" panose="020F0302020204030204" pitchFamily="34" charset="0"/>
+                <a:cs typeface="Calibri Light" panose="020F0302020204030204" pitchFamily="34" charset="0"/>
+              </a:rPr>
+              <a:t> of ISMS </a:t>
             </a:r>
             <a:r>
               <a:rPr lang="nl-BE" sz="3200" dirty="0" err="1">
                 <a:solidFill>
                   <a:srgbClr val="000000"/>
                 </a:solidFill>
-                <a:ea typeface="Times New Roman" panose="02020603050405020304" pitchFamily="18" charset="0"/>
-                <a:cs typeface="Symbol" panose="05050102010706020507" pitchFamily="18" charset="2"/>
-              </a:rPr>
-              <a:t>parties</a:t>
+                <a:latin typeface="Calibri Light" panose="020F0302020204030204" pitchFamily="34" charset="0"/>
+                <a:ea typeface="Calibri Light" panose="020F0302020204030204" pitchFamily="34" charset="0"/>
+                <a:cs typeface="Calibri Light" panose="020F0302020204030204" pitchFamily="34" charset="0"/>
+              </a:rPr>
+              <a:t>objectives</a:t>
             </a:r>
             <a:endParaRPr lang="nl-BE" sz="3200" dirty="0">
               <a:solidFill>
                 <a:srgbClr val="000000"/>
               </a:solidFill>
-              <a:ea typeface="Times New Roman" panose="02020603050405020304" pitchFamily="18" charset="0"/>
-              <a:cs typeface="Symbol" panose="05050102010706020507" pitchFamily="18" charset="2"/>
+              <a:latin typeface="Calibri Light" panose="020F0302020204030204" pitchFamily="34" charset="0"/>
+              <a:ea typeface="Calibri Light" panose="020F0302020204030204" pitchFamily="34" charset="0"/>
+              <a:cs typeface="Calibri Light" panose="020F0302020204030204" pitchFamily="34" charset="0"/>
             </a:endParaRPr>
           </a:p>
         </p:txBody>
@@ -9187,7 +10585,7 @@
     </p:spTree>
     <p:extLst>
       <p:ext uri="{BB962C8B-B14F-4D97-AF65-F5344CB8AC3E}">
-        <p14:creationId xmlns:p14="http://schemas.microsoft.com/office/powerpoint/2010/main" val="2630103240"/>
+        <p14:creationId xmlns:p14="http://schemas.microsoft.com/office/powerpoint/2010/main" val="3591148897"/>
       </p:ext>
     </p:extLst>
   </p:cSld>
@@ -9247,8 +10645,93 @@
                 <a:ea typeface="Times New Roman" panose="02020603050405020304" pitchFamily="18" charset="0"/>
                 <a:cs typeface="Symbol" panose="05050102010706020507" pitchFamily="18" charset="2"/>
               </a:rPr>
-              <a:t>Feedback</a:t>
-            </a:r>
+              <a:t>Feedback from </a:t>
+            </a:r>
+            <a:r>
+              <a:rPr lang="nl-BE" sz="2400" dirty="0" err="1">
+                <a:solidFill>
+                  <a:srgbClr val="000000"/>
+                </a:solidFill>
+                <a:latin typeface="Calibri" panose="020F0502020204030204" pitchFamily="34" charset="0"/>
+                <a:ea typeface="Times New Roman" panose="02020603050405020304" pitchFamily="18" charset="0"/>
+                <a:cs typeface="Symbol" panose="05050102010706020507" pitchFamily="18" charset="2"/>
+              </a:rPr>
+              <a:t>internal</a:t>
+            </a:r>
+            <a:r>
+              <a:rPr lang="nl-BE" sz="2400" dirty="0">
+                <a:solidFill>
+                  <a:srgbClr val="000000"/>
+                </a:solidFill>
+                <a:latin typeface="Calibri" panose="020F0502020204030204" pitchFamily="34" charset="0"/>
+                <a:ea typeface="Times New Roman" panose="02020603050405020304" pitchFamily="18" charset="0"/>
+                <a:cs typeface="Symbol" panose="05050102010706020507" pitchFamily="18" charset="2"/>
+              </a:rPr>
+              <a:t> &amp; </a:t>
+            </a:r>
+            <a:r>
+              <a:rPr lang="nl-BE" sz="2400" dirty="0" err="1">
+                <a:solidFill>
+                  <a:srgbClr val="000000"/>
+                </a:solidFill>
+                <a:latin typeface="Calibri" panose="020F0502020204030204" pitchFamily="34" charset="0"/>
+                <a:ea typeface="Times New Roman" panose="02020603050405020304" pitchFamily="18" charset="0"/>
+                <a:cs typeface="Symbol" panose="05050102010706020507" pitchFamily="18" charset="2"/>
+              </a:rPr>
+              <a:t>external</a:t>
+            </a:r>
+            <a:r>
+              <a:rPr lang="nl-BE" sz="2400" dirty="0">
+                <a:solidFill>
+                  <a:srgbClr val="000000"/>
+                </a:solidFill>
+                <a:latin typeface="Calibri" panose="020F0502020204030204" pitchFamily="34" charset="0"/>
+                <a:ea typeface="Times New Roman" panose="02020603050405020304" pitchFamily="18" charset="0"/>
+                <a:cs typeface="Symbol" panose="05050102010706020507" pitchFamily="18" charset="2"/>
+              </a:rPr>
+              <a:t> </a:t>
+            </a:r>
+            <a:r>
+              <a:rPr lang="nl-BE" sz="2400" dirty="0" err="1">
+                <a:solidFill>
+                  <a:srgbClr val="000000"/>
+                </a:solidFill>
+                <a:latin typeface="Calibri" panose="020F0502020204030204" pitchFamily="34" charset="0"/>
+                <a:ea typeface="Times New Roman" panose="02020603050405020304" pitchFamily="18" charset="0"/>
+                <a:cs typeface="Symbol" panose="05050102010706020507" pitchFamily="18" charset="2"/>
+              </a:rPr>
+              <a:t>interested</a:t>
+            </a:r>
+            <a:r>
+              <a:rPr lang="nl-BE" sz="2400" dirty="0">
+                <a:solidFill>
+                  <a:srgbClr val="000000"/>
+                </a:solidFill>
+                <a:latin typeface="Calibri" panose="020F0502020204030204" pitchFamily="34" charset="0"/>
+                <a:ea typeface="Times New Roman" panose="02020603050405020304" pitchFamily="18" charset="0"/>
+                <a:cs typeface="Symbol" panose="05050102010706020507" pitchFamily="18" charset="2"/>
+              </a:rPr>
+              <a:t> </a:t>
+            </a:r>
+            <a:r>
+              <a:rPr lang="nl-BE" sz="2400" dirty="0" err="1">
+                <a:solidFill>
+                  <a:srgbClr val="000000"/>
+                </a:solidFill>
+                <a:latin typeface="Calibri" panose="020F0502020204030204" pitchFamily="34" charset="0"/>
+                <a:ea typeface="Times New Roman" panose="02020603050405020304" pitchFamily="18" charset="0"/>
+                <a:cs typeface="Symbol" panose="05050102010706020507" pitchFamily="18" charset="2"/>
+              </a:rPr>
+              <a:t>parties</a:t>
+            </a:r>
+            <a:endParaRPr lang="nl-BE" sz="2400" dirty="0">
+              <a:solidFill>
+                <a:srgbClr val="000000"/>
+              </a:solidFill>
+              <a:latin typeface="Calibri" panose="020F0502020204030204" pitchFamily="34" charset="0"/>
+              <a:ea typeface="Times New Roman" panose="02020603050405020304" pitchFamily="18" charset="0"/>
+              <a:cs typeface="Symbol" panose="05050102010706020507" pitchFamily="18" charset="2"/>
+            </a:endParaRPr>
           </a:p>
           <a:p>
             <a:pPr marL="800100" lvl="1" indent="-342900">
@@ -9256,7 +10739,7 @@
               <a:buChar char=""/>
             </a:pPr>
             <a:r>
-              <a:rPr lang="nl-BE" sz="2400" dirty="0">
+              <a:rPr lang="nl-BE" sz="2400" dirty="0" err="1">
                 <a:solidFill>
                   <a:srgbClr val="000000"/>
                 </a:solidFill>
@@ -9267,27 +10750,7 @@
                 <a:ea typeface="Times New Roman" panose="02020603050405020304" pitchFamily="18" charset="0"/>
                 <a:cs typeface="Symbol" panose="05050102010706020507" pitchFamily="18" charset="2"/>
               </a:rPr>
-              <a:t>…</a:t>
-            </a:r>
-          </a:p>
-          <a:p>
-            <a:pPr marL="800100" lvl="1" indent="-342900">
-              <a:buFont typeface="Symbol" panose="05050102010706020507" pitchFamily="18" charset="2"/>
-              <a:buChar char=""/>
-            </a:pPr>
-            <a:r>
-              <a:rPr lang="nl-BE" dirty="0">
-                <a:solidFill>
-                  <a:srgbClr val="000000"/>
-                </a:solidFill>
-                <a:highlight>
-                  <a:srgbClr val="00FFFF"/>
-                </a:highlight>
-                <a:latin typeface="Calibri" panose="020F0502020204030204" pitchFamily="34" charset="0"/>
-                <a:ea typeface="Times New Roman" panose="02020603050405020304" pitchFamily="18" charset="0"/>
-                <a:cs typeface="Symbol" panose="05050102010706020507" pitchFamily="18" charset="2"/>
-              </a:rPr>
-              <a:t>…</a:t>
+              <a:t>Customers</a:t>
             </a:r>
             <a:endParaRPr lang="nl-BE" sz="2400" dirty="0">
               <a:solidFill>
@@ -9302,21 +10765,198 @@
             </a:endParaRPr>
           </a:p>
           <a:p>
-            <a:pPr marL="457200" lvl="1" indent="0">
-              <a:buNone/>
+            <a:pPr marL="800100" lvl="1" indent="-342900">
+              <a:buFont typeface="Symbol" panose="05050102010706020507" pitchFamily="18" charset="2"/>
+              <a:buChar char=""/>
             </a:pPr>
-            <a:endParaRPr lang="nl-BE" sz="2400" dirty="0">
+            <a:r>
+              <a:rPr lang="nl-BE" dirty="0">
+                <a:solidFill>
+                  <a:srgbClr val="000000"/>
+                </a:solidFill>
+                <a:highlight>
+                  <a:srgbClr val="00FFFF"/>
+                </a:highlight>
+                <a:latin typeface="Calibri" panose="020F0502020204030204" pitchFamily="34" charset="0"/>
+                <a:ea typeface="Times New Roman" panose="02020603050405020304" pitchFamily="18" charset="0"/>
+                <a:cs typeface="Symbol" panose="05050102010706020507" pitchFamily="18" charset="2"/>
+              </a:rPr>
+              <a:t>Partners</a:t>
+            </a:r>
+          </a:p>
+          <a:p>
+            <a:pPr marL="800100" lvl="1" indent="-342900">
+              <a:buFont typeface="Symbol" panose="05050102010706020507" pitchFamily="18" charset="2"/>
+              <a:buChar char=""/>
+            </a:pPr>
+            <a:r>
+              <a:rPr lang="nl-BE" dirty="0" err="1">
+                <a:solidFill>
+                  <a:srgbClr val="000000"/>
+                </a:solidFill>
+                <a:highlight>
+                  <a:srgbClr val="00FFFF"/>
+                </a:highlight>
+                <a:latin typeface="Calibri" panose="020F0502020204030204" pitchFamily="34" charset="0"/>
+                <a:ea typeface="Times New Roman" panose="02020603050405020304" pitchFamily="18" charset="0"/>
+                <a:cs typeface="Symbol" panose="05050102010706020507" pitchFamily="18" charset="2"/>
+              </a:rPr>
+              <a:t>Visitors</a:t>
+            </a:r>
+            <a:endParaRPr lang="nl-BE" dirty="0">
               <a:solidFill>
                 <a:srgbClr val="000000"/>
               </a:solidFill>
               <a:highlight>
-                <a:srgbClr val="FFFF00"/>
+                <a:srgbClr val="00FFFF"/>
               </a:highlight>
               <a:latin typeface="Calibri" panose="020F0502020204030204" pitchFamily="34" charset="0"/>
               <a:ea typeface="Times New Roman" panose="02020603050405020304" pitchFamily="18" charset="0"/>
               <a:cs typeface="Symbol" panose="05050102010706020507" pitchFamily="18" charset="2"/>
             </a:endParaRPr>
           </a:p>
+          <a:p>
+            <a:pPr marL="800100" lvl="1" indent="-342900">
+              <a:buFont typeface="Symbol" panose="05050102010706020507" pitchFamily="18" charset="2"/>
+              <a:buChar char=""/>
+            </a:pPr>
+            <a:r>
+              <a:rPr lang="nl-BE" dirty="0">
+                <a:solidFill>
+                  <a:srgbClr val="000000"/>
+                </a:solidFill>
+                <a:highlight>
+                  <a:srgbClr val="00FFFF"/>
+                </a:highlight>
+                <a:latin typeface="Calibri" panose="020F0502020204030204" pitchFamily="34" charset="0"/>
+                <a:ea typeface="Times New Roman" panose="02020603050405020304" pitchFamily="18" charset="0"/>
+                <a:cs typeface="Symbol" panose="05050102010706020507" pitchFamily="18" charset="2"/>
+              </a:rPr>
+              <a:t>Management</a:t>
+            </a:r>
+          </a:p>
+          <a:p>
+            <a:pPr marL="800100" lvl="1" indent="-342900">
+              <a:buFont typeface="Symbol" panose="05050102010706020507" pitchFamily="18" charset="2"/>
+              <a:buChar char=""/>
+            </a:pPr>
+            <a:r>
+              <a:rPr lang="nl-BE" dirty="0">
+                <a:solidFill>
+                  <a:srgbClr val="000000"/>
+                </a:solidFill>
+                <a:highlight>
+                  <a:srgbClr val="00FFFF"/>
+                </a:highlight>
+                <a:latin typeface="Calibri" panose="020F0502020204030204" pitchFamily="34" charset="0"/>
+                <a:ea typeface="Times New Roman" panose="02020603050405020304" pitchFamily="18" charset="0"/>
+                <a:cs typeface="Symbol" panose="05050102010706020507" pitchFamily="18" charset="2"/>
+              </a:rPr>
+              <a:t>Employees</a:t>
+            </a:r>
+          </a:p>
+          <a:p>
+            <a:pPr marL="800100" lvl="1" indent="-342900">
+              <a:buFont typeface="Symbol" panose="05050102010706020507" pitchFamily="18" charset="2"/>
+              <a:buChar char=""/>
+            </a:pPr>
+            <a:r>
+              <a:rPr lang="nl-BE" dirty="0" err="1">
+                <a:solidFill>
+                  <a:srgbClr val="000000"/>
+                </a:solidFill>
+                <a:highlight>
+                  <a:srgbClr val="00FFFF"/>
+                </a:highlight>
+                <a:latin typeface="Calibri" panose="020F0502020204030204" pitchFamily="34" charset="0"/>
+                <a:ea typeface="Times New Roman" panose="02020603050405020304" pitchFamily="18" charset="0"/>
+                <a:cs typeface="Symbol" panose="05050102010706020507" pitchFamily="18" charset="2"/>
+              </a:rPr>
+              <a:t>Staff</a:t>
+            </a:r>
+            <a:endParaRPr lang="nl-BE" dirty="0">
+              <a:solidFill>
+                <a:srgbClr val="000000"/>
+              </a:solidFill>
+              <a:highlight>
+                <a:srgbClr val="00FFFF"/>
+              </a:highlight>
+              <a:latin typeface="Calibri" panose="020F0502020204030204" pitchFamily="34" charset="0"/>
+              <a:ea typeface="Times New Roman" panose="02020603050405020304" pitchFamily="18" charset="0"/>
+              <a:cs typeface="Symbol" panose="05050102010706020507" pitchFamily="18" charset="2"/>
+            </a:endParaRPr>
+          </a:p>
+          <a:p>
+            <a:pPr marL="800100" lvl="1" indent="-342900">
+              <a:buFont typeface="Symbol" panose="05050102010706020507" pitchFamily="18" charset="2"/>
+              <a:buChar char=""/>
+            </a:pPr>
+            <a:r>
+              <a:rPr lang="nl-BE" dirty="0" err="1">
+                <a:solidFill>
+                  <a:srgbClr val="000000"/>
+                </a:solidFill>
+                <a:highlight>
+                  <a:srgbClr val="00FFFF"/>
+                </a:highlight>
+                <a:latin typeface="Calibri" panose="020F0502020204030204" pitchFamily="34" charset="0"/>
+                <a:ea typeface="Times New Roman" panose="02020603050405020304" pitchFamily="18" charset="0"/>
+                <a:cs typeface="Symbol" panose="05050102010706020507" pitchFamily="18" charset="2"/>
+              </a:rPr>
+              <a:t>Contractors</a:t>
+            </a:r>
+            <a:endParaRPr lang="nl-BE" dirty="0">
+              <a:solidFill>
+                <a:srgbClr val="000000"/>
+              </a:solidFill>
+              <a:highlight>
+                <a:srgbClr val="00FFFF"/>
+              </a:highlight>
+              <a:latin typeface="Calibri" panose="020F0502020204030204" pitchFamily="34" charset="0"/>
+              <a:ea typeface="Times New Roman" panose="02020603050405020304" pitchFamily="18" charset="0"/>
+              <a:cs typeface="Symbol" panose="05050102010706020507" pitchFamily="18" charset="2"/>
+            </a:endParaRPr>
+          </a:p>
+          <a:p>
+            <a:pPr marL="800100" lvl="1" indent="-342900">
+              <a:buFont typeface="Symbol" panose="05050102010706020507" pitchFamily="18" charset="2"/>
+              <a:buChar char=""/>
+            </a:pPr>
+            <a:r>
+              <a:rPr lang="nl-BE" dirty="0">
+                <a:solidFill>
+                  <a:srgbClr val="000000"/>
+                </a:solidFill>
+                <a:highlight>
+                  <a:srgbClr val="00FFFF"/>
+                </a:highlight>
+                <a:latin typeface="Calibri" panose="020F0502020204030204" pitchFamily="34" charset="0"/>
+                <a:ea typeface="Times New Roman" panose="02020603050405020304" pitchFamily="18" charset="0"/>
+                <a:cs typeface="Symbol" panose="05050102010706020507" pitchFamily="18" charset="2"/>
+              </a:rPr>
+              <a:t>Suppliers</a:t>
+            </a:r>
+          </a:p>
+          <a:p>
+            <a:pPr marL="800100" lvl="1" indent="-342900">
+              <a:buFont typeface="Symbol" panose="05050102010706020507" pitchFamily="18" charset="2"/>
+              <a:buChar char=""/>
+            </a:pPr>
+            <a:r>
+              <a:rPr lang="nl-BE" dirty="0">
+                <a:solidFill>
+                  <a:srgbClr val="000000"/>
+                </a:solidFill>
+                <a:highlight>
+                  <a:srgbClr val="00FFFF"/>
+                </a:highlight>
+                <a:latin typeface="Calibri" panose="020F0502020204030204" pitchFamily="34" charset="0"/>
+                <a:ea typeface="Times New Roman" panose="02020603050405020304" pitchFamily="18" charset="0"/>
+                <a:cs typeface="Symbol" panose="05050102010706020507" pitchFamily="18" charset="2"/>
+              </a:rPr>
+              <a:t>…</a:t>
+            </a:r>
+          </a:p>
         </p:txBody>
       </p:sp>
       <p:sp>
@@ -9347,7 +10987,6 @@
                 <a:solidFill>
                   <a:srgbClr val="000000"/>
                 </a:solidFill>
-                <a:latin typeface="Calibri" panose="020F0502020204030204" pitchFamily="34" charset="0"/>
                 <a:ea typeface="Times New Roman" panose="02020603050405020304" pitchFamily="18" charset="0"/>
                 <a:cs typeface="Symbol" panose="05050102010706020507" pitchFamily="18" charset="2"/>
               </a:rPr>
@@ -9358,7 +10997,6 @@
                 <a:solidFill>
                   <a:srgbClr val="000000"/>
                 </a:solidFill>
-                <a:latin typeface="Calibri" panose="020F0502020204030204" pitchFamily="34" charset="0"/>
                 <a:ea typeface="Times New Roman" panose="02020603050405020304" pitchFamily="18" charset="0"/>
                 <a:cs typeface="Symbol" panose="05050102010706020507" pitchFamily="18" charset="2"/>
               </a:rPr>
@@ -9369,7 +11007,6 @@
                 <a:solidFill>
                   <a:srgbClr val="000000"/>
                 </a:solidFill>
-                <a:latin typeface="Calibri" panose="020F0502020204030204" pitchFamily="34" charset="0"/>
                 <a:ea typeface="Times New Roman" panose="02020603050405020304" pitchFamily="18" charset="0"/>
                 <a:cs typeface="Symbol" panose="05050102010706020507" pitchFamily="18" charset="2"/>
               </a:rPr>
@@ -9380,44 +11017,25 @@
                 <a:solidFill>
                   <a:srgbClr val="000000"/>
                 </a:solidFill>
-                <a:latin typeface="Calibri" panose="020F0502020204030204" pitchFamily="34" charset="0"/>
                 <a:ea typeface="Times New Roman" panose="02020603050405020304" pitchFamily="18" charset="0"/>
                 <a:cs typeface="Symbol" panose="05050102010706020507" pitchFamily="18" charset="2"/>
               </a:rPr>
               <a:t>parties</a:t>
             </a:r>
-            <a:r>
-              <a:rPr lang="nl-BE" sz="3200" dirty="0">
-                <a:solidFill>
-                  <a:srgbClr val="000000"/>
-                </a:solidFill>
-                <a:latin typeface="Calibri" panose="020F0502020204030204" pitchFamily="34" charset="0"/>
-                <a:ea typeface="Times New Roman" panose="02020603050405020304" pitchFamily="18" charset="0"/>
-                <a:cs typeface="Symbol" panose="05050102010706020507" pitchFamily="18" charset="2"/>
-              </a:rPr>
-              <a:t> - </a:t>
-            </a:r>
-            <a:r>
-              <a:rPr lang="nl-BE" sz="3200" dirty="0">
-                <a:solidFill>
-                  <a:srgbClr val="000000"/>
-                </a:solidFill>
-                <a:highlight>
-                  <a:srgbClr val="00FFFF"/>
-                </a:highlight>
-                <a:latin typeface="Calibri" panose="020F0502020204030204" pitchFamily="34" charset="0"/>
-                <a:ea typeface="Times New Roman" panose="02020603050405020304" pitchFamily="18" charset="0"/>
-                <a:cs typeface="Symbol" panose="05050102010706020507" pitchFamily="18" charset="2"/>
-              </a:rPr>
-              <a:t>&lt;type of party&gt;</a:t>
-            </a:r>
+            <a:endParaRPr lang="nl-BE" sz="3200" dirty="0">
+              <a:solidFill>
+                <a:srgbClr val="000000"/>
+              </a:solidFill>
+              <a:ea typeface="Times New Roman" panose="02020603050405020304" pitchFamily="18" charset="0"/>
+              <a:cs typeface="Symbol" panose="05050102010706020507" pitchFamily="18" charset="2"/>
+            </a:endParaRPr>
           </a:p>
         </p:txBody>
       </p:sp>
     </p:spTree>
     <p:extLst>
       <p:ext uri="{BB962C8B-B14F-4D97-AF65-F5344CB8AC3E}">
-        <p14:creationId xmlns:p14="http://schemas.microsoft.com/office/powerpoint/2010/main" val="705169456"/>
+        <p14:creationId xmlns:p14="http://schemas.microsoft.com/office/powerpoint/2010/main" val="2630103240"/>
       </p:ext>
     </p:extLst>
   </p:cSld>
@@ -9462,17 +11080,31 @@
         </p:nvSpPr>
         <p:spPr/>
         <p:txBody>
-          <a:bodyPr>
-            <a:noAutofit/>
-          </a:bodyPr>
-          <a:lstStyle/>
+          <a:bodyPr/>
+          <a:lstStyle/>
+          <a:p>
+            <a:pPr marL="0" indent="0">
+              <a:buNone/>
+            </a:pPr>
+            <a:r>
+              <a:rPr lang="nl-BE" sz="2400" dirty="0">
+                <a:solidFill>
+                  <a:srgbClr val="000000"/>
+                </a:solidFill>
+                <a:latin typeface="Calibri" panose="020F0502020204030204" pitchFamily="34" charset="0"/>
+                <a:ea typeface="Times New Roman" panose="02020603050405020304" pitchFamily="18" charset="0"/>
+                <a:cs typeface="Symbol" panose="05050102010706020507" pitchFamily="18" charset="2"/>
+              </a:rPr>
+              <a:t>Feedback</a:t>
+            </a:r>
+          </a:p>
           <a:p>
             <a:pPr marL="800100" lvl="1" indent="-342900">
               <a:buFont typeface="Symbol" panose="05050102010706020507" pitchFamily="18" charset="2"/>
               <a:buChar char=""/>
             </a:pPr>
             <a:r>
-              <a:rPr lang="nl-BE" sz="2800" dirty="0">
+              <a:rPr lang="nl-BE" sz="2400" dirty="0">
                 <a:solidFill>
                   <a:srgbClr val="000000"/>
                 </a:solidFill>
@@ -9483,16 +11115,16 @@
                 <a:ea typeface="Times New Roman" panose="02020603050405020304" pitchFamily="18" charset="0"/>
                 <a:cs typeface="Symbol" panose="05050102010706020507" pitchFamily="18" charset="2"/>
               </a:rPr>
-              <a:t>Sources</a:t>
-            </a:r>
-          </a:p>
-          <a:p>
-            <a:pPr marL="1257213" lvl="2" indent="-342900">
+              <a:t>…</a:t>
+            </a:r>
+          </a:p>
+          <a:p>
+            <a:pPr marL="800100" lvl="1" indent="-342900">
               <a:buFont typeface="Symbol" panose="05050102010706020507" pitchFamily="18" charset="2"/>
               <a:buChar char=""/>
             </a:pPr>
             <a:r>
-              <a:rPr lang="nl-BE" sz="2800" dirty="0">
+              <a:rPr lang="nl-BE" dirty="0">
                 <a:solidFill>
                   <a:srgbClr val="000000"/>
                 </a:solidFill>
@@ -9503,29 +11135,9 @@
                 <a:ea typeface="Times New Roman" panose="02020603050405020304" pitchFamily="18" charset="0"/>
                 <a:cs typeface="Symbol" panose="05050102010706020507" pitchFamily="18" charset="2"/>
               </a:rPr>
-              <a:t>Tickets</a:t>
-            </a:r>
-          </a:p>
-          <a:p>
-            <a:pPr marL="1257213" lvl="2" indent="-342900">
-              <a:buFont typeface="Symbol" panose="05050102010706020507" pitchFamily="18" charset="2"/>
-              <a:buChar char=""/>
-            </a:pPr>
-            <a:r>
-              <a:rPr lang="nl-BE" sz="2800" dirty="0" err="1">
-                <a:solidFill>
-                  <a:srgbClr val="000000"/>
-                </a:solidFill>
-                <a:highlight>
-                  <a:srgbClr val="00FFFF"/>
-                </a:highlight>
-                <a:latin typeface="Calibri" panose="020F0502020204030204" pitchFamily="34" charset="0"/>
-                <a:ea typeface="Times New Roman" panose="02020603050405020304" pitchFamily="18" charset="0"/>
-                <a:cs typeface="Symbol" panose="05050102010706020507" pitchFamily="18" charset="2"/>
-              </a:rPr>
-              <a:t>Incidents</a:t>
-            </a:r>
-            <a:endParaRPr lang="nl-BE" sz="2800" dirty="0">
+              <a:t>…</a:t>
+            </a:r>
+            <a:endParaRPr lang="nl-BE" sz="2400" dirty="0">
               <a:solidFill>
                 <a:srgbClr val="000000"/>
               </a:solidFill>
@@ -9538,287 +11150,21 @@
             </a:endParaRPr>
           </a:p>
           <a:p>
-            <a:pPr marL="1257213" lvl="2" indent="-342900">
-              <a:buFont typeface="Symbol" panose="05050102010706020507" pitchFamily="18" charset="2"/>
-              <a:buChar char=""/>
+            <a:pPr marL="457200" lvl="1" indent="0">
+              <a:buNone/>
             </a:pPr>
-            <a:r>
-              <a:rPr lang="nl-BE" sz="2800" dirty="0">
-                <a:solidFill>
-                  <a:srgbClr val="000000"/>
-                </a:solidFill>
-                <a:highlight>
-                  <a:srgbClr val="00FFFF"/>
-                </a:highlight>
-                <a:latin typeface="Calibri" panose="020F0502020204030204" pitchFamily="34" charset="0"/>
-                <a:ea typeface="Times New Roman" panose="02020603050405020304" pitchFamily="18" charset="0"/>
-                <a:cs typeface="Symbol" panose="05050102010706020507" pitchFamily="18" charset="2"/>
-              </a:rPr>
-              <a:t>Changes</a:t>
-            </a:r>
-          </a:p>
-          <a:p>
-            <a:pPr marL="1257213" lvl="2" indent="-342900">
-              <a:buFont typeface="Symbol" panose="05050102010706020507" pitchFamily="18" charset="2"/>
-              <a:buChar char=""/>
-            </a:pPr>
-            <a:r>
-              <a:rPr lang="nl-BE" sz="2800" dirty="0">
-                <a:solidFill>
-                  <a:srgbClr val="000000"/>
-                </a:solidFill>
-                <a:highlight>
-                  <a:srgbClr val="00FFFF"/>
-                </a:highlight>
-                <a:latin typeface="Calibri" panose="020F0502020204030204" pitchFamily="34" charset="0"/>
-                <a:ea typeface="Times New Roman" panose="02020603050405020304" pitchFamily="18" charset="0"/>
-                <a:cs typeface="Symbol" panose="05050102010706020507" pitchFamily="18" charset="2"/>
-              </a:rPr>
-              <a:t>…</a:t>
-            </a:r>
-          </a:p>
-          <a:p>
-            <a:pPr marL="800100" lvl="1" indent="-342900">
-              <a:buFont typeface="Symbol" panose="05050102010706020507" pitchFamily="18" charset="2"/>
-              <a:buChar char=""/>
-            </a:pPr>
-            <a:r>
-              <a:rPr lang="nl-BE" sz="2800" dirty="0">
-                <a:solidFill>
-                  <a:srgbClr val="000000"/>
-                </a:solidFill>
-                <a:highlight>
-                  <a:srgbClr val="00FFFF"/>
-                </a:highlight>
-                <a:latin typeface="Calibri" panose="020F0502020204030204" pitchFamily="34" charset="0"/>
-                <a:ea typeface="Times New Roman" panose="02020603050405020304" pitchFamily="18" charset="0"/>
-                <a:cs typeface="Symbol" panose="05050102010706020507" pitchFamily="18" charset="2"/>
-              </a:rPr>
-              <a:t>Risk Assessment </a:t>
-            </a:r>
-            <a:r>
-              <a:rPr lang="nl-BE" sz="2800" dirty="0" err="1">
-                <a:solidFill>
-                  <a:srgbClr val="000000"/>
-                </a:solidFill>
-                <a:highlight>
-                  <a:srgbClr val="00FFFF"/>
-                </a:highlight>
-                <a:latin typeface="Calibri" panose="020F0502020204030204" pitchFamily="34" charset="0"/>
-                <a:ea typeface="Times New Roman" panose="02020603050405020304" pitchFamily="18" charset="0"/>
-                <a:cs typeface="Symbol" panose="05050102010706020507" pitchFamily="18" charset="2"/>
-              </a:rPr>
-              <a:t>result</a:t>
-            </a:r>
-            <a:endParaRPr lang="nl-BE" sz="2800" dirty="0">
+            <a:endParaRPr lang="nl-BE" sz="2400" dirty="0">
               <a:solidFill>
                 <a:srgbClr val="000000"/>
               </a:solidFill>
               <a:highlight>
-                <a:srgbClr val="00FFFF"/>
+                <a:srgbClr val="FFFF00"/>
               </a:highlight>
               <a:latin typeface="Calibri" panose="020F0502020204030204" pitchFamily="34" charset="0"/>
               <a:ea typeface="Times New Roman" panose="02020603050405020304" pitchFamily="18" charset="0"/>
               <a:cs typeface="Symbol" panose="05050102010706020507" pitchFamily="18" charset="2"/>
             </a:endParaRPr>
           </a:p>
-          <a:p>
-            <a:pPr marL="800100" lvl="1" indent="-342900">
-              <a:buFont typeface="Symbol" panose="05050102010706020507" pitchFamily="18" charset="2"/>
-              <a:buChar char=""/>
-            </a:pPr>
-            <a:r>
-              <a:rPr lang="nl-BE" sz="2800" dirty="0">
-                <a:solidFill>
-                  <a:srgbClr val="000000"/>
-                </a:solidFill>
-                <a:highlight>
-                  <a:srgbClr val="00FFFF"/>
-                </a:highlight>
-                <a:latin typeface="Calibri" panose="020F0502020204030204" pitchFamily="34" charset="0"/>
-                <a:ea typeface="Times New Roman" panose="02020603050405020304" pitchFamily="18" charset="0"/>
-                <a:cs typeface="Symbol" panose="05050102010706020507" pitchFamily="18" charset="2"/>
-              </a:rPr>
-              <a:t>New / </a:t>
-            </a:r>
-            <a:r>
-              <a:rPr lang="nl-BE" sz="2800" dirty="0" err="1">
-                <a:solidFill>
-                  <a:srgbClr val="000000"/>
-                </a:solidFill>
-                <a:highlight>
-                  <a:srgbClr val="00FFFF"/>
-                </a:highlight>
-                <a:latin typeface="Calibri" panose="020F0502020204030204" pitchFamily="34" charset="0"/>
-                <a:ea typeface="Times New Roman" panose="02020603050405020304" pitchFamily="18" charset="0"/>
-                <a:cs typeface="Symbol" panose="05050102010706020507" pitchFamily="18" charset="2"/>
-              </a:rPr>
-              <a:t>changed</a:t>
-            </a:r>
-            <a:r>
-              <a:rPr lang="nl-BE" sz="2800" dirty="0">
-                <a:solidFill>
-                  <a:srgbClr val="000000"/>
-                </a:solidFill>
-                <a:highlight>
-                  <a:srgbClr val="00FFFF"/>
-                </a:highlight>
-                <a:latin typeface="Calibri" panose="020F0502020204030204" pitchFamily="34" charset="0"/>
-                <a:ea typeface="Times New Roman" panose="02020603050405020304" pitchFamily="18" charset="0"/>
-                <a:cs typeface="Symbol" panose="05050102010706020507" pitchFamily="18" charset="2"/>
-              </a:rPr>
-              <a:t> / </a:t>
-            </a:r>
-            <a:r>
-              <a:rPr lang="nl-BE" sz="2800" dirty="0" err="1">
-                <a:solidFill>
-                  <a:srgbClr val="000000"/>
-                </a:solidFill>
-                <a:highlight>
-                  <a:srgbClr val="00FFFF"/>
-                </a:highlight>
-                <a:latin typeface="Calibri" panose="020F0502020204030204" pitchFamily="34" charset="0"/>
-                <a:ea typeface="Times New Roman" panose="02020603050405020304" pitchFamily="18" charset="0"/>
-                <a:cs typeface="Symbol" panose="05050102010706020507" pitchFamily="18" charset="2"/>
-              </a:rPr>
-              <a:t>mitigated</a:t>
-            </a:r>
-            <a:r>
-              <a:rPr lang="nl-BE" sz="2800" dirty="0">
-                <a:solidFill>
-                  <a:srgbClr val="000000"/>
-                </a:solidFill>
-                <a:highlight>
-                  <a:srgbClr val="00FFFF"/>
-                </a:highlight>
-                <a:latin typeface="Calibri" panose="020F0502020204030204" pitchFamily="34" charset="0"/>
-                <a:ea typeface="Times New Roman" panose="02020603050405020304" pitchFamily="18" charset="0"/>
-                <a:cs typeface="Symbol" panose="05050102010706020507" pitchFamily="18" charset="2"/>
-              </a:rPr>
-              <a:t> </a:t>
-            </a:r>
-            <a:r>
-              <a:rPr lang="nl-BE" sz="2800" dirty="0" err="1">
-                <a:solidFill>
-                  <a:srgbClr val="000000"/>
-                </a:solidFill>
-                <a:highlight>
-                  <a:srgbClr val="00FFFF"/>
-                </a:highlight>
-                <a:latin typeface="Calibri" panose="020F0502020204030204" pitchFamily="34" charset="0"/>
-                <a:ea typeface="Times New Roman" panose="02020603050405020304" pitchFamily="18" charset="0"/>
-                <a:cs typeface="Symbol" panose="05050102010706020507" pitchFamily="18" charset="2"/>
-              </a:rPr>
-              <a:t>risks</a:t>
-            </a:r>
-            <a:endParaRPr lang="nl-BE" sz="2800" dirty="0">
-              <a:solidFill>
-                <a:srgbClr val="000000"/>
-              </a:solidFill>
-              <a:highlight>
-                <a:srgbClr val="00FFFF"/>
-              </a:highlight>
-              <a:latin typeface="Calibri" panose="020F0502020204030204" pitchFamily="34" charset="0"/>
-              <a:ea typeface="Times New Roman" panose="02020603050405020304" pitchFamily="18" charset="0"/>
-              <a:cs typeface="Symbol" panose="05050102010706020507" pitchFamily="18" charset="2"/>
-            </a:endParaRPr>
-          </a:p>
-          <a:p>
-            <a:pPr marL="800100" lvl="1" indent="-342900">
-              <a:buFont typeface="Symbol" panose="05050102010706020507" pitchFamily="18" charset="2"/>
-              <a:buChar char=""/>
-            </a:pPr>
-            <a:r>
-              <a:rPr lang="nl-BE" sz="2800" dirty="0">
-                <a:solidFill>
-                  <a:srgbClr val="000000"/>
-                </a:solidFill>
-                <a:highlight>
-                  <a:srgbClr val="00FFFF"/>
-                </a:highlight>
-                <a:latin typeface="Calibri" panose="020F0502020204030204" pitchFamily="34" charset="0"/>
-                <a:ea typeface="Times New Roman" panose="02020603050405020304" pitchFamily="18" charset="0"/>
-                <a:cs typeface="Symbol" panose="05050102010706020507" pitchFamily="18" charset="2"/>
-              </a:rPr>
-              <a:t>Action </a:t>
-            </a:r>
-            <a:r>
-              <a:rPr lang="nl-BE" sz="2800" dirty="0" err="1">
-                <a:solidFill>
-                  <a:srgbClr val="000000"/>
-                </a:solidFill>
-                <a:highlight>
-                  <a:srgbClr val="00FFFF"/>
-                </a:highlight>
-                <a:latin typeface="Calibri" panose="020F0502020204030204" pitchFamily="34" charset="0"/>
-                <a:ea typeface="Times New Roman" panose="02020603050405020304" pitchFamily="18" charset="0"/>
-                <a:cs typeface="Symbol" panose="05050102010706020507" pitchFamily="18" charset="2"/>
-              </a:rPr>
-              <a:t>plans</a:t>
-            </a:r>
-            <a:endParaRPr lang="nl-BE" sz="2800" dirty="0">
-              <a:solidFill>
-                <a:srgbClr val="000000"/>
-              </a:solidFill>
-              <a:highlight>
-                <a:srgbClr val="00FFFF"/>
-              </a:highlight>
-              <a:latin typeface="Calibri" panose="020F0502020204030204" pitchFamily="34" charset="0"/>
-              <a:ea typeface="Times New Roman" panose="02020603050405020304" pitchFamily="18" charset="0"/>
-              <a:cs typeface="Symbol" panose="05050102010706020507" pitchFamily="18" charset="2"/>
-            </a:endParaRPr>
-          </a:p>
-          <a:p>
-            <a:pPr marL="800100" lvl="1" indent="-342900">
-              <a:buFont typeface="Symbol" panose="05050102010706020507" pitchFamily="18" charset="2"/>
-              <a:buChar char=""/>
-            </a:pPr>
-            <a:r>
-              <a:rPr lang="nl-BE" sz="2800" dirty="0" err="1">
-                <a:solidFill>
-                  <a:srgbClr val="000000"/>
-                </a:solidFill>
-                <a:highlight>
-                  <a:srgbClr val="00FFFF"/>
-                </a:highlight>
-                <a:latin typeface="Calibri" panose="020F0502020204030204" pitchFamily="34" charset="0"/>
-                <a:ea typeface="Times New Roman" panose="02020603050405020304" pitchFamily="18" charset="0"/>
-                <a:cs typeface="Symbol" panose="05050102010706020507" pitchFamily="18" charset="2"/>
-              </a:rPr>
-              <a:t>Other</a:t>
-            </a:r>
-            <a:endParaRPr lang="nl-BE" sz="2800" dirty="0">
-              <a:solidFill>
-                <a:srgbClr val="000000"/>
-              </a:solidFill>
-              <a:highlight>
-                <a:srgbClr val="00FFFF"/>
-              </a:highlight>
-              <a:latin typeface="Calibri" panose="020F0502020204030204" pitchFamily="34" charset="0"/>
-              <a:ea typeface="Times New Roman" panose="02020603050405020304" pitchFamily="18" charset="0"/>
-              <a:cs typeface="Symbol" panose="05050102010706020507" pitchFamily="18" charset="2"/>
-            </a:endParaRPr>
-          </a:p>
-          <a:p>
-            <a:pPr marL="800100" lvl="1" indent="-342900">
-              <a:buFont typeface="Symbol" panose="05050102010706020507" pitchFamily="18" charset="2"/>
-              <a:buChar char=""/>
-            </a:pPr>
-            <a:r>
-              <a:rPr lang="nl-BE" sz="2800" dirty="0">
-                <a:solidFill>
-                  <a:srgbClr val="000000"/>
-                </a:solidFill>
-                <a:highlight>
-                  <a:srgbClr val="00FFFF"/>
-                </a:highlight>
-                <a:latin typeface="Calibri" panose="020F0502020204030204" pitchFamily="34" charset="0"/>
-                <a:ea typeface="Times New Roman" panose="02020603050405020304" pitchFamily="18" charset="0"/>
-                <a:cs typeface="Symbol" panose="05050102010706020507" pitchFamily="18" charset="2"/>
-              </a:rPr>
-              <a:t>…</a:t>
-            </a:r>
-          </a:p>
         </p:txBody>
       </p:sp>
       <p:sp>
@@ -9845,6 +11191,17 @@
           <a:lstStyle/>
           <a:p>
             <a:r>
+              <a:rPr lang="nl-BE" sz="3200" dirty="0">
+                <a:solidFill>
+                  <a:srgbClr val="000000"/>
+                </a:solidFill>
+                <a:latin typeface="Calibri" panose="020F0502020204030204" pitchFamily="34" charset="0"/>
+                <a:ea typeface="Times New Roman" panose="02020603050405020304" pitchFamily="18" charset="0"/>
+                <a:cs typeface="Symbol" panose="05050102010706020507" pitchFamily="18" charset="2"/>
+              </a:rPr>
+              <a:t>Feedback from </a:t>
+            </a:r>
+            <a:r>
               <a:rPr lang="nl-BE" sz="3200" dirty="0" err="1">
                 <a:solidFill>
                   <a:srgbClr val="000000"/>
@@ -9853,7 +11210,7 @@
                 <a:ea typeface="Times New Roman" panose="02020603050405020304" pitchFamily="18" charset="0"/>
                 <a:cs typeface="Symbol" panose="05050102010706020507" pitchFamily="18" charset="2"/>
               </a:rPr>
-              <a:t>Results</a:t>
+              <a:t>interested</a:t>
             </a:r>
             <a:r>
               <a:rPr lang="nl-BE" sz="3200" dirty="0">
@@ -9864,7 +11221,43 @@
                 <a:ea typeface="Times New Roman" panose="02020603050405020304" pitchFamily="18" charset="0"/>
                 <a:cs typeface="Symbol" panose="05050102010706020507" pitchFamily="18" charset="2"/>
               </a:rPr>
-              <a:t> of risk management and status of treatment plan</a:t>
+              <a:t> </a:t>
+            </a:r>
+            <a:r>
+              <a:rPr lang="nl-BE" sz="3200" dirty="0" err="1">
+                <a:solidFill>
+                  <a:srgbClr val="000000"/>
+                </a:solidFill>
+                <a:latin typeface="Calibri" panose="020F0502020204030204" pitchFamily="34" charset="0"/>
+                <a:ea typeface="Times New Roman" panose="02020603050405020304" pitchFamily="18" charset="0"/>
+                <a:cs typeface="Symbol" panose="05050102010706020507" pitchFamily="18" charset="2"/>
+              </a:rPr>
+              <a:t>parties</a:t>
+            </a:r>
+            <a:r>
+              <a:rPr lang="nl-BE" sz="3200" dirty="0">
+                <a:solidFill>
+                  <a:srgbClr val="000000"/>
+                </a:solidFill>
+                <a:latin typeface="Calibri" panose="020F0502020204030204" pitchFamily="34" charset="0"/>
+                <a:ea typeface="Times New Roman" panose="02020603050405020304" pitchFamily="18" charset="0"/>
+                <a:cs typeface="Symbol" panose="05050102010706020507" pitchFamily="18" charset="2"/>
+              </a:rPr>
+              <a:t> - </a:t>
+            </a:r>
+            <a:r>
+              <a:rPr lang="nl-BE" sz="3200" dirty="0">
+                <a:solidFill>
+                  <a:srgbClr val="000000"/>
+                </a:solidFill>
+                <a:highlight>
+                  <a:srgbClr val="00FFFF"/>
+                </a:highlight>
+                <a:latin typeface="Calibri" panose="020F0502020204030204" pitchFamily="34" charset="0"/>
+                <a:ea typeface="Times New Roman" panose="02020603050405020304" pitchFamily="18" charset="0"/>
+                <a:cs typeface="Symbol" panose="05050102010706020507" pitchFamily="18" charset="2"/>
+              </a:rPr>
+              <a:t>&lt;type of party&gt;</a:t>
             </a:r>
           </a:p>
         </p:txBody>
@@ -9872,7 +11265,7 @@
     </p:spTree>
     <p:extLst>
       <p:ext uri="{BB962C8B-B14F-4D97-AF65-F5344CB8AC3E}">
-        <p14:creationId xmlns:p14="http://schemas.microsoft.com/office/powerpoint/2010/main" val="3750360004"/>
+        <p14:creationId xmlns:p14="http://schemas.microsoft.com/office/powerpoint/2010/main" val="705169456"/>
       </p:ext>
     </p:extLst>
   </p:cSld>
@@ -9917,108 +11310,17 @@
         </p:nvSpPr>
         <p:spPr/>
         <p:txBody>
-          <a:bodyPr/>
-          <a:lstStyle/>
-          <a:p>
-            <a:pPr marL="0" indent="0">
-              <a:buNone/>
-            </a:pPr>
-            <a:r>
-              <a:rPr lang="nl-BE" sz="2400" dirty="0" err="1">
-                <a:solidFill>
-                  <a:srgbClr val="000000"/>
-                </a:solidFill>
-                <a:latin typeface="Calibri" panose="020F0502020204030204" pitchFamily="34" charset="0"/>
-                <a:ea typeface="Times New Roman" panose="02020603050405020304" pitchFamily="18" charset="0"/>
-                <a:cs typeface="Symbol" panose="05050102010706020507" pitchFamily="18" charset="2"/>
-              </a:rPr>
-              <a:t>Improvement</a:t>
-            </a:r>
-            <a:r>
-              <a:rPr lang="nl-BE" sz="2400" dirty="0">
-                <a:solidFill>
-                  <a:srgbClr val="000000"/>
-                </a:solidFill>
-                <a:latin typeface="Calibri" panose="020F0502020204030204" pitchFamily="34" charset="0"/>
-                <a:ea typeface="Times New Roman" panose="02020603050405020304" pitchFamily="18" charset="0"/>
-                <a:cs typeface="Symbol" panose="05050102010706020507" pitchFamily="18" charset="2"/>
-              </a:rPr>
-              <a:t> </a:t>
-            </a:r>
-            <a:r>
-              <a:rPr lang="nl-BE" sz="2400" dirty="0" err="1">
-                <a:solidFill>
-                  <a:srgbClr val="000000"/>
-                </a:solidFill>
-                <a:latin typeface="Calibri" panose="020F0502020204030204" pitchFamily="34" charset="0"/>
-                <a:ea typeface="Times New Roman" panose="02020603050405020304" pitchFamily="18" charset="0"/>
-                <a:cs typeface="Symbol" panose="05050102010706020507" pitchFamily="18" charset="2"/>
-              </a:rPr>
-              <a:t>opportunities</a:t>
-            </a:r>
-            <a:r>
-              <a:rPr lang="nl-BE" sz="2400" dirty="0">
-                <a:solidFill>
-                  <a:srgbClr val="000000"/>
-                </a:solidFill>
-                <a:latin typeface="Calibri" panose="020F0502020204030204" pitchFamily="34" charset="0"/>
-                <a:ea typeface="Times New Roman" panose="02020603050405020304" pitchFamily="18" charset="0"/>
-                <a:cs typeface="Symbol" panose="05050102010706020507" pitchFamily="18" charset="2"/>
-              </a:rPr>
-              <a:t> </a:t>
-            </a:r>
-            <a:r>
-              <a:rPr lang="nl-BE" sz="2400" dirty="0" err="1">
-                <a:solidFill>
-                  <a:srgbClr val="000000"/>
-                </a:solidFill>
-                <a:latin typeface="Calibri" panose="020F0502020204030204" pitchFamily="34" charset="0"/>
-                <a:ea typeface="Times New Roman" panose="02020603050405020304" pitchFamily="18" charset="0"/>
-                <a:cs typeface="Symbol" panose="05050102010706020507" pitchFamily="18" charset="2"/>
-              </a:rPr>
-              <a:t>for</a:t>
-            </a:r>
-            <a:r>
-              <a:rPr lang="nl-BE" sz="2400" dirty="0">
-                <a:solidFill>
-                  <a:srgbClr val="000000"/>
-                </a:solidFill>
-                <a:latin typeface="Calibri" panose="020F0502020204030204" pitchFamily="34" charset="0"/>
-                <a:ea typeface="Times New Roman" panose="02020603050405020304" pitchFamily="18" charset="0"/>
-                <a:cs typeface="Symbol" panose="05050102010706020507" pitchFamily="18" charset="2"/>
-              </a:rPr>
-              <a:t> company (</a:t>
-            </a:r>
-            <a:r>
-              <a:rPr lang="nl-BE" sz="2400" dirty="0" err="1">
-                <a:solidFill>
-                  <a:srgbClr val="000000"/>
-                </a:solidFill>
-                <a:latin typeface="Calibri" panose="020F0502020204030204" pitchFamily="34" charset="0"/>
-                <a:ea typeface="Times New Roman" panose="02020603050405020304" pitchFamily="18" charset="0"/>
-                <a:cs typeface="Symbol" panose="05050102010706020507" pitchFamily="18" charset="2"/>
-              </a:rPr>
-              <a:t>mgmt</a:t>
-            </a:r>
-            <a:r>
-              <a:rPr lang="nl-BE" sz="2400" dirty="0">
-                <a:solidFill>
-                  <a:srgbClr val="000000"/>
-                </a:solidFill>
-                <a:latin typeface="Calibri" panose="020F0502020204030204" pitchFamily="34" charset="0"/>
-                <a:ea typeface="Times New Roman" panose="02020603050405020304" pitchFamily="18" charset="0"/>
-                <a:cs typeface="Symbol" panose="05050102010706020507" pitchFamily="18" charset="2"/>
-              </a:rPr>
-              <a:t> level)</a:t>
-            </a:r>
-          </a:p>
+          <a:bodyPr>
+            <a:noAutofit/>
+          </a:bodyPr>
+          <a:lstStyle/>
           <a:p>
             <a:pPr marL="800100" lvl="1" indent="-342900">
               <a:buFont typeface="Symbol" panose="05050102010706020507" pitchFamily="18" charset="2"/>
               <a:buChar char=""/>
             </a:pPr>
             <a:r>
-              <a:rPr lang="nl-BE" dirty="0">
+              <a:rPr lang="nl-BE" sz="2800" dirty="0">
                 <a:solidFill>
                   <a:srgbClr val="000000"/>
                 </a:solidFill>
@@ -10029,7 +11331,98 @@
                 <a:ea typeface="Times New Roman" panose="02020603050405020304" pitchFamily="18" charset="0"/>
                 <a:cs typeface="Symbol" panose="05050102010706020507" pitchFamily="18" charset="2"/>
               </a:rPr>
-              <a:t>OFI 1 </a:t>
+              <a:t>Sources</a:t>
+            </a:r>
+          </a:p>
+          <a:p>
+            <a:pPr marL="1257213" lvl="2" indent="-342900">
+              <a:buFont typeface="Symbol" panose="05050102010706020507" pitchFamily="18" charset="2"/>
+              <a:buChar char=""/>
+            </a:pPr>
+            <a:r>
+              <a:rPr lang="nl-BE" sz="2800" dirty="0">
+                <a:solidFill>
+                  <a:srgbClr val="000000"/>
+                </a:solidFill>
+                <a:highlight>
+                  <a:srgbClr val="00FFFF"/>
+                </a:highlight>
+                <a:latin typeface="Calibri" panose="020F0502020204030204" pitchFamily="34" charset="0"/>
+                <a:ea typeface="Times New Roman" panose="02020603050405020304" pitchFamily="18" charset="0"/>
+                <a:cs typeface="Symbol" panose="05050102010706020507" pitchFamily="18" charset="2"/>
+              </a:rPr>
+              <a:t>Tickets</a:t>
+            </a:r>
+          </a:p>
+          <a:p>
+            <a:pPr marL="1257213" lvl="2" indent="-342900">
+              <a:buFont typeface="Symbol" panose="05050102010706020507" pitchFamily="18" charset="2"/>
+              <a:buChar char=""/>
+            </a:pPr>
+            <a:r>
+              <a:rPr lang="nl-BE" sz="2800" dirty="0" err="1">
+                <a:solidFill>
+                  <a:srgbClr val="000000"/>
+                </a:solidFill>
+                <a:highlight>
+                  <a:srgbClr val="00FFFF"/>
+                </a:highlight>
+                <a:latin typeface="Calibri" panose="020F0502020204030204" pitchFamily="34" charset="0"/>
+                <a:ea typeface="Times New Roman" panose="02020603050405020304" pitchFamily="18" charset="0"/>
+                <a:cs typeface="Symbol" panose="05050102010706020507" pitchFamily="18" charset="2"/>
+              </a:rPr>
+              <a:t>Incidents</a:t>
+            </a:r>
+            <a:endParaRPr lang="nl-BE" sz="2800" dirty="0">
+              <a:solidFill>
+                <a:srgbClr val="000000"/>
+              </a:solidFill>
+              <a:highlight>
+                <a:srgbClr val="00FFFF"/>
+              </a:highlight>
+              <a:latin typeface="Calibri" panose="020F0502020204030204" pitchFamily="34" charset="0"/>
+              <a:ea typeface="Times New Roman" panose="02020603050405020304" pitchFamily="18" charset="0"/>
+              <a:cs typeface="Symbol" panose="05050102010706020507" pitchFamily="18" charset="2"/>
+            </a:endParaRPr>
+          </a:p>
+          <a:p>
+            <a:pPr marL="1257213" lvl="2" indent="-342900">
+              <a:buFont typeface="Symbol" panose="05050102010706020507" pitchFamily="18" charset="2"/>
+              <a:buChar char=""/>
+            </a:pPr>
+            <a:r>
+              <a:rPr lang="nl-BE" sz="2800" dirty="0">
+                <a:solidFill>
+                  <a:srgbClr val="000000"/>
+                </a:solidFill>
+                <a:highlight>
+                  <a:srgbClr val="00FFFF"/>
+                </a:highlight>
+                <a:latin typeface="Calibri" panose="020F0502020204030204" pitchFamily="34" charset="0"/>
+                <a:ea typeface="Times New Roman" panose="02020603050405020304" pitchFamily="18" charset="0"/>
+                <a:cs typeface="Symbol" panose="05050102010706020507" pitchFamily="18" charset="2"/>
+              </a:rPr>
+              <a:t>Changes</a:t>
+            </a:r>
+          </a:p>
+          <a:p>
+            <a:pPr marL="1257213" lvl="2" indent="-342900">
+              <a:buFont typeface="Symbol" panose="05050102010706020507" pitchFamily="18" charset="2"/>
+              <a:buChar char=""/>
+            </a:pPr>
+            <a:r>
+              <a:rPr lang="nl-BE" sz="2800" dirty="0">
+                <a:solidFill>
+                  <a:srgbClr val="000000"/>
+                </a:solidFill>
+                <a:highlight>
+                  <a:srgbClr val="00FFFF"/>
+                </a:highlight>
+                <a:latin typeface="Calibri" panose="020F0502020204030204" pitchFamily="34" charset="0"/>
+                <a:ea typeface="Times New Roman" panose="02020603050405020304" pitchFamily="18" charset="0"/>
+                <a:cs typeface="Symbol" panose="05050102010706020507" pitchFamily="18" charset="2"/>
+              </a:rPr>
+              <a:t>…</a:t>
             </a:r>
           </a:p>
           <a:p>
@@ -10038,7 +11431,229 @@
               <a:buChar char=""/>
             </a:pPr>
             <a:r>
-              <a:rPr lang="nl-BE" dirty="0">
+              <a:rPr lang="nl-BE" sz="2800" dirty="0">
+                <a:solidFill>
+                  <a:srgbClr val="000000"/>
+                </a:solidFill>
+                <a:highlight>
+                  <a:srgbClr val="00FFFF"/>
+                </a:highlight>
+                <a:latin typeface="Calibri" panose="020F0502020204030204" pitchFamily="34" charset="0"/>
+                <a:ea typeface="Times New Roman" panose="02020603050405020304" pitchFamily="18" charset="0"/>
+                <a:cs typeface="Symbol" panose="05050102010706020507" pitchFamily="18" charset="2"/>
+              </a:rPr>
+              <a:t>Risk Assessment </a:t>
+            </a:r>
+            <a:r>
+              <a:rPr lang="nl-BE" sz="2800" dirty="0" err="1">
+                <a:solidFill>
+                  <a:srgbClr val="000000"/>
+                </a:solidFill>
+                <a:highlight>
+                  <a:srgbClr val="00FFFF"/>
+                </a:highlight>
+                <a:latin typeface="Calibri" panose="020F0502020204030204" pitchFamily="34" charset="0"/>
+                <a:ea typeface="Times New Roman" panose="02020603050405020304" pitchFamily="18" charset="0"/>
+                <a:cs typeface="Symbol" panose="05050102010706020507" pitchFamily="18" charset="2"/>
+              </a:rPr>
+              <a:t>result</a:t>
+            </a:r>
+            <a:endParaRPr lang="nl-BE" sz="2800" dirty="0">
+              <a:solidFill>
+                <a:srgbClr val="000000"/>
+              </a:solidFill>
+              <a:highlight>
+                <a:srgbClr val="00FFFF"/>
+              </a:highlight>
+              <a:latin typeface="Calibri" panose="020F0502020204030204" pitchFamily="34" charset="0"/>
+              <a:ea typeface="Times New Roman" panose="02020603050405020304" pitchFamily="18" charset="0"/>
+              <a:cs typeface="Symbol" panose="05050102010706020507" pitchFamily="18" charset="2"/>
+            </a:endParaRPr>
+          </a:p>
+          <a:p>
+            <a:pPr marL="800100" lvl="1" indent="-342900">
+              <a:buFont typeface="Symbol" panose="05050102010706020507" pitchFamily="18" charset="2"/>
+              <a:buChar char=""/>
+            </a:pPr>
+            <a:r>
+              <a:rPr lang="nl-BE" sz="2800" dirty="0">
+                <a:solidFill>
+                  <a:srgbClr val="000000"/>
+                </a:solidFill>
+                <a:highlight>
+                  <a:srgbClr val="00FFFF"/>
+                </a:highlight>
+                <a:latin typeface="Calibri" panose="020F0502020204030204" pitchFamily="34" charset="0"/>
+                <a:ea typeface="Times New Roman" panose="02020603050405020304" pitchFamily="18" charset="0"/>
+                <a:cs typeface="Symbol" panose="05050102010706020507" pitchFamily="18" charset="2"/>
+              </a:rPr>
+              <a:t>New / </a:t>
+            </a:r>
+            <a:r>
+              <a:rPr lang="nl-BE" sz="2800" dirty="0" err="1">
+                <a:solidFill>
+                  <a:srgbClr val="000000"/>
+                </a:solidFill>
+                <a:highlight>
+                  <a:srgbClr val="00FFFF"/>
+                </a:highlight>
+                <a:latin typeface="Calibri" panose="020F0502020204030204" pitchFamily="34" charset="0"/>
+                <a:ea typeface="Times New Roman" panose="02020603050405020304" pitchFamily="18" charset="0"/>
+                <a:cs typeface="Symbol" panose="05050102010706020507" pitchFamily="18" charset="2"/>
+              </a:rPr>
+              <a:t>changed</a:t>
+            </a:r>
+            <a:r>
+              <a:rPr lang="nl-BE" sz="2800" dirty="0">
+                <a:solidFill>
+                  <a:srgbClr val="000000"/>
+                </a:solidFill>
+                <a:highlight>
+                  <a:srgbClr val="00FFFF"/>
+                </a:highlight>
+                <a:latin typeface="Calibri" panose="020F0502020204030204" pitchFamily="34" charset="0"/>
+                <a:ea typeface="Times New Roman" panose="02020603050405020304" pitchFamily="18" charset="0"/>
+                <a:cs typeface="Symbol" panose="05050102010706020507" pitchFamily="18" charset="2"/>
+              </a:rPr>
+              <a:t> / </a:t>
+            </a:r>
+            <a:r>
+              <a:rPr lang="nl-BE" sz="2800" dirty="0" err="1">
+                <a:solidFill>
+                  <a:srgbClr val="000000"/>
+                </a:solidFill>
+                <a:highlight>
+                  <a:srgbClr val="00FFFF"/>
+                </a:highlight>
+                <a:latin typeface="Calibri" panose="020F0502020204030204" pitchFamily="34" charset="0"/>
+                <a:ea typeface="Times New Roman" panose="02020603050405020304" pitchFamily="18" charset="0"/>
+                <a:cs typeface="Symbol" panose="05050102010706020507" pitchFamily="18" charset="2"/>
+              </a:rPr>
+              <a:t>mitigated</a:t>
+            </a:r>
+            <a:r>
+              <a:rPr lang="nl-BE" sz="2800" dirty="0">
+                <a:solidFill>
+                  <a:srgbClr val="000000"/>
+                </a:solidFill>
+                <a:highlight>
+                  <a:srgbClr val="00FFFF"/>
+                </a:highlight>
+                <a:latin typeface="Calibri" panose="020F0502020204030204" pitchFamily="34" charset="0"/>
+                <a:ea typeface="Times New Roman" panose="02020603050405020304" pitchFamily="18" charset="0"/>
+                <a:cs typeface="Symbol" panose="05050102010706020507" pitchFamily="18" charset="2"/>
+              </a:rPr>
+              <a:t> </a:t>
+            </a:r>
+            <a:r>
+              <a:rPr lang="nl-BE" sz="2800" dirty="0" err="1">
+                <a:solidFill>
+                  <a:srgbClr val="000000"/>
+                </a:solidFill>
+                <a:highlight>
+                  <a:srgbClr val="00FFFF"/>
+                </a:highlight>
+                <a:latin typeface="Calibri" panose="020F0502020204030204" pitchFamily="34" charset="0"/>
+                <a:ea typeface="Times New Roman" panose="02020603050405020304" pitchFamily="18" charset="0"/>
+                <a:cs typeface="Symbol" panose="05050102010706020507" pitchFamily="18" charset="2"/>
+              </a:rPr>
+              <a:t>risks</a:t>
+            </a:r>
+            <a:endParaRPr lang="nl-BE" sz="2800" dirty="0">
+              <a:solidFill>
+                <a:srgbClr val="000000"/>
+              </a:solidFill>
+              <a:highlight>
+                <a:srgbClr val="00FFFF"/>
+              </a:highlight>
+              <a:latin typeface="Calibri" panose="020F0502020204030204" pitchFamily="34" charset="0"/>
+              <a:ea typeface="Times New Roman" panose="02020603050405020304" pitchFamily="18" charset="0"/>
+              <a:cs typeface="Symbol" panose="05050102010706020507" pitchFamily="18" charset="2"/>
+            </a:endParaRPr>
+          </a:p>
+          <a:p>
+            <a:pPr marL="800100" lvl="1" indent="-342900">
+              <a:buFont typeface="Symbol" panose="05050102010706020507" pitchFamily="18" charset="2"/>
+              <a:buChar char=""/>
+            </a:pPr>
+            <a:r>
+              <a:rPr lang="nl-BE" sz="2800" dirty="0">
+                <a:solidFill>
+                  <a:srgbClr val="000000"/>
+                </a:solidFill>
+                <a:highlight>
+                  <a:srgbClr val="00FFFF"/>
+                </a:highlight>
+                <a:latin typeface="Calibri" panose="020F0502020204030204" pitchFamily="34" charset="0"/>
+                <a:ea typeface="Times New Roman" panose="02020603050405020304" pitchFamily="18" charset="0"/>
+                <a:cs typeface="Symbol" panose="05050102010706020507" pitchFamily="18" charset="2"/>
+              </a:rPr>
+              <a:t>Action </a:t>
+            </a:r>
+            <a:r>
+              <a:rPr lang="nl-BE" sz="2800" dirty="0" err="1">
+                <a:solidFill>
+                  <a:srgbClr val="000000"/>
+                </a:solidFill>
+                <a:highlight>
+                  <a:srgbClr val="00FFFF"/>
+                </a:highlight>
+                <a:latin typeface="Calibri" panose="020F0502020204030204" pitchFamily="34" charset="0"/>
+                <a:ea typeface="Times New Roman" panose="02020603050405020304" pitchFamily="18" charset="0"/>
+                <a:cs typeface="Symbol" panose="05050102010706020507" pitchFamily="18" charset="2"/>
+              </a:rPr>
+              <a:t>plans</a:t>
+            </a:r>
+            <a:endParaRPr lang="nl-BE" sz="2800" dirty="0">
+              <a:solidFill>
+                <a:srgbClr val="000000"/>
+              </a:solidFill>
+              <a:highlight>
+                <a:srgbClr val="00FFFF"/>
+              </a:highlight>
+              <a:latin typeface="Calibri" panose="020F0502020204030204" pitchFamily="34" charset="0"/>
+              <a:ea typeface="Times New Roman" panose="02020603050405020304" pitchFamily="18" charset="0"/>
+              <a:cs typeface="Symbol" panose="05050102010706020507" pitchFamily="18" charset="2"/>
+            </a:endParaRPr>
+          </a:p>
+          <a:p>
+            <a:pPr marL="800100" lvl="1" indent="-342900">
+              <a:buFont typeface="Symbol" panose="05050102010706020507" pitchFamily="18" charset="2"/>
+              <a:buChar char=""/>
+            </a:pPr>
+            <a:r>
+              <a:rPr lang="nl-BE" sz="2800" dirty="0" err="1">
+                <a:solidFill>
+                  <a:srgbClr val="000000"/>
+                </a:solidFill>
+                <a:highlight>
+                  <a:srgbClr val="00FFFF"/>
+                </a:highlight>
+                <a:latin typeface="Calibri" panose="020F0502020204030204" pitchFamily="34" charset="0"/>
+                <a:ea typeface="Times New Roman" panose="02020603050405020304" pitchFamily="18" charset="0"/>
+                <a:cs typeface="Symbol" panose="05050102010706020507" pitchFamily="18" charset="2"/>
+              </a:rPr>
+              <a:t>Other</a:t>
+            </a:r>
+            <a:endParaRPr lang="nl-BE" sz="2800" dirty="0">
+              <a:solidFill>
+                <a:srgbClr val="000000"/>
+              </a:solidFill>
+              <a:highlight>
+                <a:srgbClr val="00FFFF"/>
+              </a:highlight>
+              <a:latin typeface="Calibri" panose="020F0502020204030204" pitchFamily="34" charset="0"/>
+              <a:ea typeface="Times New Roman" panose="02020603050405020304" pitchFamily="18" charset="0"/>
+              <a:cs typeface="Symbol" panose="05050102010706020507" pitchFamily="18" charset="2"/>
+            </a:endParaRPr>
+          </a:p>
+          <a:p>
+            <a:pPr marL="800100" lvl="1" indent="-342900">
+              <a:buFont typeface="Symbol" panose="05050102010706020507" pitchFamily="18" charset="2"/>
+              <a:buChar char=""/>
+            </a:pPr>
+            <a:r>
+              <a:rPr lang="nl-BE" sz="2800" dirty="0">
                 <a:solidFill>
                   <a:srgbClr val="000000"/>
                 </a:solidFill>
@@ -10078,74 +11693,26 @@
           <a:lstStyle/>
           <a:p>
             <a:r>
+              <a:rPr lang="nl-BE" sz="3200" dirty="0" err="1">
+                <a:solidFill>
+                  <a:srgbClr val="000000"/>
+                </a:solidFill>
+                <a:latin typeface="Calibri" panose="020F0502020204030204" pitchFamily="34" charset="0"/>
+                <a:ea typeface="Times New Roman" panose="02020603050405020304" pitchFamily="18" charset="0"/>
+                <a:cs typeface="Symbol" panose="05050102010706020507" pitchFamily="18" charset="2"/>
+              </a:rPr>
+              <a:t>Results</a:t>
+            </a:r>
+            <a:r>
               <a:rPr lang="nl-BE" sz="3200" dirty="0">
                 <a:solidFill>
                   <a:srgbClr val="000000"/>
                 </a:solidFill>
-                <a:ea typeface="Times New Roman" panose="02020603050405020304" pitchFamily="18" charset="0"/>
-                <a:cs typeface="Symbol" panose="05050102010706020507" pitchFamily="18" charset="2"/>
-              </a:rPr>
-              <a:t>Business - </a:t>
-            </a:r>
-            <a:r>
-              <a:rPr lang="nl-BE" sz="3200" dirty="0" err="1">
-                <a:solidFill>
-                  <a:srgbClr val="000000"/>
-                </a:solidFill>
-                <a:ea typeface="Times New Roman" panose="02020603050405020304" pitchFamily="18" charset="0"/>
-                <a:cs typeface="Symbol" panose="05050102010706020507" pitchFamily="18" charset="2"/>
-              </a:rPr>
-              <a:t>Opportunities</a:t>
-            </a:r>
-            <a:r>
-              <a:rPr lang="nl-BE" sz="3200" dirty="0">
-                <a:solidFill>
-                  <a:srgbClr val="000000"/>
-                </a:solidFill>
-                <a:ea typeface="Times New Roman" panose="02020603050405020304" pitchFamily="18" charset="0"/>
-                <a:cs typeface="Symbol" panose="05050102010706020507" pitchFamily="18" charset="2"/>
-              </a:rPr>
-              <a:t> </a:t>
-            </a:r>
-            <a:r>
-              <a:rPr lang="nl-BE" sz="3200" dirty="0" err="1">
-                <a:solidFill>
-                  <a:srgbClr val="000000"/>
-                </a:solidFill>
-                <a:ea typeface="Times New Roman" panose="02020603050405020304" pitchFamily="18" charset="0"/>
-                <a:cs typeface="Symbol" panose="05050102010706020507" pitchFamily="18" charset="2"/>
-              </a:rPr>
-              <a:t>for</a:t>
-            </a:r>
-            <a:r>
-              <a:rPr lang="nl-BE" sz="3200" dirty="0">
-                <a:solidFill>
-                  <a:srgbClr val="000000"/>
-                </a:solidFill>
-                <a:ea typeface="Times New Roman" panose="02020603050405020304" pitchFamily="18" charset="0"/>
-                <a:cs typeface="Symbol" panose="05050102010706020507" pitchFamily="18" charset="2"/>
-              </a:rPr>
-              <a:t> </a:t>
-            </a:r>
-            <a:r>
-              <a:rPr lang="nl-BE" sz="3200" dirty="0" err="1">
-                <a:solidFill>
-                  <a:srgbClr val="000000"/>
-                </a:solidFill>
-                <a:ea typeface="Times New Roman" panose="02020603050405020304" pitchFamily="18" charset="0"/>
-                <a:cs typeface="Symbol" panose="05050102010706020507" pitchFamily="18" charset="2"/>
-              </a:rPr>
-              <a:t>improvement</a:t>
-            </a:r>
-            <a:r>
-              <a:rPr lang="nl-BE" sz="3200" dirty="0">
-                <a:solidFill>
-                  <a:srgbClr val="000000"/>
-                </a:solidFill>
-                <a:ea typeface="Times New Roman" panose="02020603050405020304" pitchFamily="18" charset="0"/>
-                <a:cs typeface="Symbol" panose="05050102010706020507" pitchFamily="18" charset="2"/>
-              </a:rPr>
-              <a:t> (management)</a:t>
+                <a:latin typeface="Calibri" panose="020F0502020204030204" pitchFamily="34" charset="0"/>
+                <a:ea typeface="Times New Roman" panose="02020603050405020304" pitchFamily="18" charset="0"/>
+                <a:cs typeface="Symbol" panose="05050102010706020507" pitchFamily="18" charset="2"/>
+              </a:rPr>
+              <a:t> of risk management and status of treatment plan</a:t>
             </a:r>
           </a:p>
         </p:txBody>
@@ -10153,7 +11720,7 @@
     </p:spTree>
     <p:extLst>
       <p:ext uri="{BB962C8B-B14F-4D97-AF65-F5344CB8AC3E}">
-        <p14:creationId xmlns:p14="http://schemas.microsoft.com/office/powerpoint/2010/main" val="335147267"/>
+        <p14:creationId xmlns:p14="http://schemas.microsoft.com/office/powerpoint/2010/main" val="3750360004"/>
       </p:ext>
     </p:extLst>
   </p:cSld>
@@ -10201,12 +11768,105 @@
           <a:bodyPr/>
           <a:lstStyle/>
           <a:p>
+            <a:pPr marL="0" indent="0">
+              <a:buNone/>
+            </a:pPr>
+            <a:r>
+              <a:rPr lang="nl-BE" sz="2400" dirty="0" err="1">
+                <a:solidFill>
+                  <a:srgbClr val="000000"/>
+                </a:solidFill>
+                <a:latin typeface="Calibri" panose="020F0502020204030204" pitchFamily="34" charset="0"/>
+                <a:ea typeface="Times New Roman" panose="02020603050405020304" pitchFamily="18" charset="0"/>
+                <a:cs typeface="Symbol" panose="05050102010706020507" pitchFamily="18" charset="2"/>
+              </a:rPr>
+              <a:t>Improvement</a:t>
+            </a:r>
+            <a:r>
+              <a:rPr lang="nl-BE" sz="2400" dirty="0">
+                <a:solidFill>
+                  <a:srgbClr val="000000"/>
+                </a:solidFill>
+                <a:latin typeface="Calibri" panose="020F0502020204030204" pitchFamily="34" charset="0"/>
+                <a:ea typeface="Times New Roman" panose="02020603050405020304" pitchFamily="18" charset="0"/>
+                <a:cs typeface="Symbol" panose="05050102010706020507" pitchFamily="18" charset="2"/>
+              </a:rPr>
+              <a:t> </a:t>
+            </a:r>
+            <a:r>
+              <a:rPr lang="nl-BE" sz="2400" dirty="0" err="1">
+                <a:solidFill>
+                  <a:srgbClr val="000000"/>
+                </a:solidFill>
+                <a:latin typeface="Calibri" panose="020F0502020204030204" pitchFamily="34" charset="0"/>
+                <a:ea typeface="Times New Roman" panose="02020603050405020304" pitchFamily="18" charset="0"/>
+                <a:cs typeface="Symbol" panose="05050102010706020507" pitchFamily="18" charset="2"/>
+              </a:rPr>
+              <a:t>opportunities</a:t>
+            </a:r>
+            <a:r>
+              <a:rPr lang="nl-BE" sz="2400" dirty="0">
+                <a:solidFill>
+                  <a:srgbClr val="000000"/>
+                </a:solidFill>
+                <a:latin typeface="Calibri" panose="020F0502020204030204" pitchFamily="34" charset="0"/>
+                <a:ea typeface="Times New Roman" panose="02020603050405020304" pitchFamily="18" charset="0"/>
+                <a:cs typeface="Symbol" panose="05050102010706020507" pitchFamily="18" charset="2"/>
+              </a:rPr>
+              <a:t> </a:t>
+            </a:r>
+            <a:r>
+              <a:rPr lang="nl-BE" sz="2400" dirty="0" err="1">
+                <a:solidFill>
+                  <a:srgbClr val="000000"/>
+                </a:solidFill>
+                <a:latin typeface="Calibri" panose="020F0502020204030204" pitchFamily="34" charset="0"/>
+                <a:ea typeface="Times New Roman" panose="02020603050405020304" pitchFamily="18" charset="0"/>
+                <a:cs typeface="Symbol" panose="05050102010706020507" pitchFamily="18" charset="2"/>
+              </a:rPr>
+              <a:t>for</a:t>
+            </a:r>
+            <a:r>
+              <a:rPr lang="nl-BE" sz="2400" dirty="0">
+                <a:solidFill>
+                  <a:srgbClr val="000000"/>
+                </a:solidFill>
+                <a:latin typeface="Calibri" panose="020F0502020204030204" pitchFamily="34" charset="0"/>
+                <a:ea typeface="Times New Roman" panose="02020603050405020304" pitchFamily="18" charset="0"/>
+                <a:cs typeface="Symbol" panose="05050102010706020507" pitchFamily="18" charset="2"/>
+              </a:rPr>
+              <a:t> company (</a:t>
+            </a:r>
+            <a:r>
+              <a:rPr lang="nl-BE" sz="2400" dirty="0" err="1">
+                <a:solidFill>
+                  <a:srgbClr val="000000"/>
+                </a:solidFill>
+                <a:latin typeface="Calibri" panose="020F0502020204030204" pitchFamily="34" charset="0"/>
+                <a:ea typeface="Times New Roman" panose="02020603050405020304" pitchFamily="18" charset="0"/>
+                <a:cs typeface="Symbol" panose="05050102010706020507" pitchFamily="18" charset="2"/>
+              </a:rPr>
+              <a:t>mgmt</a:t>
+            </a:r>
+            <a:r>
+              <a:rPr lang="nl-BE" sz="2400" dirty="0">
+                <a:solidFill>
+                  <a:srgbClr val="000000"/>
+                </a:solidFill>
+                <a:latin typeface="Calibri" panose="020F0502020204030204" pitchFamily="34" charset="0"/>
+                <a:ea typeface="Times New Roman" panose="02020603050405020304" pitchFamily="18" charset="0"/>
+                <a:cs typeface="Symbol" panose="05050102010706020507" pitchFamily="18" charset="2"/>
+              </a:rPr>
+              <a:t> level)</a:t>
+            </a:r>
+          </a:p>
+          <a:p>
             <a:pPr marL="800100" lvl="1" indent="-342900">
               <a:buFont typeface="Symbol" panose="05050102010706020507" pitchFamily="18" charset="2"/>
               <a:buChar char=""/>
             </a:pPr>
             <a:r>
-              <a:rPr lang="nl-BE" dirty="0" err="1">
+              <a:rPr lang="nl-BE" dirty="0">
                 <a:solidFill>
                   <a:srgbClr val="000000"/>
                 </a:solidFill>
@@ -10217,21 +11877,7 @@
                 <a:ea typeface="Times New Roman" panose="02020603050405020304" pitchFamily="18" charset="0"/>
                 <a:cs typeface="Symbol" panose="05050102010706020507" pitchFamily="18" charset="2"/>
               </a:rPr>
-              <a:t>Decision</a:t>
-            </a:r>
-            <a:r>
-              <a:rPr lang="nl-BE" dirty="0">
-                <a:solidFill>
-                  <a:srgbClr val="000000"/>
-                </a:solidFill>
-                <a:highlight>
-                  <a:srgbClr val="00FFFF"/>
-                </a:highlight>
-                <a:latin typeface="Calibri" panose="020F0502020204030204" pitchFamily="34" charset="0"/>
-                <a:ea typeface="Times New Roman" panose="02020603050405020304" pitchFamily="18" charset="0"/>
-                <a:cs typeface="Symbol" panose="05050102010706020507" pitchFamily="18" charset="2"/>
-              </a:rPr>
-              <a:t> 1</a:t>
+              <a:t>OFI 1 </a:t>
             </a:r>
           </a:p>
           <a:p>
@@ -10240,40 +11886,6 @@
               <a:buChar char=""/>
             </a:pPr>
             <a:r>
-              <a:rPr lang="nl-BE" dirty="0" err="1">
-                <a:solidFill>
-                  <a:srgbClr val="000000"/>
-                </a:solidFill>
-                <a:highlight>
-                  <a:srgbClr val="00FFFF"/>
-                </a:highlight>
-                <a:latin typeface="Calibri" panose="020F0502020204030204" pitchFamily="34" charset="0"/>
-                <a:ea typeface="Times New Roman" panose="02020603050405020304" pitchFamily="18" charset="0"/>
-                <a:cs typeface="Symbol" panose="05050102010706020507" pitchFamily="18" charset="2"/>
-              </a:rPr>
-              <a:t>Decision</a:t>
-            </a:r>
-            <a:r>
-              <a:rPr lang="nl-BE" dirty="0">
-                <a:solidFill>
-                  <a:srgbClr val="000000"/>
-                </a:solidFill>
-                <a:highlight>
-                  <a:srgbClr val="00FFFF"/>
-                </a:highlight>
-                <a:latin typeface="Calibri" panose="020F0502020204030204" pitchFamily="34" charset="0"/>
-                <a:ea typeface="Times New Roman" panose="02020603050405020304" pitchFamily="18" charset="0"/>
-                <a:cs typeface="Symbol" panose="05050102010706020507" pitchFamily="18" charset="2"/>
-              </a:rPr>
-              <a:t> 2</a:t>
-            </a:r>
-          </a:p>
-          <a:p>
-            <a:pPr marL="800100" lvl="1" indent="-342900">
-              <a:buFont typeface="Symbol" panose="05050102010706020507" pitchFamily="18" charset="2"/>
-              <a:buChar char=""/>
-            </a:pPr>
-            <a:r>
               <a:rPr lang="nl-BE" dirty="0">
                 <a:solidFill>
                   <a:srgbClr val="000000"/>
@@ -10321,7 +11933,7 @@
                 <a:ea typeface="Times New Roman" panose="02020603050405020304" pitchFamily="18" charset="0"/>
                 <a:cs typeface="Symbol" panose="05050102010706020507" pitchFamily="18" charset="2"/>
               </a:rPr>
-              <a:t>Management </a:t>
+              <a:t>Business - </a:t>
             </a:r>
             <a:r>
               <a:rPr lang="nl-BE" sz="3200" dirty="0" err="1">
@@ -10331,22 +11943,65 @@
                 <a:ea typeface="Times New Roman" panose="02020603050405020304" pitchFamily="18" charset="0"/>
                 <a:cs typeface="Symbol" panose="05050102010706020507" pitchFamily="18" charset="2"/>
               </a:rPr>
-              <a:t>decisions</a:t>
-            </a:r>
-            <a:endParaRPr lang="nl-BE" sz="3200" dirty="0">
-              <a:solidFill>
-                <a:srgbClr val="000000"/>
-              </a:solidFill>
-              <a:ea typeface="Times New Roman" panose="02020603050405020304" pitchFamily="18" charset="0"/>
-              <a:cs typeface="Symbol" panose="05050102010706020507" pitchFamily="18" charset="2"/>
-            </a:endParaRPr>
+              <a:t>Opportunities</a:t>
+            </a:r>
+            <a:r>
+              <a:rPr lang="nl-BE" sz="3200" dirty="0">
+                <a:solidFill>
+                  <a:srgbClr val="000000"/>
+                </a:solidFill>
+                <a:ea typeface="Times New Roman" panose="02020603050405020304" pitchFamily="18" charset="0"/>
+                <a:cs typeface="Symbol" panose="05050102010706020507" pitchFamily="18" charset="2"/>
+              </a:rPr>
+              <a:t> </a:t>
+            </a:r>
+            <a:r>
+              <a:rPr lang="nl-BE" sz="3200" dirty="0" err="1">
+                <a:solidFill>
+                  <a:srgbClr val="000000"/>
+                </a:solidFill>
+                <a:ea typeface="Times New Roman" panose="02020603050405020304" pitchFamily="18" charset="0"/>
+                <a:cs typeface="Symbol" panose="05050102010706020507" pitchFamily="18" charset="2"/>
+              </a:rPr>
+              <a:t>for</a:t>
+            </a:r>
+            <a:r>
+              <a:rPr lang="nl-BE" sz="3200" dirty="0">
+                <a:solidFill>
+                  <a:srgbClr val="000000"/>
+                </a:solidFill>
+                <a:ea typeface="Times New Roman" panose="02020603050405020304" pitchFamily="18" charset="0"/>
+                <a:cs typeface="Symbol" panose="05050102010706020507" pitchFamily="18" charset="2"/>
+              </a:rPr>
+              <a:t> </a:t>
+            </a:r>
+            <a:r>
+              <a:rPr lang="nl-BE" sz="3200" dirty="0" err="1">
+                <a:solidFill>
+                  <a:srgbClr val="000000"/>
+                </a:solidFill>
+                <a:ea typeface="Times New Roman" panose="02020603050405020304" pitchFamily="18" charset="0"/>
+                <a:cs typeface="Symbol" panose="05050102010706020507" pitchFamily="18" charset="2"/>
+              </a:rPr>
+              <a:t>improvement</a:t>
+            </a:r>
+            <a:r>
+              <a:rPr lang="nl-BE" sz="3200" dirty="0">
+                <a:solidFill>
+                  <a:srgbClr val="000000"/>
+                </a:solidFill>
+                <a:ea typeface="Times New Roman" panose="02020603050405020304" pitchFamily="18" charset="0"/>
+                <a:cs typeface="Symbol" panose="05050102010706020507" pitchFamily="18" charset="2"/>
+              </a:rPr>
+              <a:t> (management)</a:t>
+            </a:r>
           </a:p>
         </p:txBody>
       </p:sp>
     </p:spTree>
     <p:extLst>
       <p:ext uri="{BB962C8B-B14F-4D97-AF65-F5344CB8AC3E}">
-        <p14:creationId xmlns:p14="http://schemas.microsoft.com/office/powerpoint/2010/main" val="3138061669"/>
+        <p14:creationId xmlns:p14="http://schemas.microsoft.com/office/powerpoint/2010/main" val="335147267"/>
       </p:ext>
     </p:extLst>
   </p:cSld>
@@ -10399,6 +12054,20 @@
               <a:buChar char=""/>
             </a:pPr>
             <a:r>
+              <a:rPr lang="nl-BE" dirty="0" err="1">
+                <a:solidFill>
+                  <a:srgbClr val="000000"/>
+                </a:solidFill>
+                <a:highlight>
+                  <a:srgbClr val="00FFFF"/>
+                </a:highlight>
+                <a:latin typeface="Calibri" panose="020F0502020204030204" pitchFamily="34" charset="0"/>
+                <a:ea typeface="Times New Roman" panose="02020603050405020304" pitchFamily="18" charset="0"/>
+                <a:cs typeface="Symbol" panose="05050102010706020507" pitchFamily="18" charset="2"/>
+              </a:rPr>
+              <a:t>Decision</a:t>
+            </a:r>
+            <a:r>
               <a:rPr lang="nl-BE" dirty="0">
                 <a:solidFill>
                   <a:srgbClr val="000000"/>
@@ -10410,8 +12079,14 @@
                 <a:ea typeface="Times New Roman" panose="02020603050405020304" pitchFamily="18" charset="0"/>
                 <a:cs typeface="Symbol" panose="05050102010706020507" pitchFamily="18" charset="2"/>
               </a:rPr>
-              <a:t>Set date </a:t>
-            </a:r>
+              <a:t> 1</a:t>
+            </a:r>
+          </a:p>
+          <a:p>
+            <a:pPr marL="800100" lvl="1" indent="-342900">
+              <a:buFont typeface="Symbol" panose="05050102010706020507" pitchFamily="18" charset="2"/>
+              <a:buChar char=""/>
+            </a:pPr>
             <a:r>
               <a:rPr lang="nl-BE" dirty="0" err="1">
                 <a:solidFill>
@@ -10424,7 +12099,7 @@
                 <a:ea typeface="Times New Roman" panose="02020603050405020304" pitchFamily="18" charset="0"/>
                 <a:cs typeface="Symbol" panose="05050102010706020507" pitchFamily="18" charset="2"/>
               </a:rPr>
-              <a:t>for</a:t>
+              <a:t>Decision</a:t>
             </a:r>
             <a:r>
               <a:rPr lang="nl-BE" dirty="0">
@@ -10438,7 +12113,27 @@
                 <a:ea typeface="Times New Roman" panose="02020603050405020304" pitchFamily="18" charset="0"/>
                 <a:cs typeface="Symbol" panose="05050102010706020507" pitchFamily="18" charset="2"/>
               </a:rPr>
-              <a:t> next management review meeting</a:t>
+              <a:t> 2</a:t>
+            </a:r>
+          </a:p>
+          <a:p>
+            <a:pPr marL="800100" lvl="1" indent="-342900">
+              <a:buFont typeface="Symbol" panose="05050102010706020507" pitchFamily="18" charset="2"/>
+              <a:buChar char=""/>
+            </a:pPr>
+            <a:r>
+              <a:rPr lang="nl-BE" dirty="0">
+                <a:solidFill>
+                  <a:srgbClr val="000000"/>
+                </a:solidFill>
+                <a:highlight>
+                  <a:srgbClr val="00FFFF"/>
+                </a:highlight>
+                <a:latin typeface="Calibri" panose="020F0502020204030204" pitchFamily="34" charset="0"/>
+                <a:ea typeface="Times New Roman" panose="02020603050405020304" pitchFamily="18" charset="0"/>
+                <a:cs typeface="Symbol" panose="05050102010706020507" pitchFamily="18" charset="2"/>
+              </a:rPr>
+              <a:t>…</a:t>
             </a:r>
           </a:p>
         </p:txBody>
@@ -10474,15 +12169,32 @@
                 <a:ea typeface="Times New Roman" panose="02020603050405020304" pitchFamily="18" charset="0"/>
                 <a:cs typeface="Symbol" panose="05050102010706020507" pitchFamily="18" charset="2"/>
               </a:rPr>
-              <a:t>Planning next management review ISO27001</a:t>
-            </a:r>
+              <a:t>Management </a:t>
+            </a:r>
+            <a:r>
+              <a:rPr lang="nl-BE" sz="3200" dirty="0" err="1">
+                <a:solidFill>
+                  <a:srgbClr val="000000"/>
+                </a:solidFill>
+                <a:ea typeface="Times New Roman" panose="02020603050405020304" pitchFamily="18" charset="0"/>
+                <a:cs typeface="Symbol" panose="05050102010706020507" pitchFamily="18" charset="2"/>
+              </a:rPr>
+              <a:t>decisions</a:t>
+            </a:r>
+            <a:endParaRPr lang="nl-BE" sz="3200" dirty="0">
+              <a:solidFill>
+                <a:srgbClr val="000000"/>
+              </a:solidFill>
+              <a:ea typeface="Times New Roman" panose="02020603050405020304" pitchFamily="18" charset="0"/>
+              <a:cs typeface="Symbol" panose="05050102010706020507" pitchFamily="18" charset="2"/>
+            </a:endParaRPr>
           </a:p>
         </p:txBody>
       </p:sp>
     </p:spTree>
     <p:extLst>
       <p:ext uri="{BB962C8B-B14F-4D97-AF65-F5344CB8AC3E}">
-        <p14:creationId xmlns:p14="http://schemas.microsoft.com/office/powerpoint/2010/main" val="1811150124"/>
+        <p14:creationId xmlns:p14="http://schemas.microsoft.com/office/powerpoint/2010/main" val="3138061669"/>
       </p:ext>
     </p:extLst>
   </p:cSld>
@@ -10511,6 +12223,142 @@
       </p:grpSpPr>
       <p:sp>
         <p:nvSpPr>
+          <p:cNvPr id="5" name="Content Placeholder 4">
+            <a:extLst>
+              <a:ext uri="{FF2B5EF4-FFF2-40B4-BE49-F238E27FC236}">
+                <a16:creationId xmlns:a16="http://schemas.microsoft.com/office/drawing/2014/main" id="{67D3D307-9137-4497-83E4-A5BAE3594CA8}"/>
+              </a:ext>
+            </a:extLst>
+          </p:cNvPr>
+          <p:cNvSpPr>
+            <a:spLocks noGrp="1"/>
+          </p:cNvSpPr>
+          <p:nvPr>
+            <p:ph idx="1"/>
+          </p:nvPr>
+        </p:nvSpPr>
+        <p:spPr/>
+        <p:txBody>
+          <a:bodyPr/>
+          <a:lstStyle/>
+          <a:p>
+            <a:pPr marL="800100" lvl="1" indent="-342900">
+              <a:buFont typeface="Symbol" panose="05050102010706020507" pitchFamily="18" charset="2"/>
+              <a:buChar char=""/>
+            </a:pPr>
+            <a:r>
+              <a:rPr lang="nl-BE" dirty="0">
+                <a:solidFill>
+                  <a:srgbClr val="000000"/>
+                </a:solidFill>
+                <a:highlight>
+                  <a:srgbClr val="00FFFF"/>
+                </a:highlight>
+                <a:latin typeface="Calibri" panose="020F0502020204030204" pitchFamily="34" charset="0"/>
+                <a:ea typeface="Times New Roman" panose="02020603050405020304" pitchFamily="18" charset="0"/>
+                <a:cs typeface="Symbol" panose="05050102010706020507" pitchFamily="18" charset="2"/>
+              </a:rPr>
+              <a:t>Set date </a:t>
+            </a:r>
+            <a:r>
+              <a:rPr lang="nl-BE" dirty="0" err="1">
+                <a:solidFill>
+                  <a:srgbClr val="000000"/>
+                </a:solidFill>
+                <a:highlight>
+                  <a:srgbClr val="00FFFF"/>
+                </a:highlight>
+                <a:latin typeface="Calibri" panose="020F0502020204030204" pitchFamily="34" charset="0"/>
+                <a:ea typeface="Times New Roman" panose="02020603050405020304" pitchFamily="18" charset="0"/>
+                <a:cs typeface="Symbol" panose="05050102010706020507" pitchFamily="18" charset="2"/>
+              </a:rPr>
+              <a:t>for</a:t>
+            </a:r>
+            <a:r>
+              <a:rPr lang="nl-BE" dirty="0">
+                <a:solidFill>
+                  <a:srgbClr val="000000"/>
+                </a:solidFill>
+                <a:highlight>
+                  <a:srgbClr val="00FFFF"/>
+                </a:highlight>
+                <a:latin typeface="Calibri" panose="020F0502020204030204" pitchFamily="34" charset="0"/>
+                <a:ea typeface="Times New Roman" panose="02020603050405020304" pitchFamily="18" charset="0"/>
+                <a:cs typeface="Symbol" panose="05050102010706020507" pitchFamily="18" charset="2"/>
+              </a:rPr>
+              <a:t> next management review meeting</a:t>
+            </a:r>
+          </a:p>
+        </p:txBody>
+      </p:sp>
+      <p:sp>
+        <p:nvSpPr>
+          <p:cNvPr id="4" name="Title 3">
+            <a:extLst>
+              <a:ext uri="{FF2B5EF4-FFF2-40B4-BE49-F238E27FC236}">
+                <a16:creationId xmlns:a16="http://schemas.microsoft.com/office/drawing/2014/main" id="{390B2C54-4DEE-4ADC-99B0-309418E10131}"/>
+              </a:ext>
+            </a:extLst>
+          </p:cNvPr>
+          <p:cNvSpPr>
+            <a:spLocks noGrp="1"/>
+          </p:cNvSpPr>
+          <p:nvPr>
+            <p:ph type="title"/>
+          </p:nvPr>
+        </p:nvSpPr>
+        <p:spPr/>
+        <p:txBody>
+          <a:bodyPr>
+            <a:normAutofit/>
+          </a:bodyPr>
+          <a:lstStyle/>
+          <a:p>
+            <a:r>
+              <a:rPr lang="nl-BE" sz="3200" dirty="0">
+                <a:solidFill>
+                  <a:srgbClr val="000000"/>
+                </a:solidFill>
+                <a:ea typeface="Times New Roman" panose="02020603050405020304" pitchFamily="18" charset="0"/>
+                <a:cs typeface="Symbol" panose="05050102010706020507" pitchFamily="18" charset="2"/>
+              </a:rPr>
+              <a:t>Planning next management review ISO27001</a:t>
+            </a:r>
+          </a:p>
+        </p:txBody>
+      </p:sp>
+    </p:spTree>
+    <p:extLst>
+      <p:ext uri="{BB962C8B-B14F-4D97-AF65-F5344CB8AC3E}">
+        <p14:creationId xmlns:p14="http://schemas.microsoft.com/office/powerpoint/2010/main" val="1811150124"/>
+      </p:ext>
+    </p:extLst>
+  </p:cSld>
+  <p:clrMapOvr>
+    <a:masterClrMapping/>
+  </p:clrMapOvr>
+</p:sld>
+</file>
+
+<file path=ppt/slides/slide28.xml><?xml version="1.0" encoding="utf-8"?>
+<p:sld xmlns:a="http://schemas.openxmlformats.org/drawingml/2006/main" xmlns:r="http://schemas.openxmlformats.org/officeDocument/2006/relationships" xmlns:p="http://schemas.openxmlformats.org/presentationml/2006/main">
+  <p:cSld>
+    <p:spTree>
+      <p:nvGrpSpPr>
+        <p:cNvPr id="1" name=""/>
+        <p:cNvGrpSpPr/>
+        <p:nvPr/>
+      </p:nvGrpSpPr>
+      <p:grpSpPr>
+        <a:xfrm>
+          <a:off x="0" y="0"/>
+          <a:ext cx="0" cy="0"/>
+          <a:chOff x="0" y="0"/>
+          <a:chExt cx="0" cy="0"/>
+        </a:xfrm>
+      </p:grpSpPr>
+      <p:sp>
+        <p:nvSpPr>
           <p:cNvPr id="2" name="Title 1">
             <a:extLst>
               <a:ext uri="{FF2B5EF4-FFF2-40B4-BE49-F238E27FC236}">
@@ -10552,7 +12400,7 @@
 </p:sld>
 </file>
 
-<file path=ppt/slides/slide28.xml><?xml version="1.0" encoding="utf-8"?>
+<file path=ppt/slides/slide29.xml><?xml version="1.0" encoding="utf-8"?>
 <p:sld xmlns:a="http://schemas.openxmlformats.org/drawingml/2006/main" xmlns:r="http://schemas.openxmlformats.org/officeDocument/2006/relationships" xmlns:p="http://schemas.openxmlformats.org/presentationml/2006/main">
   <p:cSld>
     <p:spTree>
@@ -12945,18 +14793,18 @@
       </p:grpSpPr>
       <p:sp>
         <p:nvSpPr>
-          <p:cNvPr id="2" name="Title 1">
-            <a:extLst>
-              <a:ext uri="{FF2B5EF4-FFF2-40B4-BE49-F238E27FC236}">
-                <a16:creationId xmlns:a16="http://schemas.microsoft.com/office/drawing/2014/main" id="{352CEE4F-C003-6073-7686-0C94FBF1530D}"/>
-              </a:ext>
-            </a:extLst>
-          </p:cNvPr>
-          <p:cNvSpPr>
-            <a:spLocks noGrp="1"/>
-          </p:cNvSpPr>
-          <p:nvPr>
-            <p:ph type="title"/>
+          <p:cNvPr id="5" name="Content Placeholder 4">
+            <a:extLst>
+              <a:ext uri="{FF2B5EF4-FFF2-40B4-BE49-F238E27FC236}">
+                <a16:creationId xmlns:a16="http://schemas.microsoft.com/office/drawing/2014/main" id="{67D3D307-9137-4497-83E4-A5BAE3594CA8}"/>
+              </a:ext>
+            </a:extLst>
+          </p:cNvPr>
+          <p:cNvSpPr>
+            <a:spLocks noGrp="1"/>
+          </p:cNvSpPr>
+          <p:nvPr>
+            <p:ph idx="1"/>
           </p:nvPr>
         </p:nvSpPr>
         <p:spPr/>
@@ -12964,47 +14812,7 @@
           <a:bodyPr/>
           <a:lstStyle/>
           <a:p>
-            <a:r>
-              <a:rPr lang="nl-BE" sz="4400" b="1" dirty="0">
-                <a:solidFill>
-                  <a:srgbClr val="000000"/>
-                </a:solidFill>
-                <a:ea typeface="Times New Roman" panose="02020603050405020304" pitchFamily="18" charset="0"/>
-                <a:cs typeface="Symbol" panose="05050102010706020507" pitchFamily="18" charset="2"/>
-              </a:rPr>
-              <a:t>Feedback on security performance</a:t>
-            </a:r>
-            <a:endParaRPr lang="nl-BE" b="1" dirty="0"/>
-          </a:p>
-        </p:txBody>
-      </p:sp>
-      <p:sp>
-        <p:nvSpPr>
-          <p:cNvPr id="3" name="Content Placeholder 2">
-            <a:extLst>
-              <a:ext uri="{FF2B5EF4-FFF2-40B4-BE49-F238E27FC236}">
-                <a16:creationId xmlns:a16="http://schemas.microsoft.com/office/drawing/2014/main" id="{A5599B84-E3EE-91C5-D914-DE92BC88687B}"/>
-              </a:ext>
-            </a:extLst>
-          </p:cNvPr>
-          <p:cNvSpPr>
-            <a:spLocks noGrp="1"/>
-          </p:cNvSpPr>
-          <p:nvPr>
-            <p:ph idx="1"/>
-          </p:nvPr>
-        </p:nvSpPr>
-        <p:spPr/>
-        <p:txBody>
-          <a:bodyPr>
-            <a:normAutofit/>
-          </a:bodyPr>
-          <a:lstStyle/>
-          <a:p>
-            <a:pPr marL="0" lvl="0" indent="0">
-              <a:spcAft>
-                <a:spcPts val="0"/>
-              </a:spcAft>
+            <a:pPr marL="0" indent="0">
               <a:buNone/>
             </a:pPr>
             <a:r>
@@ -13016,7 +14824,7 @@
                 <a:ea typeface="Times New Roman" panose="02020603050405020304" pitchFamily="18" charset="0"/>
                 <a:cs typeface="Symbol" panose="05050102010706020507" pitchFamily="18" charset="2"/>
               </a:rPr>
-              <a:t>Feedback on security performance </a:t>
+              <a:t>Changes in </a:t>
             </a:r>
             <a:r>
               <a:rPr lang="nl-BE" sz="2400" dirty="0" err="1">
@@ -13027,12 +14835,112 @@
                 <a:ea typeface="Times New Roman" panose="02020603050405020304" pitchFamily="18" charset="0"/>
                 <a:cs typeface="Symbol" panose="05050102010706020507" pitchFamily="18" charset="2"/>
               </a:rPr>
-              <a:t>includes</a:t>
+              <a:t>needs</a:t>
+            </a:r>
+            <a:r>
+              <a:rPr lang="nl-BE" sz="2400" dirty="0">
+                <a:solidFill>
+                  <a:srgbClr val="000000"/>
+                </a:solidFill>
+                <a:latin typeface="Calibri" panose="020F0502020204030204" pitchFamily="34" charset="0"/>
+                <a:ea typeface="Times New Roman" panose="02020603050405020304" pitchFamily="18" charset="0"/>
+                <a:cs typeface="Symbol" panose="05050102010706020507" pitchFamily="18" charset="2"/>
+              </a:rPr>
+              <a:t> </a:t>
+            </a:r>
+            <a:r>
+              <a:rPr lang="nl-BE" sz="2400" dirty="0" err="1">
+                <a:solidFill>
+                  <a:srgbClr val="000000"/>
+                </a:solidFill>
+                <a:latin typeface="Calibri" panose="020F0502020204030204" pitchFamily="34" charset="0"/>
+                <a:ea typeface="Times New Roman" panose="02020603050405020304" pitchFamily="18" charset="0"/>
+                <a:cs typeface="Symbol" panose="05050102010706020507" pitchFamily="18" charset="2"/>
+              </a:rPr>
+              <a:t>and</a:t>
+            </a:r>
+            <a:r>
+              <a:rPr lang="nl-BE" sz="2400" dirty="0">
+                <a:solidFill>
+                  <a:srgbClr val="000000"/>
+                </a:solidFill>
+                <a:latin typeface="Calibri" panose="020F0502020204030204" pitchFamily="34" charset="0"/>
+                <a:ea typeface="Times New Roman" panose="02020603050405020304" pitchFamily="18" charset="0"/>
+                <a:cs typeface="Symbol" panose="05050102010706020507" pitchFamily="18" charset="2"/>
+              </a:rPr>
+              <a:t> </a:t>
+            </a:r>
+            <a:r>
+              <a:rPr lang="nl-BE" sz="2400" dirty="0" err="1">
+                <a:solidFill>
+                  <a:srgbClr val="000000"/>
+                </a:solidFill>
+                <a:latin typeface="Calibri" panose="020F0502020204030204" pitchFamily="34" charset="0"/>
+                <a:ea typeface="Times New Roman" panose="02020603050405020304" pitchFamily="18" charset="0"/>
+                <a:cs typeface="Symbol" panose="05050102010706020507" pitchFamily="18" charset="2"/>
+              </a:rPr>
+              <a:t>expectations</a:t>
+            </a:r>
+            <a:r>
+              <a:rPr lang="nl-BE" sz="2400" dirty="0">
+                <a:solidFill>
+                  <a:srgbClr val="000000"/>
+                </a:solidFill>
+                <a:latin typeface="Calibri" panose="020F0502020204030204" pitchFamily="34" charset="0"/>
+                <a:ea typeface="Times New Roman" panose="02020603050405020304" pitchFamily="18" charset="0"/>
+                <a:cs typeface="Symbol" panose="05050102010706020507" pitchFamily="18" charset="2"/>
+              </a:rPr>
+              <a:t> </a:t>
+            </a:r>
+            <a:r>
+              <a:rPr lang="nl-BE" sz="2400" dirty="0" err="1">
+                <a:solidFill>
+                  <a:srgbClr val="000000"/>
+                </a:solidFill>
+                <a:latin typeface="Calibri" panose="020F0502020204030204" pitchFamily="34" charset="0"/>
+                <a:ea typeface="Times New Roman" panose="02020603050405020304" pitchFamily="18" charset="0"/>
+                <a:cs typeface="Symbol" panose="05050102010706020507" pitchFamily="18" charset="2"/>
+              </a:rPr>
+              <a:t>from</a:t>
+            </a:r>
+            <a:r>
+              <a:rPr lang="nl-BE" sz="2400" dirty="0">
+                <a:solidFill>
+                  <a:srgbClr val="000000"/>
+                </a:solidFill>
+                <a:latin typeface="Calibri" panose="020F0502020204030204" pitchFamily="34" charset="0"/>
+                <a:ea typeface="Times New Roman" panose="02020603050405020304" pitchFamily="18" charset="0"/>
+                <a:cs typeface="Symbol" panose="05050102010706020507" pitchFamily="18" charset="2"/>
+              </a:rPr>
+              <a:t> </a:t>
+            </a:r>
+          </a:p>
+          <a:p>
+            <a:pPr marL="800100" lvl="1" indent="-342900">
+              <a:buFont typeface="Symbol" panose="05050102010706020507" pitchFamily="18" charset="2"/>
+              <a:buChar char=""/>
+            </a:pPr>
+            <a:r>
+              <a:rPr lang="nl-BE" sz="2400" dirty="0" err="1">
+                <a:solidFill>
+                  <a:srgbClr val="000000"/>
+                </a:solidFill>
+                <a:highlight>
+                  <a:srgbClr val="00FFFF"/>
+                </a:highlight>
+                <a:latin typeface="Calibri" panose="020F0502020204030204" pitchFamily="34" charset="0"/>
+                <a:ea typeface="Times New Roman" panose="02020603050405020304" pitchFamily="18" charset="0"/>
+                <a:cs typeface="Symbol" panose="05050102010706020507" pitchFamily="18" charset="2"/>
+              </a:rPr>
+              <a:t>Customers</a:t>
             </a:r>
             <a:endParaRPr lang="nl-BE" sz="2400" dirty="0">
               <a:solidFill>
                 <a:srgbClr val="000000"/>
               </a:solidFill>
+              <a:highlight>
+                <a:srgbClr val="00FFFF"/>
+              </a:highlight>
               <a:latin typeface="Calibri" panose="020F0502020204030204" pitchFamily="34" charset="0"/>
               <a:ea typeface="Times New Roman" panose="02020603050405020304" pitchFamily="18" charset="0"/>
               <a:cs typeface="Symbol" panose="05050102010706020507" pitchFamily="18" charset="2"/>
@@ -13044,48 +14952,18 @@
               <a:buChar char=""/>
             </a:pPr>
             <a:r>
-              <a:rPr lang="nl-BE" sz="2400" dirty="0" err="1">
-                <a:solidFill>
-                  <a:srgbClr val="000000"/>
-                </a:solidFill>
-                <a:latin typeface="Calibri" panose="020F0502020204030204" pitchFamily="34" charset="0"/>
-                <a:ea typeface="Times New Roman" panose="02020603050405020304" pitchFamily="18" charset="0"/>
-                <a:cs typeface="Symbol" panose="05050102010706020507" pitchFamily="18" charset="2"/>
-              </a:rPr>
-              <a:t>NCs</a:t>
-            </a:r>
-            <a:r>
-              <a:rPr lang="nl-BE" sz="2400" dirty="0">
-                <a:solidFill>
-                  <a:srgbClr val="000000"/>
-                </a:solidFill>
-                <a:latin typeface="Calibri" panose="020F0502020204030204" pitchFamily="34" charset="0"/>
-                <a:ea typeface="Times New Roman" panose="02020603050405020304" pitchFamily="18" charset="0"/>
-                <a:cs typeface="Symbol" panose="05050102010706020507" pitchFamily="18" charset="2"/>
-              </a:rPr>
-              <a:t> and </a:t>
-            </a:r>
-            <a:r>
-              <a:rPr lang="nl-BE" sz="2400" dirty="0" err="1">
-                <a:solidFill>
-                  <a:srgbClr val="000000"/>
-                </a:solidFill>
-                <a:latin typeface="Calibri" panose="020F0502020204030204" pitchFamily="34" charset="0"/>
-                <a:ea typeface="Times New Roman" panose="02020603050405020304" pitchFamily="18" charset="0"/>
-                <a:cs typeface="Symbol" panose="05050102010706020507" pitchFamily="18" charset="2"/>
-              </a:rPr>
-              <a:t>corrective</a:t>
-            </a:r>
-            <a:r>
-              <a:rPr lang="nl-BE" sz="2400" dirty="0">
-                <a:solidFill>
-                  <a:srgbClr val="000000"/>
-                </a:solidFill>
-                <a:latin typeface="Calibri" panose="020F0502020204030204" pitchFamily="34" charset="0"/>
-                <a:ea typeface="Times New Roman" panose="02020603050405020304" pitchFamily="18" charset="0"/>
-                <a:cs typeface="Symbol" panose="05050102010706020507" pitchFamily="18" charset="2"/>
-              </a:rPr>
-              <a:t> actions</a:t>
+              <a:rPr lang="nl-BE" dirty="0">
+                <a:solidFill>
+                  <a:srgbClr val="000000"/>
+                </a:solidFill>
+                <a:highlight>
+                  <a:srgbClr val="00FFFF"/>
+                </a:highlight>
+                <a:latin typeface="Calibri" panose="020F0502020204030204" pitchFamily="34" charset="0"/>
+                <a:ea typeface="Times New Roman" panose="02020603050405020304" pitchFamily="18" charset="0"/>
+                <a:cs typeface="Symbol" panose="05050102010706020507" pitchFamily="18" charset="2"/>
+              </a:rPr>
+              <a:t>Partners</a:t>
             </a:r>
           </a:p>
           <a:p>
@@ -13094,53 +14972,26 @@
               <a:buChar char=""/>
             </a:pPr>
             <a:r>
-              <a:rPr lang="nl-BE" sz="2400" dirty="0">
-                <a:solidFill>
-                  <a:srgbClr val="000000"/>
-                </a:solidFill>
-                <a:latin typeface="Calibri" panose="020F0502020204030204" pitchFamily="34" charset="0"/>
-                <a:ea typeface="Times New Roman" panose="02020603050405020304" pitchFamily="18" charset="0"/>
-                <a:cs typeface="Symbol" panose="05050102010706020507" pitchFamily="18" charset="2"/>
-              </a:rPr>
-              <a:t>Monitoring and </a:t>
-            </a:r>
-            <a:r>
-              <a:rPr lang="nl-BE" sz="2400" dirty="0" err="1">
-                <a:solidFill>
-                  <a:srgbClr val="000000"/>
-                </a:solidFill>
-                <a:latin typeface="Calibri" panose="020F0502020204030204" pitchFamily="34" charset="0"/>
-                <a:ea typeface="Times New Roman" panose="02020603050405020304" pitchFamily="18" charset="0"/>
-                <a:cs typeface="Symbol" panose="05050102010706020507" pitchFamily="18" charset="2"/>
-              </a:rPr>
-              <a:t>measuring</a:t>
-            </a:r>
-            <a:r>
-              <a:rPr lang="nl-BE" sz="2400" dirty="0">
-                <a:solidFill>
-                  <a:srgbClr val="000000"/>
-                </a:solidFill>
-                <a:latin typeface="Calibri" panose="020F0502020204030204" pitchFamily="34" charset="0"/>
-                <a:ea typeface="Times New Roman" panose="02020603050405020304" pitchFamily="18" charset="0"/>
-                <a:cs typeface="Symbol" panose="05050102010706020507" pitchFamily="18" charset="2"/>
-              </a:rPr>
-              <a:t> </a:t>
-            </a:r>
-            <a:r>
-              <a:rPr lang="nl-BE" sz="2400" dirty="0" err="1">
-                <a:solidFill>
-                  <a:srgbClr val="000000"/>
-                </a:solidFill>
-                <a:latin typeface="Calibri" panose="020F0502020204030204" pitchFamily="34" charset="0"/>
-                <a:ea typeface="Times New Roman" panose="02020603050405020304" pitchFamily="18" charset="0"/>
-                <a:cs typeface="Symbol" panose="05050102010706020507" pitchFamily="18" charset="2"/>
-              </a:rPr>
-              <a:t>results</a:t>
-            </a:r>
-            <a:endParaRPr lang="nl-BE" sz="2400" dirty="0">
+              <a:rPr lang="nl-BE" dirty="0" err="1">
+                <a:solidFill>
+                  <a:srgbClr val="000000"/>
+                </a:solidFill>
+                <a:highlight>
+                  <a:srgbClr val="00FFFF"/>
+                </a:highlight>
+                <a:latin typeface="Calibri" panose="020F0502020204030204" pitchFamily="34" charset="0"/>
+                <a:ea typeface="Times New Roman" panose="02020603050405020304" pitchFamily="18" charset="0"/>
+                <a:cs typeface="Symbol" panose="05050102010706020507" pitchFamily="18" charset="2"/>
+              </a:rPr>
+              <a:t>Visitors</a:t>
+            </a:r>
+            <a:endParaRPr lang="nl-BE" dirty="0">
               <a:solidFill>
                 <a:srgbClr val="000000"/>
               </a:solidFill>
+              <a:highlight>
+                <a:srgbClr val="00FFFF"/>
+              </a:highlight>
               <a:latin typeface="Calibri" panose="020F0502020204030204" pitchFamily="34" charset="0"/>
               <a:ea typeface="Times New Roman" panose="02020603050405020304" pitchFamily="18" charset="0"/>
               <a:cs typeface="Symbol" panose="05050102010706020507" pitchFamily="18" charset="2"/>
@@ -13152,31 +15003,66 @@
               <a:buChar char=""/>
             </a:pPr>
             <a:r>
-              <a:rPr lang="nl-BE" sz="2400" dirty="0">
-                <a:solidFill>
-                  <a:srgbClr val="000000"/>
-                </a:solidFill>
-                <a:latin typeface="Calibri" panose="020F0502020204030204" pitchFamily="34" charset="0"/>
-                <a:ea typeface="Times New Roman" panose="02020603050405020304" pitchFamily="18" charset="0"/>
-                <a:cs typeface="Symbol" panose="05050102010706020507" pitchFamily="18" charset="2"/>
-              </a:rPr>
-              <a:t>Audit </a:t>
-            </a:r>
-            <a:r>
-              <a:rPr lang="nl-BE" sz="2400" dirty="0" err="1">
-                <a:solidFill>
-                  <a:srgbClr val="000000"/>
-                </a:solidFill>
-                <a:latin typeface="Calibri" panose="020F0502020204030204" pitchFamily="34" charset="0"/>
-                <a:ea typeface="Times New Roman" panose="02020603050405020304" pitchFamily="18" charset="0"/>
-                <a:cs typeface="Symbol" panose="05050102010706020507" pitchFamily="18" charset="2"/>
-              </a:rPr>
-              <a:t>results</a:t>
-            </a:r>
-            <a:endParaRPr lang="nl-BE" sz="2400" dirty="0">
+              <a:rPr lang="nl-BE" dirty="0">
+                <a:solidFill>
+                  <a:srgbClr val="000000"/>
+                </a:solidFill>
+                <a:highlight>
+                  <a:srgbClr val="00FFFF"/>
+                </a:highlight>
+                <a:latin typeface="Calibri" panose="020F0502020204030204" pitchFamily="34" charset="0"/>
+                <a:ea typeface="Times New Roman" panose="02020603050405020304" pitchFamily="18" charset="0"/>
+                <a:cs typeface="Symbol" panose="05050102010706020507" pitchFamily="18" charset="2"/>
+              </a:rPr>
+              <a:t>Management</a:t>
+            </a:r>
+          </a:p>
+          <a:p>
+            <a:pPr marL="800100" lvl="1" indent="-342900">
+              <a:buFont typeface="Symbol" panose="05050102010706020507" pitchFamily="18" charset="2"/>
+              <a:buChar char=""/>
+            </a:pPr>
+            <a:r>
+              <a:rPr lang="nl-BE" dirty="0">
+                <a:solidFill>
+                  <a:srgbClr val="000000"/>
+                </a:solidFill>
+                <a:highlight>
+                  <a:srgbClr val="00FFFF"/>
+                </a:highlight>
+                <a:latin typeface="Calibri" panose="020F0502020204030204" pitchFamily="34" charset="0"/>
+                <a:ea typeface="Times New Roman" panose="02020603050405020304" pitchFamily="18" charset="0"/>
+                <a:cs typeface="Symbol" panose="05050102010706020507" pitchFamily="18" charset="2"/>
+              </a:rPr>
+              <a:t>Employees</a:t>
+            </a:r>
+          </a:p>
+          <a:p>
+            <a:pPr marL="800100" lvl="1" indent="-342900">
+              <a:buFont typeface="Symbol" panose="05050102010706020507" pitchFamily="18" charset="2"/>
+              <a:buChar char=""/>
+            </a:pPr>
+            <a:r>
+              <a:rPr lang="nl-BE" dirty="0" err="1">
+                <a:solidFill>
+                  <a:srgbClr val="000000"/>
+                </a:solidFill>
+                <a:highlight>
+                  <a:srgbClr val="00FFFF"/>
+                </a:highlight>
+                <a:latin typeface="Calibri" panose="020F0502020204030204" pitchFamily="34" charset="0"/>
+                <a:ea typeface="Times New Roman" panose="02020603050405020304" pitchFamily="18" charset="0"/>
+                <a:cs typeface="Symbol" panose="05050102010706020507" pitchFamily="18" charset="2"/>
+              </a:rPr>
+              <a:t>Staff</a:t>
+            </a:r>
+            <a:endParaRPr lang="nl-BE" dirty="0">
               <a:solidFill>
                 <a:srgbClr val="000000"/>
               </a:solidFill>
+              <a:highlight>
+                <a:srgbClr val="00FFFF"/>
+              </a:highlight>
               <a:latin typeface="Calibri" panose="020F0502020204030204" pitchFamily="34" charset="0"/>
               <a:ea typeface="Times New Roman" panose="02020603050405020304" pitchFamily="18" charset="0"/>
               <a:cs typeface="Symbol" panose="05050102010706020507" pitchFamily="18" charset="2"/>
@@ -13188,154 +15074,210 @@
               <a:buChar char=""/>
             </a:pPr>
             <a:r>
-              <a:rPr lang="nl-BE" sz="2400" dirty="0" err="1">
-                <a:solidFill>
-                  <a:srgbClr val="000000"/>
-                </a:solidFill>
-                <a:latin typeface="Calibri" panose="020F0502020204030204" pitchFamily="34" charset="0"/>
-                <a:ea typeface="Times New Roman" panose="02020603050405020304" pitchFamily="18" charset="0"/>
-                <a:cs typeface="Symbol" panose="05050102010706020507" pitchFamily="18" charset="2"/>
-              </a:rPr>
-              <a:t>Fullfilment</a:t>
-            </a:r>
-            <a:r>
-              <a:rPr lang="nl-BE" sz="2400" dirty="0">
-                <a:solidFill>
-                  <a:srgbClr val="000000"/>
-                </a:solidFill>
-                <a:latin typeface="Calibri" panose="020F0502020204030204" pitchFamily="34" charset="0"/>
-                <a:ea typeface="Times New Roman" panose="02020603050405020304" pitchFamily="18" charset="0"/>
-                <a:cs typeface="Symbol" panose="05050102010706020507" pitchFamily="18" charset="2"/>
-              </a:rPr>
-              <a:t> of </a:t>
-            </a:r>
-            <a:r>
-              <a:rPr lang="nl-BE" sz="2400" dirty="0" err="1">
-                <a:solidFill>
-                  <a:srgbClr val="000000"/>
-                </a:solidFill>
-                <a:latin typeface="Calibri" panose="020F0502020204030204" pitchFamily="34" charset="0"/>
-                <a:ea typeface="Times New Roman" panose="02020603050405020304" pitchFamily="18" charset="0"/>
-                <a:cs typeface="Symbol" panose="05050102010706020507" pitchFamily="18" charset="2"/>
-              </a:rPr>
-              <a:t>objectives</a:t>
-            </a:r>
-            <a:endParaRPr lang="nl-BE" sz="2400" dirty="0">
+              <a:rPr lang="nl-BE" dirty="0" err="1">
+                <a:solidFill>
+                  <a:srgbClr val="000000"/>
+                </a:solidFill>
+                <a:highlight>
+                  <a:srgbClr val="00FFFF"/>
+                </a:highlight>
+                <a:latin typeface="Calibri" panose="020F0502020204030204" pitchFamily="34" charset="0"/>
+                <a:ea typeface="Times New Roman" panose="02020603050405020304" pitchFamily="18" charset="0"/>
+                <a:cs typeface="Symbol" panose="05050102010706020507" pitchFamily="18" charset="2"/>
+              </a:rPr>
+              <a:t>Contractors</a:t>
+            </a:r>
+            <a:endParaRPr lang="nl-BE" dirty="0">
               <a:solidFill>
                 <a:srgbClr val="000000"/>
               </a:solidFill>
+              <a:highlight>
+                <a:srgbClr val="00FFFF"/>
+              </a:highlight>
               <a:latin typeface="Calibri" panose="020F0502020204030204" pitchFamily="34" charset="0"/>
               <a:ea typeface="Times New Roman" panose="02020603050405020304" pitchFamily="18" charset="0"/>
               <a:cs typeface="Symbol" panose="05050102010706020507" pitchFamily="18" charset="2"/>
             </a:endParaRPr>
           </a:p>
-        </p:txBody>
-      </p:sp>
-      <p:sp>
-        <p:nvSpPr>
-          <p:cNvPr id="4" name="Date Placeholder 3">
-            <a:extLst>
-              <a:ext uri="{FF2B5EF4-FFF2-40B4-BE49-F238E27FC236}">
-                <a16:creationId xmlns:a16="http://schemas.microsoft.com/office/drawing/2014/main" id="{B300A318-D5E4-BCDA-38A7-4D80F097CAB8}"/>
-              </a:ext>
-            </a:extLst>
-          </p:cNvPr>
-          <p:cNvSpPr>
-            <a:spLocks noGrp="1"/>
-          </p:cNvSpPr>
-          <p:nvPr>
-            <p:ph type="dt" sz="half" idx="10"/>
-          </p:nvPr>
-        </p:nvSpPr>
-        <p:spPr>
-          <a:xfrm>
-            <a:off x="838200" y="6356350"/>
-            <a:ext cx="2743200" cy="365125"/>
-          </a:xfrm>
-        </p:spPr>
-        <p:txBody>
-          <a:bodyPr/>
-          <a:lstStyle/>
-          <a:p>
-            <a:fld id="{6CEFC4AD-5F05-4255-A79A-5D84DB5091EF}" type="datetimeFigureOut">
-              <a:rPr lang="nl-BE" smtClean="0"/>
-              <a:t>24/05/2024</a:t>
-            </a:fld>
-            <a:endParaRPr lang="nl-BE"/>
-          </a:p>
-        </p:txBody>
-      </p:sp>
-      <p:sp>
-        <p:nvSpPr>
-          <p:cNvPr id="5" name="Footer Placeholder 4">
-            <a:extLst>
-              <a:ext uri="{FF2B5EF4-FFF2-40B4-BE49-F238E27FC236}">
-                <a16:creationId xmlns:a16="http://schemas.microsoft.com/office/drawing/2014/main" id="{5A1D0F7D-BED3-B3BA-20A9-D309C8288C8A}"/>
-              </a:ext>
-            </a:extLst>
-          </p:cNvPr>
-          <p:cNvSpPr>
-            <a:spLocks noGrp="1"/>
-          </p:cNvSpPr>
-          <p:nvPr>
-            <p:ph type="ftr" sz="quarter" idx="11"/>
-          </p:nvPr>
-        </p:nvSpPr>
-        <p:spPr>
-          <a:xfrm>
-            <a:off x="4038600" y="6356350"/>
-            <a:ext cx="4114800" cy="365125"/>
-          </a:xfrm>
-        </p:spPr>
-        <p:txBody>
-          <a:bodyPr/>
-          <a:lstStyle/>
-          <a:p>
-            <a:r>
-              <a:rPr lang="nl-BE" dirty="0"/>
-              <a:t>&lt;ISMS CLASSIFICATION / CONFIDENTIAL&gt;</a:t>
-            </a:r>
-          </a:p>
-        </p:txBody>
-      </p:sp>
-      <p:sp>
-        <p:nvSpPr>
-          <p:cNvPr id="6" name="Slide Number Placeholder 5">
-            <a:extLst>
-              <a:ext uri="{FF2B5EF4-FFF2-40B4-BE49-F238E27FC236}">
-                <a16:creationId xmlns:a16="http://schemas.microsoft.com/office/drawing/2014/main" id="{6B590B11-4F32-EAFF-8650-825C05173685}"/>
-              </a:ext>
-            </a:extLst>
-          </p:cNvPr>
-          <p:cNvSpPr>
-            <a:spLocks noGrp="1"/>
-          </p:cNvSpPr>
-          <p:nvPr>
-            <p:ph type="sldNum" sz="quarter" idx="12"/>
-          </p:nvPr>
-        </p:nvSpPr>
-        <p:spPr>
-          <a:xfrm>
-            <a:off x="8610600" y="6356350"/>
-            <a:ext cx="2743200" cy="365125"/>
-          </a:xfrm>
-        </p:spPr>
-        <p:txBody>
-          <a:bodyPr/>
-          <a:lstStyle/>
-          <a:p>
-            <a:fld id="{820D5191-B09E-4233-8694-102B4779B314}" type="slidenum">
-              <a:rPr lang="nl-BE" smtClean="0"/>
-              <a:t>8</a:t>
-            </a:fld>
-            <a:endParaRPr lang="nl-BE"/>
+          <a:p>
+            <a:pPr marL="800100" lvl="1" indent="-342900">
+              <a:buFont typeface="Symbol" panose="05050102010706020507" pitchFamily="18" charset="2"/>
+              <a:buChar char=""/>
+            </a:pPr>
+            <a:r>
+              <a:rPr lang="nl-BE" dirty="0">
+                <a:solidFill>
+                  <a:srgbClr val="000000"/>
+                </a:solidFill>
+                <a:highlight>
+                  <a:srgbClr val="00FFFF"/>
+                </a:highlight>
+                <a:latin typeface="Calibri" panose="020F0502020204030204" pitchFamily="34" charset="0"/>
+                <a:ea typeface="Times New Roman" panose="02020603050405020304" pitchFamily="18" charset="0"/>
+                <a:cs typeface="Symbol" panose="05050102010706020507" pitchFamily="18" charset="2"/>
+              </a:rPr>
+              <a:t>Suppliers</a:t>
+            </a:r>
+          </a:p>
+          <a:p>
+            <a:pPr marL="800100" lvl="1" indent="-342900">
+              <a:buFont typeface="Symbol" panose="05050102010706020507" pitchFamily="18" charset="2"/>
+              <a:buChar char=""/>
+            </a:pPr>
+            <a:r>
+              <a:rPr lang="nl-BE" dirty="0">
+                <a:solidFill>
+                  <a:srgbClr val="000000"/>
+                </a:solidFill>
+                <a:highlight>
+                  <a:srgbClr val="00FFFF"/>
+                </a:highlight>
+                <a:latin typeface="Calibri" panose="020F0502020204030204" pitchFamily="34" charset="0"/>
+                <a:ea typeface="Times New Roman" panose="02020603050405020304" pitchFamily="18" charset="0"/>
+                <a:cs typeface="Symbol" panose="05050102010706020507" pitchFamily="18" charset="2"/>
+              </a:rPr>
+              <a:t>…</a:t>
+            </a:r>
+          </a:p>
+        </p:txBody>
+      </p:sp>
+      <p:sp>
+        <p:nvSpPr>
+          <p:cNvPr id="4" name="Title 3">
+            <a:extLst>
+              <a:ext uri="{FF2B5EF4-FFF2-40B4-BE49-F238E27FC236}">
+                <a16:creationId xmlns:a16="http://schemas.microsoft.com/office/drawing/2014/main" id="{390B2C54-4DEE-4ADC-99B0-309418E10131}"/>
+              </a:ext>
+            </a:extLst>
+          </p:cNvPr>
+          <p:cNvSpPr>
+            <a:spLocks noGrp="1"/>
+          </p:cNvSpPr>
+          <p:nvPr>
+            <p:ph type="title"/>
+          </p:nvPr>
+        </p:nvSpPr>
+        <p:spPr/>
+        <p:txBody>
+          <a:bodyPr>
+            <a:normAutofit/>
+          </a:bodyPr>
+          <a:lstStyle/>
+          <a:p>
+            <a:r>
+              <a:rPr lang="nl-BE" sz="3200" dirty="0">
+                <a:solidFill>
+                  <a:srgbClr val="000000"/>
+                </a:solidFill>
+                <a:ea typeface="Times New Roman" panose="02020603050405020304" pitchFamily="18" charset="0"/>
+                <a:cs typeface="Symbol" panose="05050102010706020507" pitchFamily="18" charset="2"/>
+              </a:rPr>
+              <a:t>Changes in </a:t>
+            </a:r>
+            <a:r>
+              <a:rPr lang="nl-BE" sz="3200" dirty="0" err="1">
+                <a:solidFill>
+                  <a:srgbClr val="000000"/>
+                </a:solidFill>
+                <a:ea typeface="Times New Roman" panose="02020603050405020304" pitchFamily="18" charset="0"/>
+                <a:cs typeface="Symbol" panose="05050102010706020507" pitchFamily="18" charset="2"/>
+              </a:rPr>
+              <a:t>needs</a:t>
+            </a:r>
+            <a:r>
+              <a:rPr lang="nl-BE" sz="3200" dirty="0">
+                <a:solidFill>
+                  <a:srgbClr val="000000"/>
+                </a:solidFill>
+                <a:ea typeface="Times New Roman" panose="02020603050405020304" pitchFamily="18" charset="0"/>
+                <a:cs typeface="Symbol" panose="05050102010706020507" pitchFamily="18" charset="2"/>
+              </a:rPr>
+              <a:t> </a:t>
+            </a:r>
+            <a:r>
+              <a:rPr lang="nl-BE" sz="3200" dirty="0" err="1">
+                <a:solidFill>
+                  <a:srgbClr val="000000"/>
+                </a:solidFill>
+                <a:ea typeface="Times New Roman" panose="02020603050405020304" pitchFamily="18" charset="0"/>
+                <a:cs typeface="Symbol" panose="05050102010706020507" pitchFamily="18" charset="2"/>
+              </a:rPr>
+              <a:t>and</a:t>
+            </a:r>
+            <a:r>
+              <a:rPr lang="nl-BE" sz="3200" dirty="0">
+                <a:solidFill>
+                  <a:srgbClr val="000000"/>
+                </a:solidFill>
+                <a:ea typeface="Times New Roman" panose="02020603050405020304" pitchFamily="18" charset="0"/>
+                <a:cs typeface="Symbol" panose="05050102010706020507" pitchFamily="18" charset="2"/>
+              </a:rPr>
+              <a:t> </a:t>
+            </a:r>
+            <a:r>
+              <a:rPr lang="nl-BE" sz="3200" dirty="0" err="1">
+                <a:solidFill>
+                  <a:srgbClr val="000000"/>
+                </a:solidFill>
+                <a:ea typeface="Times New Roman" panose="02020603050405020304" pitchFamily="18" charset="0"/>
+                <a:cs typeface="Symbol" panose="05050102010706020507" pitchFamily="18" charset="2"/>
+              </a:rPr>
+              <a:t>expectations</a:t>
+            </a:r>
+            <a:r>
+              <a:rPr lang="nl-BE" sz="3200" dirty="0">
+                <a:solidFill>
+                  <a:srgbClr val="000000"/>
+                </a:solidFill>
+                <a:ea typeface="Times New Roman" panose="02020603050405020304" pitchFamily="18" charset="0"/>
+                <a:cs typeface="Symbol" panose="05050102010706020507" pitchFamily="18" charset="2"/>
+              </a:rPr>
+              <a:t> from </a:t>
+            </a:r>
+            <a:r>
+              <a:rPr lang="nl-BE" sz="3200" dirty="0" err="1">
+                <a:solidFill>
+                  <a:srgbClr val="000000"/>
+                </a:solidFill>
+                <a:ea typeface="Times New Roman" panose="02020603050405020304" pitchFamily="18" charset="0"/>
+                <a:cs typeface="Symbol" panose="05050102010706020507" pitchFamily="18" charset="2"/>
+              </a:rPr>
+              <a:t>interested</a:t>
+            </a:r>
+            <a:r>
+              <a:rPr lang="nl-BE" sz="3200" dirty="0">
+                <a:solidFill>
+                  <a:srgbClr val="000000"/>
+                </a:solidFill>
+                <a:ea typeface="Times New Roman" panose="02020603050405020304" pitchFamily="18" charset="0"/>
+                <a:cs typeface="Symbol" panose="05050102010706020507" pitchFamily="18" charset="2"/>
+              </a:rPr>
+              <a:t> </a:t>
+            </a:r>
+            <a:r>
+              <a:rPr lang="nl-BE" sz="3200" dirty="0" err="1">
+                <a:solidFill>
+                  <a:srgbClr val="000000"/>
+                </a:solidFill>
+                <a:ea typeface="Times New Roman" panose="02020603050405020304" pitchFamily="18" charset="0"/>
+                <a:cs typeface="Symbol" panose="05050102010706020507" pitchFamily="18" charset="2"/>
+              </a:rPr>
+              <a:t>parties</a:t>
+            </a:r>
+            <a:endParaRPr lang="nl-BE" sz="3200" dirty="0">
+              <a:solidFill>
+                <a:srgbClr val="000000"/>
+              </a:solidFill>
+              <a:ea typeface="Times New Roman" panose="02020603050405020304" pitchFamily="18" charset="0"/>
+              <a:cs typeface="Symbol" panose="05050102010706020507" pitchFamily="18" charset="2"/>
+            </a:endParaRPr>
           </a:p>
         </p:txBody>
       </p:sp>
     </p:spTree>
     <p:extLst>
       <p:ext uri="{BB962C8B-B14F-4D97-AF65-F5344CB8AC3E}">
-        <p14:creationId xmlns:p14="http://schemas.microsoft.com/office/powerpoint/2010/main" val="542498975"/>
+        <p14:creationId xmlns:p14="http://schemas.microsoft.com/office/powerpoint/2010/main" val="240238004"/>
       </p:ext>
     </p:extLst>
   </p:cSld>
@@ -13364,10 +15306,45 @@
       </p:grpSpPr>
       <p:sp>
         <p:nvSpPr>
-          <p:cNvPr id="5" name="Content Placeholder 4">
-            <a:extLst>
-              <a:ext uri="{FF2B5EF4-FFF2-40B4-BE49-F238E27FC236}">
-                <a16:creationId xmlns:a16="http://schemas.microsoft.com/office/drawing/2014/main" id="{67D3D307-9137-4497-83E4-A5BAE3594CA8}"/>
+          <p:cNvPr id="2" name="Title 1">
+            <a:extLst>
+              <a:ext uri="{FF2B5EF4-FFF2-40B4-BE49-F238E27FC236}">
+                <a16:creationId xmlns:a16="http://schemas.microsoft.com/office/drawing/2014/main" id="{352CEE4F-C003-6073-7686-0C94FBF1530D}"/>
+              </a:ext>
+            </a:extLst>
+          </p:cNvPr>
+          <p:cNvSpPr>
+            <a:spLocks noGrp="1"/>
+          </p:cNvSpPr>
+          <p:nvPr>
+            <p:ph type="title"/>
+          </p:nvPr>
+        </p:nvSpPr>
+        <p:spPr/>
+        <p:txBody>
+          <a:bodyPr/>
+          <a:lstStyle/>
+          <a:p>
+            <a:r>
+              <a:rPr lang="nl-BE" sz="4400" b="1" dirty="0">
+                <a:solidFill>
+                  <a:srgbClr val="000000"/>
+                </a:solidFill>
+                <a:ea typeface="Times New Roman" panose="02020603050405020304" pitchFamily="18" charset="0"/>
+                <a:cs typeface="Symbol" panose="05050102010706020507" pitchFamily="18" charset="2"/>
+              </a:rPr>
+              <a:t>Feedback on security performance</a:t>
+            </a:r>
+            <a:endParaRPr lang="nl-BE" b="1" dirty="0"/>
+          </a:p>
+        </p:txBody>
+      </p:sp>
+      <p:sp>
+        <p:nvSpPr>
+          <p:cNvPr id="3" name="Content Placeholder 2">
+            <a:extLst>
+              <a:ext uri="{FF2B5EF4-FFF2-40B4-BE49-F238E27FC236}">
+                <a16:creationId xmlns:a16="http://schemas.microsoft.com/office/drawing/2014/main" id="{A5599B84-E3EE-91C5-D914-DE92BC88687B}"/>
               </a:ext>
             </a:extLst>
           </p:cNvPr>
@@ -13380,67 +15357,47 @@
         </p:nvSpPr>
         <p:spPr/>
         <p:txBody>
-          <a:bodyPr/>
-          <a:lstStyle/>
-          <a:p>
-            <a:pPr marL="0" indent="0">
+          <a:bodyPr>
+            <a:normAutofit/>
+          </a:bodyPr>
+          <a:lstStyle/>
+          <a:p>
+            <a:pPr marL="0" lvl="0" indent="0">
+              <a:spcAft>
+                <a:spcPts val="0"/>
+              </a:spcAft>
               <a:buNone/>
             </a:pPr>
             <a:r>
-              <a:rPr lang="nl-BE" dirty="0">
-                <a:solidFill>
-                  <a:srgbClr val="000000"/>
-                </a:solidFill>
-                <a:latin typeface="Calibri" panose="020F0502020204030204" pitchFamily="34" charset="0"/>
-                <a:ea typeface="Times New Roman" panose="02020603050405020304" pitchFamily="18" charset="0"/>
-                <a:cs typeface="Symbol" panose="05050102010706020507" pitchFamily="18" charset="2"/>
-              </a:rPr>
-              <a:t>List </a:t>
-            </a:r>
-            <a:r>
-              <a:rPr lang="nl-BE" dirty="0" err="1">
-                <a:solidFill>
-                  <a:srgbClr val="000000"/>
-                </a:solidFill>
-                <a:latin typeface="Calibri" panose="020F0502020204030204" pitchFamily="34" charset="0"/>
-                <a:ea typeface="Times New Roman" panose="02020603050405020304" pitchFamily="18" charset="0"/>
-                <a:cs typeface="Symbol" panose="05050102010706020507" pitchFamily="18" charset="2"/>
-              </a:rPr>
-              <a:t>NCs</a:t>
-            </a:r>
-            <a:r>
-              <a:rPr lang="nl-BE" dirty="0">
-                <a:solidFill>
-                  <a:srgbClr val="000000"/>
-                </a:solidFill>
-                <a:latin typeface="Calibri" panose="020F0502020204030204" pitchFamily="34" charset="0"/>
-                <a:ea typeface="Times New Roman" panose="02020603050405020304" pitchFamily="18" charset="0"/>
-                <a:cs typeface="Symbol" panose="05050102010706020507" pitchFamily="18" charset="2"/>
-              </a:rPr>
-              <a:t> and </a:t>
-            </a:r>
-            <a:r>
-              <a:rPr lang="nl-BE" dirty="0" err="1">
-                <a:solidFill>
-                  <a:srgbClr val="000000"/>
-                </a:solidFill>
-                <a:latin typeface="Calibri" panose="020F0502020204030204" pitchFamily="34" charset="0"/>
-                <a:ea typeface="Times New Roman" panose="02020603050405020304" pitchFamily="18" charset="0"/>
-                <a:cs typeface="Symbol" panose="05050102010706020507" pitchFamily="18" charset="2"/>
-              </a:rPr>
-              <a:t>corrective</a:t>
-            </a:r>
-            <a:r>
-              <a:rPr lang="nl-BE" dirty="0">
-                <a:solidFill>
-                  <a:srgbClr val="000000"/>
-                </a:solidFill>
-                <a:latin typeface="Calibri" panose="020F0502020204030204" pitchFamily="34" charset="0"/>
-                <a:ea typeface="Times New Roman" panose="02020603050405020304" pitchFamily="18" charset="0"/>
-                <a:cs typeface="Symbol" panose="05050102010706020507" pitchFamily="18" charset="2"/>
-              </a:rPr>
-              <a:t> actions</a:t>
-            </a:r>
+              <a:rPr lang="nl-BE" sz="2400" dirty="0">
+                <a:solidFill>
+                  <a:srgbClr val="000000"/>
+                </a:solidFill>
+                <a:latin typeface="Calibri" panose="020F0502020204030204" pitchFamily="34" charset="0"/>
+                <a:ea typeface="Times New Roman" panose="02020603050405020304" pitchFamily="18" charset="0"/>
+                <a:cs typeface="Symbol" panose="05050102010706020507" pitchFamily="18" charset="2"/>
+              </a:rPr>
+              <a:t>Feedback on security performance </a:t>
+            </a:r>
+            <a:r>
+              <a:rPr lang="nl-BE" sz="2400" dirty="0" err="1">
+                <a:solidFill>
+                  <a:srgbClr val="000000"/>
+                </a:solidFill>
+                <a:latin typeface="Calibri" panose="020F0502020204030204" pitchFamily="34" charset="0"/>
+                <a:ea typeface="Times New Roman" panose="02020603050405020304" pitchFamily="18" charset="0"/>
+                <a:cs typeface="Symbol" panose="05050102010706020507" pitchFamily="18" charset="2"/>
+              </a:rPr>
+              <a:t>includes</a:t>
+            </a:r>
+            <a:endParaRPr lang="nl-BE" sz="2400" dirty="0">
+              <a:solidFill>
+                <a:srgbClr val="000000"/>
+              </a:solidFill>
+              <a:latin typeface="Calibri" panose="020F0502020204030204" pitchFamily="34" charset="0"/>
+              <a:ea typeface="Times New Roman" panose="02020603050405020304" pitchFamily="18" charset="0"/>
+              <a:cs typeface="Symbol" panose="05050102010706020507" pitchFamily="18" charset="2"/>
+            </a:endParaRPr>
           </a:p>
           <a:p>
             <a:pPr marL="800100" lvl="1" indent="-342900">
@@ -13448,18 +15405,48 @@
               <a:buChar char=""/>
             </a:pPr>
             <a:r>
+              <a:rPr lang="nl-BE" sz="2400" dirty="0" err="1">
+                <a:solidFill>
+                  <a:srgbClr val="000000"/>
+                </a:solidFill>
+                <a:latin typeface="Calibri" panose="020F0502020204030204" pitchFamily="34" charset="0"/>
+                <a:ea typeface="Times New Roman" panose="02020603050405020304" pitchFamily="18" charset="0"/>
+                <a:cs typeface="Symbol" panose="05050102010706020507" pitchFamily="18" charset="2"/>
+              </a:rPr>
+              <a:t>NCs</a:t>
+            </a:r>
+            <a:r>
               <a:rPr lang="nl-BE" sz="2400" dirty="0">
                 <a:solidFill>
                   <a:srgbClr val="000000"/>
                 </a:solidFill>
-                <a:highlight>
-                  <a:srgbClr val="00FFFF"/>
-                </a:highlight>
-                <a:latin typeface="Calibri" panose="020F0502020204030204" pitchFamily="34" charset="0"/>
-                <a:ea typeface="Times New Roman" panose="02020603050405020304" pitchFamily="18" charset="0"/>
-                <a:cs typeface="Symbol" panose="05050102010706020507" pitchFamily="18" charset="2"/>
-              </a:rPr>
-              <a:t>#Major NC</a:t>
+                <a:latin typeface="Calibri" panose="020F0502020204030204" pitchFamily="34" charset="0"/>
+                <a:ea typeface="Times New Roman" panose="02020603050405020304" pitchFamily="18" charset="0"/>
+                <a:cs typeface="Symbol" panose="05050102010706020507" pitchFamily="18" charset="2"/>
+              </a:rPr>
+              <a:t> and </a:t>
+            </a:r>
+            <a:r>
+              <a:rPr lang="nl-BE" sz="2400" dirty="0" err="1">
+                <a:solidFill>
+                  <a:srgbClr val="000000"/>
+                </a:solidFill>
+                <a:latin typeface="Calibri" panose="020F0502020204030204" pitchFamily="34" charset="0"/>
+                <a:ea typeface="Times New Roman" panose="02020603050405020304" pitchFamily="18" charset="0"/>
+                <a:cs typeface="Symbol" panose="05050102010706020507" pitchFamily="18" charset="2"/>
+              </a:rPr>
+              <a:t>corrective</a:t>
+            </a:r>
+            <a:r>
+              <a:rPr lang="nl-BE" sz="2400" dirty="0">
+                <a:solidFill>
+                  <a:srgbClr val="000000"/>
+                </a:solidFill>
+                <a:latin typeface="Calibri" panose="020F0502020204030204" pitchFamily="34" charset="0"/>
+                <a:ea typeface="Times New Roman" panose="02020603050405020304" pitchFamily="18" charset="0"/>
+                <a:cs typeface="Symbol" panose="05050102010706020507" pitchFamily="18" charset="2"/>
+              </a:rPr>
+              <a:t> actions</a:t>
             </a:r>
           </a:p>
           <a:p>
@@ -13468,19 +15455,57 @@
               <a:buChar char=""/>
             </a:pPr>
             <a:r>
-              <a:rPr lang="nl-BE" dirty="0">
-                <a:solidFill>
-                  <a:srgbClr val="000000"/>
-                </a:solidFill>
-                <a:highlight>
-                  <a:srgbClr val="00FFFF"/>
-                </a:highlight>
-                <a:latin typeface="Calibri" panose="020F0502020204030204" pitchFamily="34" charset="0"/>
-                <a:ea typeface="Times New Roman" panose="02020603050405020304" pitchFamily="18" charset="0"/>
-                <a:cs typeface="Symbol" panose="05050102010706020507" pitchFamily="18" charset="2"/>
-              </a:rPr>
-              <a:t>#Minor NC</a:t>
-            </a:r>
+              <a:rPr lang="nl-BE" sz="2400" dirty="0">
+                <a:solidFill>
+                  <a:srgbClr val="000000"/>
+                </a:solidFill>
+                <a:latin typeface="Calibri" panose="020F0502020204030204" pitchFamily="34" charset="0"/>
+                <a:ea typeface="Times New Roman" panose="02020603050405020304" pitchFamily="18" charset="0"/>
+                <a:cs typeface="Symbol" panose="05050102010706020507" pitchFamily="18" charset="2"/>
+              </a:rPr>
+              <a:t>Monitoring and </a:t>
+            </a:r>
+            <a:r>
+              <a:rPr lang="nl-BE" sz="2400" dirty="0" err="1">
+                <a:solidFill>
+                  <a:srgbClr val="000000"/>
+                </a:solidFill>
+                <a:latin typeface="Calibri" panose="020F0502020204030204" pitchFamily="34" charset="0"/>
+                <a:ea typeface="Times New Roman" panose="02020603050405020304" pitchFamily="18" charset="0"/>
+                <a:cs typeface="Symbol" panose="05050102010706020507" pitchFamily="18" charset="2"/>
+              </a:rPr>
+              <a:t>measuring</a:t>
+            </a:r>
+            <a:r>
+              <a:rPr lang="nl-BE" sz="2400" dirty="0">
+                <a:solidFill>
+                  <a:srgbClr val="000000"/>
+                </a:solidFill>
+                <a:latin typeface="Calibri" panose="020F0502020204030204" pitchFamily="34" charset="0"/>
+                <a:ea typeface="Times New Roman" panose="02020603050405020304" pitchFamily="18" charset="0"/>
+                <a:cs typeface="Symbol" panose="05050102010706020507" pitchFamily="18" charset="2"/>
+              </a:rPr>
+              <a:t> </a:t>
+            </a:r>
+            <a:r>
+              <a:rPr lang="nl-BE" sz="2400" dirty="0" err="1">
+                <a:solidFill>
+                  <a:srgbClr val="000000"/>
+                </a:solidFill>
+                <a:latin typeface="Calibri" panose="020F0502020204030204" pitchFamily="34" charset="0"/>
+                <a:ea typeface="Times New Roman" panose="02020603050405020304" pitchFamily="18" charset="0"/>
+                <a:cs typeface="Symbol" panose="05050102010706020507" pitchFamily="18" charset="2"/>
+              </a:rPr>
+              <a:t>results</a:t>
+            </a:r>
+            <a:endParaRPr lang="nl-BE" sz="2400" dirty="0">
+              <a:solidFill>
+                <a:srgbClr val="000000"/>
+              </a:solidFill>
+              <a:latin typeface="Calibri" panose="020F0502020204030204" pitchFamily="34" charset="0"/>
+              <a:ea typeface="Times New Roman" panose="02020603050405020304" pitchFamily="18" charset="0"/>
+              <a:cs typeface="Symbol" panose="05050102010706020507" pitchFamily="18" charset="2"/>
+            </a:endParaRPr>
           </a:p>
           <a:p>
             <a:pPr marL="800100" lvl="1" indent="-342900">
@@ -13492,15 +15517,31 @@
                 <a:solidFill>
                   <a:srgbClr val="000000"/>
                 </a:solidFill>
-                <a:highlight>
-                  <a:srgbClr val="00FFFF"/>
-                </a:highlight>
-                <a:latin typeface="Calibri" panose="020F0502020204030204" pitchFamily="34" charset="0"/>
-                <a:ea typeface="Times New Roman" panose="02020603050405020304" pitchFamily="18" charset="0"/>
-                <a:cs typeface="Symbol" panose="05050102010706020507" pitchFamily="18" charset="2"/>
-              </a:rPr>
-              <a:t>OFI</a:t>
-            </a:r>
+                <a:latin typeface="Calibri" panose="020F0502020204030204" pitchFamily="34" charset="0"/>
+                <a:ea typeface="Times New Roman" panose="02020603050405020304" pitchFamily="18" charset="0"/>
+                <a:cs typeface="Symbol" panose="05050102010706020507" pitchFamily="18" charset="2"/>
+              </a:rPr>
+              <a:t>Audit </a:t>
+            </a:r>
+            <a:r>
+              <a:rPr lang="nl-BE" sz="2400" dirty="0" err="1">
+                <a:solidFill>
+                  <a:srgbClr val="000000"/>
+                </a:solidFill>
+                <a:latin typeface="Calibri" panose="020F0502020204030204" pitchFamily="34" charset="0"/>
+                <a:ea typeface="Times New Roman" panose="02020603050405020304" pitchFamily="18" charset="0"/>
+                <a:cs typeface="Symbol" panose="05050102010706020507" pitchFamily="18" charset="2"/>
+              </a:rPr>
+              <a:t>results</a:t>
+            </a:r>
+            <a:endParaRPr lang="nl-BE" sz="2400" dirty="0">
+              <a:solidFill>
+                <a:srgbClr val="000000"/>
+              </a:solidFill>
+              <a:latin typeface="Calibri" panose="020F0502020204030204" pitchFamily="34" charset="0"/>
+              <a:ea typeface="Times New Roman" panose="02020603050405020304" pitchFamily="18" charset="0"/>
+              <a:cs typeface="Symbol" panose="05050102010706020507" pitchFamily="18" charset="2"/>
+            </a:endParaRPr>
           </a:p>
           <a:p>
             <a:pPr marL="800100" lvl="1" indent="-342900">
@@ -13512,173 +15553,51 @@
                 <a:solidFill>
                   <a:srgbClr val="000000"/>
                 </a:solidFill>
-                <a:highlight>
-                  <a:srgbClr val="00FFFF"/>
-                </a:highlight>
-                <a:latin typeface="Calibri" panose="020F0502020204030204" pitchFamily="34" charset="0"/>
-                <a:ea typeface="Times New Roman" panose="02020603050405020304" pitchFamily="18" charset="0"/>
-                <a:cs typeface="Symbol" panose="05050102010706020507" pitchFamily="18" charset="2"/>
-              </a:rPr>
-              <a:t>Incidents</a:t>
-            </a:r>
-            <a:endParaRPr lang="nl-BE" dirty="0">
+                <a:latin typeface="Calibri" panose="020F0502020204030204" pitchFamily="34" charset="0"/>
+                <a:ea typeface="Times New Roman" panose="02020603050405020304" pitchFamily="18" charset="0"/>
+                <a:cs typeface="Symbol" panose="05050102010706020507" pitchFamily="18" charset="2"/>
+              </a:rPr>
+              <a:t>Fullfilment</a:t>
+            </a:r>
+            <a:r>
+              <a:rPr lang="nl-BE" sz="2400" dirty="0">
+                <a:solidFill>
+                  <a:srgbClr val="000000"/>
+                </a:solidFill>
+                <a:latin typeface="Calibri" panose="020F0502020204030204" pitchFamily="34" charset="0"/>
+                <a:ea typeface="Times New Roman" panose="02020603050405020304" pitchFamily="18" charset="0"/>
+                <a:cs typeface="Symbol" panose="05050102010706020507" pitchFamily="18" charset="2"/>
+              </a:rPr>
+              <a:t> of </a:t>
+            </a:r>
+            <a:r>
+              <a:rPr lang="nl-BE" sz="2400" dirty="0" err="1">
+                <a:solidFill>
+                  <a:srgbClr val="000000"/>
+                </a:solidFill>
+                <a:latin typeface="Calibri" panose="020F0502020204030204" pitchFamily="34" charset="0"/>
+                <a:ea typeface="Times New Roman" panose="02020603050405020304" pitchFamily="18" charset="0"/>
+                <a:cs typeface="Symbol" panose="05050102010706020507" pitchFamily="18" charset="2"/>
+              </a:rPr>
+              <a:t>objectives</a:t>
+            </a:r>
+            <a:endParaRPr lang="nl-BE" sz="2400" dirty="0">
               <a:solidFill>
                 <a:srgbClr val="000000"/>
               </a:solidFill>
-              <a:highlight>
-                <a:srgbClr val="00FFFF"/>
-              </a:highlight>
               <a:latin typeface="Calibri" panose="020F0502020204030204" pitchFamily="34" charset="0"/>
               <a:ea typeface="Times New Roman" panose="02020603050405020304" pitchFamily="18" charset="0"/>
               <a:cs typeface="Symbol" panose="05050102010706020507" pitchFamily="18" charset="2"/>
             </a:endParaRPr>
           </a:p>
-          <a:p>
-            <a:pPr marL="0" indent="0">
-              <a:buNone/>
-            </a:pPr>
-            <a:r>
-              <a:rPr lang="nl-BE" dirty="0" err="1">
-                <a:solidFill>
-                  <a:srgbClr val="000000"/>
-                </a:solidFill>
-                <a:latin typeface="Calibri" panose="020F0502020204030204" pitchFamily="34" charset="0"/>
-                <a:ea typeface="Times New Roman" panose="02020603050405020304" pitchFamily="18" charset="0"/>
-                <a:cs typeface="Symbol" panose="05050102010706020507" pitchFamily="18" charset="2"/>
-              </a:rPr>
-              <a:t>Corrective</a:t>
-            </a:r>
-            <a:r>
-              <a:rPr lang="nl-BE" dirty="0">
-                <a:solidFill>
-                  <a:srgbClr val="000000"/>
-                </a:solidFill>
-                <a:latin typeface="Calibri" panose="020F0502020204030204" pitchFamily="34" charset="0"/>
-                <a:ea typeface="Times New Roman" panose="02020603050405020304" pitchFamily="18" charset="0"/>
-                <a:cs typeface="Symbol" panose="05050102010706020507" pitchFamily="18" charset="2"/>
-              </a:rPr>
-              <a:t> actions</a:t>
-            </a:r>
-          </a:p>
-          <a:p>
-            <a:pPr marL="800013" lvl="1" indent="-342900">
-              <a:buFont typeface="Symbol" panose="05050102010706020507" pitchFamily="18" charset="2"/>
-              <a:buChar char=""/>
-            </a:pPr>
-            <a:r>
-              <a:rPr lang="nl-BE" dirty="0">
-                <a:solidFill>
-                  <a:srgbClr val="000000"/>
-                </a:solidFill>
-                <a:highlight>
-                  <a:srgbClr val="00FFFF"/>
-                </a:highlight>
-                <a:latin typeface="Calibri" panose="020F0502020204030204" pitchFamily="34" charset="0"/>
-                <a:ea typeface="Times New Roman" panose="02020603050405020304" pitchFamily="18" charset="0"/>
-                <a:cs typeface="Symbol" panose="05050102010706020507" pitchFamily="18" charset="2"/>
-              </a:rPr>
-              <a:t>…</a:t>
-            </a:r>
-          </a:p>
-        </p:txBody>
-      </p:sp>
-      <p:sp>
-        <p:nvSpPr>
-          <p:cNvPr id="4" name="Title 3">
-            <a:extLst>
-              <a:ext uri="{FF2B5EF4-FFF2-40B4-BE49-F238E27FC236}">
-                <a16:creationId xmlns:a16="http://schemas.microsoft.com/office/drawing/2014/main" id="{390B2C54-4DEE-4ADC-99B0-309418E10131}"/>
-              </a:ext>
-            </a:extLst>
-          </p:cNvPr>
-          <p:cNvSpPr>
-            <a:spLocks noGrp="1"/>
-          </p:cNvSpPr>
-          <p:nvPr>
-            <p:ph type="title"/>
-          </p:nvPr>
-        </p:nvSpPr>
-        <p:spPr/>
-        <p:txBody>
-          <a:bodyPr>
-            <a:normAutofit/>
-          </a:bodyPr>
-          <a:lstStyle/>
-          <a:p>
-            <a:r>
-              <a:rPr lang="nl-BE" sz="3200" b="1" dirty="0">
-                <a:solidFill>
-                  <a:srgbClr val="000000"/>
-                </a:solidFill>
-                <a:latin typeface="Calibri Light" panose="020F0302020204030204" pitchFamily="34" charset="0"/>
-                <a:ea typeface="Calibri Light" panose="020F0302020204030204" pitchFamily="34" charset="0"/>
-                <a:cs typeface="Calibri Light" panose="020F0302020204030204" pitchFamily="34" charset="0"/>
-              </a:rPr>
-              <a:t>Feedback on security performance</a:t>
-            </a:r>
-            <a:br>
-              <a:rPr lang="nl-BE" sz="3200" b="1" dirty="0">
-                <a:solidFill>
-                  <a:srgbClr val="000000"/>
-                </a:solidFill>
-                <a:latin typeface="Calibri Light" panose="020F0302020204030204" pitchFamily="34" charset="0"/>
-                <a:ea typeface="Calibri Light" panose="020F0302020204030204" pitchFamily="34" charset="0"/>
-                <a:cs typeface="Calibri Light" panose="020F0302020204030204" pitchFamily="34" charset="0"/>
-              </a:rPr>
-            </a:br>
-            <a:r>
-              <a:rPr lang="nl-BE" sz="3200" u="sng" dirty="0" err="1">
-                <a:solidFill>
-                  <a:srgbClr val="000000"/>
-                </a:solidFill>
-                <a:latin typeface="Calibri Light" panose="020F0302020204030204" pitchFamily="34" charset="0"/>
-                <a:ea typeface="Calibri Light" panose="020F0302020204030204" pitchFamily="34" charset="0"/>
-                <a:cs typeface="Calibri Light" panose="020F0302020204030204" pitchFamily="34" charset="0"/>
-              </a:rPr>
-              <a:t>NCs</a:t>
-            </a:r>
-            <a:r>
-              <a:rPr lang="nl-BE" sz="3200" u="sng" dirty="0">
-                <a:solidFill>
-                  <a:srgbClr val="000000"/>
-                </a:solidFill>
-                <a:latin typeface="Calibri Light" panose="020F0302020204030204" pitchFamily="34" charset="0"/>
-                <a:ea typeface="Calibri Light" panose="020F0302020204030204" pitchFamily="34" charset="0"/>
-                <a:cs typeface="Calibri Light" panose="020F0302020204030204" pitchFamily="34" charset="0"/>
-              </a:rPr>
-              <a:t> and </a:t>
-            </a:r>
-            <a:r>
-              <a:rPr lang="nl-BE" sz="3200" u="sng" dirty="0" err="1">
-                <a:solidFill>
-                  <a:srgbClr val="000000"/>
-                </a:solidFill>
-                <a:latin typeface="Calibri Light" panose="020F0302020204030204" pitchFamily="34" charset="0"/>
-                <a:ea typeface="Calibri Light" panose="020F0302020204030204" pitchFamily="34" charset="0"/>
-                <a:cs typeface="Calibri Light" panose="020F0302020204030204" pitchFamily="34" charset="0"/>
-              </a:rPr>
-              <a:t>corrective</a:t>
-            </a:r>
-            <a:r>
-              <a:rPr lang="nl-BE" sz="3200" u="sng" dirty="0">
-                <a:solidFill>
-                  <a:srgbClr val="000000"/>
-                </a:solidFill>
-                <a:latin typeface="Calibri Light" panose="020F0302020204030204" pitchFamily="34" charset="0"/>
-                <a:ea typeface="Calibri Light" panose="020F0302020204030204" pitchFamily="34" charset="0"/>
-                <a:cs typeface="Calibri Light" panose="020F0302020204030204" pitchFamily="34" charset="0"/>
-              </a:rPr>
-              <a:t> actions</a:t>
-            </a:r>
-          </a:p>
-        </p:txBody>
-      </p:sp>
-      <p:sp>
-        <p:nvSpPr>
-          <p:cNvPr id="2" name="Date Placeholder 3">
-            <a:extLst>
-              <a:ext uri="{FF2B5EF4-FFF2-40B4-BE49-F238E27FC236}">
-                <a16:creationId xmlns:a16="http://schemas.microsoft.com/office/drawing/2014/main" id="{48BD7097-2806-5A08-6DC9-ADF0D4454522}"/>
+        </p:txBody>
+      </p:sp>
+      <p:sp>
+        <p:nvSpPr>
+          <p:cNvPr id="4" name="Date Placeholder 3">
+            <a:extLst>
+              <a:ext uri="{FF2B5EF4-FFF2-40B4-BE49-F238E27FC236}">
+                <a16:creationId xmlns:a16="http://schemas.microsoft.com/office/drawing/2014/main" id="{B300A318-D5E4-BCDA-38A7-4D80F097CAB8}"/>
               </a:ext>
             </a:extLst>
           </p:cNvPr>
@@ -13709,10 +15628,10 @@
       </p:sp>
       <p:sp>
         <p:nvSpPr>
-          <p:cNvPr id="3" name="Footer Placeholder 4">
-            <a:extLst>
-              <a:ext uri="{FF2B5EF4-FFF2-40B4-BE49-F238E27FC236}">
-                <a16:creationId xmlns:a16="http://schemas.microsoft.com/office/drawing/2014/main" id="{21313A82-A27C-5285-E6C1-1587131657C7}"/>
+          <p:cNvPr id="5" name="Footer Placeholder 4">
+            <a:extLst>
+              <a:ext uri="{FF2B5EF4-FFF2-40B4-BE49-F238E27FC236}">
+                <a16:creationId xmlns:a16="http://schemas.microsoft.com/office/drawing/2014/main" id="{5A1D0F7D-BED3-B3BA-20A9-D309C8288C8A}"/>
               </a:ext>
             </a:extLst>
           </p:cNvPr>
@@ -13745,7 +15664,7 @@
           <p:cNvPr id="6" name="Slide Number Placeholder 5">
             <a:extLst>
               <a:ext uri="{FF2B5EF4-FFF2-40B4-BE49-F238E27FC236}">
-                <a16:creationId xmlns:a16="http://schemas.microsoft.com/office/drawing/2014/main" id="{22E3F05E-DCA8-A90E-0AE0-8B98980437A1}"/>
+                <a16:creationId xmlns:a16="http://schemas.microsoft.com/office/drawing/2014/main" id="{6B590B11-4F32-EAFF-8650-825C05173685}"/>
               </a:ext>
             </a:extLst>
           </p:cNvPr>
@@ -13777,7 +15696,7 @@
     </p:spTree>
     <p:extLst>
       <p:ext uri="{BB962C8B-B14F-4D97-AF65-F5344CB8AC3E}">
-        <p14:creationId xmlns:p14="http://schemas.microsoft.com/office/powerpoint/2010/main" val="890866697"/>
+        <p14:creationId xmlns:p14="http://schemas.microsoft.com/office/powerpoint/2010/main" val="542498975"/>
       </p:ext>
     </p:extLst>
   </p:cSld>
